--- a/Credit Card Fraud Detection.pptx
+++ b/Credit Card Fraud Detection.pptx
@@ -17,19 +17,19 @@
     <p:sldId id="401" r:id="rId8"/>
     <p:sldId id="334" r:id="rId9"/>
     <p:sldId id="368" r:id="rId10"/>
-    <p:sldId id="374" r:id="rId11"/>
-    <p:sldId id="402" r:id="rId12"/>
-    <p:sldId id="375" r:id="rId13"/>
-    <p:sldId id="365" r:id="rId14"/>
-    <p:sldId id="373" r:id="rId15"/>
-    <p:sldId id="403" r:id="rId16"/>
-    <p:sldId id="369" r:id="rId17"/>
-    <p:sldId id="366" r:id="rId18"/>
-    <p:sldId id="384" r:id="rId19"/>
-    <p:sldId id="371" r:id="rId20"/>
-    <p:sldId id="377" r:id="rId21"/>
-    <p:sldId id="376" r:id="rId22"/>
-    <p:sldId id="364" r:id="rId23"/>
+    <p:sldId id="402" r:id="rId11"/>
+    <p:sldId id="375" r:id="rId12"/>
+    <p:sldId id="365" r:id="rId13"/>
+    <p:sldId id="373" r:id="rId14"/>
+    <p:sldId id="403" r:id="rId15"/>
+    <p:sldId id="369" r:id="rId16"/>
+    <p:sldId id="366" r:id="rId17"/>
+    <p:sldId id="384" r:id="rId18"/>
+    <p:sldId id="371" r:id="rId19"/>
+    <p:sldId id="377" r:id="rId20"/>
+    <p:sldId id="406" r:id="rId21"/>
+    <p:sldId id="404" r:id="rId22"/>
+    <p:sldId id="405" r:id="rId23"/>
     <p:sldId id="343" r:id="rId24"/>
   </p:sldIdLst>
   <p:sldSz cx="12192000" cy="6858000"/>
@@ -375,7 +375,7 @@
           <a:p>
             <a:fld id="{6EE7A52F-9D89-7442-A8E9-48D1527B5F6B}" type="datetimeFigureOut">
               <a:rPr lang="en-US" smtClean="0"/>
-              <a:t>2/28/2024</a:t>
+              <a:t>2/29/2024</a:t>
             </a:fld>
             <a:endParaRPr lang="en-US" dirty="0"/>
           </a:p>
@@ -791,7 +791,7 @@
           <a:p>
             <a:fld id="{A89C7E07-3C67-C64C-8DA0-0404F6303970}" type="slidenum">
               <a:rPr lang="en-US" smtClean="0"/>
-              <a:t>7</a:t>
+              <a:t>8</a:t>
             </a:fld>
             <a:endParaRPr lang="en-US" dirty="0"/>
           </a:p>
@@ -800,7 +800,7 @@
     </p:spTree>
     <p:extLst>
       <p:ext uri="{BB962C8B-B14F-4D97-AF65-F5344CB8AC3E}">
-        <p14:creationId xmlns:p14="http://schemas.microsoft.com/office/powerpoint/2010/main" val="231267218"/>
+        <p14:creationId xmlns:p14="http://schemas.microsoft.com/office/powerpoint/2010/main" val="168641992"/>
       </p:ext>
     </p:extLst>
   </p:cSld>
@@ -875,91 +875,7 @@
           <a:p>
             <a:fld id="{A89C7E07-3C67-C64C-8DA0-0404F6303970}" type="slidenum">
               <a:rPr lang="en-US" smtClean="0"/>
-              <a:t>9</a:t>
-            </a:fld>
-            <a:endParaRPr lang="en-US" dirty="0"/>
-          </a:p>
-        </p:txBody>
-      </p:sp>
-    </p:spTree>
-    <p:extLst>
-      <p:ext uri="{BB962C8B-B14F-4D97-AF65-F5344CB8AC3E}">
-        <p14:creationId xmlns:p14="http://schemas.microsoft.com/office/powerpoint/2010/main" val="168641992"/>
-      </p:ext>
-    </p:extLst>
-  </p:cSld>
-  <p:clrMapOvr>
-    <a:masterClrMapping/>
-  </p:clrMapOvr>
-</p:notes>
-</file>
-
-<file path=ppt/notesSlides/notesSlide4.xml><?xml version="1.0" encoding="utf-8"?>
-<p:notes xmlns:a="http://schemas.openxmlformats.org/drawingml/2006/main" xmlns:r="http://schemas.openxmlformats.org/officeDocument/2006/relationships" xmlns:p="http://schemas.openxmlformats.org/presentationml/2006/main">
-  <p:cSld>
-    <p:spTree>
-      <p:nvGrpSpPr>
-        <p:cNvPr id="1" name=""/>
-        <p:cNvGrpSpPr/>
-        <p:nvPr/>
-      </p:nvGrpSpPr>
-      <p:grpSpPr>
-        <a:xfrm>
-          <a:off x="0" y="0"/>
-          <a:ext cx="0" cy="0"/>
-          <a:chOff x="0" y="0"/>
-          <a:chExt cx="0" cy="0"/>
-        </a:xfrm>
-      </p:grpSpPr>
-      <p:sp>
-        <p:nvSpPr>
-          <p:cNvPr id="2" name="Slide Image Placeholder 1"/>
-          <p:cNvSpPr>
-            <a:spLocks noGrp="1" noRot="1" noChangeAspect="1"/>
-          </p:cNvSpPr>
-          <p:nvPr>
-            <p:ph type="sldImg"/>
-          </p:nvPr>
-        </p:nvSpPr>
-        <p:spPr/>
-      </p:sp>
-      <p:sp>
-        <p:nvSpPr>
-          <p:cNvPr id="3" name="Notes Placeholder 2"/>
-          <p:cNvSpPr>
-            <a:spLocks noGrp="1"/>
-          </p:cNvSpPr>
-          <p:nvPr>
-            <p:ph type="body" idx="1"/>
-          </p:nvPr>
-        </p:nvSpPr>
-        <p:spPr/>
-        <p:txBody>
-          <a:bodyPr/>
-          <a:lstStyle/>
-          <a:p>
-            <a:endParaRPr lang="en-US" dirty="0"/>
-          </a:p>
-        </p:txBody>
-      </p:sp>
-      <p:sp>
-        <p:nvSpPr>
-          <p:cNvPr id="4" name="Slide Number Placeholder 3"/>
-          <p:cNvSpPr>
-            <a:spLocks noGrp="1"/>
-          </p:cNvSpPr>
-          <p:nvPr>
-            <p:ph type="sldNum" sz="quarter" idx="5"/>
-          </p:nvPr>
-        </p:nvSpPr>
-        <p:spPr/>
-        <p:txBody>
-          <a:bodyPr/>
-          <a:lstStyle/>
-          <a:p>
-            <a:fld id="{A89C7E07-3C67-C64C-8DA0-0404F6303970}" type="slidenum">
-              <a:rPr lang="en-US" smtClean="0"/>
-              <a:t>14</a:t>
+              <a:t>13</a:t>
             </a:fld>
             <a:endParaRPr lang="en-US" dirty="0"/>
           </a:p>
@@ -978,91 +894,7 @@
 </p:notes>
 </file>
 
-<file path=ppt/notesSlides/notesSlide5.xml><?xml version="1.0" encoding="utf-8"?>
-<p:notes xmlns:a="http://schemas.openxmlformats.org/drawingml/2006/main" xmlns:r="http://schemas.openxmlformats.org/officeDocument/2006/relationships" xmlns:p="http://schemas.openxmlformats.org/presentationml/2006/main">
-  <p:cSld>
-    <p:spTree>
-      <p:nvGrpSpPr>
-        <p:cNvPr id="1" name=""/>
-        <p:cNvGrpSpPr/>
-        <p:nvPr/>
-      </p:nvGrpSpPr>
-      <p:grpSpPr>
-        <a:xfrm>
-          <a:off x="0" y="0"/>
-          <a:ext cx="0" cy="0"/>
-          <a:chOff x="0" y="0"/>
-          <a:chExt cx="0" cy="0"/>
-        </a:xfrm>
-      </p:grpSpPr>
-      <p:sp>
-        <p:nvSpPr>
-          <p:cNvPr id="2" name="Slide Image Placeholder 1"/>
-          <p:cNvSpPr>
-            <a:spLocks noGrp="1" noRot="1" noChangeAspect="1"/>
-          </p:cNvSpPr>
-          <p:nvPr>
-            <p:ph type="sldImg"/>
-          </p:nvPr>
-        </p:nvSpPr>
-        <p:spPr/>
-      </p:sp>
-      <p:sp>
-        <p:nvSpPr>
-          <p:cNvPr id="3" name="Notes Placeholder 2"/>
-          <p:cNvSpPr>
-            <a:spLocks noGrp="1"/>
-          </p:cNvSpPr>
-          <p:nvPr>
-            <p:ph type="body" idx="1"/>
-          </p:nvPr>
-        </p:nvSpPr>
-        <p:spPr/>
-        <p:txBody>
-          <a:bodyPr/>
-          <a:lstStyle/>
-          <a:p>
-            <a:endParaRPr lang="en-US" dirty="0"/>
-          </a:p>
-        </p:txBody>
-      </p:sp>
-      <p:sp>
-        <p:nvSpPr>
-          <p:cNvPr id="4" name="Slide Number Placeholder 3"/>
-          <p:cNvSpPr>
-            <a:spLocks noGrp="1"/>
-          </p:cNvSpPr>
-          <p:nvPr>
-            <p:ph type="sldNum" sz="quarter" idx="5"/>
-          </p:nvPr>
-        </p:nvSpPr>
-        <p:spPr/>
-        <p:txBody>
-          <a:bodyPr/>
-          <a:lstStyle/>
-          <a:p>
-            <a:fld id="{A89C7E07-3C67-C64C-8DA0-0404F6303970}" type="slidenum">
-              <a:rPr lang="en-US" smtClean="0"/>
-              <a:t>18</a:t>
-            </a:fld>
-            <a:endParaRPr lang="en-US" dirty="0"/>
-          </a:p>
-        </p:txBody>
-      </p:sp>
-    </p:spTree>
-    <p:extLst>
-      <p:ext uri="{BB962C8B-B14F-4D97-AF65-F5344CB8AC3E}">
-        <p14:creationId xmlns:p14="http://schemas.microsoft.com/office/powerpoint/2010/main" val="4185343993"/>
-      </p:ext>
-    </p:extLst>
-  </p:cSld>
-  <p:clrMapOvr>
-    <a:masterClrMapping/>
-  </p:clrMapOvr>
-</p:notes>
-</file>
-
-<file path=ppt/notesSlides/notesSlide6.xml><?xml version="1.0" encoding="utf-8"?>
+<file path=ppt/notesSlides/notesSlide4.xml><?xml version="1.0" encoding="utf-8"?>
 <p:notes xmlns:a="http://schemas.openxmlformats.org/drawingml/2006/main" xmlns:r="http://schemas.openxmlformats.org/officeDocument/2006/relationships" xmlns:p="http://schemas.openxmlformats.org/presentationml/2006/main">
   <p:cSld>
     <p:spTree>
@@ -12965,7 +12797,7 @@
             <a:fld id="{6FCA8E82-58CD-E045-8B98-B7A85B79B752}" type="datetime4">
               <a:rPr lang="en-US" smtClean="0"/>
               <a:pPr/>
-              <a:t>February 28, 2024</a:t>
+              <a:t>February 29, 2024</a:t>
             </a:fld>
             <a:endParaRPr lang="en-US" dirty="0">
               <a:latin typeface="+mn-lt"/>
@@ -13756,464 +13588,6 @@
           <p:cNvPr id="2" name="Title 1">
             <a:extLst>
               <a:ext uri="{FF2B5EF4-FFF2-40B4-BE49-F238E27FC236}">
-                <a16:creationId xmlns:a16="http://schemas.microsoft.com/office/drawing/2014/main" id="{2C36F487-13F1-8119-F498-DAEAA004A956}"/>
-              </a:ext>
-            </a:extLst>
-          </p:cNvPr>
-          <p:cNvSpPr>
-            <a:spLocks noGrp="1"/>
-          </p:cNvSpPr>
-          <p:nvPr>
-            <p:ph type="title"/>
-          </p:nvPr>
-        </p:nvSpPr>
-        <p:spPr/>
-        <p:txBody>
-          <a:bodyPr>
-            <a:normAutofit/>
-          </a:bodyPr>
-          <a:lstStyle/>
-          <a:p>
-            <a:r>
-              <a:rPr lang="en-US" dirty="0"/>
-              <a:t>Source Files</a:t>
-            </a:r>
-          </a:p>
-        </p:txBody>
-      </p:sp>
-      <p:sp>
-        <p:nvSpPr>
-          <p:cNvPr id="3" name="Text Placeholder 2">
-            <a:extLst>
-              <a:ext uri="{FF2B5EF4-FFF2-40B4-BE49-F238E27FC236}">
-                <a16:creationId xmlns:a16="http://schemas.microsoft.com/office/drawing/2014/main" id="{21DF8BDC-B9C4-CF18-F030-B814661A4FC4}"/>
-              </a:ext>
-            </a:extLst>
-          </p:cNvPr>
-          <p:cNvSpPr>
-            <a:spLocks noGrp="1"/>
-          </p:cNvSpPr>
-          <p:nvPr>
-            <p:ph type="body" idx="1"/>
-          </p:nvPr>
-        </p:nvSpPr>
-        <p:spPr/>
-        <p:txBody>
-          <a:bodyPr/>
-          <a:lstStyle/>
-          <a:p>
-            <a:r>
-              <a:rPr lang="en-US" b="1" i="0" dirty="0">
-                <a:effectLst/>
-                <a:latin typeface="Inter"/>
-              </a:rPr>
-              <a:t>1. </a:t>
-            </a:r>
-            <a:r>
-              <a:rPr lang="en-US" b="1" dirty="0">
-                <a:latin typeface="Inter"/>
-              </a:rPr>
-              <a:t>creditcard</a:t>
-            </a:r>
-            <a:r>
-              <a:rPr lang="en-US" b="1" i="0" dirty="0">
-                <a:effectLst/>
-                <a:latin typeface="Inter"/>
-              </a:rPr>
-              <a:t>.csv</a:t>
-            </a:r>
-          </a:p>
-          <a:p>
-            <a:endParaRPr lang="en-US" dirty="0"/>
-          </a:p>
-        </p:txBody>
-      </p:sp>
-      <p:sp>
-        <p:nvSpPr>
-          <p:cNvPr id="4" name="Content Placeholder 3">
-            <a:extLst>
-              <a:ext uri="{FF2B5EF4-FFF2-40B4-BE49-F238E27FC236}">
-                <a16:creationId xmlns:a16="http://schemas.microsoft.com/office/drawing/2014/main" id="{46E58F60-72F4-41F3-C3C0-7F00B878154E}"/>
-              </a:ext>
-            </a:extLst>
-          </p:cNvPr>
-          <p:cNvSpPr>
-            <a:spLocks noGrp="1"/>
-          </p:cNvSpPr>
-          <p:nvPr>
-            <p:ph sz="half" idx="2"/>
-          </p:nvPr>
-        </p:nvSpPr>
-        <p:spPr/>
-        <p:txBody>
-          <a:bodyPr/>
-          <a:lstStyle/>
-          <a:p>
-            <a:pPr marL="0" indent="0">
-              <a:buNone/>
-            </a:pPr>
-            <a:r>
-              <a:rPr lang="en-US" dirty="0"/>
-              <a:t>Credit Card data</a:t>
-            </a:r>
-          </a:p>
-        </p:txBody>
-      </p:sp>
-      <p:sp>
-        <p:nvSpPr>
-          <p:cNvPr id="9" name="Footer Placeholder 8">
-            <a:extLst>
-              <a:ext uri="{FF2B5EF4-FFF2-40B4-BE49-F238E27FC236}">
-                <a16:creationId xmlns:a16="http://schemas.microsoft.com/office/drawing/2014/main" id="{CBF39BA9-3616-30F0-EEBD-641E4804904B}"/>
-              </a:ext>
-            </a:extLst>
-          </p:cNvPr>
-          <p:cNvSpPr>
-            <a:spLocks noGrp="1"/>
-          </p:cNvSpPr>
-          <p:nvPr>
-            <p:ph type="ftr" sz="quarter" idx="15"/>
-          </p:nvPr>
-        </p:nvSpPr>
-        <p:spPr>
-          <a:xfrm>
-            <a:off x="2701254" y="6332221"/>
-            <a:ext cx="1770077" cy="247650"/>
-          </a:xfrm>
-        </p:spPr>
-        <p:txBody>
-          <a:bodyPr/>
-          <a:lstStyle/>
-          <a:p>
-            <a:r>
-              <a:rPr lang="en-US" dirty="0"/>
-              <a:t>Credit Card Fraud Detection</a:t>
-            </a:r>
-          </a:p>
-        </p:txBody>
-      </p:sp>
-      <p:sp>
-        <p:nvSpPr>
-          <p:cNvPr id="10" name="Slide Number Placeholder 9">
-            <a:extLst>
-              <a:ext uri="{FF2B5EF4-FFF2-40B4-BE49-F238E27FC236}">
-                <a16:creationId xmlns:a16="http://schemas.microsoft.com/office/drawing/2014/main" id="{BAA070BE-7B2A-58E3-FD72-E5E1B980BAF1}"/>
-              </a:ext>
-            </a:extLst>
-          </p:cNvPr>
-          <p:cNvSpPr>
-            <a:spLocks noGrp="1"/>
-          </p:cNvSpPr>
-          <p:nvPr>
-            <p:ph type="sldNum" sz="quarter" idx="16"/>
-          </p:nvPr>
-        </p:nvSpPr>
-        <p:spPr/>
-        <p:txBody>
-          <a:bodyPr/>
-          <a:lstStyle/>
-          <a:p>
-            <a:fld id="{294A09A9-5501-47C1-A89A-A340965A2BE2}" type="slidenum">
-              <a:rPr lang="en-US" smtClean="0"/>
-              <a:pPr/>
-              <a:t>10</a:t>
-            </a:fld>
-            <a:endParaRPr lang="en-US" dirty="0">
-              <a:latin typeface="+mn-lt"/>
-            </a:endParaRPr>
-          </a:p>
-        </p:txBody>
-      </p:sp>
-      <p:sp>
-        <p:nvSpPr>
-          <p:cNvPr id="15" name="Content Placeholder 7">
-            <a:extLst>
-              <a:ext uri="{FF2B5EF4-FFF2-40B4-BE49-F238E27FC236}">
-                <a16:creationId xmlns:a16="http://schemas.microsoft.com/office/drawing/2014/main" id="{35B29721-5C5F-B11A-F9BB-118E3EA1593A}"/>
-              </a:ext>
-            </a:extLst>
-          </p:cNvPr>
-          <p:cNvSpPr txBox="1">
-            <a:spLocks/>
-          </p:cNvSpPr>
-          <p:nvPr/>
-        </p:nvSpPr>
-        <p:spPr>
-          <a:xfrm>
-            <a:off x="6096000" y="3816945"/>
-            <a:ext cx="5716278" cy="924339"/>
-          </a:xfrm>
-          <a:prstGeom prst="rect">
-            <a:avLst/>
-          </a:prstGeom>
-        </p:spPr>
-        <p:txBody>
-          <a:bodyPr vert="horz" lIns="0" tIns="0" rIns="0" bIns="0" rtlCol="0" anchor="t" anchorCtr="0">
-            <a:normAutofit/>
-          </a:bodyPr>
-          <a:lstStyle>
-            <a:lvl1pPr marL="285750" indent="-285750" algn="l" defTabSz="914400" rtl="0" eaLnBrk="1" latinLnBrk="0" hangingPunct="1">
-              <a:lnSpc>
-                <a:spcPct val="100000"/>
-              </a:lnSpc>
-              <a:spcBef>
-                <a:spcPts val="1000"/>
-              </a:spcBef>
-              <a:buFont typeface="Wingdings" pitchFamily="2" charset="2"/>
-              <a:buChar char="§"/>
-              <a:defRPr sz="1600" b="0" i="0" kern="1200">
-                <a:solidFill>
-                  <a:schemeClr val="bg1"/>
-                </a:solidFill>
-                <a:latin typeface="+mn-lt"/>
-                <a:ea typeface="+mn-ea"/>
-                <a:cs typeface="+mn-cs"/>
-              </a:defRPr>
-            </a:lvl1pPr>
-            <a:lvl2pPr marL="685800" indent="-228600" algn="l" defTabSz="914400" rtl="0" eaLnBrk="1" latinLnBrk="0" hangingPunct="1">
-              <a:lnSpc>
-                <a:spcPct val="90000"/>
-              </a:lnSpc>
-              <a:spcBef>
-                <a:spcPts val="500"/>
-              </a:spcBef>
-              <a:buFont typeface="Arial" panose="020B0604020202020204" pitchFamily="34" charset="0"/>
-              <a:buChar char="•"/>
-              <a:defRPr sz="1600" b="0" i="0" kern="1200">
-                <a:solidFill>
-                  <a:schemeClr val="bg1"/>
-                </a:solidFill>
-                <a:latin typeface="+mn-lt"/>
-                <a:ea typeface="+mn-ea"/>
-                <a:cs typeface="+mn-cs"/>
-              </a:defRPr>
-            </a:lvl2pPr>
-            <a:lvl3pPr marL="1143000" indent="-228600" algn="l" defTabSz="914400" rtl="0" eaLnBrk="1" latinLnBrk="0" hangingPunct="1">
-              <a:lnSpc>
-                <a:spcPct val="90000"/>
-              </a:lnSpc>
-              <a:spcBef>
-                <a:spcPts val="500"/>
-              </a:spcBef>
-              <a:buFont typeface="Arial" panose="020B0604020202020204" pitchFamily="34" charset="0"/>
-              <a:buChar char="•"/>
-              <a:defRPr sz="1600" b="0" i="0" kern="1200">
-                <a:solidFill>
-                  <a:schemeClr val="bg1"/>
-                </a:solidFill>
-                <a:latin typeface="+mn-lt"/>
-                <a:ea typeface="+mn-ea"/>
-                <a:cs typeface="+mn-cs"/>
-              </a:defRPr>
-            </a:lvl3pPr>
-            <a:lvl4pPr marL="1600200" indent="-228600" algn="l" defTabSz="914400" rtl="0" eaLnBrk="1" latinLnBrk="0" hangingPunct="1">
-              <a:lnSpc>
-                <a:spcPct val="90000"/>
-              </a:lnSpc>
-              <a:spcBef>
-                <a:spcPts val="500"/>
-              </a:spcBef>
-              <a:buFont typeface="Arial" panose="020B0604020202020204" pitchFamily="34" charset="0"/>
-              <a:buChar char="•"/>
-              <a:defRPr sz="1600" b="0" i="0" kern="1200">
-                <a:solidFill>
-                  <a:schemeClr val="bg1"/>
-                </a:solidFill>
-                <a:latin typeface="+mn-lt"/>
-                <a:ea typeface="+mn-ea"/>
-                <a:cs typeface="+mn-cs"/>
-              </a:defRPr>
-            </a:lvl4pPr>
-            <a:lvl5pPr marL="2057400" indent="-228600" algn="l" defTabSz="914400" rtl="0" eaLnBrk="1" latinLnBrk="0" hangingPunct="1">
-              <a:lnSpc>
-                <a:spcPct val="90000"/>
-              </a:lnSpc>
-              <a:spcBef>
-                <a:spcPts val="500"/>
-              </a:spcBef>
-              <a:buFont typeface="Arial" panose="020B0604020202020204" pitchFamily="34" charset="0"/>
-              <a:buChar char="•"/>
-              <a:defRPr sz="1600" b="0" i="0" kern="1200">
-                <a:solidFill>
-                  <a:schemeClr val="bg1"/>
-                </a:solidFill>
-                <a:latin typeface="+mn-lt"/>
-                <a:ea typeface="+mn-ea"/>
-                <a:cs typeface="+mn-cs"/>
-              </a:defRPr>
-            </a:lvl5pPr>
-            <a:lvl6pPr marL="2514600" indent="-228600" algn="l" defTabSz="914400" rtl="0" eaLnBrk="1" latinLnBrk="0" hangingPunct="1">
-              <a:lnSpc>
-                <a:spcPct val="90000"/>
-              </a:lnSpc>
-              <a:spcBef>
-                <a:spcPts val="500"/>
-              </a:spcBef>
-              <a:buFont typeface="Arial" panose="020B0604020202020204" pitchFamily="34" charset="0"/>
-              <a:buChar char="•"/>
-              <a:defRPr sz="1800" kern="1200">
-                <a:solidFill>
-                  <a:schemeClr val="tx1"/>
-                </a:solidFill>
-                <a:latin typeface="+mn-lt"/>
-                <a:ea typeface="+mn-ea"/>
-                <a:cs typeface="+mn-cs"/>
-              </a:defRPr>
-            </a:lvl6pPr>
-            <a:lvl7pPr marL="2971800" indent="-228600" algn="l" defTabSz="914400" rtl="0" eaLnBrk="1" latinLnBrk="0" hangingPunct="1">
-              <a:lnSpc>
-                <a:spcPct val="90000"/>
-              </a:lnSpc>
-              <a:spcBef>
-                <a:spcPts val="500"/>
-              </a:spcBef>
-              <a:buFont typeface="Arial" panose="020B0604020202020204" pitchFamily="34" charset="0"/>
-              <a:buChar char="•"/>
-              <a:defRPr sz="1800" kern="1200">
-                <a:solidFill>
-                  <a:schemeClr val="tx1"/>
-                </a:solidFill>
-                <a:latin typeface="+mn-lt"/>
-                <a:ea typeface="+mn-ea"/>
-                <a:cs typeface="+mn-cs"/>
-              </a:defRPr>
-            </a:lvl7pPr>
-            <a:lvl8pPr marL="3429000" indent="-228600" algn="l" defTabSz="914400" rtl="0" eaLnBrk="1" latinLnBrk="0" hangingPunct="1">
-              <a:lnSpc>
-                <a:spcPct val="90000"/>
-              </a:lnSpc>
-              <a:spcBef>
-                <a:spcPts val="500"/>
-              </a:spcBef>
-              <a:buFont typeface="Arial" panose="020B0604020202020204" pitchFamily="34" charset="0"/>
-              <a:buChar char="•"/>
-              <a:defRPr sz="1800" kern="1200">
-                <a:solidFill>
-                  <a:schemeClr val="tx1"/>
-                </a:solidFill>
-                <a:latin typeface="+mn-lt"/>
-                <a:ea typeface="+mn-ea"/>
-                <a:cs typeface="+mn-cs"/>
-              </a:defRPr>
-            </a:lvl8pPr>
-            <a:lvl9pPr marL="3886200" indent="-228600" algn="l" defTabSz="914400" rtl="0" eaLnBrk="1" latinLnBrk="0" hangingPunct="1">
-              <a:lnSpc>
-                <a:spcPct val="90000"/>
-              </a:lnSpc>
-              <a:spcBef>
-                <a:spcPts val="500"/>
-              </a:spcBef>
-              <a:buFont typeface="Arial" panose="020B0604020202020204" pitchFamily="34" charset="0"/>
-              <a:buChar char="•"/>
-              <a:defRPr sz="1800" kern="1200">
-                <a:solidFill>
-                  <a:schemeClr val="tx1"/>
-                </a:solidFill>
-                <a:latin typeface="+mn-lt"/>
-                <a:ea typeface="+mn-ea"/>
-                <a:cs typeface="+mn-cs"/>
-              </a:defRPr>
-            </a:lvl9pPr>
-          </a:lstStyle>
-          <a:p>
-            <a:pPr marL="0" indent="0">
-              <a:buFont typeface="Wingdings" pitchFamily="2" charset="2"/>
-              <a:buNone/>
-            </a:pPr>
-            <a:r>
-              <a:rPr lang="en-US" b="1" dirty="0"/>
-              <a:t>Acknowledgements</a:t>
-            </a:r>
-          </a:p>
-          <a:p>
-            <a:pPr marL="0" indent="0">
-              <a:buFont typeface="Wingdings" pitchFamily="2" charset="2"/>
-              <a:buNone/>
-            </a:pPr>
-            <a:r>
-              <a:rPr lang="en-US" dirty="0"/>
-              <a:t>The csv files noted above were downloaded from Kaggle.</a:t>
-            </a:r>
-          </a:p>
-        </p:txBody>
-      </p:sp>
-      <p:pic>
-        <p:nvPicPr>
-          <p:cNvPr id="16" name="Picture 15">
-            <a:extLst>
-              <a:ext uri="{FF2B5EF4-FFF2-40B4-BE49-F238E27FC236}">
-                <a16:creationId xmlns:a16="http://schemas.microsoft.com/office/drawing/2014/main" id="{700B25A2-35A3-598F-A433-83EFF98B2A9A}"/>
-              </a:ext>
-            </a:extLst>
-          </p:cNvPr>
-          <p:cNvPicPr>
-            <a:picLocks noChangeAspect="1"/>
-          </p:cNvPicPr>
-          <p:nvPr/>
-        </p:nvPicPr>
-        <p:blipFill>
-          <a:blip r:embed="rId2"/>
-          <a:stretch>
-            <a:fillRect/>
-          </a:stretch>
-        </p:blipFill>
-        <p:spPr>
-          <a:xfrm>
-            <a:off x="4591878" y="2143138"/>
-            <a:ext cx="1423710" cy="1423710"/>
-          </a:xfrm>
-          <a:prstGeom prst="rect">
-            <a:avLst/>
-          </a:prstGeom>
-        </p:spPr>
-      </p:pic>
-    </p:spTree>
-    <p:extLst>
-      <p:ext uri="{BB962C8B-B14F-4D97-AF65-F5344CB8AC3E}">
-        <p14:creationId xmlns:p14="http://schemas.microsoft.com/office/powerpoint/2010/main" val="2088594545"/>
-      </p:ext>
-    </p:extLst>
-  </p:cSld>
-  <p:clrMapOvr>
-    <a:masterClrMapping/>
-  </p:clrMapOvr>
-  <mc:AlternateContent xmlns:mc="http://schemas.openxmlformats.org/markup-compatibility/2006" xmlns:p14="http://schemas.microsoft.com/office/powerpoint/2010/main">
-    <mc:Choice Requires="p14">
-      <p:transition spd="slow" p14:dur="2000">
-        <p:fade/>
-      </p:transition>
-    </mc:Choice>
-    <mc:Fallback xmlns="">
-      <p:transition spd="slow">
-        <p:fade/>
-      </p:transition>
-    </mc:Fallback>
-  </mc:AlternateContent>
-</p:sld>
-</file>
-
-<file path=ppt/slides/slide11.xml><?xml version="1.0" encoding="utf-8"?>
-<p:sld xmlns:a="http://schemas.openxmlformats.org/drawingml/2006/main" xmlns:r="http://schemas.openxmlformats.org/officeDocument/2006/relationships" xmlns:p="http://schemas.openxmlformats.org/presentationml/2006/main">
-  <p:cSld>
-    <p:spTree>
-      <p:nvGrpSpPr>
-        <p:cNvPr id="1" name=""/>
-        <p:cNvGrpSpPr/>
-        <p:nvPr/>
-      </p:nvGrpSpPr>
-      <p:grpSpPr>
-        <a:xfrm>
-          <a:off x="0" y="0"/>
-          <a:ext cx="0" cy="0"/>
-          <a:chOff x="0" y="0"/>
-          <a:chExt cx="0" cy="0"/>
-        </a:xfrm>
-      </p:grpSpPr>
-      <p:sp>
-        <p:nvSpPr>
-          <p:cNvPr id="2" name="Title 1">
-            <a:extLst>
-              <a:ext uri="{FF2B5EF4-FFF2-40B4-BE49-F238E27FC236}">
                 <a16:creationId xmlns:a16="http://schemas.microsoft.com/office/drawing/2014/main" id="{AF148163-B9FC-FE67-5E94-1715F5BDA699}"/>
               </a:ext>
             </a:extLst>
@@ -14419,7 +13793,7 @@
             <a:fld id="{294A09A9-5501-47C1-A89A-A340965A2BE2}" type="slidenum">
               <a:rPr lang="en-US" smtClean="0"/>
               <a:pPr/>
-              <a:t>11</a:t>
+              <a:t>10</a:t>
             </a:fld>
             <a:endParaRPr lang="en-US" dirty="0">
               <a:latin typeface="+mn-lt"/>
@@ -14512,7 +13886,7 @@
 </p:sld>
 </file>
 
-<file path=ppt/slides/slide12.xml><?xml version="1.0" encoding="utf-8"?>
+<file path=ppt/slides/slide11.xml><?xml version="1.0" encoding="utf-8"?>
 <p:sld xmlns:a="http://schemas.openxmlformats.org/drawingml/2006/main" xmlns:r="http://schemas.openxmlformats.org/officeDocument/2006/relationships" xmlns:p="http://schemas.openxmlformats.org/presentationml/2006/main">
   <p:cSld>
     <p:spTree>
@@ -14731,7 +14105,7 @@
             <a:fld id="{294A09A9-5501-47C1-A89A-A340965A2BE2}" type="slidenum">
               <a:rPr lang="en-US" smtClean="0"/>
               <a:pPr/>
-              <a:t>12</a:t>
+              <a:t>11</a:t>
             </a:fld>
             <a:endParaRPr lang="en-US" dirty="0">
               <a:latin typeface="+mn-lt"/>
@@ -14779,13 +14153,13 @@
   <p:clrMapOvr>
     <a:masterClrMapping/>
   </p:clrMapOvr>
-  <mc:AlternateContent xmlns:mc="http://schemas.openxmlformats.org/markup-compatibility/2006">
-    <mc:Choice xmlns:p14="http://schemas.microsoft.com/office/powerpoint/2010/main" Requires="p14">
+  <mc:AlternateContent xmlns:mc="http://schemas.openxmlformats.org/markup-compatibility/2006" xmlns:p14="http://schemas.microsoft.com/office/powerpoint/2010/main">
+    <mc:Choice Requires="p14">
       <p:transition spd="slow" p14:dur="2000">
         <p:fade/>
       </p:transition>
     </mc:Choice>
-    <mc:Fallback>
+    <mc:Fallback xmlns="">
       <p:transition spd="slow">
         <p:fade/>
       </p:transition>
@@ -14794,7 +14168,7 @@
 </p:sld>
 </file>
 
-<file path=ppt/slides/slide13.xml><?xml version="1.0" encoding="utf-8"?>
+<file path=ppt/slides/slide12.xml><?xml version="1.0" encoding="utf-8"?>
 <p:sld xmlns:a="http://schemas.openxmlformats.org/drawingml/2006/main" xmlns:r="http://schemas.openxmlformats.org/officeDocument/2006/relationships" xmlns:p="http://schemas.openxmlformats.org/presentationml/2006/main">
   <p:cSld>
     <p:spTree>
@@ -15017,7 +14391,7 @@
             <a:fld id="{294A09A9-5501-47C1-A89A-A340965A2BE2}" type="slidenum">
               <a:rPr lang="en-US" smtClean="0"/>
               <a:pPr/>
-              <a:t>13</a:t>
+              <a:t>12</a:t>
             </a:fld>
             <a:endParaRPr lang="en-US" dirty="0">
               <a:latin typeface="+mn-lt"/>
@@ -15050,7 +14424,7 @@
 </p:sld>
 </file>
 
-<file path=ppt/slides/slide14.xml><?xml version="1.0" encoding="utf-8"?>
+<file path=ppt/slides/slide13.xml><?xml version="1.0" encoding="utf-8"?>
 <p:sld xmlns:a="http://schemas.openxmlformats.org/drawingml/2006/main" xmlns:r="http://schemas.openxmlformats.org/officeDocument/2006/relationships" xmlns:p="http://schemas.openxmlformats.org/presentationml/2006/main">
   <p:cSld>
     <p:bg>
@@ -15232,7 +14606,7 @@
 </p:sld>
 </file>
 
-<file path=ppt/slides/slide15.xml><?xml version="1.0" encoding="utf-8"?>
+<file path=ppt/slides/slide14.xml><?xml version="1.0" encoding="utf-8"?>
 <p:sld xmlns:a="http://schemas.openxmlformats.org/drawingml/2006/main" xmlns:r="http://schemas.openxmlformats.org/officeDocument/2006/relationships" xmlns:p="http://schemas.openxmlformats.org/presentationml/2006/main">
   <p:cSld>
     <p:spTree>
@@ -15341,7 +14715,7 @@
             <a:fld id="{294A09A9-5501-47C1-A89A-A340965A2BE2}" type="slidenum">
               <a:rPr lang="en-US" smtClean="0"/>
               <a:pPr/>
-              <a:t>15</a:t>
+              <a:t>14</a:t>
             </a:fld>
             <a:endParaRPr lang="en-US" dirty="0">
               <a:latin typeface="+mn-lt"/>
@@ -15364,14 +14738,14 @@
           <p:nvPr>
             <p:extLst>
               <p:ext uri="{D42A27DB-BD31-4B8C-83A1-F6EECF244321}">
-                <p14:modId xmlns:p14="http://schemas.microsoft.com/office/powerpoint/2010/main" val="867340794"/>
+                <p14:modId xmlns:p14="http://schemas.microsoft.com/office/powerpoint/2010/main" val="787753645"/>
               </p:ext>
             </p:extLst>
           </p:nvPr>
         </p:nvGraphicFramePr>
         <p:xfrm>
           <a:off x="971550" y="2052811"/>
-          <a:ext cx="10248898" cy="3604184"/>
+          <a:ext cx="10248898" cy="3493206"/>
         </p:xfrm>
         <a:graphic>
           <a:graphicData uri="http://schemas.openxmlformats.org/drawingml/2006/table">
@@ -15569,7 +14943,10 @@
                     <a:bodyPr/>
                     <a:lstStyle/>
                     <a:p>
-                      <a:endParaRPr lang="en-US"/>
+                      <a:r>
+                        <a:rPr lang="en-US" sz="1400" dirty="0"/>
+                        <a:t>1.0</a:t>
+                      </a:r>
                     </a:p>
                   </a:txBody>
                   <a:tcPr/>
@@ -15579,7 +14956,10 @@
                     <a:bodyPr/>
                     <a:lstStyle/>
                     <a:p>
-                      <a:endParaRPr lang="en-US"/>
+                      <a:r>
+                        <a:rPr lang="en-US" sz="1400" dirty="0"/>
+                        <a:t>0.99919</a:t>
+                      </a:r>
                     </a:p>
                   </a:txBody>
                   <a:tcPr/>
@@ -15589,7 +14969,10 @@
                     <a:bodyPr/>
                     <a:lstStyle/>
                     <a:p>
-                      <a:endParaRPr lang="en-US" dirty="0"/>
+                      <a:r>
+                        <a:rPr lang="en-US" sz="1400" dirty="0"/>
+                        <a:t>0.76</a:t>
+                      </a:r>
                     </a:p>
                   </a:txBody>
                   <a:tcPr/>
@@ -15599,7 +14982,10 @@
                     <a:bodyPr/>
                     <a:lstStyle/>
                     <a:p>
-                      <a:endParaRPr lang="en-US"/>
+                      <a:r>
+                        <a:rPr lang="en-US" sz="1400" dirty="0"/>
+                        <a:t>1.00</a:t>
+                      </a:r>
                     </a:p>
                   </a:txBody>
                   <a:tcPr/>
@@ -15609,7 +14995,10 @@
                     <a:bodyPr/>
                     <a:lstStyle/>
                     <a:p>
-                      <a:endParaRPr lang="en-US"/>
+                      <a:r>
+                        <a:rPr lang="en-US" sz="1400" dirty="0"/>
+                        <a:t>0.87</a:t>
+                      </a:r>
                     </a:p>
                   </a:txBody>
                   <a:tcPr/>
@@ -15639,7 +15028,10 @@
                     <a:bodyPr/>
                     <a:lstStyle/>
                     <a:p>
-                      <a:endParaRPr lang="en-US"/>
+                      <a:r>
+                        <a:rPr lang="en-US" sz="1400" dirty="0"/>
+                        <a:t>0.94510</a:t>
+                      </a:r>
                     </a:p>
                   </a:txBody>
                   <a:tcPr/>
@@ -15649,7 +15041,10 @@
                     <a:bodyPr/>
                     <a:lstStyle/>
                     <a:p>
-                      <a:endParaRPr lang="en-US"/>
+                      <a:r>
+                        <a:rPr lang="en-US" sz="1400" dirty="0"/>
+                        <a:t>0.93878</a:t>
+                      </a:r>
                     </a:p>
                   </a:txBody>
                   <a:tcPr/>
@@ -15659,7 +15054,10 @@
                     <a:bodyPr/>
                     <a:lstStyle/>
                     <a:p>
-                      <a:endParaRPr lang="en-US"/>
+                      <a:r>
+                        <a:rPr lang="en-US" sz="1400" dirty="0"/>
+                        <a:t>0.89</a:t>
+                      </a:r>
                     </a:p>
                   </a:txBody>
                   <a:tcPr/>
@@ -15669,7 +15067,10 @@
                     <a:bodyPr/>
                     <a:lstStyle/>
                     <a:p>
-                      <a:endParaRPr lang="en-US"/>
+                      <a:r>
+                        <a:rPr lang="en-US" sz="1400" dirty="0"/>
+                        <a:t>0.94</a:t>
+                      </a:r>
                     </a:p>
                   </a:txBody>
                   <a:tcPr/>
@@ -15679,7 +15080,10 @@
                     <a:bodyPr/>
                     <a:lstStyle/>
                     <a:p>
-                      <a:endParaRPr lang="en-US"/>
+                      <a:r>
+                        <a:rPr lang="en-US" sz="1400" dirty="0"/>
+                        <a:t>0.94</a:t>
+                      </a:r>
                     </a:p>
                   </a:txBody>
                   <a:tcPr/>
@@ -15709,7 +15113,7 @@
                     <a:bodyPr/>
                     <a:lstStyle/>
                     <a:p>
-                      <a:endParaRPr lang="en-US"/>
+                      <a:endParaRPr lang="en-US" sz="1400" dirty="0"/>
                     </a:p>
                   </a:txBody>
                   <a:tcPr/>
@@ -15719,7 +15123,7 @@
                     <a:bodyPr/>
                     <a:lstStyle/>
                     <a:p>
-                      <a:endParaRPr lang="en-US"/>
+                      <a:endParaRPr lang="en-US" sz="1400"/>
                     </a:p>
                   </a:txBody>
                   <a:tcPr/>
@@ -15729,7 +15133,7 @@
                     <a:bodyPr/>
                     <a:lstStyle/>
                     <a:p>
-                      <a:endParaRPr lang="en-US"/>
+                      <a:endParaRPr lang="en-US" sz="1400"/>
                     </a:p>
                   </a:txBody>
                   <a:tcPr/>
@@ -15739,7 +15143,7 @@
                     <a:bodyPr/>
                     <a:lstStyle/>
                     <a:p>
-                      <a:endParaRPr lang="en-US"/>
+                      <a:endParaRPr lang="en-US" sz="1400"/>
                     </a:p>
                   </a:txBody>
                   <a:tcPr/>
@@ -15749,7 +15153,7 @@
                     <a:bodyPr/>
                     <a:lstStyle/>
                     <a:p>
-                      <a:endParaRPr lang="en-US"/>
+                      <a:endParaRPr lang="en-US" sz="1400"/>
                     </a:p>
                   </a:txBody>
                   <a:tcPr/>
@@ -15779,7 +15183,10 @@
                     <a:bodyPr/>
                     <a:lstStyle/>
                     <a:p>
-                      <a:endParaRPr lang="en-US"/>
+                      <a:r>
+                        <a:rPr lang="en-US" sz="1400" dirty="0"/>
+                        <a:t>0.9609</a:t>
+                      </a:r>
                     </a:p>
                   </a:txBody>
                   <a:tcPr/>
@@ -15789,7 +15196,10 @@
                     <a:bodyPr/>
                     <a:lstStyle/>
                     <a:p>
-                      <a:endParaRPr lang="en-US" dirty="0"/>
+                      <a:r>
+                        <a:rPr lang="en-US" sz="1400" dirty="0"/>
+                        <a:t>0.9490</a:t>
+                      </a:r>
                     </a:p>
                   </a:txBody>
                   <a:tcPr/>
@@ -15799,7 +15209,10 @@
                     <a:bodyPr/>
                     <a:lstStyle/>
                     <a:p>
-                      <a:endParaRPr lang="en-US"/>
+                      <a:r>
+                        <a:rPr lang="en-US" sz="1400" dirty="0"/>
+                        <a:t>0.92</a:t>
+                      </a:r>
                     </a:p>
                   </a:txBody>
                   <a:tcPr/>
@@ -15809,7 +15222,10 @@
                     <a:bodyPr/>
                     <a:lstStyle/>
                     <a:p>
-                      <a:endParaRPr lang="en-US"/>
+                      <a:r>
+                        <a:rPr lang="en-US" sz="1400" dirty="0"/>
+                        <a:t>0.95</a:t>
+                      </a:r>
                     </a:p>
                   </a:txBody>
                   <a:tcPr/>
@@ -15819,7 +15235,10 @@
                     <a:bodyPr/>
                     <a:lstStyle/>
                     <a:p>
-                      <a:endParaRPr lang="en-US"/>
+                      <a:r>
+                        <a:rPr lang="en-US" sz="1400" dirty="0"/>
+                        <a:t>0.95</a:t>
+                      </a:r>
                     </a:p>
                   </a:txBody>
                   <a:tcPr/>
@@ -15849,7 +15268,10 @@
                     <a:bodyPr/>
                     <a:lstStyle/>
                     <a:p>
-                      <a:endParaRPr lang="en-US"/>
+                      <a:r>
+                        <a:rPr lang="en-US" sz="1400" dirty="0"/>
+                        <a:t>1.0</a:t>
+                      </a:r>
                     </a:p>
                   </a:txBody>
                   <a:tcPr/>
@@ -15859,7 +15281,10 @@
                     <a:bodyPr/>
                     <a:lstStyle/>
                     <a:p>
-                      <a:endParaRPr lang="en-US"/>
+                      <a:r>
+                        <a:rPr lang="en-US" sz="1400" dirty="0"/>
+                        <a:t>0.99950</a:t>
+                      </a:r>
                     </a:p>
                   </a:txBody>
                   <a:tcPr/>
@@ -15869,7 +15294,10 @@
                     <a:bodyPr/>
                     <a:lstStyle/>
                     <a:p>
-                      <a:endParaRPr lang="en-US"/>
+                      <a:r>
+                        <a:rPr lang="en-US" sz="1400" dirty="0"/>
+                        <a:t>0.78</a:t>
+                      </a:r>
                     </a:p>
                   </a:txBody>
                   <a:tcPr/>
@@ -15879,7 +15307,10 @@
                     <a:bodyPr/>
                     <a:lstStyle/>
                     <a:p>
-                      <a:endParaRPr lang="en-US"/>
+                      <a:r>
+                        <a:rPr lang="en-US" sz="1400" dirty="0"/>
+                        <a:t>1.00</a:t>
+                      </a:r>
                     </a:p>
                   </a:txBody>
                   <a:tcPr/>
@@ -15889,7 +15320,10 @@
                     <a:bodyPr/>
                     <a:lstStyle/>
                     <a:p>
-                      <a:endParaRPr lang="en-US"/>
+                      <a:r>
+                        <a:rPr lang="en-US" sz="1400" dirty="0"/>
+                        <a:t>0.91</a:t>
+                      </a:r>
                     </a:p>
                   </a:txBody>
                   <a:tcPr/>
@@ -15920,7 +15354,7 @@
                     <a:lstStyle/>
                     <a:p>
                       <a:r>
-                        <a:rPr lang="en-US" dirty="0"/>
+                        <a:rPr lang="en-US" sz="1400" dirty="0"/>
                         <a:t>0.9993</a:t>
                       </a:r>
                     </a:p>
@@ -15933,7 +15367,7 @@
                     <a:lstStyle/>
                     <a:p>
                       <a:r>
-                        <a:rPr lang="en-US" dirty="0"/>
+                        <a:rPr lang="en-US" sz="1400" dirty="0"/>
                         <a:t>0.9993</a:t>
                       </a:r>
                     </a:p>
@@ -15945,7 +15379,10 @@
                     <a:bodyPr/>
                     <a:lstStyle/>
                     <a:p>
-                      <a:endParaRPr lang="en-US" dirty="0"/>
+                      <a:r>
+                        <a:rPr lang="en-US" sz="1400" dirty="0"/>
+                        <a:t>0.93</a:t>
+                      </a:r>
                     </a:p>
                   </a:txBody>
                   <a:tcPr/>
@@ -15955,7 +15392,10 @@
                     <a:bodyPr/>
                     <a:lstStyle/>
                     <a:p>
-                      <a:endParaRPr lang="en-US"/>
+                      <a:r>
+                        <a:rPr lang="en-US" sz="1400" dirty="0"/>
+                        <a:t>0.98</a:t>
+                      </a:r>
                     </a:p>
                   </a:txBody>
                   <a:tcPr/>
@@ -15965,7 +15405,10 @@
                     <a:bodyPr/>
                     <a:lstStyle/>
                     <a:p>
-                      <a:endParaRPr lang="en-US"/>
+                      <a:r>
+                        <a:rPr lang="en-US" sz="1400" dirty="0"/>
+                        <a:t>0.52</a:t>
+                      </a:r>
                     </a:p>
                   </a:txBody>
                   <a:tcPr/>
@@ -15996,7 +15439,7 @@
                     <a:lstStyle/>
                     <a:p>
                       <a:r>
-                        <a:rPr lang="en-US" dirty="0"/>
+                        <a:rPr lang="en-US" sz="1400" dirty="0"/>
                         <a:t>0.9991</a:t>
                       </a:r>
                     </a:p>
@@ -16009,7 +15452,7 @@
                     <a:lstStyle/>
                     <a:p>
                       <a:r>
-                        <a:rPr lang="en-US" sz="1800" b="0" i="0" kern="1200" dirty="0">
+                        <a:rPr lang="en-US" sz="1400" b="0" i="0" kern="1200" dirty="0">
                           <a:solidFill>
                             <a:schemeClr val="dk1"/>
                           </a:solidFill>
@@ -16020,7 +15463,7 @@
                         </a:rPr>
                         <a:t>0.999</a:t>
                       </a:r>
-                      <a:endParaRPr lang="en-US" dirty="0"/>
+                      <a:endParaRPr lang="en-US" sz="1400" dirty="0"/>
                     </a:p>
                   </a:txBody>
                   <a:tcPr/>
@@ -16030,7 +15473,10 @@
                     <a:bodyPr/>
                     <a:lstStyle/>
                     <a:p>
-                      <a:endParaRPr lang="en-US"/>
+                      <a:r>
+                        <a:rPr lang="en-US" sz="1400" dirty="0"/>
+                        <a:t>0.86</a:t>
+                      </a:r>
                     </a:p>
                   </a:txBody>
                   <a:tcPr/>
@@ -16040,7 +15486,10 @@
                     <a:bodyPr/>
                     <a:lstStyle/>
                     <a:p>
-                      <a:endParaRPr lang="en-US"/>
+                      <a:r>
+                        <a:rPr lang="en-US" sz="1400" dirty="0"/>
+                        <a:t>1.00</a:t>
+                      </a:r>
                     </a:p>
                   </a:txBody>
                   <a:tcPr/>
@@ -16050,7 +15499,10 @@
                     <a:bodyPr/>
                     <a:lstStyle/>
                     <a:p>
-                      <a:endParaRPr lang="en-US"/>
+                      <a:r>
+                        <a:rPr lang="en-US" sz="1400" dirty="0"/>
+                        <a:t>0.77</a:t>
+                      </a:r>
                     </a:p>
                   </a:txBody>
                   <a:tcPr/>
@@ -16081,7 +15533,7 @@
                     <a:lstStyle/>
                     <a:p>
                       <a:r>
-                        <a:rPr lang="en-US" sz="1800" b="0" i="0" kern="1200" dirty="0">
+                        <a:rPr lang="en-US" sz="1400" b="0" i="0" kern="1200" dirty="0">
                           <a:solidFill>
                             <a:schemeClr val="dk1"/>
                           </a:solidFill>
@@ -16092,7 +15544,7 @@
                         </a:rPr>
                         <a:t>0.9992</a:t>
                       </a:r>
-                      <a:endParaRPr lang="en-US" dirty="0"/>
+                      <a:endParaRPr lang="en-US" sz="1400" dirty="0"/>
                     </a:p>
                   </a:txBody>
                   <a:tcPr/>
@@ -16103,7 +15555,7 @@
                     <a:lstStyle/>
                     <a:p>
                       <a:r>
-                        <a:rPr lang="en-US" sz="1800" b="0" i="0" kern="1200" dirty="0">
+                        <a:rPr lang="en-US" sz="1400" b="0" i="0" kern="1200" dirty="0">
                           <a:solidFill>
                             <a:schemeClr val="dk1"/>
                           </a:solidFill>
@@ -16114,7 +15566,7 @@
                         </a:rPr>
                         <a:t>0.9989</a:t>
                       </a:r>
-                      <a:endParaRPr lang="en-US" dirty="0"/>
+                      <a:endParaRPr lang="en-US" sz="1400" dirty="0"/>
                     </a:p>
                   </a:txBody>
                   <a:tcPr/>
@@ -16124,7 +15576,10 @@
                     <a:bodyPr/>
                     <a:lstStyle/>
                     <a:p>
-                      <a:endParaRPr lang="en-US"/>
+                      <a:r>
+                        <a:rPr lang="en-US" sz="1400" dirty="0"/>
+                        <a:t>0.93</a:t>
+                      </a:r>
                     </a:p>
                   </a:txBody>
                   <a:tcPr/>
@@ -16134,7 +15589,10 @@
                     <a:bodyPr/>
                     <a:lstStyle/>
                     <a:p>
-                      <a:endParaRPr lang="en-US"/>
+                      <a:r>
+                        <a:rPr lang="en-US" sz="1400" dirty="0"/>
+                        <a:t>0.98</a:t>
+                      </a:r>
                     </a:p>
                   </a:txBody>
                   <a:tcPr/>
@@ -16144,7 +15602,10 @@
                     <a:bodyPr/>
                     <a:lstStyle/>
                     <a:p>
-                      <a:endParaRPr lang="en-US" dirty="0"/>
+                      <a:r>
+                        <a:rPr lang="en-US" sz="1400" dirty="0"/>
+                        <a:t>0.52</a:t>
+                      </a:r>
                     </a:p>
                   </a:txBody>
                   <a:tcPr/>
@@ -16184,7 +15645,7 @@
 </p:sld>
 </file>
 
-<file path=ppt/slides/slide16.xml><?xml version="1.0" encoding="utf-8"?>
+<file path=ppt/slides/slide15.xml><?xml version="1.0" encoding="utf-8"?>
 <p:sld xmlns:a="http://schemas.openxmlformats.org/drawingml/2006/main" xmlns:r="http://schemas.openxmlformats.org/officeDocument/2006/relationships" xmlns:p="http://schemas.openxmlformats.org/presentationml/2006/main">
   <p:cSld>
     <p:spTree>
@@ -16231,7 +15692,7 @@
           <a:p>
             <a:r>
               <a:rPr lang="en-US" dirty="0"/>
-              <a:t>TBD</a:t>
+              <a:t>Top Performing Models</a:t>
             </a:r>
           </a:p>
         </p:txBody>
@@ -16293,7 +15754,7 @@
             <a:fld id="{294A09A9-5501-47C1-A89A-A340965A2BE2}" type="slidenum">
               <a:rPr lang="en-US" smtClean="0"/>
               <a:pPr/>
-              <a:t>16</a:t>
+              <a:t>15</a:t>
             </a:fld>
             <a:endParaRPr lang="en-US" dirty="0">
               <a:latin typeface="+mn-lt"/>
@@ -16317,8 +15778,8 @@
         </p:nvSpPr>
         <p:spPr>
           <a:xfrm>
-            <a:off x="6534151" y="2828924"/>
-            <a:ext cx="4689344" cy="1912359"/>
+            <a:off x="971550" y="2298820"/>
+            <a:ext cx="10251945" cy="2760290"/>
           </a:xfrm>
           <a:prstGeom prst="rect">
             <a:avLst/>
@@ -16326,7 +15787,7 @@
         </p:spPr>
         <p:txBody>
           <a:bodyPr vert="horz" lIns="0" tIns="0" rIns="0" bIns="0" rtlCol="0" anchor="t" anchorCtr="0">
-            <a:normAutofit/>
+            <a:normAutofit fontScale="92500" lnSpcReduction="20000"/>
           </a:bodyPr>
           <a:lstStyle>
             <a:lvl1pPr marL="285750" indent="-285750" algn="l" defTabSz="914400" rtl="0" eaLnBrk="1" latinLnBrk="0" hangingPunct="1">
@@ -16494,13 +15955,116 @@
           </a:lstStyle>
           <a:p>
             <a:pPr marL="0" indent="0">
-              <a:buFont typeface="Wingdings" pitchFamily="2" charset="2"/>
               <a:buNone/>
             </a:pPr>
             <a:r>
               <a:rPr lang="en-US" dirty="0"/>
-              <a:t>TBD</a:t>
-            </a:r>
+              <a:t>Based on our analysis, we determined that the top 3 models are</a:t>
+            </a:r>
+          </a:p>
+          <a:p>
+            <a:pPr marL="342900" indent="-342900">
+              <a:buFont typeface="Wingdings" pitchFamily="2" charset="2"/>
+              <a:buAutoNum type="arabicPeriod"/>
+            </a:pPr>
+            <a:r>
+              <a:rPr lang="en-US" dirty="0"/>
+              <a:t>Support Vector Classifier</a:t>
+            </a:r>
+          </a:p>
+          <a:p>
+            <a:pPr marL="342900" indent="-342900">
+              <a:buFont typeface="Wingdings" pitchFamily="2" charset="2"/>
+              <a:buAutoNum type="arabicPeriod"/>
+            </a:pPr>
+            <a:r>
+              <a:rPr lang="en-US" dirty="0"/>
+              <a:t>ADA Boost Classifier</a:t>
+            </a:r>
+          </a:p>
+          <a:p>
+            <a:pPr marL="342900" indent="-342900">
+              <a:buFont typeface="Wingdings" pitchFamily="2" charset="2"/>
+              <a:buAutoNum type="arabicPeriod"/>
+            </a:pPr>
+            <a:r>
+              <a:rPr lang="en-US" dirty="0"/>
+              <a:t>Gradient Boosting Classifier</a:t>
+            </a:r>
+          </a:p>
+          <a:p>
+            <a:pPr marL="342900" indent="-342900">
+              <a:buFont typeface="Wingdings" pitchFamily="2" charset="2"/>
+              <a:buAutoNum type="arabicPeriod"/>
+            </a:pPr>
+            <a:endParaRPr lang="en-US" dirty="0"/>
+          </a:p>
+          <a:p>
+            <a:pPr marL="0" indent="0">
+              <a:buNone/>
+            </a:pPr>
+            <a:r>
+              <a:rPr lang="en-US" dirty="0"/>
+              <a:t>The primary determining factors were</a:t>
+            </a:r>
+          </a:p>
+          <a:p>
+            <a:pPr marL="342900" indent="-342900">
+              <a:buAutoNum type="arabicParenR"/>
+            </a:pPr>
+            <a:r>
+              <a:rPr lang="en-US" dirty="0"/>
+              <a:t>High Recall i.e. the ability for the model to detect fraud</a:t>
+            </a:r>
+          </a:p>
+          <a:p>
+            <a:pPr marL="342900" indent="-342900">
+              <a:buAutoNum type="arabicParenR"/>
+            </a:pPr>
+            <a:r>
+              <a:rPr lang="en-US" dirty="0"/>
+              <a:t>There was a low difference between training and test data scores.</a:t>
+            </a:r>
+          </a:p>
+          <a:p>
+            <a:pPr marL="342900" indent="-342900">
+              <a:buAutoNum type="arabicParenR"/>
+            </a:pPr>
+            <a:r>
+              <a:rPr lang="en-US" dirty="0"/>
+              <a:t>The High F1 scores show that there balance between fraud detection and reducing false positives</a:t>
+            </a:r>
+          </a:p>
+          <a:p>
+            <a:pPr marL="0" indent="0">
+              <a:buNone/>
+            </a:pPr>
+            <a:endParaRPr lang="en-US" dirty="0"/>
+          </a:p>
+          <a:p>
+            <a:pPr marL="342900" indent="-342900">
+              <a:buAutoNum type="arabicParenR"/>
+            </a:pPr>
+            <a:endParaRPr lang="en-US" dirty="0"/>
+          </a:p>
+          <a:p>
+            <a:pPr marL="342900" indent="-342900">
+              <a:buAutoNum type="arabicParenR"/>
+            </a:pPr>
+            <a:endParaRPr lang="en-US" dirty="0"/>
+          </a:p>
+          <a:p>
+            <a:pPr marL="0" indent="0">
+              <a:buNone/>
+            </a:pPr>
+            <a:endParaRPr lang="en-US" dirty="0"/>
+          </a:p>
+          <a:p>
+            <a:pPr marL="342900" indent="-342900">
+              <a:buFont typeface="Wingdings" pitchFamily="2" charset="2"/>
+              <a:buAutoNum type="arabicPeriod"/>
+            </a:pPr>
+            <a:endParaRPr lang="en-US" dirty="0"/>
           </a:p>
         </p:txBody>
       </p:sp>
@@ -16529,7 +16093,7 @@
 </p:sld>
 </file>
 
-<file path=ppt/slides/slide17.xml><?xml version="1.0" encoding="utf-8"?>
+<file path=ppt/slides/slide16.xml><?xml version="1.0" encoding="utf-8"?>
 <p:sld xmlns:a="http://schemas.openxmlformats.org/drawingml/2006/main" xmlns:r="http://schemas.openxmlformats.org/officeDocument/2006/relationships" xmlns:p="http://schemas.openxmlformats.org/presentationml/2006/main">
   <p:cSld>
     <p:spTree>
@@ -16564,19 +16128,19 @@
         </p:nvSpPr>
         <p:spPr>
           <a:xfrm>
-            <a:off x="964023" y="371476"/>
-            <a:ext cx="7789452" cy="866510"/>
+            <a:off x="964023" y="1170774"/>
+            <a:ext cx="7789452" cy="427289"/>
           </a:xfrm>
         </p:spPr>
         <p:txBody>
           <a:bodyPr>
-            <a:normAutofit/>
+            <a:normAutofit fontScale="90000"/>
           </a:bodyPr>
           <a:lstStyle/>
           <a:p>
             <a:r>
               <a:rPr lang="en-US" sz="3200" dirty="0"/>
-              <a:t>TBD</a:t>
+              <a:t>Pros and Cons of the Top Models</a:t>
             </a:r>
           </a:p>
         </p:txBody>
@@ -16638,6 +16202,475 @@
             <a:fld id="{294A09A9-5501-47C1-A89A-A340965A2BE2}" type="slidenum">
               <a:rPr lang="en-US" smtClean="0"/>
               <a:pPr/>
+              <a:t>16</a:t>
+            </a:fld>
+            <a:endParaRPr lang="en-US" dirty="0">
+              <a:latin typeface="+mn-lt"/>
+            </a:endParaRPr>
+          </a:p>
+        </p:txBody>
+      </p:sp>
+      <p:sp>
+        <p:nvSpPr>
+          <p:cNvPr id="4" name="TextBox 3">
+            <a:extLst>
+              <a:ext uri="{FF2B5EF4-FFF2-40B4-BE49-F238E27FC236}">
+                <a16:creationId xmlns:a16="http://schemas.microsoft.com/office/drawing/2014/main" id="{951B52D2-CF86-B696-863C-47BBFCBB04DF}"/>
+              </a:ext>
+            </a:extLst>
+          </p:cNvPr>
+          <p:cNvSpPr txBox="1"/>
+          <p:nvPr/>
+        </p:nvSpPr>
+        <p:spPr>
+          <a:xfrm>
+            <a:off x="834889" y="2315335"/>
+            <a:ext cx="3082562" cy="2554545"/>
+          </a:xfrm>
+          <a:prstGeom prst="rect">
+            <a:avLst/>
+          </a:prstGeom>
+          <a:noFill/>
+        </p:spPr>
+        <p:txBody>
+          <a:bodyPr wrap="square">
+            <a:spAutoFit/>
+          </a:bodyPr>
+          <a:lstStyle/>
+          <a:p>
+            <a:r>
+              <a:rPr lang="en-US" sz="1600" dirty="0">
+                <a:solidFill>
+                  <a:schemeClr val="bg1"/>
+                </a:solidFill>
+              </a:rPr>
+              <a:t>Support Vector Classifier</a:t>
+            </a:r>
+          </a:p>
+          <a:p>
+            <a:r>
+              <a:rPr lang="en-US" sz="1600" b="1" dirty="0">
+                <a:solidFill>
+                  <a:schemeClr val="bg1"/>
+                </a:solidFill>
+              </a:rPr>
+              <a:t>Pros</a:t>
+            </a:r>
+          </a:p>
+          <a:p>
+            <a:pPr marL="285750" indent="-285750">
+              <a:buFont typeface="Arial" panose="020B0604020202020204" pitchFamily="34" charset="0"/>
+              <a:buChar char="•"/>
+            </a:pPr>
+            <a:r>
+              <a:rPr lang="en-US" sz="1600" dirty="0">
+                <a:solidFill>
+                  <a:schemeClr val="bg1"/>
+                </a:solidFill>
+              </a:rPr>
+              <a:t>Low risk of overfitting</a:t>
+            </a:r>
+          </a:p>
+          <a:p>
+            <a:pPr marL="285750" indent="-285750">
+              <a:buFont typeface="Arial" panose="020B0604020202020204" pitchFamily="34" charset="0"/>
+              <a:buChar char="•"/>
+            </a:pPr>
+            <a:r>
+              <a:rPr lang="en-US" sz="1600" dirty="0">
+                <a:solidFill>
+                  <a:schemeClr val="bg1"/>
+                </a:solidFill>
+              </a:rPr>
+              <a:t>Effective recall</a:t>
+            </a:r>
+          </a:p>
+          <a:p>
+            <a:endParaRPr lang="en-US" sz="1600" dirty="0">
+              <a:solidFill>
+                <a:schemeClr val="bg1"/>
+              </a:solidFill>
+            </a:endParaRPr>
+          </a:p>
+          <a:p>
+            <a:r>
+              <a:rPr lang="en-US" sz="1600" b="1" dirty="0">
+                <a:solidFill>
+                  <a:schemeClr val="bg1"/>
+                </a:solidFill>
+              </a:rPr>
+              <a:t>Cons</a:t>
+            </a:r>
+          </a:p>
+          <a:p>
+            <a:pPr marL="285750" indent="-285750">
+              <a:buFont typeface="Arial" panose="020B0604020202020204" pitchFamily="34" charset="0"/>
+              <a:buChar char="•"/>
+            </a:pPr>
+            <a:r>
+              <a:rPr lang="en-US" sz="1600" dirty="0">
+                <a:solidFill>
+                  <a:schemeClr val="bg1"/>
+                </a:solidFill>
+              </a:rPr>
+              <a:t>Hard to interpret model’s logic</a:t>
+            </a:r>
+          </a:p>
+          <a:p>
+            <a:pPr marL="285750" indent="-285750">
+              <a:buFont typeface="Arial" panose="020B0604020202020204" pitchFamily="34" charset="0"/>
+              <a:buChar char="•"/>
+            </a:pPr>
+            <a:r>
+              <a:rPr lang="en-US" sz="1600" dirty="0">
+                <a:solidFill>
+                  <a:schemeClr val="bg1"/>
+                </a:solidFill>
+              </a:rPr>
+              <a:t>Retraining model takes a long time</a:t>
+            </a:r>
+          </a:p>
+          <a:p>
+            <a:endParaRPr lang="en-US" sz="1600" dirty="0">
+              <a:solidFill>
+                <a:schemeClr val="bg1"/>
+              </a:solidFill>
+            </a:endParaRPr>
+          </a:p>
+        </p:txBody>
+      </p:sp>
+      <p:sp>
+        <p:nvSpPr>
+          <p:cNvPr id="6" name="TextBox 5">
+            <a:extLst>
+              <a:ext uri="{FF2B5EF4-FFF2-40B4-BE49-F238E27FC236}">
+                <a16:creationId xmlns:a16="http://schemas.microsoft.com/office/drawing/2014/main" id="{1A55E5D9-E372-BD8F-D5F0-BB5911FC702E}"/>
+              </a:ext>
+            </a:extLst>
+          </p:cNvPr>
+          <p:cNvSpPr txBox="1"/>
+          <p:nvPr/>
+        </p:nvSpPr>
+        <p:spPr>
+          <a:xfrm>
+            <a:off x="7332291" y="2315335"/>
+            <a:ext cx="3573959" cy="1354217"/>
+          </a:xfrm>
+          <a:prstGeom prst="rect">
+            <a:avLst/>
+          </a:prstGeom>
+          <a:noFill/>
+        </p:spPr>
+        <p:txBody>
+          <a:bodyPr wrap="square">
+            <a:spAutoFit/>
+          </a:bodyPr>
+          <a:lstStyle/>
+          <a:p>
+            <a:r>
+              <a:rPr lang="en-US" sz="1600" dirty="0">
+                <a:solidFill>
+                  <a:schemeClr val="bg1"/>
+                </a:solidFill>
+              </a:rPr>
+              <a:t>Gradient Boosting Classifier</a:t>
+            </a:r>
+          </a:p>
+          <a:p>
+            <a:r>
+              <a:rPr lang="en-US" sz="1600" dirty="0">
+                <a:solidFill>
+                  <a:schemeClr val="bg1"/>
+                </a:solidFill>
+              </a:rPr>
+              <a:t>Pros</a:t>
+            </a:r>
+          </a:p>
+          <a:p>
+            <a:endParaRPr lang="en-US" sz="1600" dirty="0">
+              <a:solidFill>
+                <a:schemeClr val="bg1"/>
+              </a:solidFill>
+            </a:endParaRPr>
+          </a:p>
+          <a:p>
+            <a:r>
+              <a:rPr lang="en-US" sz="1600" dirty="0">
+                <a:solidFill>
+                  <a:schemeClr val="bg1"/>
+                </a:solidFill>
+              </a:rPr>
+              <a:t>Cons</a:t>
+            </a:r>
+            <a:br>
+              <a:rPr lang="en-US" sz="1600" dirty="0">
+                <a:solidFill>
+                  <a:schemeClr val="bg1"/>
+                </a:solidFill>
+              </a:rPr>
+            </a:br>
+            <a:endParaRPr lang="en-US" dirty="0">
+              <a:solidFill>
+                <a:schemeClr val="bg1"/>
+              </a:solidFill>
+            </a:endParaRPr>
+          </a:p>
+        </p:txBody>
+      </p:sp>
+      <p:sp>
+        <p:nvSpPr>
+          <p:cNvPr id="7" name="TextBox 6">
+            <a:extLst>
+              <a:ext uri="{FF2B5EF4-FFF2-40B4-BE49-F238E27FC236}">
+                <a16:creationId xmlns:a16="http://schemas.microsoft.com/office/drawing/2014/main" id="{DC065F73-1A73-8B9D-A857-8E245C6051DB}"/>
+              </a:ext>
+            </a:extLst>
+          </p:cNvPr>
+          <p:cNvSpPr txBox="1"/>
+          <p:nvPr/>
+        </p:nvSpPr>
+        <p:spPr>
+          <a:xfrm>
+            <a:off x="3917451" y="2315335"/>
+            <a:ext cx="2842272" cy="3785652"/>
+          </a:xfrm>
+          <a:prstGeom prst="rect">
+            <a:avLst/>
+          </a:prstGeom>
+          <a:noFill/>
+        </p:spPr>
+        <p:txBody>
+          <a:bodyPr wrap="square">
+            <a:spAutoFit/>
+          </a:bodyPr>
+          <a:lstStyle/>
+          <a:p>
+            <a:r>
+              <a:rPr lang="en-US" sz="1600" dirty="0">
+                <a:solidFill>
+                  <a:schemeClr val="bg1"/>
+                </a:solidFill>
+              </a:rPr>
+              <a:t>ADA Boost Classifier</a:t>
+            </a:r>
+          </a:p>
+          <a:p>
+            <a:r>
+              <a:rPr lang="en-US" sz="1600" dirty="0">
+                <a:solidFill>
+                  <a:schemeClr val="bg1"/>
+                </a:solidFill>
+              </a:rPr>
+              <a:t>Pros</a:t>
+            </a:r>
+          </a:p>
+          <a:p>
+            <a:pPr marL="285750" indent="-285750">
+              <a:buFont typeface="Arial" panose="020B0604020202020204" pitchFamily="34" charset="0"/>
+              <a:buChar char="•"/>
+            </a:pPr>
+            <a:r>
+              <a:rPr lang="en-US" sz="1600" b="0" i="0" dirty="0">
+                <a:solidFill>
+                  <a:srgbClr val="1D1C1D"/>
+                </a:solidFill>
+                <a:effectLst/>
+                <a:latin typeface="Slack-Lato"/>
+              </a:rPr>
+              <a:t>Exhibits strong performance metrics with high precision and recall, particularly important for detecting fraudulent transactions</a:t>
+            </a:r>
+          </a:p>
+          <a:p>
+            <a:pPr marL="285750" indent="-285750">
+              <a:buFont typeface="Arial" panose="020B0604020202020204" pitchFamily="34" charset="0"/>
+              <a:buChar char="•"/>
+            </a:pPr>
+            <a:r>
+              <a:rPr lang="en-US" sz="1600" dirty="0">
+                <a:solidFill>
+                  <a:schemeClr val="bg1"/>
+                </a:solidFill>
+              </a:rPr>
+              <a:t>Consistent training and testing scores suggest good generalization without overfitting.</a:t>
+            </a:r>
+          </a:p>
+          <a:p>
+            <a:pPr marL="285750" indent="-285750">
+              <a:buFont typeface="Arial" panose="020B0604020202020204" pitchFamily="34" charset="0"/>
+              <a:buChar char="•"/>
+            </a:pPr>
+            <a:endParaRPr lang="en-US" sz="1600" dirty="0">
+              <a:solidFill>
+                <a:schemeClr val="bg1"/>
+              </a:solidFill>
+            </a:endParaRPr>
+          </a:p>
+          <a:p>
+            <a:endParaRPr lang="en-US" sz="1600" dirty="0">
+              <a:solidFill>
+                <a:schemeClr val="bg1"/>
+              </a:solidFill>
+            </a:endParaRPr>
+          </a:p>
+          <a:p>
+            <a:r>
+              <a:rPr lang="en-US" sz="1600" dirty="0">
+                <a:solidFill>
+                  <a:schemeClr val="bg1"/>
+                </a:solidFill>
+              </a:rPr>
+              <a:t>Cons</a:t>
+            </a:r>
+          </a:p>
+          <a:p>
+            <a:endParaRPr lang="en-US" sz="1600" dirty="0">
+              <a:solidFill>
+                <a:schemeClr val="bg1"/>
+              </a:solidFill>
+            </a:endParaRPr>
+          </a:p>
+        </p:txBody>
+      </p:sp>
+    </p:spTree>
+    <p:extLst>
+      <p:ext uri="{BB962C8B-B14F-4D97-AF65-F5344CB8AC3E}">
+        <p14:creationId xmlns:p14="http://schemas.microsoft.com/office/powerpoint/2010/main" val="1488527486"/>
+      </p:ext>
+    </p:extLst>
+  </p:cSld>
+  <p:clrMapOvr>
+    <a:masterClrMapping/>
+  </p:clrMapOvr>
+  <mc:AlternateContent xmlns:mc="http://schemas.openxmlformats.org/markup-compatibility/2006" xmlns:p14="http://schemas.microsoft.com/office/powerpoint/2010/main">
+    <mc:Choice Requires="p14">
+      <p:transition spd="slow" p14:dur="2000">
+        <p:fade/>
+      </p:transition>
+    </mc:Choice>
+    <mc:Fallback xmlns="">
+      <p:transition spd="slow">
+        <p:fade/>
+      </p:transition>
+    </mc:Fallback>
+  </mc:AlternateContent>
+</p:sld>
+</file>
+
+<file path=ppt/slides/slide17.xml><?xml version="1.0" encoding="utf-8"?>
+<p:sld xmlns:a="http://schemas.openxmlformats.org/drawingml/2006/main" xmlns:r="http://schemas.openxmlformats.org/officeDocument/2006/relationships" xmlns:p="http://schemas.openxmlformats.org/presentationml/2006/main">
+  <p:cSld>
+    <p:spTree>
+      <p:nvGrpSpPr>
+        <p:cNvPr id="1" name="">
+          <a:extLst>
+            <a:ext uri="{FF2B5EF4-FFF2-40B4-BE49-F238E27FC236}">
+              <a16:creationId xmlns:a16="http://schemas.microsoft.com/office/drawing/2014/main" id="{CE891542-A512-8195-10A4-2B129218544E}"/>
+            </a:ext>
+          </a:extLst>
+        </p:cNvPr>
+        <p:cNvGrpSpPr/>
+        <p:nvPr/>
+      </p:nvGrpSpPr>
+      <p:grpSpPr>
+        <a:xfrm>
+          <a:off x="0" y="0"/>
+          <a:ext cx="0" cy="0"/>
+          <a:chOff x="0" y="0"/>
+          <a:chExt cx="0" cy="0"/>
+        </a:xfrm>
+      </p:grpSpPr>
+      <p:sp>
+        <p:nvSpPr>
+          <p:cNvPr id="2" name="Title 1">
+            <a:extLst>
+              <a:ext uri="{FF2B5EF4-FFF2-40B4-BE49-F238E27FC236}">
+                <a16:creationId xmlns:a16="http://schemas.microsoft.com/office/drawing/2014/main" id="{44744A9A-A44E-7F56-4D1D-FB6D7E84A8B8}"/>
+              </a:ext>
+            </a:extLst>
+          </p:cNvPr>
+          <p:cNvSpPr>
+            <a:spLocks noGrp="1"/>
+          </p:cNvSpPr>
+          <p:nvPr>
+            <p:ph type="title"/>
+          </p:nvPr>
+        </p:nvSpPr>
+        <p:spPr>
+          <a:xfrm>
+            <a:off x="964023" y="1170774"/>
+            <a:ext cx="7789452" cy="427289"/>
+          </a:xfrm>
+        </p:spPr>
+        <p:txBody>
+          <a:bodyPr>
+            <a:normAutofit fontScale="90000"/>
+          </a:bodyPr>
+          <a:lstStyle/>
+          <a:p>
+            <a:r>
+              <a:rPr lang="en-US" sz="3200" dirty="0"/>
+              <a:t>Pros and Cons of the Top Models</a:t>
+            </a:r>
+          </a:p>
+        </p:txBody>
+      </p:sp>
+      <p:sp>
+        <p:nvSpPr>
+          <p:cNvPr id="13" name="Footer Placeholder 12">
+            <a:extLst>
+              <a:ext uri="{FF2B5EF4-FFF2-40B4-BE49-F238E27FC236}">
+                <a16:creationId xmlns:a16="http://schemas.microsoft.com/office/drawing/2014/main" id="{0BFC4255-5FB8-6DB5-2EAD-CF3BD617CCCE}"/>
+              </a:ext>
+            </a:extLst>
+          </p:cNvPr>
+          <p:cNvSpPr>
+            <a:spLocks noGrp="1"/>
+          </p:cNvSpPr>
+          <p:nvPr>
+            <p:ph type="ftr" sz="quarter" idx="22"/>
+          </p:nvPr>
+        </p:nvSpPr>
+        <p:spPr>
+          <a:xfrm>
+            <a:off x="1494790" y="6332220"/>
+            <a:ext cx="1762760" cy="247651"/>
+          </a:xfrm>
+        </p:spPr>
+        <p:txBody>
+          <a:bodyPr/>
+          <a:lstStyle/>
+          <a:p>
+            <a:r>
+              <a:rPr lang="en-US" dirty="0"/>
+              <a:t>Credit Card Fraud Detection</a:t>
+            </a:r>
+          </a:p>
+        </p:txBody>
+      </p:sp>
+      <p:sp>
+        <p:nvSpPr>
+          <p:cNvPr id="14" name="Slide Number Placeholder 13">
+            <a:extLst>
+              <a:ext uri="{FF2B5EF4-FFF2-40B4-BE49-F238E27FC236}">
+                <a16:creationId xmlns:a16="http://schemas.microsoft.com/office/drawing/2014/main" id="{3530B7EB-6BF3-E089-416E-A0E511AD3935}"/>
+              </a:ext>
+            </a:extLst>
+          </p:cNvPr>
+          <p:cNvSpPr>
+            <a:spLocks noGrp="1"/>
+          </p:cNvSpPr>
+          <p:nvPr>
+            <p:ph type="sldNum" sz="quarter" idx="23"/>
+          </p:nvPr>
+        </p:nvSpPr>
+        <p:spPr/>
+        <p:txBody>
+          <a:bodyPr/>
+          <a:lstStyle/>
+          <a:p>
+            <a:fld id="{294A09A9-5501-47C1-A89A-A340965A2BE2}" type="slidenum">
+              <a:rPr lang="en-US" smtClean="0"/>
+              <a:pPr/>
               <a:t>17</a:t>
             </a:fld>
             <a:endParaRPr lang="en-US" dirty="0">
@@ -16648,10 +16681,584 @@
       </p:sp>
       <p:sp>
         <p:nvSpPr>
+          <p:cNvPr id="4" name="TextBox 3">
+            <a:extLst>
+              <a:ext uri="{FF2B5EF4-FFF2-40B4-BE49-F238E27FC236}">
+                <a16:creationId xmlns:a16="http://schemas.microsoft.com/office/drawing/2014/main" id="{FDC9BEF1-8504-2A16-061C-3BD1CD0CA091}"/>
+              </a:ext>
+            </a:extLst>
+          </p:cNvPr>
+          <p:cNvSpPr txBox="1"/>
+          <p:nvPr/>
+        </p:nvSpPr>
+        <p:spPr>
+          <a:xfrm>
+            <a:off x="834889" y="2315335"/>
+            <a:ext cx="3082562" cy="2554545"/>
+          </a:xfrm>
+          <a:prstGeom prst="rect">
+            <a:avLst/>
+          </a:prstGeom>
+          <a:noFill/>
+        </p:spPr>
+        <p:txBody>
+          <a:bodyPr wrap="square">
+            <a:spAutoFit/>
+          </a:bodyPr>
+          <a:lstStyle/>
+          <a:p>
+            <a:r>
+              <a:rPr lang="en-US" sz="1600" dirty="0">
+                <a:solidFill>
+                  <a:schemeClr val="bg1"/>
+                </a:solidFill>
+              </a:rPr>
+              <a:t>Support Vector Classifier</a:t>
+            </a:r>
+          </a:p>
+          <a:p>
+            <a:r>
+              <a:rPr lang="en-US" sz="1600" b="1" dirty="0">
+                <a:solidFill>
+                  <a:schemeClr val="bg1"/>
+                </a:solidFill>
+              </a:rPr>
+              <a:t>Pros</a:t>
+            </a:r>
+          </a:p>
+          <a:p>
+            <a:pPr marL="285750" indent="-285750">
+              <a:buFont typeface="Arial" panose="020B0604020202020204" pitchFamily="34" charset="0"/>
+              <a:buChar char="•"/>
+            </a:pPr>
+            <a:r>
+              <a:rPr lang="en-US" sz="1600" dirty="0">
+                <a:solidFill>
+                  <a:schemeClr val="bg1"/>
+                </a:solidFill>
+              </a:rPr>
+              <a:t>Low risk of overfitting</a:t>
+            </a:r>
+          </a:p>
+          <a:p>
+            <a:pPr marL="285750" indent="-285750">
+              <a:buFont typeface="Arial" panose="020B0604020202020204" pitchFamily="34" charset="0"/>
+              <a:buChar char="•"/>
+            </a:pPr>
+            <a:r>
+              <a:rPr lang="en-US" sz="1600" dirty="0">
+                <a:solidFill>
+                  <a:schemeClr val="bg1"/>
+                </a:solidFill>
+              </a:rPr>
+              <a:t>Effective recall</a:t>
+            </a:r>
+          </a:p>
+          <a:p>
+            <a:endParaRPr lang="en-US" sz="1600" dirty="0">
+              <a:solidFill>
+                <a:schemeClr val="bg1"/>
+              </a:solidFill>
+            </a:endParaRPr>
+          </a:p>
+          <a:p>
+            <a:r>
+              <a:rPr lang="en-US" sz="1600" b="1" dirty="0">
+                <a:solidFill>
+                  <a:schemeClr val="bg1"/>
+                </a:solidFill>
+              </a:rPr>
+              <a:t>Cons</a:t>
+            </a:r>
+          </a:p>
+          <a:p>
+            <a:pPr marL="285750" indent="-285750">
+              <a:buFont typeface="Arial" panose="020B0604020202020204" pitchFamily="34" charset="0"/>
+              <a:buChar char="•"/>
+            </a:pPr>
+            <a:r>
+              <a:rPr lang="en-US" sz="1600" dirty="0">
+                <a:solidFill>
+                  <a:schemeClr val="bg1"/>
+                </a:solidFill>
+              </a:rPr>
+              <a:t>Hard to interpret model’s logic</a:t>
+            </a:r>
+          </a:p>
+          <a:p>
+            <a:pPr marL="285750" indent="-285750">
+              <a:buFont typeface="Arial" panose="020B0604020202020204" pitchFamily="34" charset="0"/>
+              <a:buChar char="•"/>
+            </a:pPr>
+            <a:r>
+              <a:rPr lang="en-US" sz="1600" dirty="0">
+                <a:solidFill>
+                  <a:schemeClr val="bg1"/>
+                </a:solidFill>
+              </a:rPr>
+              <a:t>Retraining model takes a long time</a:t>
+            </a:r>
+          </a:p>
+          <a:p>
+            <a:endParaRPr lang="en-US" sz="1600" dirty="0">
+              <a:solidFill>
+                <a:schemeClr val="bg1"/>
+              </a:solidFill>
+            </a:endParaRPr>
+          </a:p>
+        </p:txBody>
+      </p:sp>
+      <p:sp>
+        <p:nvSpPr>
+          <p:cNvPr id="6" name="TextBox 5">
+            <a:extLst>
+              <a:ext uri="{FF2B5EF4-FFF2-40B4-BE49-F238E27FC236}">
+                <a16:creationId xmlns:a16="http://schemas.microsoft.com/office/drawing/2014/main" id="{974A7844-6DCA-9AB0-55E5-61CF41B2A0BB}"/>
+              </a:ext>
+            </a:extLst>
+          </p:cNvPr>
+          <p:cNvSpPr txBox="1"/>
+          <p:nvPr/>
+        </p:nvSpPr>
+        <p:spPr>
+          <a:xfrm>
+            <a:off x="7332291" y="2315335"/>
+            <a:ext cx="3573959" cy="3323987"/>
+          </a:xfrm>
+          <a:prstGeom prst="rect">
+            <a:avLst/>
+          </a:prstGeom>
+          <a:noFill/>
+        </p:spPr>
+        <p:txBody>
+          <a:bodyPr wrap="square">
+            <a:spAutoFit/>
+          </a:bodyPr>
+          <a:lstStyle/>
+          <a:p>
+            <a:r>
+              <a:rPr lang="en-US" sz="1600" dirty="0">
+                <a:solidFill>
+                  <a:schemeClr val="bg1"/>
+                </a:solidFill>
+              </a:rPr>
+              <a:t>Gradient Boosting Classifier</a:t>
+            </a:r>
+          </a:p>
+          <a:p>
+            <a:r>
+              <a:rPr lang="en-US" sz="1600" b="1" dirty="0">
+                <a:solidFill>
+                  <a:schemeClr val="bg1"/>
+                </a:solidFill>
+              </a:rPr>
+              <a:t>Pros</a:t>
+            </a:r>
+          </a:p>
+          <a:p>
+            <a:pPr marL="285750" indent="-285750">
+              <a:buFont typeface="Arial" panose="020B0604020202020204" pitchFamily="34" charset="0"/>
+              <a:buChar char="•"/>
+            </a:pPr>
+            <a:r>
+              <a:rPr lang="en-US" sz="1600" dirty="0">
+                <a:solidFill>
+                  <a:schemeClr val="bg1"/>
+                </a:solidFill>
+              </a:rPr>
+              <a:t>Good recall for fraud</a:t>
+            </a:r>
+          </a:p>
+          <a:p>
+            <a:pPr marL="285750" indent="-285750">
+              <a:buFont typeface="Arial" panose="020B0604020202020204" pitchFamily="34" charset="0"/>
+              <a:buChar char="•"/>
+            </a:pPr>
+            <a:r>
+              <a:rPr lang="en-US" sz="1600" dirty="0">
+                <a:solidFill>
+                  <a:schemeClr val="bg1"/>
+                </a:solidFill>
+              </a:rPr>
+              <a:t>Reduces risk of misidentifying fraud as non fraudulent</a:t>
+            </a:r>
+          </a:p>
+          <a:p>
+            <a:endParaRPr lang="en-US" sz="1600" dirty="0">
+              <a:solidFill>
+                <a:schemeClr val="bg1"/>
+              </a:solidFill>
+            </a:endParaRPr>
+          </a:p>
+          <a:p>
+            <a:r>
+              <a:rPr lang="en-US" sz="1600" b="1" dirty="0">
+                <a:solidFill>
+                  <a:schemeClr val="bg1"/>
+                </a:solidFill>
+              </a:rPr>
+              <a:t>Cons</a:t>
+            </a:r>
+          </a:p>
+          <a:p>
+            <a:pPr marL="285750" indent="-285750">
+              <a:buFont typeface="Arial" panose="020B0604020202020204" pitchFamily="34" charset="0"/>
+              <a:buChar char="•"/>
+            </a:pPr>
+            <a:r>
+              <a:rPr lang="en-US" sz="1600" dirty="0">
+                <a:solidFill>
+                  <a:schemeClr val="bg1"/>
+                </a:solidFill>
+              </a:rPr>
+              <a:t>Low precision on fraudulent transactions</a:t>
+            </a:r>
+          </a:p>
+          <a:p>
+            <a:pPr marL="285750" indent="-285750">
+              <a:buFont typeface="Arial" panose="020B0604020202020204" pitchFamily="34" charset="0"/>
+              <a:buChar char="•"/>
+            </a:pPr>
+            <a:r>
+              <a:rPr lang="en-US" sz="1600" dirty="0">
+                <a:solidFill>
+                  <a:schemeClr val="bg1"/>
+                </a:solidFill>
+              </a:rPr>
+              <a:t>Can be prone to overfitting</a:t>
+            </a:r>
+          </a:p>
+          <a:p>
+            <a:pPr marL="285750" indent="-285750">
+              <a:buFont typeface="Arial" panose="020B0604020202020204" pitchFamily="34" charset="0"/>
+              <a:buChar char="•"/>
+            </a:pPr>
+            <a:endParaRPr lang="en-US" sz="1600" dirty="0">
+              <a:solidFill>
+                <a:schemeClr val="bg1"/>
+              </a:solidFill>
+            </a:endParaRPr>
+          </a:p>
+          <a:p>
+            <a:br>
+              <a:rPr lang="en-US" sz="1600" dirty="0">
+                <a:solidFill>
+                  <a:schemeClr val="bg1"/>
+                </a:solidFill>
+              </a:rPr>
+            </a:br>
+            <a:endParaRPr lang="en-US" dirty="0">
+              <a:solidFill>
+                <a:schemeClr val="bg1"/>
+              </a:solidFill>
+            </a:endParaRPr>
+          </a:p>
+        </p:txBody>
+      </p:sp>
+      <p:sp>
+        <p:nvSpPr>
+          <p:cNvPr id="7" name="TextBox 6">
+            <a:extLst>
+              <a:ext uri="{FF2B5EF4-FFF2-40B4-BE49-F238E27FC236}">
+                <a16:creationId xmlns:a16="http://schemas.microsoft.com/office/drawing/2014/main" id="{EC84E332-F08A-72A2-33E1-AB04FFC26847}"/>
+              </a:ext>
+            </a:extLst>
+          </p:cNvPr>
+          <p:cNvSpPr txBox="1"/>
+          <p:nvPr/>
+        </p:nvSpPr>
+        <p:spPr>
+          <a:xfrm>
+            <a:off x="3917451" y="2315335"/>
+            <a:ext cx="3082562" cy="2800767"/>
+          </a:xfrm>
+          <a:prstGeom prst="rect">
+            <a:avLst/>
+          </a:prstGeom>
+          <a:noFill/>
+        </p:spPr>
+        <p:txBody>
+          <a:bodyPr wrap="square">
+            <a:spAutoFit/>
+          </a:bodyPr>
+          <a:lstStyle/>
+          <a:p>
+            <a:r>
+              <a:rPr lang="en-US" sz="1600" dirty="0">
+                <a:solidFill>
+                  <a:schemeClr val="bg1"/>
+                </a:solidFill>
+              </a:rPr>
+              <a:t>ADA Boost Classifier</a:t>
+            </a:r>
+          </a:p>
+          <a:p>
+            <a:r>
+              <a:rPr lang="en-US" sz="1600" b="1" dirty="0">
+                <a:solidFill>
+                  <a:schemeClr val="bg1"/>
+                </a:solidFill>
+              </a:rPr>
+              <a:t>Pros</a:t>
+            </a:r>
+          </a:p>
+          <a:p>
+            <a:pPr marL="285750" indent="-285750">
+              <a:buFont typeface="Arial" panose="020B0604020202020204" pitchFamily="34" charset="0"/>
+              <a:buChar char="•"/>
+            </a:pPr>
+            <a:r>
+              <a:rPr lang="en-US" sz="1600" dirty="0">
+                <a:solidFill>
+                  <a:srgbClr val="1D1C1D"/>
+                </a:solidFill>
+                <a:latin typeface="Slack-Lato"/>
+              </a:rPr>
+              <a:t>St</a:t>
+            </a:r>
+            <a:r>
+              <a:rPr lang="en-US" sz="1600" b="0" i="0" dirty="0">
+                <a:solidFill>
+                  <a:srgbClr val="1D1C1D"/>
+                </a:solidFill>
+                <a:effectLst/>
+                <a:latin typeface="Slack-Lato"/>
+              </a:rPr>
+              <a:t>rong performance metrics</a:t>
+            </a:r>
+            <a:endParaRPr lang="en-US" sz="1600" dirty="0">
+              <a:solidFill>
+                <a:srgbClr val="1D1C1D"/>
+              </a:solidFill>
+              <a:latin typeface="Slack-Lato"/>
+            </a:endParaRPr>
+          </a:p>
+          <a:p>
+            <a:pPr marL="285750" indent="-285750">
+              <a:buFont typeface="Arial" panose="020B0604020202020204" pitchFamily="34" charset="0"/>
+              <a:buChar char="•"/>
+            </a:pPr>
+            <a:r>
+              <a:rPr lang="en-US" sz="1600" dirty="0">
+                <a:solidFill>
+                  <a:schemeClr val="bg1"/>
+                </a:solidFill>
+              </a:rPr>
+              <a:t>Low risk of overfitting.</a:t>
+            </a:r>
+          </a:p>
+          <a:p>
+            <a:pPr marL="285750" indent="-285750">
+              <a:buFont typeface="Arial" panose="020B0604020202020204" pitchFamily="34" charset="0"/>
+              <a:buChar char="•"/>
+            </a:pPr>
+            <a:endParaRPr lang="en-US" sz="1600" dirty="0">
+              <a:solidFill>
+                <a:schemeClr val="bg1"/>
+              </a:solidFill>
+            </a:endParaRPr>
+          </a:p>
+          <a:p>
+            <a:r>
+              <a:rPr lang="en-US" sz="1600" b="1" dirty="0">
+                <a:solidFill>
+                  <a:schemeClr val="bg1"/>
+                </a:solidFill>
+              </a:rPr>
+              <a:t>Cons</a:t>
+            </a:r>
+          </a:p>
+          <a:p>
+            <a:pPr marL="285750" indent="-285750">
+              <a:buFont typeface="Arial" panose="020B0604020202020204" pitchFamily="34" charset="0"/>
+              <a:buChar char="•"/>
+            </a:pPr>
+            <a:r>
+              <a:rPr lang="en-US" sz="1600" dirty="0">
+                <a:solidFill>
+                  <a:schemeClr val="bg1"/>
+                </a:solidFill>
+              </a:rPr>
+              <a:t>Potential performance imbalance</a:t>
+            </a:r>
+          </a:p>
+          <a:p>
+            <a:pPr marL="285750" indent="-285750">
+              <a:buFont typeface="Arial" panose="020B0604020202020204" pitchFamily="34" charset="0"/>
+              <a:buChar char="•"/>
+            </a:pPr>
+            <a:r>
+              <a:rPr lang="en-US" sz="1600" dirty="0">
+                <a:solidFill>
+                  <a:schemeClr val="bg1"/>
+                </a:solidFill>
+              </a:rPr>
+              <a:t>Sensitive to noisy data and outliers</a:t>
+            </a:r>
+          </a:p>
+          <a:p>
+            <a:endParaRPr lang="en-US" sz="1600" dirty="0">
+              <a:solidFill>
+                <a:schemeClr val="bg1"/>
+              </a:solidFill>
+            </a:endParaRPr>
+          </a:p>
+        </p:txBody>
+      </p:sp>
+    </p:spTree>
+    <p:extLst>
+      <p:ext uri="{BB962C8B-B14F-4D97-AF65-F5344CB8AC3E}">
+        <p14:creationId xmlns:p14="http://schemas.microsoft.com/office/powerpoint/2010/main" val="1013820825"/>
+      </p:ext>
+    </p:extLst>
+  </p:cSld>
+  <p:clrMapOvr>
+    <a:masterClrMapping/>
+  </p:clrMapOvr>
+  <mc:AlternateContent xmlns:mc="http://schemas.openxmlformats.org/markup-compatibility/2006">
+    <mc:Choice xmlns:p14="http://schemas.microsoft.com/office/powerpoint/2010/main" Requires="p14">
+      <p:transition spd="slow" p14:dur="2000">
+        <p:fade/>
+      </p:transition>
+    </mc:Choice>
+    <mc:Fallback>
+      <p:transition spd="slow">
+        <p:fade/>
+      </p:transition>
+    </mc:Fallback>
+  </mc:AlternateContent>
+</p:sld>
+</file>
+
+<file path=ppt/slides/slide18.xml><?xml version="1.0" encoding="utf-8"?>
+<p:sld xmlns:a="http://schemas.openxmlformats.org/drawingml/2006/main" xmlns:r="http://schemas.openxmlformats.org/officeDocument/2006/relationships" xmlns:p="http://schemas.openxmlformats.org/presentationml/2006/main">
+  <p:cSld>
+    <p:spTree>
+      <p:nvGrpSpPr>
+        <p:cNvPr id="1" name="">
+          <a:extLst>
+            <a:ext uri="{FF2B5EF4-FFF2-40B4-BE49-F238E27FC236}">
+              <a16:creationId xmlns:a16="http://schemas.microsoft.com/office/drawing/2014/main" id="{02997953-C6B4-E607-E956-ABE9F61A201A}"/>
+            </a:ext>
+          </a:extLst>
+        </p:cNvPr>
+        <p:cNvGrpSpPr/>
+        <p:nvPr/>
+      </p:nvGrpSpPr>
+      <p:grpSpPr>
+        <a:xfrm>
+          <a:off x="0" y="0"/>
+          <a:ext cx="0" cy="0"/>
+          <a:chOff x="0" y="0"/>
+          <a:chExt cx="0" cy="0"/>
+        </a:xfrm>
+      </p:grpSpPr>
+      <p:sp>
+        <p:nvSpPr>
+          <p:cNvPr id="2" name="Title 1">
+            <a:extLst>
+              <a:ext uri="{FF2B5EF4-FFF2-40B4-BE49-F238E27FC236}">
+                <a16:creationId xmlns:a16="http://schemas.microsoft.com/office/drawing/2014/main" id="{FA739577-BB00-A5EE-3463-6AD798F606EF}"/>
+              </a:ext>
+            </a:extLst>
+          </p:cNvPr>
+          <p:cNvSpPr>
+            <a:spLocks noGrp="1"/>
+          </p:cNvSpPr>
+          <p:nvPr>
+            <p:ph type="title"/>
+          </p:nvPr>
+        </p:nvSpPr>
+        <p:spPr>
+          <a:xfrm>
+            <a:off x="964023" y="1170774"/>
+            <a:ext cx="7789452" cy="427289"/>
+          </a:xfrm>
+        </p:spPr>
+        <p:txBody>
+          <a:bodyPr>
+            <a:normAutofit fontScale="90000"/>
+          </a:bodyPr>
+          <a:lstStyle/>
+          <a:p>
+            <a:r>
+              <a:rPr lang="en-US" sz="3200" dirty="0"/>
+              <a:t>Recommendations</a:t>
+            </a:r>
+          </a:p>
+        </p:txBody>
+      </p:sp>
+      <p:sp>
+        <p:nvSpPr>
+          <p:cNvPr id="13" name="Footer Placeholder 12">
+            <a:extLst>
+              <a:ext uri="{FF2B5EF4-FFF2-40B4-BE49-F238E27FC236}">
+                <a16:creationId xmlns:a16="http://schemas.microsoft.com/office/drawing/2014/main" id="{374A753D-00CF-336E-2D9C-2DD49C2903A3}"/>
+              </a:ext>
+            </a:extLst>
+          </p:cNvPr>
+          <p:cNvSpPr>
+            <a:spLocks noGrp="1"/>
+          </p:cNvSpPr>
+          <p:nvPr>
+            <p:ph type="ftr" sz="quarter" idx="22"/>
+          </p:nvPr>
+        </p:nvSpPr>
+        <p:spPr>
+          <a:xfrm>
+            <a:off x="1494790" y="6332220"/>
+            <a:ext cx="1762760" cy="247651"/>
+          </a:xfrm>
+        </p:spPr>
+        <p:txBody>
+          <a:bodyPr/>
+          <a:lstStyle/>
+          <a:p>
+            <a:r>
+              <a:rPr lang="en-US" dirty="0"/>
+              <a:t>Credit Card Fraud Detection</a:t>
+            </a:r>
+          </a:p>
+        </p:txBody>
+      </p:sp>
+      <p:sp>
+        <p:nvSpPr>
+          <p:cNvPr id="14" name="Slide Number Placeholder 13">
+            <a:extLst>
+              <a:ext uri="{FF2B5EF4-FFF2-40B4-BE49-F238E27FC236}">
+                <a16:creationId xmlns:a16="http://schemas.microsoft.com/office/drawing/2014/main" id="{A14AF3FC-1222-6FBB-0044-D9D04741BC97}"/>
+              </a:ext>
+            </a:extLst>
+          </p:cNvPr>
+          <p:cNvSpPr>
+            <a:spLocks noGrp="1"/>
+          </p:cNvSpPr>
+          <p:nvPr>
+            <p:ph type="sldNum" sz="quarter" idx="23"/>
+          </p:nvPr>
+        </p:nvSpPr>
+        <p:spPr/>
+        <p:txBody>
+          <a:bodyPr/>
+          <a:lstStyle/>
+          <a:p>
+            <a:fld id="{294A09A9-5501-47C1-A89A-A340965A2BE2}" type="slidenum">
+              <a:rPr lang="en-US" smtClean="0"/>
+              <a:pPr/>
+              <a:t>18</a:t>
+            </a:fld>
+            <a:endParaRPr lang="en-US" dirty="0">
+              <a:latin typeface="+mn-lt"/>
+            </a:endParaRPr>
+          </a:p>
+        </p:txBody>
+      </p:sp>
+      <p:sp>
+        <p:nvSpPr>
           <p:cNvPr id="5" name="Content Placeholder 7">
             <a:extLst>
               <a:ext uri="{FF2B5EF4-FFF2-40B4-BE49-F238E27FC236}">
-                <a16:creationId xmlns:a16="http://schemas.microsoft.com/office/drawing/2014/main" id="{BC3E3EF8-4571-22EB-7129-10B8D76805DE}"/>
+                <a16:creationId xmlns:a16="http://schemas.microsoft.com/office/drawing/2014/main" id="{4D0E6B27-EE15-819D-A027-D682FB6E7C56}"/>
               </a:ext>
             </a:extLst>
           </p:cNvPr>
@@ -16846,767 +17453,12 @@
           </a:p>
         </p:txBody>
       </p:sp>
-    </p:spTree>
-    <p:extLst>
-      <p:ext uri="{BB962C8B-B14F-4D97-AF65-F5344CB8AC3E}">
-        <p14:creationId xmlns:p14="http://schemas.microsoft.com/office/powerpoint/2010/main" val="1488527486"/>
-      </p:ext>
-    </p:extLst>
-  </p:cSld>
-  <p:clrMapOvr>
-    <a:masterClrMapping/>
-  </p:clrMapOvr>
-  <mc:AlternateContent xmlns:mc="http://schemas.openxmlformats.org/markup-compatibility/2006" xmlns:p14="http://schemas.microsoft.com/office/powerpoint/2010/main">
-    <mc:Choice Requires="p14">
-      <p:transition spd="slow" p14:dur="2000">
-        <p:fade/>
-      </p:transition>
-    </mc:Choice>
-    <mc:Fallback xmlns="">
-      <p:transition spd="slow">
-        <p:fade/>
-      </p:transition>
-    </mc:Fallback>
-  </mc:AlternateContent>
-</p:sld>
-</file>
-
-<file path=ppt/slides/slide18.xml><?xml version="1.0" encoding="utf-8"?>
-<p:sld xmlns:a="http://schemas.openxmlformats.org/drawingml/2006/main" xmlns:r="http://schemas.openxmlformats.org/officeDocument/2006/relationships" xmlns:p="http://schemas.openxmlformats.org/presentationml/2006/main">
-  <p:cSld>
-    <p:bg>
-      <p:bgPr>
-        <a:solidFill>
-          <a:schemeClr val="accent2"/>
-        </a:solidFill>
-        <a:effectLst/>
-      </p:bgPr>
-    </p:bg>
-    <p:spTree>
-      <p:nvGrpSpPr>
-        <p:cNvPr id="1" name=""/>
-        <p:cNvGrpSpPr/>
-        <p:nvPr/>
-      </p:nvGrpSpPr>
-      <p:grpSpPr>
-        <a:xfrm>
-          <a:off x="0" y="0"/>
-          <a:ext cx="0" cy="0"/>
-          <a:chOff x="0" y="0"/>
-          <a:chExt cx="0" cy="0"/>
-        </a:xfrm>
-      </p:grpSpPr>
-      <p:pic>
-        <p:nvPicPr>
-          <p:cNvPr id="20" name="Picture Placeholder 19" descr="Abstract background of luminous dots">
-            <a:extLst>
-              <a:ext uri="{FF2B5EF4-FFF2-40B4-BE49-F238E27FC236}">
-                <a16:creationId xmlns:a16="http://schemas.microsoft.com/office/drawing/2014/main" id="{12F007AF-B3B3-4BBC-9990-D46E31738B7C}"/>
-              </a:ext>
-            </a:extLst>
-          </p:cNvPr>
-          <p:cNvPicPr>
-            <a:picLocks noGrp="1" noChangeAspect="1"/>
-          </p:cNvPicPr>
-          <p:nvPr>
-            <p:ph type="pic" sz="quarter" idx="13"/>
-          </p:nvPr>
-        </p:nvPicPr>
-        <p:blipFill>
-          <a:blip r:embed="rId3">
-            <a:extLst>
-              <a:ext uri="{28A0092B-C50C-407E-A947-70E740481C1C}">
-                <a14:useLocalDpi xmlns:a14="http://schemas.microsoft.com/office/drawing/2010/main" val="0"/>
-              </a:ext>
-            </a:extLst>
-          </a:blip>
-          <a:srcRect/>
-          <a:stretch/>
-        </p:blipFill>
-        <p:spPr>
-          <a:xfrm>
-            <a:off x="0" y="0"/>
-            <a:ext cx="12192000" cy="6858000"/>
-          </a:xfrm>
-        </p:spPr>
-      </p:pic>
       <p:sp>
         <p:nvSpPr>
-          <p:cNvPr id="2" name="Title 1">
-            <a:extLst>
-              <a:ext uri="{FF2B5EF4-FFF2-40B4-BE49-F238E27FC236}">
-                <a16:creationId xmlns:a16="http://schemas.microsoft.com/office/drawing/2014/main" id="{A8704A28-E62C-2E4A-A2A4-AD85CB6126A2}"/>
-              </a:ext>
-            </a:extLst>
-          </p:cNvPr>
-          <p:cNvSpPr>
-            <a:spLocks noGrp="1"/>
-          </p:cNvSpPr>
-          <p:nvPr>
-            <p:ph type="title"/>
-          </p:nvPr>
-        </p:nvSpPr>
-        <p:spPr>
-          <a:xfrm>
-            <a:off x="5838739" y="3959837"/>
-            <a:ext cx="5476962" cy="610863"/>
-          </a:xfrm>
-        </p:spPr>
-        <p:txBody>
-          <a:bodyPr>
-            <a:noAutofit/>
-          </a:bodyPr>
-          <a:lstStyle/>
-          <a:p>
-            <a:r>
-              <a:rPr lang="en-US" sz="6000" dirty="0"/>
-              <a:t>4. Conclusion</a:t>
-            </a:r>
-          </a:p>
-        </p:txBody>
-      </p:sp>
-      <p:cxnSp>
-        <p:nvCxnSpPr>
-          <p:cNvPr id="6" name="Straight Connector 5">
-            <a:extLst>
-              <a:ext uri="{FF2B5EF4-FFF2-40B4-BE49-F238E27FC236}">
-                <a16:creationId xmlns:a16="http://schemas.microsoft.com/office/drawing/2014/main" id="{4D6EE753-BEBB-4348-896E-73627FDDCF64}"/>
-              </a:ext>
-              <a:ext uri="{C183D7F6-B498-43B3-948B-1728B52AA6E4}">
-                <adec:decorative xmlns:adec="http://schemas.microsoft.com/office/drawing/2017/decorative" val="1"/>
-              </a:ext>
-            </a:extLst>
-          </p:cNvPr>
-          <p:cNvCxnSpPr>
-            <a:cxnSpLocks/>
-          </p:cNvCxnSpPr>
-          <p:nvPr/>
-        </p:nvCxnSpPr>
-        <p:spPr>
-          <a:xfrm>
-            <a:off x="5981350" y="4899227"/>
-            <a:ext cx="5334350" cy="0"/>
-          </a:xfrm>
-          <a:prstGeom prst="line">
-            <a:avLst/>
-          </a:prstGeom>
-          <a:ln w="101600">
-            <a:solidFill>
-              <a:schemeClr val="tx2"/>
-            </a:solidFill>
-          </a:ln>
-        </p:spPr>
-        <p:style>
-          <a:lnRef idx="1">
-            <a:schemeClr val="dk1"/>
-          </a:lnRef>
-          <a:fillRef idx="0">
-            <a:schemeClr val="dk1"/>
-          </a:fillRef>
-          <a:effectRef idx="0">
-            <a:schemeClr val="dk1"/>
-          </a:effectRef>
-          <a:fontRef idx="minor">
-            <a:schemeClr val="tx1"/>
-          </a:fontRef>
-        </p:style>
-      </p:cxnSp>
-      <p:sp>
-        <p:nvSpPr>
-          <p:cNvPr id="3" name="Content Placeholder 7">
-            <a:extLst>
-              <a:ext uri="{FF2B5EF4-FFF2-40B4-BE49-F238E27FC236}">
-                <a16:creationId xmlns:a16="http://schemas.microsoft.com/office/drawing/2014/main" id="{FA37C83D-E109-823C-B200-89B0B1293D24}"/>
-              </a:ext>
-            </a:extLst>
-          </p:cNvPr>
-          <p:cNvSpPr txBox="1">
-            <a:spLocks/>
-          </p:cNvSpPr>
-          <p:nvPr/>
-        </p:nvSpPr>
-        <p:spPr>
-          <a:xfrm rot="10800000" flipV="1">
-            <a:off x="6886954" y="5073276"/>
-            <a:ext cx="4006332" cy="1282148"/>
-          </a:xfrm>
-          <a:prstGeom prst="rect">
-            <a:avLst/>
-          </a:prstGeom>
-        </p:spPr>
-        <p:txBody>
-          <a:bodyPr vert="horz" lIns="0" tIns="0" rIns="0" bIns="0" rtlCol="0" anchor="t" anchorCtr="0">
-            <a:normAutofit/>
-          </a:bodyPr>
-          <a:lstStyle>
-            <a:lvl1pPr marL="285750" indent="-285750" algn="l" defTabSz="914400" rtl="0" eaLnBrk="1" latinLnBrk="0" hangingPunct="1">
-              <a:lnSpc>
-                <a:spcPct val="100000"/>
-              </a:lnSpc>
-              <a:spcBef>
-                <a:spcPts val="1000"/>
-              </a:spcBef>
-              <a:buFont typeface="Wingdings" pitchFamily="2" charset="2"/>
-              <a:buChar char="§"/>
-              <a:defRPr sz="1600" b="0" i="0" kern="1200">
-                <a:solidFill>
-                  <a:schemeClr val="bg1"/>
-                </a:solidFill>
-                <a:latin typeface="+mn-lt"/>
-                <a:ea typeface="+mn-ea"/>
-                <a:cs typeface="+mn-cs"/>
-              </a:defRPr>
-            </a:lvl1pPr>
-            <a:lvl2pPr marL="685800" indent="-228600" algn="l" defTabSz="914400" rtl="0" eaLnBrk="1" latinLnBrk="0" hangingPunct="1">
-              <a:lnSpc>
-                <a:spcPct val="90000"/>
-              </a:lnSpc>
-              <a:spcBef>
-                <a:spcPts val="500"/>
-              </a:spcBef>
-              <a:buFont typeface="Arial" panose="020B0604020202020204" pitchFamily="34" charset="0"/>
-              <a:buChar char="•"/>
-              <a:defRPr sz="1600" b="0" i="0" kern="1200">
-                <a:solidFill>
-                  <a:schemeClr val="bg1"/>
-                </a:solidFill>
-                <a:latin typeface="+mn-lt"/>
-                <a:ea typeface="+mn-ea"/>
-                <a:cs typeface="+mn-cs"/>
-              </a:defRPr>
-            </a:lvl2pPr>
-            <a:lvl3pPr marL="1143000" indent="-228600" algn="l" defTabSz="914400" rtl="0" eaLnBrk="1" latinLnBrk="0" hangingPunct="1">
-              <a:lnSpc>
-                <a:spcPct val="90000"/>
-              </a:lnSpc>
-              <a:spcBef>
-                <a:spcPts val="500"/>
-              </a:spcBef>
-              <a:buFont typeface="Arial" panose="020B0604020202020204" pitchFamily="34" charset="0"/>
-              <a:buChar char="•"/>
-              <a:defRPr sz="1600" b="0" i="0" kern="1200">
-                <a:solidFill>
-                  <a:schemeClr val="bg1"/>
-                </a:solidFill>
-                <a:latin typeface="+mn-lt"/>
-                <a:ea typeface="+mn-ea"/>
-                <a:cs typeface="+mn-cs"/>
-              </a:defRPr>
-            </a:lvl3pPr>
-            <a:lvl4pPr marL="1600200" indent="-228600" algn="l" defTabSz="914400" rtl="0" eaLnBrk="1" latinLnBrk="0" hangingPunct="1">
-              <a:lnSpc>
-                <a:spcPct val="90000"/>
-              </a:lnSpc>
-              <a:spcBef>
-                <a:spcPts val="500"/>
-              </a:spcBef>
-              <a:buFont typeface="Arial" panose="020B0604020202020204" pitchFamily="34" charset="0"/>
-              <a:buChar char="•"/>
-              <a:defRPr sz="1600" b="0" i="0" kern="1200">
-                <a:solidFill>
-                  <a:schemeClr val="bg1"/>
-                </a:solidFill>
-                <a:latin typeface="+mn-lt"/>
-                <a:ea typeface="+mn-ea"/>
-                <a:cs typeface="+mn-cs"/>
-              </a:defRPr>
-            </a:lvl4pPr>
-            <a:lvl5pPr marL="2057400" indent="-228600" algn="l" defTabSz="914400" rtl="0" eaLnBrk="1" latinLnBrk="0" hangingPunct="1">
-              <a:lnSpc>
-                <a:spcPct val="90000"/>
-              </a:lnSpc>
-              <a:spcBef>
-                <a:spcPts val="500"/>
-              </a:spcBef>
-              <a:buFont typeface="Arial" panose="020B0604020202020204" pitchFamily="34" charset="0"/>
-              <a:buChar char="•"/>
-              <a:defRPr sz="1600" b="0" i="0" kern="1200">
-                <a:solidFill>
-                  <a:schemeClr val="bg1"/>
-                </a:solidFill>
-                <a:latin typeface="+mn-lt"/>
-                <a:ea typeface="+mn-ea"/>
-                <a:cs typeface="+mn-cs"/>
-              </a:defRPr>
-            </a:lvl5pPr>
-            <a:lvl6pPr marL="2514600" indent="-228600" algn="l" defTabSz="914400" rtl="0" eaLnBrk="1" latinLnBrk="0" hangingPunct="1">
-              <a:lnSpc>
-                <a:spcPct val="90000"/>
-              </a:lnSpc>
-              <a:spcBef>
-                <a:spcPts val="500"/>
-              </a:spcBef>
-              <a:buFont typeface="Arial" panose="020B0604020202020204" pitchFamily="34" charset="0"/>
-              <a:buChar char="•"/>
-              <a:defRPr sz="1800" kern="1200">
-                <a:solidFill>
-                  <a:schemeClr val="tx1"/>
-                </a:solidFill>
-                <a:latin typeface="+mn-lt"/>
-                <a:ea typeface="+mn-ea"/>
-                <a:cs typeface="+mn-cs"/>
-              </a:defRPr>
-            </a:lvl6pPr>
-            <a:lvl7pPr marL="2971800" indent="-228600" algn="l" defTabSz="914400" rtl="0" eaLnBrk="1" latinLnBrk="0" hangingPunct="1">
-              <a:lnSpc>
-                <a:spcPct val="90000"/>
-              </a:lnSpc>
-              <a:spcBef>
-                <a:spcPts val="500"/>
-              </a:spcBef>
-              <a:buFont typeface="Arial" panose="020B0604020202020204" pitchFamily="34" charset="0"/>
-              <a:buChar char="•"/>
-              <a:defRPr sz="1800" kern="1200">
-                <a:solidFill>
-                  <a:schemeClr val="tx1"/>
-                </a:solidFill>
-                <a:latin typeface="+mn-lt"/>
-                <a:ea typeface="+mn-ea"/>
-                <a:cs typeface="+mn-cs"/>
-              </a:defRPr>
-            </a:lvl7pPr>
-            <a:lvl8pPr marL="3429000" indent="-228600" algn="l" defTabSz="914400" rtl="0" eaLnBrk="1" latinLnBrk="0" hangingPunct="1">
-              <a:lnSpc>
-                <a:spcPct val="90000"/>
-              </a:lnSpc>
-              <a:spcBef>
-                <a:spcPts val="500"/>
-              </a:spcBef>
-              <a:buFont typeface="Arial" panose="020B0604020202020204" pitchFamily="34" charset="0"/>
-              <a:buChar char="•"/>
-              <a:defRPr sz="1800" kern="1200">
-                <a:solidFill>
-                  <a:schemeClr val="tx1"/>
-                </a:solidFill>
-                <a:latin typeface="+mn-lt"/>
-                <a:ea typeface="+mn-ea"/>
-                <a:cs typeface="+mn-cs"/>
-              </a:defRPr>
-            </a:lvl8pPr>
-            <a:lvl9pPr marL="3886200" indent="-228600" algn="l" defTabSz="914400" rtl="0" eaLnBrk="1" latinLnBrk="0" hangingPunct="1">
-              <a:lnSpc>
-                <a:spcPct val="90000"/>
-              </a:lnSpc>
-              <a:spcBef>
-                <a:spcPts val="500"/>
-              </a:spcBef>
-              <a:buFont typeface="Arial" panose="020B0604020202020204" pitchFamily="34" charset="0"/>
-              <a:buChar char="•"/>
-              <a:defRPr sz="1800" kern="1200">
-                <a:solidFill>
-                  <a:schemeClr val="tx1"/>
-                </a:solidFill>
-                <a:latin typeface="+mn-lt"/>
-                <a:ea typeface="+mn-ea"/>
-                <a:cs typeface="+mn-cs"/>
-              </a:defRPr>
-            </a:lvl9pPr>
-          </a:lstStyle>
-          <a:p>
-            <a:pPr marL="0" indent="0" algn="ctr">
-              <a:buFont typeface="Wingdings" pitchFamily="2" charset="2"/>
-              <a:buNone/>
-            </a:pPr>
-            <a:r>
-              <a:rPr lang="en-US" sz="3200" b="1" dirty="0">
-                <a:solidFill>
-                  <a:schemeClr val="tx1"/>
-                </a:solidFill>
-              </a:rPr>
-              <a:t>Presenter: Sam Farrow</a:t>
-            </a:r>
-          </a:p>
-        </p:txBody>
-      </p:sp>
-    </p:spTree>
-    <p:extLst>
-      <p:ext uri="{BB962C8B-B14F-4D97-AF65-F5344CB8AC3E}">
-        <p14:creationId xmlns:p14="http://schemas.microsoft.com/office/powerpoint/2010/main" val="646844725"/>
-      </p:ext>
-    </p:extLst>
-  </p:cSld>
-  <p:clrMapOvr>
-    <a:masterClrMapping/>
-  </p:clrMapOvr>
-  <mc:AlternateContent xmlns:mc="http://schemas.openxmlformats.org/markup-compatibility/2006" xmlns:p14="http://schemas.microsoft.com/office/powerpoint/2010/main">
-    <mc:Choice Requires="p14">
-      <p:transition spd="slow" p14:dur="2000">
-        <p:fade/>
-      </p:transition>
-    </mc:Choice>
-    <mc:Fallback xmlns="">
-      <p:transition spd="slow">
-        <p:fade/>
-      </p:transition>
-    </mc:Fallback>
-  </mc:AlternateContent>
-</p:sld>
-</file>
-
-<file path=ppt/slides/slide19.xml><?xml version="1.0" encoding="utf-8"?>
-<p:sld xmlns:a="http://schemas.openxmlformats.org/drawingml/2006/main" xmlns:r="http://schemas.openxmlformats.org/officeDocument/2006/relationships" xmlns:p="http://schemas.openxmlformats.org/presentationml/2006/main">
-  <p:cSld>
-    <p:spTree>
-      <p:nvGrpSpPr>
-        <p:cNvPr id="1" name=""/>
-        <p:cNvGrpSpPr/>
-        <p:nvPr/>
-      </p:nvGrpSpPr>
-      <p:grpSpPr>
-        <a:xfrm>
-          <a:off x="0" y="0"/>
-          <a:ext cx="0" cy="0"/>
-          <a:chOff x="0" y="0"/>
-          <a:chExt cx="0" cy="0"/>
-        </a:xfrm>
-      </p:grpSpPr>
-      <p:sp>
-        <p:nvSpPr>
-          <p:cNvPr id="2" name="Title 1">
-            <a:extLst>
-              <a:ext uri="{FF2B5EF4-FFF2-40B4-BE49-F238E27FC236}">
-                <a16:creationId xmlns:a16="http://schemas.microsoft.com/office/drawing/2014/main" id="{8C122DF8-59D4-D94D-8ED9-F2F319899DBF}"/>
-              </a:ext>
-            </a:extLst>
-          </p:cNvPr>
-          <p:cNvSpPr>
-            <a:spLocks noGrp="1"/>
-          </p:cNvSpPr>
-          <p:nvPr>
-            <p:ph type="title"/>
-          </p:nvPr>
-        </p:nvSpPr>
-        <p:spPr/>
-        <p:txBody>
-          <a:bodyPr/>
-          <a:lstStyle/>
-          <a:p>
-            <a:r>
-              <a:rPr lang="en-US" dirty="0"/>
-              <a:t>5. Conclusions</a:t>
-            </a:r>
-          </a:p>
-        </p:txBody>
-      </p:sp>
-      <p:sp>
-        <p:nvSpPr>
-          <p:cNvPr id="45" name="Text Placeholder 44">
-            <a:extLst>
-              <a:ext uri="{FF2B5EF4-FFF2-40B4-BE49-F238E27FC236}">
-                <a16:creationId xmlns:a16="http://schemas.microsoft.com/office/drawing/2014/main" id="{803A1E73-C790-447A-974F-B3ADB50149F7}"/>
-              </a:ext>
-            </a:extLst>
-          </p:cNvPr>
-          <p:cNvSpPr>
-            <a:spLocks noGrp="1"/>
-          </p:cNvSpPr>
-          <p:nvPr>
-            <p:ph type="body" sz="quarter" idx="12"/>
-          </p:nvPr>
-        </p:nvSpPr>
-        <p:spPr>
-          <a:xfrm>
-            <a:off x="572770" y="2885607"/>
-            <a:ext cx="4838700" cy="315915"/>
-          </a:xfrm>
-        </p:spPr>
-        <p:txBody>
-          <a:bodyPr/>
-          <a:lstStyle/>
-          <a:p>
-            <a:r>
-              <a:rPr lang="en-US" dirty="0"/>
-              <a:t>2. Southwest Airlines has the most delays</a:t>
-            </a:r>
-          </a:p>
-        </p:txBody>
-      </p:sp>
-      <p:sp>
-        <p:nvSpPr>
-          <p:cNvPr id="44" name="Text Placeholder 43">
-            <a:extLst>
-              <a:ext uri="{FF2B5EF4-FFF2-40B4-BE49-F238E27FC236}">
-                <a16:creationId xmlns:a16="http://schemas.microsoft.com/office/drawing/2014/main" id="{906E4DF9-127F-4650-8BAA-2521A37885B0}"/>
-              </a:ext>
-            </a:extLst>
-          </p:cNvPr>
-          <p:cNvSpPr>
-            <a:spLocks noGrp="1"/>
-          </p:cNvSpPr>
-          <p:nvPr>
-            <p:ph type="body" sz="quarter" idx="10"/>
-          </p:nvPr>
-        </p:nvSpPr>
-        <p:spPr>
-          <a:xfrm>
-            <a:off x="801367" y="3153541"/>
-            <a:ext cx="10081978" cy="574318"/>
-          </a:xfrm>
-        </p:spPr>
-        <p:txBody>
-          <a:bodyPr/>
-          <a:lstStyle/>
-          <a:p>
-            <a:r>
-              <a:rPr lang="en-US" dirty="0"/>
-              <a:t>Based on the data, Southwest Airlines had 75% more delays than its closest competitor (Delta Airlines)</a:t>
-            </a:r>
-          </a:p>
-        </p:txBody>
-      </p:sp>
-      <p:sp>
-        <p:nvSpPr>
-          <p:cNvPr id="47" name="Text Placeholder 46">
-            <a:extLst>
-              <a:ext uri="{FF2B5EF4-FFF2-40B4-BE49-F238E27FC236}">
-                <a16:creationId xmlns:a16="http://schemas.microsoft.com/office/drawing/2014/main" id="{DDA232CE-EB44-41DD-920C-AEDD5C33D2A5}"/>
-              </a:ext>
-            </a:extLst>
-          </p:cNvPr>
-          <p:cNvSpPr>
-            <a:spLocks noGrp="1"/>
-          </p:cNvSpPr>
-          <p:nvPr>
-            <p:ph type="body" sz="quarter" idx="14"/>
-          </p:nvPr>
-        </p:nvSpPr>
-        <p:spPr>
-          <a:xfrm>
-            <a:off x="562831" y="3420529"/>
-            <a:ext cx="7448108" cy="145913"/>
-          </a:xfrm>
-        </p:spPr>
-        <p:txBody>
-          <a:bodyPr/>
-          <a:lstStyle/>
-          <a:p>
-            <a:r>
-              <a:rPr lang="en-US" dirty="0"/>
-              <a:t>3. Most of Southwest delays are due to its fleet arriving late</a:t>
-            </a:r>
-          </a:p>
-        </p:txBody>
-      </p:sp>
-      <p:sp>
-        <p:nvSpPr>
-          <p:cNvPr id="46" name="Text Placeholder 45">
-            <a:extLst>
-              <a:ext uri="{FF2B5EF4-FFF2-40B4-BE49-F238E27FC236}">
-                <a16:creationId xmlns:a16="http://schemas.microsoft.com/office/drawing/2014/main" id="{A09D80D2-95FB-43C6-96F8-7EF7737C28BA}"/>
-              </a:ext>
-            </a:extLst>
-          </p:cNvPr>
-          <p:cNvSpPr>
-            <a:spLocks noGrp="1"/>
-          </p:cNvSpPr>
-          <p:nvPr>
-            <p:ph type="body" sz="quarter" idx="13"/>
-          </p:nvPr>
-        </p:nvSpPr>
-        <p:spPr>
-          <a:xfrm>
-            <a:off x="791427" y="3727859"/>
-            <a:ext cx="9517739" cy="415761"/>
-          </a:xfrm>
-        </p:spPr>
-        <p:txBody>
-          <a:bodyPr/>
-          <a:lstStyle/>
-          <a:p>
-            <a:r>
-              <a:rPr lang="en-US" dirty="0"/>
-              <a:t>As compared to other airlines, Southwest delays are due to its flee arriving late. </a:t>
-            </a:r>
-          </a:p>
-        </p:txBody>
-      </p:sp>
-      <p:sp>
-        <p:nvSpPr>
-          <p:cNvPr id="49" name="Text Placeholder 48">
-            <a:extLst>
-              <a:ext uri="{FF2B5EF4-FFF2-40B4-BE49-F238E27FC236}">
-                <a16:creationId xmlns:a16="http://schemas.microsoft.com/office/drawing/2014/main" id="{ED796758-F31D-4250-A439-D6DE9523C88B}"/>
-              </a:ext>
-            </a:extLst>
-          </p:cNvPr>
-          <p:cNvSpPr>
-            <a:spLocks noGrp="1"/>
-          </p:cNvSpPr>
-          <p:nvPr>
-            <p:ph type="body" sz="quarter" idx="16"/>
-          </p:nvPr>
-        </p:nvSpPr>
-        <p:spPr>
-          <a:xfrm>
-            <a:off x="500903" y="4036598"/>
-            <a:ext cx="9517739" cy="415761"/>
-          </a:xfrm>
-        </p:spPr>
-        <p:txBody>
-          <a:bodyPr/>
-          <a:lstStyle/>
-          <a:p>
-            <a:r>
-              <a:rPr lang="en-US" dirty="0"/>
-              <a:t> 4. Weather and Security delays are far fewer than is typically reported by the news media.</a:t>
-            </a:r>
-          </a:p>
-        </p:txBody>
-      </p:sp>
-      <p:sp>
-        <p:nvSpPr>
-          <p:cNvPr id="50" name="Text Placeholder 49">
-            <a:extLst>
-              <a:ext uri="{FF2B5EF4-FFF2-40B4-BE49-F238E27FC236}">
-                <a16:creationId xmlns:a16="http://schemas.microsoft.com/office/drawing/2014/main" id="{C60A09F8-DA84-487F-81AC-337BE4A9F35B}"/>
-              </a:ext>
-            </a:extLst>
-          </p:cNvPr>
-          <p:cNvSpPr>
-            <a:spLocks noGrp="1"/>
-          </p:cNvSpPr>
-          <p:nvPr>
-            <p:ph type="body" sz="quarter" idx="17"/>
-          </p:nvPr>
-        </p:nvSpPr>
-        <p:spPr>
-          <a:xfrm>
-            <a:off x="835524" y="4346846"/>
-            <a:ext cx="9749648" cy="445129"/>
-          </a:xfrm>
-        </p:spPr>
-        <p:txBody>
-          <a:bodyPr/>
-          <a:lstStyle/>
-          <a:p>
-            <a:r>
-              <a:rPr lang="en-US" dirty="0"/>
-              <a:t>Compared to other types of delay, our data shows that weather and security delays are the least type of delays.</a:t>
-            </a:r>
-          </a:p>
-        </p:txBody>
-      </p:sp>
-      <p:sp>
-        <p:nvSpPr>
-          <p:cNvPr id="5" name="Slide Number Placeholder 4">
-            <a:extLst>
-              <a:ext uri="{FF2B5EF4-FFF2-40B4-BE49-F238E27FC236}">
-                <a16:creationId xmlns:a16="http://schemas.microsoft.com/office/drawing/2014/main" id="{AB744071-0CE2-7746-9315-22EC28A0F462}"/>
-              </a:ext>
-            </a:extLst>
-          </p:cNvPr>
-          <p:cNvSpPr>
-            <a:spLocks noGrp="1"/>
-          </p:cNvSpPr>
-          <p:nvPr>
-            <p:ph type="sldNum" sz="quarter" idx="23"/>
-          </p:nvPr>
-        </p:nvSpPr>
-        <p:spPr>
-          <a:xfrm>
-            <a:off x="971550" y="6332220"/>
-            <a:ext cx="523240" cy="247651"/>
-          </a:xfrm>
-        </p:spPr>
-        <p:txBody>
-          <a:bodyPr/>
-          <a:lstStyle/>
-          <a:p>
-            <a:fld id="{294A09A9-5501-47C1-A89A-A340965A2BE2}" type="slidenum">
-              <a:rPr lang="en-US" smtClean="0"/>
-              <a:pPr/>
-              <a:t>19</a:t>
-            </a:fld>
-            <a:endParaRPr lang="en-US" dirty="0"/>
-          </a:p>
-        </p:txBody>
-      </p:sp>
-      <p:sp>
-        <p:nvSpPr>
-          <p:cNvPr id="4" name="Footer Placeholder 3">
-            <a:extLst>
-              <a:ext uri="{FF2B5EF4-FFF2-40B4-BE49-F238E27FC236}">
-                <a16:creationId xmlns:a16="http://schemas.microsoft.com/office/drawing/2014/main" id="{529E91F3-E1A0-DB4A-8CD8-D9D1AB0FFB40}"/>
-              </a:ext>
-            </a:extLst>
-          </p:cNvPr>
-          <p:cNvSpPr>
-            <a:spLocks noGrp="1"/>
-          </p:cNvSpPr>
-          <p:nvPr>
-            <p:ph type="ftr" sz="quarter" idx="22"/>
-          </p:nvPr>
-        </p:nvSpPr>
-        <p:spPr>
-          <a:xfrm>
-            <a:off x="1828801" y="6332220"/>
-            <a:ext cx="1799424" cy="143127"/>
-          </a:xfrm>
-        </p:spPr>
-        <p:txBody>
-          <a:bodyPr/>
-          <a:lstStyle/>
-          <a:p>
-            <a:r>
-              <a:rPr lang="en-US" dirty="0"/>
-              <a:t>Credit Card Fraud Detection</a:t>
-            </a:r>
-          </a:p>
-        </p:txBody>
-      </p:sp>
-      <p:sp>
-        <p:nvSpPr>
-          <p:cNvPr id="6" name="TextBox 5">
-            <a:extLst>
-              <a:ext uri="{FF2B5EF4-FFF2-40B4-BE49-F238E27FC236}">
-                <a16:creationId xmlns:a16="http://schemas.microsoft.com/office/drawing/2014/main" id="{9118C66F-C481-7AAE-F1CF-8603735FA4CC}"/>
-              </a:ext>
-            </a:extLst>
-          </p:cNvPr>
-          <p:cNvSpPr txBox="1"/>
-          <p:nvPr/>
-        </p:nvSpPr>
-        <p:spPr>
-          <a:xfrm>
-            <a:off x="834887" y="2532824"/>
-            <a:ext cx="10173913" cy="369332"/>
-          </a:xfrm>
-          <a:prstGeom prst="rect">
-            <a:avLst/>
-          </a:prstGeom>
-          <a:noFill/>
-        </p:spPr>
-        <p:txBody>
-          <a:bodyPr wrap="square">
-            <a:spAutoFit/>
-          </a:bodyPr>
-          <a:lstStyle/>
-          <a:p>
-            <a:r>
-              <a:rPr lang="en-US" sz="1600" dirty="0">
-                <a:solidFill>
-                  <a:schemeClr val="bg1"/>
-                </a:solidFill>
-              </a:rPr>
-              <a:t>Delays are more likely to occur on Thursday, Friday or Monday flights</a:t>
-            </a:r>
-            <a:r>
-              <a:rPr lang="en-US" dirty="0">
-                <a:solidFill>
-                  <a:schemeClr val="bg1"/>
-                </a:solidFill>
-              </a:rPr>
-              <a:t>.</a:t>
-            </a:r>
-          </a:p>
-        </p:txBody>
-      </p:sp>
-      <p:sp>
-        <p:nvSpPr>
-          <p:cNvPr id="7" name="Text Placeholder 44">
-            <a:extLst>
-              <a:ext uri="{FF2B5EF4-FFF2-40B4-BE49-F238E27FC236}">
-                <a16:creationId xmlns:a16="http://schemas.microsoft.com/office/drawing/2014/main" id="{3F119E35-F8A0-D109-9004-94246E7AF9B5}"/>
+          <p:cNvPr id="3" name="Text Placeholder 44">
+            <a:extLst>
+              <a:ext uri="{FF2B5EF4-FFF2-40B4-BE49-F238E27FC236}">
+                <a16:creationId xmlns:a16="http://schemas.microsoft.com/office/drawing/2014/main" id="{BF73F554-4D08-E426-EC4B-3D49AD497324}"/>
               </a:ext>
             </a:extLst>
           </p:cNvPr>
@@ -17795,17 +17647,209 @@
           <a:p>
             <a:r>
               <a:rPr lang="en-US" dirty="0"/>
-              <a:t>1. Days with the most flight delays.</a:t>
+              <a:t>    We recommend TBD Model.</a:t>
             </a:r>
           </a:p>
         </p:txBody>
       </p:sp>
       <p:sp>
         <p:nvSpPr>
-          <p:cNvPr id="3" name="Text Placeholder 48">
-            <a:extLst>
-              <a:ext uri="{FF2B5EF4-FFF2-40B4-BE49-F238E27FC236}">
-                <a16:creationId xmlns:a16="http://schemas.microsoft.com/office/drawing/2014/main" id="{7A8AEB48-166D-5628-195A-7DD2B3E469CA}"/>
+          <p:cNvPr id="4" name="TextBox 3">
+            <a:extLst>
+              <a:ext uri="{FF2B5EF4-FFF2-40B4-BE49-F238E27FC236}">
+                <a16:creationId xmlns:a16="http://schemas.microsoft.com/office/drawing/2014/main" id="{028A6A52-6B96-A391-7F65-3A15C50DEF8A}"/>
+              </a:ext>
+            </a:extLst>
+          </p:cNvPr>
+          <p:cNvSpPr txBox="1"/>
+          <p:nvPr/>
+        </p:nvSpPr>
+        <p:spPr>
+          <a:xfrm>
+            <a:off x="834887" y="2532824"/>
+            <a:ext cx="10173913" cy="338554"/>
+          </a:xfrm>
+          <a:prstGeom prst="rect">
+            <a:avLst/>
+          </a:prstGeom>
+          <a:noFill/>
+        </p:spPr>
+        <p:txBody>
+          <a:bodyPr wrap="square">
+            <a:spAutoFit/>
+          </a:bodyPr>
+          <a:lstStyle/>
+          <a:p>
+            <a:r>
+              <a:rPr lang="en-US" sz="1600" dirty="0">
+                <a:solidFill>
+                  <a:schemeClr val="bg1"/>
+                </a:solidFill>
+              </a:rPr>
+              <a:t>TBD</a:t>
+            </a:r>
+            <a:endParaRPr lang="en-US" dirty="0">
+              <a:solidFill>
+                <a:schemeClr val="bg1"/>
+              </a:solidFill>
+            </a:endParaRPr>
+          </a:p>
+        </p:txBody>
+      </p:sp>
+    </p:spTree>
+    <p:extLst>
+      <p:ext uri="{BB962C8B-B14F-4D97-AF65-F5344CB8AC3E}">
+        <p14:creationId xmlns:p14="http://schemas.microsoft.com/office/powerpoint/2010/main" val="35804373"/>
+      </p:ext>
+    </p:extLst>
+  </p:cSld>
+  <p:clrMapOvr>
+    <a:masterClrMapping/>
+  </p:clrMapOvr>
+  <mc:AlternateContent xmlns:mc="http://schemas.openxmlformats.org/markup-compatibility/2006">
+    <mc:Choice xmlns:p14="http://schemas.microsoft.com/office/powerpoint/2010/main" Requires="p14">
+      <p:transition spd="slow" p14:dur="2000">
+        <p:fade/>
+      </p:transition>
+    </mc:Choice>
+    <mc:Fallback>
+      <p:transition spd="slow">
+        <p:fade/>
+      </p:transition>
+    </mc:Fallback>
+  </mc:AlternateContent>
+</p:sld>
+</file>
+
+<file path=ppt/slides/slide19.xml><?xml version="1.0" encoding="utf-8"?>
+<p:sld xmlns:a="http://schemas.openxmlformats.org/drawingml/2006/main" xmlns:r="http://schemas.openxmlformats.org/officeDocument/2006/relationships" xmlns:p="http://schemas.openxmlformats.org/presentationml/2006/main">
+  <p:cSld>
+    <p:spTree>
+      <p:nvGrpSpPr>
+        <p:cNvPr id="1" name="">
+          <a:extLst>
+            <a:ext uri="{FF2B5EF4-FFF2-40B4-BE49-F238E27FC236}">
+              <a16:creationId xmlns:a16="http://schemas.microsoft.com/office/drawing/2014/main" id="{4C485F61-6CF6-0C01-D329-B5607F0E3ADD}"/>
+            </a:ext>
+          </a:extLst>
+        </p:cNvPr>
+        <p:cNvGrpSpPr/>
+        <p:nvPr/>
+      </p:nvGrpSpPr>
+      <p:grpSpPr>
+        <a:xfrm>
+          <a:off x="0" y="0"/>
+          <a:ext cx="0" cy="0"/>
+          <a:chOff x="0" y="0"/>
+          <a:chExt cx="0" cy="0"/>
+        </a:xfrm>
+      </p:grpSpPr>
+      <p:sp>
+        <p:nvSpPr>
+          <p:cNvPr id="2" name="Title 1">
+            <a:extLst>
+              <a:ext uri="{FF2B5EF4-FFF2-40B4-BE49-F238E27FC236}">
+                <a16:creationId xmlns:a16="http://schemas.microsoft.com/office/drawing/2014/main" id="{3DE298B3-564A-B57A-7183-D4965DB76F76}"/>
+              </a:ext>
+            </a:extLst>
+          </p:cNvPr>
+          <p:cNvSpPr>
+            <a:spLocks noGrp="1"/>
+          </p:cNvSpPr>
+          <p:nvPr>
+            <p:ph type="title"/>
+          </p:nvPr>
+        </p:nvSpPr>
+        <p:spPr>
+          <a:xfrm>
+            <a:off x="964023" y="1170774"/>
+            <a:ext cx="7789452" cy="427289"/>
+          </a:xfrm>
+        </p:spPr>
+        <p:txBody>
+          <a:bodyPr>
+            <a:normAutofit fontScale="90000"/>
+          </a:bodyPr>
+          <a:lstStyle/>
+          <a:p>
+            <a:r>
+              <a:rPr lang="en-US" sz="3200" dirty="0"/>
+              <a:t>References</a:t>
+            </a:r>
+          </a:p>
+        </p:txBody>
+      </p:sp>
+      <p:sp>
+        <p:nvSpPr>
+          <p:cNvPr id="13" name="Footer Placeholder 12">
+            <a:extLst>
+              <a:ext uri="{FF2B5EF4-FFF2-40B4-BE49-F238E27FC236}">
+                <a16:creationId xmlns:a16="http://schemas.microsoft.com/office/drawing/2014/main" id="{0375FF70-449D-8F4F-DB9B-38B545DC0AED}"/>
+              </a:ext>
+            </a:extLst>
+          </p:cNvPr>
+          <p:cNvSpPr>
+            <a:spLocks noGrp="1"/>
+          </p:cNvSpPr>
+          <p:nvPr>
+            <p:ph type="ftr" sz="quarter" idx="22"/>
+          </p:nvPr>
+        </p:nvSpPr>
+        <p:spPr>
+          <a:xfrm>
+            <a:off x="1494790" y="6332220"/>
+            <a:ext cx="1762760" cy="247651"/>
+          </a:xfrm>
+        </p:spPr>
+        <p:txBody>
+          <a:bodyPr/>
+          <a:lstStyle/>
+          <a:p>
+            <a:r>
+              <a:rPr lang="en-US" dirty="0"/>
+              <a:t>Credit Card Fraud Detection</a:t>
+            </a:r>
+          </a:p>
+        </p:txBody>
+      </p:sp>
+      <p:sp>
+        <p:nvSpPr>
+          <p:cNvPr id="14" name="Slide Number Placeholder 13">
+            <a:extLst>
+              <a:ext uri="{FF2B5EF4-FFF2-40B4-BE49-F238E27FC236}">
+                <a16:creationId xmlns:a16="http://schemas.microsoft.com/office/drawing/2014/main" id="{2F411953-77F6-B646-9D30-440363FB687B}"/>
+              </a:ext>
+            </a:extLst>
+          </p:cNvPr>
+          <p:cNvSpPr>
+            <a:spLocks noGrp="1"/>
+          </p:cNvSpPr>
+          <p:nvPr>
+            <p:ph type="sldNum" sz="quarter" idx="23"/>
+          </p:nvPr>
+        </p:nvSpPr>
+        <p:spPr/>
+        <p:txBody>
+          <a:bodyPr/>
+          <a:lstStyle/>
+          <a:p>
+            <a:fld id="{294A09A9-5501-47C1-A89A-A340965A2BE2}" type="slidenum">
+              <a:rPr lang="en-US" smtClean="0"/>
+              <a:pPr/>
+              <a:t>19</a:t>
+            </a:fld>
+            <a:endParaRPr lang="en-US" dirty="0">
+              <a:latin typeface="+mn-lt"/>
+            </a:endParaRPr>
+          </a:p>
+        </p:txBody>
+      </p:sp>
+      <p:sp>
+        <p:nvSpPr>
+          <p:cNvPr id="3" name="Text Placeholder 44">
+            <a:extLst>
+              <a:ext uri="{FF2B5EF4-FFF2-40B4-BE49-F238E27FC236}">
+                <a16:creationId xmlns:a16="http://schemas.microsoft.com/office/drawing/2014/main" id="{3EE495F0-FC72-F0AA-D579-BE62A6FFE3AD}"/>
               </a:ext>
             </a:extLst>
           </p:cNvPr>
@@ -17816,8 +17860,8 @@
         </p:nvSpPr>
         <p:spPr>
           <a:xfrm>
-            <a:off x="573789" y="5238722"/>
-            <a:ext cx="9517739" cy="415761"/>
+            <a:off x="562831" y="2306015"/>
+            <a:ext cx="5741503" cy="415761"/>
           </a:xfrm>
           <a:prstGeom prst="rect">
             <a:avLst/>
@@ -17992,627 +18036,104 @@
             </a:lvl9pPr>
           </a:lstStyle>
           <a:p>
-            <a:r>
-              <a:rPr lang="en-US" dirty="0"/>
-              <a:t> 6. Mondays and Tuesday tend have the most cancelled flights of the week.</a:t>
-            </a:r>
+            <a:endParaRPr lang="en-US" dirty="0"/>
           </a:p>
         </p:txBody>
       </p:sp>
       <p:sp>
         <p:nvSpPr>
-          <p:cNvPr id="8" name="Text Placeholder 49">
-            <a:extLst>
-              <a:ext uri="{FF2B5EF4-FFF2-40B4-BE49-F238E27FC236}">
-                <a16:creationId xmlns:a16="http://schemas.microsoft.com/office/drawing/2014/main" id="{769E56C6-7F20-83AA-0086-C99D9A0F36E5}"/>
-              </a:ext>
-            </a:extLst>
-          </p:cNvPr>
-          <p:cNvSpPr txBox="1">
-            <a:spLocks/>
-          </p:cNvSpPr>
+          <p:cNvPr id="4" name="TextBox 3">
+            <a:extLst>
+              <a:ext uri="{FF2B5EF4-FFF2-40B4-BE49-F238E27FC236}">
+                <a16:creationId xmlns:a16="http://schemas.microsoft.com/office/drawing/2014/main" id="{70B5F7C2-81AC-849F-0444-BDFA700979E4}"/>
+              </a:ext>
+            </a:extLst>
+          </p:cNvPr>
+          <p:cNvSpPr txBox="1"/>
           <p:nvPr/>
         </p:nvSpPr>
         <p:spPr>
           <a:xfrm>
-            <a:off x="850746" y="4916679"/>
-            <a:ext cx="9749648" cy="445129"/>
+            <a:off x="834887" y="2532824"/>
+            <a:ext cx="10173913" cy="892552"/>
           </a:xfrm>
           <a:prstGeom prst="rect">
             <a:avLst/>
           </a:prstGeom>
+          <a:noFill/>
         </p:spPr>
         <p:txBody>
-          <a:bodyPr vert="horz" lIns="91440" tIns="45720" rIns="91440" bIns="45720" rtlCol="0">
-            <a:noAutofit/>
+          <a:bodyPr wrap="square">
+            <a:spAutoFit/>
           </a:bodyPr>
-          <a:lstStyle>
-            <a:lvl1pPr marL="0" indent="0" algn="l" defTabSz="914400" rtl="0" eaLnBrk="1" latinLnBrk="0" hangingPunct="1">
-              <a:lnSpc>
-                <a:spcPct val="90000"/>
-              </a:lnSpc>
-              <a:spcBef>
-                <a:spcPts val="1000"/>
-              </a:spcBef>
-              <a:buFont typeface="Arial" panose="020B0604020202020204" pitchFamily="34" charset="0"/>
-              <a:buNone/>
-              <a:defRPr sz="1600" b="0" i="0" kern="1200">
+          <a:lstStyle/>
+          <a:p>
+            <a:pPr marL="342900" indent="-342900">
+              <a:buAutoNum type="arabicPeriod"/>
+            </a:pPr>
+            <a:r>
+              <a:rPr lang="en-US" sz="1600" dirty="0">
                 <a:solidFill>
                   <a:schemeClr val="bg1"/>
                 </a:solidFill>
-                <a:latin typeface="+mn-lt"/>
-                <a:ea typeface="+mn-ea"/>
-                <a:cs typeface="+mn-cs"/>
-              </a:defRPr>
-            </a:lvl1pPr>
-            <a:lvl2pPr marL="685800" indent="-228600" algn="l" defTabSz="914400" rtl="0" eaLnBrk="1" latinLnBrk="0" hangingPunct="1">
-              <a:lnSpc>
-                <a:spcPct val="90000"/>
-              </a:lnSpc>
-              <a:spcBef>
-                <a:spcPts val="500"/>
-              </a:spcBef>
-              <a:buFont typeface="Arial" panose="020B0604020202020204" pitchFamily="34" charset="0"/>
-              <a:buChar char="•"/>
-              <a:defRPr sz="2400" b="0" i="0" kern="1200">
+                <a:hlinkClick r:id="rId2"/>
+              </a:rPr>
+              <a:t>https://statinfer.com/204-6-8-svm-advantages-disadvantages-applications/</a:t>
+            </a:r>
+            <a:endParaRPr lang="en-US" sz="1600" dirty="0">
+              <a:solidFill>
+                <a:schemeClr val="bg1"/>
+              </a:solidFill>
+            </a:endParaRPr>
+          </a:p>
+          <a:p>
+            <a:pPr marL="342900" indent="-342900">
+              <a:buAutoNum type="arabicPeriod"/>
+            </a:pPr>
+            <a:r>
+              <a:rPr lang="en-US" dirty="0">
                 <a:solidFill>
                   <a:schemeClr val="bg1"/>
                 </a:solidFill>
-                <a:latin typeface="+mn-lt"/>
-                <a:ea typeface="+mn-ea"/>
-                <a:cs typeface="+mn-cs"/>
-              </a:defRPr>
-            </a:lvl2pPr>
-            <a:lvl3pPr marL="1143000" indent="-228600" algn="l" defTabSz="914400" rtl="0" eaLnBrk="1" latinLnBrk="0" hangingPunct="1">
-              <a:lnSpc>
-                <a:spcPct val="90000"/>
-              </a:lnSpc>
-              <a:spcBef>
-                <a:spcPts val="500"/>
-              </a:spcBef>
-              <a:buFont typeface="Arial" panose="020B0604020202020204" pitchFamily="34" charset="0"/>
-              <a:buChar char="•"/>
-              <a:defRPr sz="2000" b="0" i="0" kern="1200">
-                <a:solidFill>
-                  <a:schemeClr val="bg1"/>
-                </a:solidFill>
-                <a:latin typeface="+mn-lt"/>
-                <a:ea typeface="+mn-ea"/>
-                <a:cs typeface="+mn-cs"/>
-              </a:defRPr>
-            </a:lvl3pPr>
-            <a:lvl4pPr marL="1600200" indent="-228600" algn="l" defTabSz="914400" rtl="0" eaLnBrk="1" latinLnBrk="0" hangingPunct="1">
-              <a:lnSpc>
-                <a:spcPct val="90000"/>
-              </a:lnSpc>
-              <a:spcBef>
-                <a:spcPts val="500"/>
-              </a:spcBef>
-              <a:buFont typeface="Arial" panose="020B0604020202020204" pitchFamily="34" charset="0"/>
-              <a:buChar char="•"/>
-              <a:defRPr sz="1800" b="0" i="0" kern="1200">
-                <a:solidFill>
-                  <a:schemeClr val="bg1"/>
-                </a:solidFill>
-                <a:latin typeface="+mn-lt"/>
-                <a:ea typeface="+mn-ea"/>
-                <a:cs typeface="+mn-cs"/>
-              </a:defRPr>
-            </a:lvl4pPr>
-            <a:lvl5pPr marL="2057400" indent="-228600" algn="l" defTabSz="914400" rtl="0" eaLnBrk="1" latinLnBrk="0" hangingPunct="1">
-              <a:lnSpc>
-                <a:spcPct val="90000"/>
-              </a:lnSpc>
-              <a:spcBef>
-                <a:spcPts val="500"/>
-              </a:spcBef>
-              <a:buFont typeface="Arial" panose="020B0604020202020204" pitchFamily="34" charset="0"/>
-              <a:buChar char="•"/>
-              <a:defRPr sz="1800" b="0" i="0" kern="1200">
-                <a:solidFill>
-                  <a:schemeClr val="bg1"/>
-                </a:solidFill>
-                <a:latin typeface="+mn-lt"/>
-                <a:ea typeface="+mn-ea"/>
-                <a:cs typeface="+mn-cs"/>
-              </a:defRPr>
-            </a:lvl5pPr>
-            <a:lvl6pPr marL="2514600" indent="-228600" algn="l" defTabSz="914400" rtl="0" eaLnBrk="1" latinLnBrk="0" hangingPunct="1">
-              <a:lnSpc>
-                <a:spcPct val="90000"/>
-              </a:lnSpc>
-              <a:spcBef>
-                <a:spcPts val="500"/>
-              </a:spcBef>
-              <a:buFont typeface="Arial" panose="020B0604020202020204" pitchFamily="34" charset="0"/>
-              <a:buChar char="•"/>
-              <a:defRPr sz="1800" kern="1200">
-                <a:solidFill>
-                  <a:schemeClr val="tx1"/>
-                </a:solidFill>
-                <a:latin typeface="+mn-lt"/>
-                <a:ea typeface="+mn-ea"/>
-                <a:cs typeface="+mn-cs"/>
-              </a:defRPr>
-            </a:lvl6pPr>
-            <a:lvl7pPr marL="2971800" indent="-228600" algn="l" defTabSz="914400" rtl="0" eaLnBrk="1" latinLnBrk="0" hangingPunct="1">
-              <a:lnSpc>
-                <a:spcPct val="90000"/>
-              </a:lnSpc>
-              <a:spcBef>
-                <a:spcPts val="500"/>
-              </a:spcBef>
-              <a:buFont typeface="Arial" panose="020B0604020202020204" pitchFamily="34" charset="0"/>
-              <a:buChar char="•"/>
-              <a:defRPr sz="1800" kern="1200">
-                <a:solidFill>
-                  <a:schemeClr val="tx1"/>
-                </a:solidFill>
-                <a:latin typeface="+mn-lt"/>
-                <a:ea typeface="+mn-ea"/>
-                <a:cs typeface="+mn-cs"/>
-              </a:defRPr>
-            </a:lvl7pPr>
-            <a:lvl8pPr marL="3429000" indent="-228600" algn="l" defTabSz="914400" rtl="0" eaLnBrk="1" latinLnBrk="0" hangingPunct="1">
-              <a:lnSpc>
-                <a:spcPct val="90000"/>
-              </a:lnSpc>
-              <a:spcBef>
-                <a:spcPts val="500"/>
-              </a:spcBef>
-              <a:buFont typeface="Arial" panose="020B0604020202020204" pitchFamily="34" charset="0"/>
-              <a:buChar char="•"/>
-              <a:defRPr sz="1800" kern="1200">
-                <a:solidFill>
-                  <a:schemeClr val="tx1"/>
-                </a:solidFill>
-                <a:latin typeface="+mn-lt"/>
-                <a:ea typeface="+mn-ea"/>
-                <a:cs typeface="+mn-cs"/>
-              </a:defRPr>
-            </a:lvl8pPr>
-            <a:lvl9pPr marL="3886200" indent="-228600" algn="l" defTabSz="914400" rtl="0" eaLnBrk="1" latinLnBrk="0" hangingPunct="1">
-              <a:lnSpc>
-                <a:spcPct val="90000"/>
-              </a:lnSpc>
-              <a:spcBef>
-                <a:spcPts val="500"/>
-              </a:spcBef>
-              <a:buFont typeface="Arial" panose="020B0604020202020204" pitchFamily="34" charset="0"/>
-              <a:buChar char="•"/>
-              <a:defRPr sz="1800" kern="1200">
-                <a:solidFill>
-                  <a:schemeClr val="tx1"/>
-                </a:solidFill>
-                <a:latin typeface="+mn-lt"/>
-                <a:ea typeface="+mn-ea"/>
-                <a:cs typeface="+mn-cs"/>
-              </a:defRPr>
-            </a:lvl9pPr>
-          </a:lstStyle>
-          <a:p>
-            <a:r>
-              <a:rPr lang="en-US" dirty="0"/>
-              <a:t>If you are considering booking a flight, the best day to take the flight is on Saturday,.</a:t>
-            </a:r>
-          </a:p>
-        </p:txBody>
-      </p:sp>
-      <p:sp>
-        <p:nvSpPr>
-          <p:cNvPr id="9" name="Text Placeholder 48">
-            <a:extLst>
-              <a:ext uri="{FF2B5EF4-FFF2-40B4-BE49-F238E27FC236}">
-                <a16:creationId xmlns:a16="http://schemas.microsoft.com/office/drawing/2014/main" id="{606967C4-7A51-1322-4103-45B8B81AA6E7}"/>
-              </a:ext>
-            </a:extLst>
-          </p:cNvPr>
-          <p:cNvSpPr txBox="1">
-            <a:spLocks/>
-          </p:cNvSpPr>
-          <p:nvPr/>
-        </p:nvSpPr>
-        <p:spPr>
-          <a:xfrm>
-            <a:off x="537350" y="4639569"/>
-            <a:ext cx="9517739" cy="415761"/>
-          </a:xfrm>
-          <a:prstGeom prst="rect">
-            <a:avLst/>
-          </a:prstGeom>
-        </p:spPr>
-        <p:txBody>
-          <a:bodyPr vert="horz" lIns="91440" tIns="45720" rIns="91440" bIns="45720" rtlCol="0">
-            <a:noAutofit/>
-          </a:bodyPr>
-          <a:lstStyle>
-            <a:lvl1pPr marL="228600" indent="-228600" algn="l" defTabSz="914400" rtl="0" eaLnBrk="1" latinLnBrk="0" hangingPunct="1">
-              <a:lnSpc>
-                <a:spcPct val="90000"/>
-              </a:lnSpc>
-              <a:spcBef>
-                <a:spcPts val="1000"/>
-              </a:spcBef>
-              <a:buFont typeface="Arial" panose="020B0604020202020204" pitchFamily="34" charset="0"/>
-              <a:buNone/>
-              <a:defRPr sz="1800" b="0" i="0" kern="1200" spc="0" baseline="0">
-                <a:solidFill>
-                  <a:schemeClr val="tx2"/>
-                </a:solidFill>
-                <a:latin typeface="+mj-lt"/>
-                <a:ea typeface="+mn-ea"/>
-                <a:cs typeface="+mn-cs"/>
-              </a:defRPr>
-            </a:lvl1pPr>
-            <a:lvl2pPr marL="685800" indent="-228600" algn="l" defTabSz="914400" rtl="0" eaLnBrk="1" latinLnBrk="0" hangingPunct="1">
-              <a:lnSpc>
-                <a:spcPct val="90000"/>
-              </a:lnSpc>
-              <a:spcBef>
-                <a:spcPts val="500"/>
-              </a:spcBef>
-              <a:buFont typeface="Arial" panose="020B0604020202020204" pitchFamily="34" charset="0"/>
-              <a:buNone/>
-              <a:defRPr sz="2400" b="0" i="0" kern="1200">
-                <a:solidFill>
-                  <a:schemeClr val="bg1"/>
-                </a:solidFill>
-                <a:latin typeface="+mn-lt"/>
-                <a:ea typeface="+mn-ea"/>
-                <a:cs typeface="+mn-cs"/>
-              </a:defRPr>
-            </a:lvl2pPr>
-            <a:lvl3pPr marL="1143000" indent="-228600" algn="l" defTabSz="914400" rtl="0" eaLnBrk="1" latinLnBrk="0" hangingPunct="1">
-              <a:lnSpc>
-                <a:spcPct val="90000"/>
-              </a:lnSpc>
-              <a:spcBef>
-                <a:spcPts val="500"/>
-              </a:spcBef>
-              <a:buFont typeface="Arial" panose="020B0604020202020204" pitchFamily="34" charset="0"/>
-              <a:buNone/>
-              <a:defRPr sz="2000" b="0" i="0" kern="1200">
-                <a:solidFill>
-                  <a:schemeClr val="bg1"/>
-                </a:solidFill>
-                <a:latin typeface="+mn-lt"/>
-                <a:ea typeface="+mn-ea"/>
-                <a:cs typeface="+mn-cs"/>
-              </a:defRPr>
-            </a:lvl3pPr>
-            <a:lvl4pPr marL="1600200" indent="-228600" algn="l" defTabSz="914400" rtl="0" eaLnBrk="1" latinLnBrk="0" hangingPunct="1">
-              <a:lnSpc>
-                <a:spcPct val="90000"/>
-              </a:lnSpc>
-              <a:spcBef>
-                <a:spcPts val="500"/>
-              </a:spcBef>
-              <a:buFont typeface="Arial" panose="020B0604020202020204" pitchFamily="34" charset="0"/>
-              <a:buNone/>
-              <a:defRPr sz="1800" b="0" i="0" kern="1200">
-                <a:solidFill>
-                  <a:schemeClr val="bg1"/>
-                </a:solidFill>
-                <a:latin typeface="+mn-lt"/>
-                <a:ea typeface="+mn-ea"/>
-                <a:cs typeface="+mn-cs"/>
-              </a:defRPr>
-            </a:lvl4pPr>
-            <a:lvl5pPr marL="2057400" indent="-228600" algn="l" defTabSz="914400" rtl="0" eaLnBrk="1" latinLnBrk="0" hangingPunct="1">
-              <a:lnSpc>
-                <a:spcPct val="90000"/>
-              </a:lnSpc>
-              <a:spcBef>
-                <a:spcPts val="500"/>
-              </a:spcBef>
-              <a:buFont typeface="Arial" panose="020B0604020202020204" pitchFamily="34" charset="0"/>
-              <a:buNone/>
-              <a:defRPr sz="1800" b="0" i="0" kern="1200">
-                <a:solidFill>
-                  <a:schemeClr val="bg1"/>
-                </a:solidFill>
-                <a:latin typeface="+mn-lt"/>
-                <a:ea typeface="+mn-ea"/>
-                <a:cs typeface="+mn-cs"/>
-              </a:defRPr>
-            </a:lvl5pPr>
-            <a:lvl6pPr marL="2514600" indent="-228600" algn="l" defTabSz="914400" rtl="0" eaLnBrk="1" latinLnBrk="0" hangingPunct="1">
-              <a:lnSpc>
-                <a:spcPct val="90000"/>
-              </a:lnSpc>
-              <a:spcBef>
-                <a:spcPts val="500"/>
-              </a:spcBef>
-              <a:buFont typeface="Arial" panose="020B0604020202020204" pitchFamily="34" charset="0"/>
-              <a:buChar char="•"/>
-              <a:defRPr sz="1800" kern="1200">
-                <a:solidFill>
-                  <a:schemeClr val="tx1"/>
-                </a:solidFill>
-                <a:latin typeface="+mn-lt"/>
-                <a:ea typeface="+mn-ea"/>
-                <a:cs typeface="+mn-cs"/>
-              </a:defRPr>
-            </a:lvl6pPr>
-            <a:lvl7pPr marL="2971800" indent="-228600" algn="l" defTabSz="914400" rtl="0" eaLnBrk="1" latinLnBrk="0" hangingPunct="1">
-              <a:lnSpc>
-                <a:spcPct val="90000"/>
-              </a:lnSpc>
-              <a:spcBef>
-                <a:spcPts val="500"/>
-              </a:spcBef>
-              <a:buFont typeface="Arial" panose="020B0604020202020204" pitchFamily="34" charset="0"/>
-              <a:buChar char="•"/>
-              <a:defRPr sz="1800" kern="1200">
-                <a:solidFill>
-                  <a:schemeClr val="tx1"/>
-                </a:solidFill>
-                <a:latin typeface="+mn-lt"/>
-                <a:ea typeface="+mn-ea"/>
-                <a:cs typeface="+mn-cs"/>
-              </a:defRPr>
-            </a:lvl7pPr>
-            <a:lvl8pPr marL="3429000" indent="-228600" algn="l" defTabSz="914400" rtl="0" eaLnBrk="1" latinLnBrk="0" hangingPunct="1">
-              <a:lnSpc>
-                <a:spcPct val="90000"/>
-              </a:lnSpc>
-              <a:spcBef>
-                <a:spcPts val="500"/>
-              </a:spcBef>
-              <a:buFont typeface="Arial" panose="020B0604020202020204" pitchFamily="34" charset="0"/>
-              <a:buChar char="•"/>
-              <a:defRPr sz="1800" kern="1200">
-                <a:solidFill>
-                  <a:schemeClr val="tx1"/>
-                </a:solidFill>
-                <a:latin typeface="+mn-lt"/>
-                <a:ea typeface="+mn-ea"/>
-                <a:cs typeface="+mn-cs"/>
-              </a:defRPr>
-            </a:lvl8pPr>
-            <a:lvl9pPr marL="3886200" indent="-228600" algn="l" defTabSz="914400" rtl="0" eaLnBrk="1" latinLnBrk="0" hangingPunct="1">
-              <a:lnSpc>
-                <a:spcPct val="90000"/>
-              </a:lnSpc>
-              <a:spcBef>
-                <a:spcPts val="500"/>
-              </a:spcBef>
-              <a:buFont typeface="Arial" panose="020B0604020202020204" pitchFamily="34" charset="0"/>
-              <a:buChar char="•"/>
-              <a:defRPr sz="1800" kern="1200">
-                <a:solidFill>
-                  <a:schemeClr val="tx1"/>
-                </a:solidFill>
-                <a:latin typeface="+mn-lt"/>
-                <a:ea typeface="+mn-ea"/>
-                <a:cs typeface="+mn-cs"/>
-              </a:defRPr>
-            </a:lvl9pPr>
-          </a:lstStyle>
-          <a:p>
-            <a:r>
-              <a:rPr lang="en-US" dirty="0"/>
-              <a:t> 5. Saturday’s are the best day to travel, due to the minimal amount of delays.</a:t>
-            </a:r>
-          </a:p>
-        </p:txBody>
-      </p:sp>
-      <p:sp>
-        <p:nvSpPr>
-          <p:cNvPr id="10" name="Text Placeholder 49">
-            <a:extLst>
-              <a:ext uri="{FF2B5EF4-FFF2-40B4-BE49-F238E27FC236}">
-                <a16:creationId xmlns:a16="http://schemas.microsoft.com/office/drawing/2014/main" id="{70568062-4222-440E-1C6F-F39C1E1D2AA1}"/>
-              </a:ext>
-            </a:extLst>
-          </p:cNvPr>
-          <p:cNvSpPr txBox="1">
-            <a:spLocks/>
-          </p:cNvSpPr>
-          <p:nvPr/>
-        </p:nvSpPr>
-        <p:spPr>
-          <a:xfrm>
-            <a:off x="850746" y="5551728"/>
-            <a:ext cx="9749648" cy="445129"/>
-          </a:xfrm>
-          <a:prstGeom prst="rect">
-            <a:avLst/>
-          </a:prstGeom>
-        </p:spPr>
-        <p:txBody>
-          <a:bodyPr vert="horz" lIns="91440" tIns="45720" rIns="91440" bIns="45720" rtlCol="0">
-            <a:noAutofit/>
-          </a:bodyPr>
-          <a:lstStyle>
-            <a:lvl1pPr marL="0" indent="0" algn="l" defTabSz="914400" rtl="0" eaLnBrk="1" latinLnBrk="0" hangingPunct="1">
-              <a:lnSpc>
-                <a:spcPct val="90000"/>
-              </a:lnSpc>
-              <a:spcBef>
-                <a:spcPts val="1000"/>
-              </a:spcBef>
-              <a:buFont typeface="Arial" panose="020B0604020202020204" pitchFamily="34" charset="0"/>
-              <a:buNone/>
-              <a:defRPr sz="1600" b="0" i="0" kern="1200">
-                <a:solidFill>
-                  <a:schemeClr val="bg1"/>
-                </a:solidFill>
-                <a:latin typeface="+mn-lt"/>
-                <a:ea typeface="+mn-ea"/>
-                <a:cs typeface="+mn-cs"/>
-              </a:defRPr>
-            </a:lvl1pPr>
-            <a:lvl2pPr marL="685800" indent="-228600" algn="l" defTabSz="914400" rtl="0" eaLnBrk="1" latinLnBrk="0" hangingPunct="1">
-              <a:lnSpc>
-                <a:spcPct val="90000"/>
-              </a:lnSpc>
-              <a:spcBef>
-                <a:spcPts val="500"/>
-              </a:spcBef>
-              <a:buFont typeface="Arial" panose="020B0604020202020204" pitchFamily="34" charset="0"/>
-              <a:buChar char="•"/>
-              <a:defRPr sz="2400" b="0" i="0" kern="1200">
-                <a:solidFill>
-                  <a:schemeClr val="bg1"/>
-                </a:solidFill>
-                <a:latin typeface="+mn-lt"/>
-                <a:ea typeface="+mn-ea"/>
-                <a:cs typeface="+mn-cs"/>
-              </a:defRPr>
-            </a:lvl2pPr>
-            <a:lvl3pPr marL="1143000" indent="-228600" algn="l" defTabSz="914400" rtl="0" eaLnBrk="1" latinLnBrk="0" hangingPunct="1">
-              <a:lnSpc>
-                <a:spcPct val="90000"/>
-              </a:lnSpc>
-              <a:spcBef>
-                <a:spcPts val="500"/>
-              </a:spcBef>
-              <a:buFont typeface="Arial" panose="020B0604020202020204" pitchFamily="34" charset="0"/>
-              <a:buChar char="•"/>
-              <a:defRPr sz="2000" b="0" i="0" kern="1200">
-                <a:solidFill>
-                  <a:schemeClr val="bg1"/>
-                </a:solidFill>
-                <a:latin typeface="+mn-lt"/>
-                <a:ea typeface="+mn-ea"/>
-                <a:cs typeface="+mn-cs"/>
-              </a:defRPr>
-            </a:lvl3pPr>
-            <a:lvl4pPr marL="1600200" indent="-228600" algn="l" defTabSz="914400" rtl="0" eaLnBrk="1" latinLnBrk="0" hangingPunct="1">
-              <a:lnSpc>
-                <a:spcPct val="90000"/>
-              </a:lnSpc>
-              <a:spcBef>
-                <a:spcPts val="500"/>
-              </a:spcBef>
-              <a:buFont typeface="Arial" panose="020B0604020202020204" pitchFamily="34" charset="0"/>
-              <a:buChar char="•"/>
-              <a:defRPr sz="1800" b="0" i="0" kern="1200">
-                <a:solidFill>
-                  <a:schemeClr val="bg1"/>
-                </a:solidFill>
-                <a:latin typeface="+mn-lt"/>
-                <a:ea typeface="+mn-ea"/>
-                <a:cs typeface="+mn-cs"/>
-              </a:defRPr>
-            </a:lvl4pPr>
-            <a:lvl5pPr marL="2057400" indent="-228600" algn="l" defTabSz="914400" rtl="0" eaLnBrk="1" latinLnBrk="0" hangingPunct="1">
-              <a:lnSpc>
-                <a:spcPct val="90000"/>
-              </a:lnSpc>
-              <a:spcBef>
-                <a:spcPts val="500"/>
-              </a:spcBef>
-              <a:buFont typeface="Arial" panose="020B0604020202020204" pitchFamily="34" charset="0"/>
-              <a:buChar char="•"/>
-              <a:defRPr sz="1800" b="0" i="0" kern="1200">
-                <a:solidFill>
-                  <a:schemeClr val="bg1"/>
-                </a:solidFill>
-                <a:latin typeface="+mn-lt"/>
-                <a:ea typeface="+mn-ea"/>
-                <a:cs typeface="+mn-cs"/>
-              </a:defRPr>
-            </a:lvl5pPr>
-            <a:lvl6pPr marL="2514600" indent="-228600" algn="l" defTabSz="914400" rtl="0" eaLnBrk="1" latinLnBrk="0" hangingPunct="1">
-              <a:lnSpc>
-                <a:spcPct val="90000"/>
-              </a:lnSpc>
-              <a:spcBef>
-                <a:spcPts val="500"/>
-              </a:spcBef>
-              <a:buFont typeface="Arial" panose="020B0604020202020204" pitchFamily="34" charset="0"/>
-              <a:buChar char="•"/>
-              <a:defRPr sz="1800" kern="1200">
-                <a:solidFill>
-                  <a:schemeClr val="tx1"/>
-                </a:solidFill>
-                <a:latin typeface="+mn-lt"/>
-                <a:ea typeface="+mn-ea"/>
-                <a:cs typeface="+mn-cs"/>
-              </a:defRPr>
-            </a:lvl6pPr>
-            <a:lvl7pPr marL="2971800" indent="-228600" algn="l" defTabSz="914400" rtl="0" eaLnBrk="1" latinLnBrk="0" hangingPunct="1">
-              <a:lnSpc>
-                <a:spcPct val="90000"/>
-              </a:lnSpc>
-              <a:spcBef>
-                <a:spcPts val="500"/>
-              </a:spcBef>
-              <a:buFont typeface="Arial" panose="020B0604020202020204" pitchFamily="34" charset="0"/>
-              <a:buChar char="•"/>
-              <a:defRPr sz="1800" kern="1200">
-                <a:solidFill>
-                  <a:schemeClr val="tx1"/>
-                </a:solidFill>
-                <a:latin typeface="+mn-lt"/>
-                <a:ea typeface="+mn-ea"/>
-                <a:cs typeface="+mn-cs"/>
-              </a:defRPr>
-            </a:lvl7pPr>
-            <a:lvl8pPr marL="3429000" indent="-228600" algn="l" defTabSz="914400" rtl="0" eaLnBrk="1" latinLnBrk="0" hangingPunct="1">
-              <a:lnSpc>
-                <a:spcPct val="90000"/>
-              </a:lnSpc>
-              <a:spcBef>
-                <a:spcPts val="500"/>
-              </a:spcBef>
-              <a:buFont typeface="Arial" panose="020B0604020202020204" pitchFamily="34" charset="0"/>
-              <a:buChar char="•"/>
-              <a:defRPr sz="1800" kern="1200">
-                <a:solidFill>
-                  <a:schemeClr val="tx1"/>
-                </a:solidFill>
-                <a:latin typeface="+mn-lt"/>
-                <a:ea typeface="+mn-ea"/>
-                <a:cs typeface="+mn-cs"/>
-              </a:defRPr>
-            </a:lvl8pPr>
-            <a:lvl9pPr marL="3886200" indent="-228600" algn="l" defTabSz="914400" rtl="0" eaLnBrk="1" latinLnBrk="0" hangingPunct="1">
-              <a:lnSpc>
-                <a:spcPct val="90000"/>
-              </a:lnSpc>
-              <a:spcBef>
-                <a:spcPts val="500"/>
-              </a:spcBef>
-              <a:buFont typeface="Arial" panose="020B0604020202020204" pitchFamily="34" charset="0"/>
-              <a:buChar char="•"/>
-              <a:defRPr sz="1800" kern="1200">
-                <a:solidFill>
-                  <a:schemeClr val="tx1"/>
-                </a:solidFill>
-                <a:latin typeface="+mn-lt"/>
-                <a:ea typeface="+mn-ea"/>
-                <a:cs typeface="+mn-cs"/>
-              </a:defRPr>
-            </a:lvl9pPr>
-          </a:lstStyle>
-          <a:p>
-            <a:r>
-              <a:rPr lang="en-US" dirty="0"/>
-              <a:t>Passengers intending to book flights on these days may prefer to book the flights on a different day in a bid to avoid the flight from being cancelled..</a:t>
-            </a:r>
+                <a:hlinkClick r:id="rId3"/>
+              </a:rPr>
+              <a:t>https://www.kaggle.com/datasets/mlg-ulb/creditcardfraud?resource=download</a:t>
+            </a:r>
+            <a:endParaRPr lang="en-US" dirty="0">
+              <a:solidFill>
+                <a:schemeClr val="bg1"/>
+              </a:solidFill>
+            </a:endParaRPr>
+          </a:p>
+          <a:p>
+            <a:pPr marL="342900" indent="-342900">
+              <a:buAutoNum type="arabicPeriod"/>
+            </a:pPr>
+            <a:endParaRPr lang="en-US" dirty="0">
+              <a:solidFill>
+                <a:schemeClr val="bg1"/>
+              </a:solidFill>
+            </a:endParaRPr>
           </a:p>
         </p:txBody>
       </p:sp>
     </p:spTree>
     <p:extLst>
       <p:ext uri="{BB962C8B-B14F-4D97-AF65-F5344CB8AC3E}">
-        <p14:creationId xmlns:p14="http://schemas.microsoft.com/office/powerpoint/2010/main" val="643842168"/>
+        <p14:creationId xmlns:p14="http://schemas.microsoft.com/office/powerpoint/2010/main" val="2595183344"/>
       </p:ext>
     </p:extLst>
   </p:cSld>
   <p:clrMapOvr>
     <a:masterClrMapping/>
   </p:clrMapOvr>
-  <mc:AlternateContent xmlns:mc="http://schemas.openxmlformats.org/markup-compatibility/2006" xmlns:p14="http://schemas.microsoft.com/office/powerpoint/2010/main">
-    <mc:Choice Requires="p14">
+  <mc:AlternateContent xmlns:mc="http://schemas.openxmlformats.org/markup-compatibility/2006">
+    <mc:Choice xmlns:p14="http://schemas.microsoft.com/office/powerpoint/2010/main" Requires="p14">
       <p:transition spd="slow" p14:dur="2000">
         <p:fade/>
       </p:transition>
     </mc:Choice>
-    <mc:Fallback xmlns="">
+    <mc:Fallback>
       <p:transition spd="slow">
         <p:fade/>
       </p:transition>
@@ -19219,7 +18740,7 @@
             <a:fld id="{6FCA8E82-58CD-E045-8B98-B7A85B79B752}" type="datetime4">
               <a:rPr lang="en-US" smtClean="0"/>
               <a:pPr/>
-              <a:t>February 28, 2024</a:t>
+              <a:t>February 29, 2024</a:t>
             </a:fld>
             <a:endParaRPr lang="en-US" dirty="0"/>
           </a:p>
@@ -20119,7 +19640,7 @@
             <a:fld id="{6FCA8E82-58CD-E045-8B98-B7A85B79B752}" type="datetime4">
               <a:rPr lang="en-US" smtClean="0"/>
               <a:pPr/>
-              <a:t>February 28, 2024</a:t>
+              <a:t>February 29, 2024</a:t>
             </a:fld>
             <a:endParaRPr lang="en-US" dirty="0"/>
           </a:p>
@@ -20395,7 +19916,7 @@
             <a:fld id="{6FCA8E82-58CD-E045-8B98-B7A85B79B752}" type="datetime4">
               <a:rPr lang="en-US" smtClean="0"/>
               <a:pPr/>
-              <a:t>February 28, 2024</a:t>
+              <a:t>February 29, 2024</a:t>
             </a:fld>
             <a:endParaRPr lang="en-US" dirty="0"/>
           </a:p>
@@ -20730,8 +20251,8 @@
         </p:nvSpPr>
         <p:spPr>
           <a:xfrm>
-            <a:off x="6957392" y="4351455"/>
-            <a:ext cx="3955774" cy="584775"/>
+            <a:off x="6349525" y="4351455"/>
+            <a:ext cx="4563641" cy="584775"/>
           </a:xfrm>
           <a:prstGeom prst="rect">
             <a:avLst/>
@@ -20746,7 +20267,7 @@
           <a:p>
             <a:r>
               <a:rPr lang="en-US" sz="3200" b="1" dirty="0"/>
-              <a:t>Presenter: TBD</a:t>
+              <a:t>Presenter: Michael Lima</a:t>
             </a:r>
           </a:p>
         </p:txBody>
@@ -21159,386 +20680,6 @@
 <file path=ppt/slides/slide7.xml><?xml version="1.0" encoding="utf-8"?>
 <p:sld xmlns:a="http://schemas.openxmlformats.org/drawingml/2006/main" xmlns:r="http://schemas.openxmlformats.org/officeDocument/2006/relationships" xmlns:p="http://schemas.openxmlformats.org/presentationml/2006/main">
   <p:cSld>
-    <p:bg>
-      <p:bgPr>
-        <a:solidFill>
-          <a:schemeClr val="accent2"/>
-        </a:solidFill>
-        <a:effectLst/>
-      </p:bgPr>
-    </p:bg>
-    <p:spTree>
-      <p:nvGrpSpPr>
-        <p:cNvPr id="1" name=""/>
-        <p:cNvGrpSpPr/>
-        <p:nvPr/>
-      </p:nvGrpSpPr>
-      <p:grpSpPr>
-        <a:xfrm>
-          <a:off x="0" y="0"/>
-          <a:ext cx="0" cy="0"/>
-          <a:chOff x="0" y="0"/>
-          <a:chExt cx="0" cy="0"/>
-        </a:xfrm>
-      </p:grpSpPr>
-      <p:pic>
-        <p:nvPicPr>
-          <p:cNvPr id="20" name="Picture Placeholder 19" descr="Abstract blue and black geometric background">
-            <a:extLst>
-              <a:ext uri="{FF2B5EF4-FFF2-40B4-BE49-F238E27FC236}">
-                <a16:creationId xmlns:a16="http://schemas.microsoft.com/office/drawing/2014/main" id="{12F007AF-B3B3-4BBC-9990-D46E31738B7C}"/>
-              </a:ext>
-            </a:extLst>
-          </p:cNvPr>
-          <p:cNvPicPr>
-            <a:picLocks noGrp="1" noChangeAspect="1"/>
-          </p:cNvPicPr>
-          <p:nvPr>
-            <p:ph type="pic" sz="quarter" idx="13"/>
-          </p:nvPr>
-        </p:nvPicPr>
-        <p:blipFill>
-          <a:blip r:embed="rId3">
-            <a:extLst>
-              <a:ext uri="{28A0092B-C50C-407E-A947-70E740481C1C}">
-                <a14:useLocalDpi xmlns:a14="http://schemas.microsoft.com/office/drawing/2010/main" val="0"/>
-              </a:ext>
-            </a:extLst>
-          </a:blip>
-          <a:srcRect/>
-          <a:stretch/>
-        </p:blipFill>
-        <p:spPr>
-          <a:xfrm>
-            <a:off x="0" y="0"/>
-            <a:ext cx="12192000" cy="6858000"/>
-          </a:xfrm>
-        </p:spPr>
-      </p:pic>
-      <p:sp>
-        <p:nvSpPr>
-          <p:cNvPr id="2" name="Title 1">
-            <a:extLst>
-              <a:ext uri="{FF2B5EF4-FFF2-40B4-BE49-F238E27FC236}">
-                <a16:creationId xmlns:a16="http://schemas.microsoft.com/office/drawing/2014/main" id="{A8704A28-E62C-2E4A-A2A4-AD85CB6126A2}"/>
-              </a:ext>
-            </a:extLst>
-          </p:cNvPr>
-          <p:cNvSpPr>
-            <a:spLocks noGrp="1"/>
-          </p:cNvSpPr>
-          <p:nvPr>
-            <p:ph type="title"/>
-          </p:nvPr>
-        </p:nvSpPr>
-        <p:spPr>
-          <a:xfrm>
-            <a:off x="2693505" y="3959837"/>
-            <a:ext cx="8622196" cy="610863"/>
-          </a:xfrm>
-        </p:spPr>
-        <p:txBody>
-          <a:bodyPr>
-            <a:noAutofit/>
-          </a:bodyPr>
-          <a:lstStyle/>
-          <a:p>
-            <a:r>
-              <a:rPr lang="en-US" sz="6000" dirty="0"/>
-              <a:t>3. </a:t>
-            </a:r>
-            <a:r>
-              <a:rPr lang="en-US" sz="6000" dirty="0" err="1"/>
-              <a:t>DataInsight’s</a:t>
-            </a:r>
-            <a:r>
-              <a:rPr lang="en-US" sz="6000" dirty="0"/>
-              <a:t> Solution</a:t>
-            </a:r>
-          </a:p>
-        </p:txBody>
-      </p:sp>
-      <p:cxnSp>
-        <p:nvCxnSpPr>
-          <p:cNvPr id="6" name="Straight Connector 5">
-            <a:extLst>
-              <a:ext uri="{FF2B5EF4-FFF2-40B4-BE49-F238E27FC236}">
-                <a16:creationId xmlns:a16="http://schemas.microsoft.com/office/drawing/2014/main" id="{4D6EE753-BEBB-4348-896E-73627FDDCF64}"/>
-              </a:ext>
-              <a:ext uri="{C183D7F6-B498-43B3-948B-1728B52AA6E4}">
-                <adec:decorative xmlns:adec="http://schemas.microsoft.com/office/drawing/2017/decorative" val="1"/>
-              </a:ext>
-            </a:extLst>
-          </p:cNvPr>
-          <p:cNvCxnSpPr>
-            <a:cxnSpLocks/>
-          </p:cNvCxnSpPr>
-          <p:nvPr/>
-        </p:nvCxnSpPr>
-        <p:spPr>
-          <a:xfrm>
-            <a:off x="2862470" y="4899227"/>
-            <a:ext cx="8453230" cy="0"/>
-          </a:xfrm>
-          <a:prstGeom prst="line">
-            <a:avLst/>
-          </a:prstGeom>
-          <a:ln w="101600">
-            <a:solidFill>
-              <a:schemeClr val="tx2"/>
-            </a:solidFill>
-          </a:ln>
-        </p:spPr>
-        <p:style>
-          <a:lnRef idx="1">
-            <a:schemeClr val="dk1"/>
-          </a:lnRef>
-          <a:fillRef idx="0">
-            <a:schemeClr val="dk1"/>
-          </a:fillRef>
-          <a:effectRef idx="0">
-            <a:schemeClr val="dk1"/>
-          </a:effectRef>
-          <a:fontRef idx="minor">
-            <a:schemeClr val="tx1"/>
-          </a:fontRef>
-        </p:style>
-      </p:cxnSp>
-      <p:sp>
-        <p:nvSpPr>
-          <p:cNvPr id="3" name="Content Placeholder 7">
-            <a:extLst>
-              <a:ext uri="{FF2B5EF4-FFF2-40B4-BE49-F238E27FC236}">
-                <a16:creationId xmlns:a16="http://schemas.microsoft.com/office/drawing/2014/main" id="{99964D10-A82E-CBCF-174A-4400C39F7C7E}"/>
-              </a:ext>
-            </a:extLst>
-          </p:cNvPr>
-          <p:cNvSpPr txBox="1">
-            <a:spLocks/>
-          </p:cNvSpPr>
-          <p:nvPr/>
-        </p:nvSpPr>
-        <p:spPr>
-          <a:xfrm rot="10800000" flipV="1">
-            <a:off x="6886953" y="5073276"/>
-            <a:ext cx="4572863" cy="1282148"/>
-          </a:xfrm>
-          <a:prstGeom prst="rect">
-            <a:avLst/>
-          </a:prstGeom>
-        </p:spPr>
-        <p:txBody>
-          <a:bodyPr vert="horz" lIns="0" tIns="0" rIns="0" bIns="0" rtlCol="0" anchor="t" anchorCtr="0">
-            <a:normAutofit/>
-          </a:bodyPr>
-          <a:lstStyle>
-            <a:lvl1pPr marL="285750" indent="-285750" algn="l" defTabSz="914400" rtl="0" eaLnBrk="1" latinLnBrk="0" hangingPunct="1">
-              <a:lnSpc>
-                <a:spcPct val="100000"/>
-              </a:lnSpc>
-              <a:spcBef>
-                <a:spcPts val="1000"/>
-              </a:spcBef>
-              <a:buFont typeface="Wingdings" pitchFamily="2" charset="2"/>
-              <a:buChar char="§"/>
-              <a:defRPr sz="1600" b="0" i="0" kern="1200">
-                <a:solidFill>
-                  <a:schemeClr val="bg1"/>
-                </a:solidFill>
-                <a:latin typeface="+mn-lt"/>
-                <a:ea typeface="+mn-ea"/>
-                <a:cs typeface="+mn-cs"/>
-              </a:defRPr>
-            </a:lvl1pPr>
-            <a:lvl2pPr marL="685800" indent="-228600" algn="l" defTabSz="914400" rtl="0" eaLnBrk="1" latinLnBrk="0" hangingPunct="1">
-              <a:lnSpc>
-                <a:spcPct val="90000"/>
-              </a:lnSpc>
-              <a:spcBef>
-                <a:spcPts val="500"/>
-              </a:spcBef>
-              <a:buFont typeface="Arial" panose="020B0604020202020204" pitchFamily="34" charset="0"/>
-              <a:buChar char="•"/>
-              <a:defRPr sz="1600" b="0" i="0" kern="1200">
-                <a:solidFill>
-                  <a:schemeClr val="bg1"/>
-                </a:solidFill>
-                <a:latin typeface="+mn-lt"/>
-                <a:ea typeface="+mn-ea"/>
-                <a:cs typeface="+mn-cs"/>
-              </a:defRPr>
-            </a:lvl2pPr>
-            <a:lvl3pPr marL="1143000" indent="-228600" algn="l" defTabSz="914400" rtl="0" eaLnBrk="1" latinLnBrk="0" hangingPunct="1">
-              <a:lnSpc>
-                <a:spcPct val="90000"/>
-              </a:lnSpc>
-              <a:spcBef>
-                <a:spcPts val="500"/>
-              </a:spcBef>
-              <a:buFont typeface="Arial" panose="020B0604020202020204" pitchFamily="34" charset="0"/>
-              <a:buChar char="•"/>
-              <a:defRPr sz="1600" b="0" i="0" kern="1200">
-                <a:solidFill>
-                  <a:schemeClr val="bg1"/>
-                </a:solidFill>
-                <a:latin typeface="+mn-lt"/>
-                <a:ea typeface="+mn-ea"/>
-                <a:cs typeface="+mn-cs"/>
-              </a:defRPr>
-            </a:lvl3pPr>
-            <a:lvl4pPr marL="1600200" indent="-228600" algn="l" defTabSz="914400" rtl="0" eaLnBrk="1" latinLnBrk="0" hangingPunct="1">
-              <a:lnSpc>
-                <a:spcPct val="90000"/>
-              </a:lnSpc>
-              <a:spcBef>
-                <a:spcPts val="500"/>
-              </a:spcBef>
-              <a:buFont typeface="Arial" panose="020B0604020202020204" pitchFamily="34" charset="0"/>
-              <a:buChar char="•"/>
-              <a:defRPr sz="1600" b="0" i="0" kern="1200">
-                <a:solidFill>
-                  <a:schemeClr val="bg1"/>
-                </a:solidFill>
-                <a:latin typeface="+mn-lt"/>
-                <a:ea typeface="+mn-ea"/>
-                <a:cs typeface="+mn-cs"/>
-              </a:defRPr>
-            </a:lvl4pPr>
-            <a:lvl5pPr marL="2057400" indent="-228600" algn="l" defTabSz="914400" rtl="0" eaLnBrk="1" latinLnBrk="0" hangingPunct="1">
-              <a:lnSpc>
-                <a:spcPct val="90000"/>
-              </a:lnSpc>
-              <a:spcBef>
-                <a:spcPts val="500"/>
-              </a:spcBef>
-              <a:buFont typeface="Arial" panose="020B0604020202020204" pitchFamily="34" charset="0"/>
-              <a:buChar char="•"/>
-              <a:defRPr sz="1600" b="0" i="0" kern="1200">
-                <a:solidFill>
-                  <a:schemeClr val="bg1"/>
-                </a:solidFill>
-                <a:latin typeface="+mn-lt"/>
-                <a:ea typeface="+mn-ea"/>
-                <a:cs typeface="+mn-cs"/>
-              </a:defRPr>
-            </a:lvl5pPr>
-            <a:lvl6pPr marL="2514600" indent="-228600" algn="l" defTabSz="914400" rtl="0" eaLnBrk="1" latinLnBrk="0" hangingPunct="1">
-              <a:lnSpc>
-                <a:spcPct val="90000"/>
-              </a:lnSpc>
-              <a:spcBef>
-                <a:spcPts val="500"/>
-              </a:spcBef>
-              <a:buFont typeface="Arial" panose="020B0604020202020204" pitchFamily="34" charset="0"/>
-              <a:buChar char="•"/>
-              <a:defRPr sz="1800" kern="1200">
-                <a:solidFill>
-                  <a:schemeClr val="tx1"/>
-                </a:solidFill>
-                <a:latin typeface="+mn-lt"/>
-                <a:ea typeface="+mn-ea"/>
-                <a:cs typeface="+mn-cs"/>
-              </a:defRPr>
-            </a:lvl6pPr>
-            <a:lvl7pPr marL="2971800" indent="-228600" algn="l" defTabSz="914400" rtl="0" eaLnBrk="1" latinLnBrk="0" hangingPunct="1">
-              <a:lnSpc>
-                <a:spcPct val="90000"/>
-              </a:lnSpc>
-              <a:spcBef>
-                <a:spcPts val="500"/>
-              </a:spcBef>
-              <a:buFont typeface="Arial" panose="020B0604020202020204" pitchFamily="34" charset="0"/>
-              <a:buChar char="•"/>
-              <a:defRPr sz="1800" kern="1200">
-                <a:solidFill>
-                  <a:schemeClr val="tx1"/>
-                </a:solidFill>
-                <a:latin typeface="+mn-lt"/>
-                <a:ea typeface="+mn-ea"/>
-                <a:cs typeface="+mn-cs"/>
-              </a:defRPr>
-            </a:lvl7pPr>
-            <a:lvl8pPr marL="3429000" indent="-228600" algn="l" defTabSz="914400" rtl="0" eaLnBrk="1" latinLnBrk="0" hangingPunct="1">
-              <a:lnSpc>
-                <a:spcPct val="90000"/>
-              </a:lnSpc>
-              <a:spcBef>
-                <a:spcPts val="500"/>
-              </a:spcBef>
-              <a:buFont typeface="Arial" panose="020B0604020202020204" pitchFamily="34" charset="0"/>
-              <a:buChar char="•"/>
-              <a:defRPr sz="1800" kern="1200">
-                <a:solidFill>
-                  <a:schemeClr val="tx1"/>
-                </a:solidFill>
-                <a:latin typeface="+mn-lt"/>
-                <a:ea typeface="+mn-ea"/>
-                <a:cs typeface="+mn-cs"/>
-              </a:defRPr>
-            </a:lvl8pPr>
-            <a:lvl9pPr marL="3886200" indent="-228600" algn="l" defTabSz="914400" rtl="0" eaLnBrk="1" latinLnBrk="0" hangingPunct="1">
-              <a:lnSpc>
-                <a:spcPct val="90000"/>
-              </a:lnSpc>
-              <a:spcBef>
-                <a:spcPts val="500"/>
-              </a:spcBef>
-              <a:buFont typeface="Arial" panose="020B0604020202020204" pitchFamily="34" charset="0"/>
-              <a:buChar char="•"/>
-              <a:defRPr sz="1800" kern="1200">
-                <a:solidFill>
-                  <a:schemeClr val="tx1"/>
-                </a:solidFill>
-                <a:latin typeface="+mn-lt"/>
-                <a:ea typeface="+mn-ea"/>
-                <a:cs typeface="+mn-cs"/>
-              </a:defRPr>
-            </a:lvl9pPr>
-          </a:lstStyle>
-          <a:p>
-            <a:pPr marL="0" indent="0" algn="ctr">
-              <a:buFont typeface="Wingdings" pitchFamily="2" charset="2"/>
-              <a:buNone/>
-            </a:pPr>
-            <a:r>
-              <a:rPr lang="en-US" sz="3200" b="1" dirty="0">
-                <a:solidFill>
-                  <a:schemeClr val="tx1"/>
-                </a:solidFill>
-              </a:rPr>
-              <a:t>Presenter: TBD</a:t>
-            </a:r>
-          </a:p>
-        </p:txBody>
-      </p:sp>
-    </p:spTree>
-    <p:extLst>
-      <p:ext uri="{BB962C8B-B14F-4D97-AF65-F5344CB8AC3E}">
-        <p14:creationId xmlns:p14="http://schemas.microsoft.com/office/powerpoint/2010/main" val="1205989347"/>
-      </p:ext>
-    </p:extLst>
-  </p:cSld>
-  <p:clrMapOvr>
-    <a:masterClrMapping/>
-  </p:clrMapOvr>
-  <mc:AlternateContent xmlns:mc="http://schemas.openxmlformats.org/markup-compatibility/2006" xmlns:p14="http://schemas.microsoft.com/office/powerpoint/2010/main">
-    <mc:Choice Requires="p14">
-      <p:transition spd="slow" p14:dur="2000">
-        <p:fade/>
-      </p:transition>
-    </mc:Choice>
-    <mc:Fallback xmlns="">
-      <p:transition spd="slow">
-        <p:fade/>
-      </p:transition>
-    </mc:Fallback>
-  </mc:AlternateContent>
-</p:sld>
-</file>
-
-<file path=ppt/slides/slide8.xml><?xml version="1.0" encoding="utf-8"?>
-<p:sld xmlns:a="http://schemas.openxmlformats.org/drawingml/2006/main" xmlns:r="http://schemas.openxmlformats.org/officeDocument/2006/relationships" xmlns:p="http://schemas.openxmlformats.org/presentationml/2006/main">
-  <p:cSld>
     <p:spTree>
       <p:nvGrpSpPr>
         <p:cNvPr id="1" name="">
@@ -21589,7 +20730,7 @@
           <a:p>
             <a:r>
               <a:rPr lang="en-US" dirty="0"/>
-              <a:t>Data Insight’s Solution</a:t>
+              <a:t>Data Insight’s Approach</a:t>
             </a:r>
           </a:p>
         </p:txBody>
@@ -21651,7 +20792,7 @@
             <a:fld id="{294A09A9-5501-47C1-A89A-A340965A2BE2}" type="slidenum">
               <a:rPr lang="en-US" smtClean="0"/>
               <a:pPr/>
-              <a:t>8</a:t>
+              <a:t>7</a:t>
             </a:fld>
             <a:endParaRPr lang="en-US" dirty="0">
               <a:latin typeface="+mn-lt"/>
@@ -21947,7 +21088,7 @@
 </p:sld>
 </file>
 
-<file path=ppt/slides/slide9.xml><?xml version="1.0" encoding="utf-8"?>
+<file path=ppt/slides/slide8.xml><?xml version="1.0" encoding="utf-8"?>
 <p:sld xmlns:a="http://schemas.openxmlformats.org/drawingml/2006/main" xmlns:r="http://schemas.openxmlformats.org/officeDocument/2006/relationships" xmlns:p="http://schemas.openxmlformats.org/presentationml/2006/main">
   <p:cSld>
     <p:bg>
@@ -22024,8 +21165,8 @@
         </p:nvSpPr>
         <p:spPr>
           <a:xfrm>
-            <a:off x="5285065" y="3959837"/>
-            <a:ext cx="6373536" cy="610863"/>
+            <a:off x="2606467" y="3959837"/>
+            <a:ext cx="9052134" cy="610863"/>
           </a:xfrm>
         </p:spPr>
         <p:txBody>
@@ -22036,7 +21177,7 @@
           <a:p>
             <a:r>
               <a:rPr lang="en-US" sz="6000" dirty="0"/>
-              <a:t>3. Our Solution</a:t>
+              <a:t>3. DataInsight’s Solution</a:t>
             </a:r>
           </a:p>
         </p:txBody>
@@ -22060,8 +21201,8 @@
         </p:nvCxnSpPr>
         <p:spPr>
           <a:xfrm>
-            <a:off x="5416826" y="4899227"/>
-            <a:ext cx="5898874" cy="0"/>
+            <a:off x="2606467" y="4899227"/>
+            <a:ext cx="8709233" cy="0"/>
           </a:xfrm>
           <a:prstGeom prst="line">
             <a:avLst/>
@@ -22103,8 +21244,8 @@
         </p:nvSpPr>
         <p:spPr>
           <a:xfrm rot="10800000" flipV="1">
-            <a:off x="6708913" y="5073276"/>
-            <a:ext cx="4184373" cy="1282148"/>
+            <a:off x="5930780" y="5073276"/>
+            <a:ext cx="4962505" cy="1282148"/>
           </a:xfrm>
           <a:prstGeom prst="rect">
             <a:avLst/>
@@ -22288,7 +21429,7 @@
                   <a:schemeClr val="tx1"/>
                 </a:solidFill>
               </a:rPr>
-              <a:t>Presenter: TBD</a:t>
+              <a:t>Presenter: Griffin Roberts</a:t>
             </a:r>
             <a:endParaRPr lang="en-US" sz="3200" dirty="0">
               <a:solidFill>
@@ -22313,6 +21454,464 @@
     <p:extLst>
       <p:ext uri="{BB962C8B-B14F-4D97-AF65-F5344CB8AC3E}">
         <p14:creationId xmlns:p14="http://schemas.microsoft.com/office/powerpoint/2010/main" val="1471226407"/>
+      </p:ext>
+    </p:extLst>
+  </p:cSld>
+  <p:clrMapOvr>
+    <a:masterClrMapping/>
+  </p:clrMapOvr>
+  <mc:AlternateContent xmlns:mc="http://schemas.openxmlformats.org/markup-compatibility/2006" xmlns:p14="http://schemas.microsoft.com/office/powerpoint/2010/main">
+    <mc:Choice Requires="p14">
+      <p:transition spd="slow" p14:dur="2000">
+        <p:fade/>
+      </p:transition>
+    </mc:Choice>
+    <mc:Fallback xmlns="">
+      <p:transition spd="slow">
+        <p:fade/>
+      </p:transition>
+    </mc:Fallback>
+  </mc:AlternateContent>
+</p:sld>
+</file>
+
+<file path=ppt/slides/slide9.xml><?xml version="1.0" encoding="utf-8"?>
+<p:sld xmlns:a="http://schemas.openxmlformats.org/drawingml/2006/main" xmlns:r="http://schemas.openxmlformats.org/officeDocument/2006/relationships" xmlns:p="http://schemas.openxmlformats.org/presentationml/2006/main">
+  <p:cSld>
+    <p:spTree>
+      <p:nvGrpSpPr>
+        <p:cNvPr id="1" name=""/>
+        <p:cNvGrpSpPr/>
+        <p:nvPr/>
+      </p:nvGrpSpPr>
+      <p:grpSpPr>
+        <a:xfrm>
+          <a:off x="0" y="0"/>
+          <a:ext cx="0" cy="0"/>
+          <a:chOff x="0" y="0"/>
+          <a:chExt cx="0" cy="0"/>
+        </a:xfrm>
+      </p:grpSpPr>
+      <p:sp>
+        <p:nvSpPr>
+          <p:cNvPr id="2" name="Title 1">
+            <a:extLst>
+              <a:ext uri="{FF2B5EF4-FFF2-40B4-BE49-F238E27FC236}">
+                <a16:creationId xmlns:a16="http://schemas.microsoft.com/office/drawing/2014/main" id="{2C36F487-13F1-8119-F498-DAEAA004A956}"/>
+              </a:ext>
+            </a:extLst>
+          </p:cNvPr>
+          <p:cNvSpPr>
+            <a:spLocks noGrp="1"/>
+          </p:cNvSpPr>
+          <p:nvPr>
+            <p:ph type="title"/>
+          </p:nvPr>
+        </p:nvSpPr>
+        <p:spPr/>
+        <p:txBody>
+          <a:bodyPr>
+            <a:normAutofit/>
+          </a:bodyPr>
+          <a:lstStyle/>
+          <a:p>
+            <a:r>
+              <a:rPr lang="en-US" dirty="0"/>
+              <a:t>Source Files</a:t>
+            </a:r>
+          </a:p>
+        </p:txBody>
+      </p:sp>
+      <p:sp>
+        <p:nvSpPr>
+          <p:cNvPr id="3" name="Text Placeholder 2">
+            <a:extLst>
+              <a:ext uri="{FF2B5EF4-FFF2-40B4-BE49-F238E27FC236}">
+                <a16:creationId xmlns:a16="http://schemas.microsoft.com/office/drawing/2014/main" id="{21DF8BDC-B9C4-CF18-F030-B814661A4FC4}"/>
+              </a:ext>
+            </a:extLst>
+          </p:cNvPr>
+          <p:cNvSpPr>
+            <a:spLocks noGrp="1"/>
+          </p:cNvSpPr>
+          <p:nvPr>
+            <p:ph type="body" idx="1"/>
+          </p:nvPr>
+        </p:nvSpPr>
+        <p:spPr/>
+        <p:txBody>
+          <a:bodyPr/>
+          <a:lstStyle/>
+          <a:p>
+            <a:r>
+              <a:rPr lang="en-US" b="1" i="0" dirty="0">
+                <a:effectLst/>
+                <a:latin typeface="Inter"/>
+              </a:rPr>
+              <a:t>1. </a:t>
+            </a:r>
+            <a:r>
+              <a:rPr lang="en-US" b="1" dirty="0">
+                <a:latin typeface="Inter"/>
+              </a:rPr>
+              <a:t>creditcard</a:t>
+            </a:r>
+            <a:r>
+              <a:rPr lang="en-US" b="1" i="0" dirty="0">
+                <a:effectLst/>
+                <a:latin typeface="Inter"/>
+              </a:rPr>
+              <a:t>.csv</a:t>
+            </a:r>
+          </a:p>
+          <a:p>
+            <a:endParaRPr lang="en-US" dirty="0"/>
+          </a:p>
+        </p:txBody>
+      </p:sp>
+      <p:sp>
+        <p:nvSpPr>
+          <p:cNvPr id="4" name="Content Placeholder 3">
+            <a:extLst>
+              <a:ext uri="{FF2B5EF4-FFF2-40B4-BE49-F238E27FC236}">
+                <a16:creationId xmlns:a16="http://schemas.microsoft.com/office/drawing/2014/main" id="{46E58F60-72F4-41F3-C3C0-7F00B878154E}"/>
+              </a:ext>
+            </a:extLst>
+          </p:cNvPr>
+          <p:cNvSpPr>
+            <a:spLocks noGrp="1"/>
+          </p:cNvSpPr>
+          <p:nvPr>
+            <p:ph sz="half" idx="2"/>
+          </p:nvPr>
+        </p:nvSpPr>
+        <p:spPr/>
+        <p:txBody>
+          <a:bodyPr/>
+          <a:lstStyle/>
+          <a:p>
+            <a:pPr marL="0" indent="0">
+              <a:buNone/>
+            </a:pPr>
+            <a:r>
+              <a:rPr lang="en-US" dirty="0"/>
+              <a:t>Credit Card data</a:t>
+            </a:r>
+          </a:p>
+        </p:txBody>
+      </p:sp>
+      <p:sp>
+        <p:nvSpPr>
+          <p:cNvPr id="9" name="Footer Placeholder 8">
+            <a:extLst>
+              <a:ext uri="{FF2B5EF4-FFF2-40B4-BE49-F238E27FC236}">
+                <a16:creationId xmlns:a16="http://schemas.microsoft.com/office/drawing/2014/main" id="{CBF39BA9-3616-30F0-EEBD-641E4804904B}"/>
+              </a:ext>
+            </a:extLst>
+          </p:cNvPr>
+          <p:cNvSpPr>
+            <a:spLocks noGrp="1"/>
+          </p:cNvSpPr>
+          <p:nvPr>
+            <p:ph type="ftr" sz="quarter" idx="15"/>
+          </p:nvPr>
+        </p:nvSpPr>
+        <p:spPr>
+          <a:xfrm>
+            <a:off x="2701254" y="6332221"/>
+            <a:ext cx="1770077" cy="247650"/>
+          </a:xfrm>
+        </p:spPr>
+        <p:txBody>
+          <a:bodyPr/>
+          <a:lstStyle/>
+          <a:p>
+            <a:r>
+              <a:rPr lang="en-US" dirty="0"/>
+              <a:t>Credit Card Fraud Detection</a:t>
+            </a:r>
+          </a:p>
+        </p:txBody>
+      </p:sp>
+      <p:sp>
+        <p:nvSpPr>
+          <p:cNvPr id="10" name="Slide Number Placeholder 9">
+            <a:extLst>
+              <a:ext uri="{FF2B5EF4-FFF2-40B4-BE49-F238E27FC236}">
+                <a16:creationId xmlns:a16="http://schemas.microsoft.com/office/drawing/2014/main" id="{BAA070BE-7B2A-58E3-FD72-E5E1B980BAF1}"/>
+              </a:ext>
+            </a:extLst>
+          </p:cNvPr>
+          <p:cNvSpPr>
+            <a:spLocks noGrp="1"/>
+          </p:cNvSpPr>
+          <p:nvPr>
+            <p:ph type="sldNum" sz="quarter" idx="16"/>
+          </p:nvPr>
+        </p:nvSpPr>
+        <p:spPr/>
+        <p:txBody>
+          <a:bodyPr/>
+          <a:lstStyle/>
+          <a:p>
+            <a:fld id="{294A09A9-5501-47C1-A89A-A340965A2BE2}" type="slidenum">
+              <a:rPr lang="en-US" smtClean="0"/>
+              <a:pPr/>
+              <a:t>9</a:t>
+            </a:fld>
+            <a:endParaRPr lang="en-US" dirty="0">
+              <a:latin typeface="+mn-lt"/>
+            </a:endParaRPr>
+          </a:p>
+        </p:txBody>
+      </p:sp>
+      <p:sp>
+        <p:nvSpPr>
+          <p:cNvPr id="15" name="Content Placeholder 7">
+            <a:extLst>
+              <a:ext uri="{FF2B5EF4-FFF2-40B4-BE49-F238E27FC236}">
+                <a16:creationId xmlns:a16="http://schemas.microsoft.com/office/drawing/2014/main" id="{35B29721-5C5F-B11A-F9BB-118E3EA1593A}"/>
+              </a:ext>
+            </a:extLst>
+          </p:cNvPr>
+          <p:cNvSpPr txBox="1">
+            <a:spLocks/>
+          </p:cNvSpPr>
+          <p:nvPr/>
+        </p:nvSpPr>
+        <p:spPr>
+          <a:xfrm>
+            <a:off x="6096000" y="3816945"/>
+            <a:ext cx="5716278" cy="924339"/>
+          </a:xfrm>
+          <a:prstGeom prst="rect">
+            <a:avLst/>
+          </a:prstGeom>
+        </p:spPr>
+        <p:txBody>
+          <a:bodyPr vert="horz" lIns="0" tIns="0" rIns="0" bIns="0" rtlCol="0" anchor="t" anchorCtr="0">
+            <a:normAutofit/>
+          </a:bodyPr>
+          <a:lstStyle>
+            <a:lvl1pPr marL="285750" indent="-285750" algn="l" defTabSz="914400" rtl="0" eaLnBrk="1" latinLnBrk="0" hangingPunct="1">
+              <a:lnSpc>
+                <a:spcPct val="100000"/>
+              </a:lnSpc>
+              <a:spcBef>
+                <a:spcPts val="1000"/>
+              </a:spcBef>
+              <a:buFont typeface="Wingdings" pitchFamily="2" charset="2"/>
+              <a:buChar char="§"/>
+              <a:defRPr sz="1600" b="0" i="0" kern="1200">
+                <a:solidFill>
+                  <a:schemeClr val="bg1"/>
+                </a:solidFill>
+                <a:latin typeface="+mn-lt"/>
+                <a:ea typeface="+mn-ea"/>
+                <a:cs typeface="+mn-cs"/>
+              </a:defRPr>
+            </a:lvl1pPr>
+            <a:lvl2pPr marL="685800" indent="-228600" algn="l" defTabSz="914400" rtl="0" eaLnBrk="1" latinLnBrk="0" hangingPunct="1">
+              <a:lnSpc>
+                <a:spcPct val="90000"/>
+              </a:lnSpc>
+              <a:spcBef>
+                <a:spcPts val="500"/>
+              </a:spcBef>
+              <a:buFont typeface="Arial" panose="020B0604020202020204" pitchFamily="34" charset="0"/>
+              <a:buChar char="•"/>
+              <a:defRPr sz="1600" b="0" i="0" kern="1200">
+                <a:solidFill>
+                  <a:schemeClr val="bg1"/>
+                </a:solidFill>
+                <a:latin typeface="+mn-lt"/>
+                <a:ea typeface="+mn-ea"/>
+                <a:cs typeface="+mn-cs"/>
+              </a:defRPr>
+            </a:lvl2pPr>
+            <a:lvl3pPr marL="1143000" indent="-228600" algn="l" defTabSz="914400" rtl="0" eaLnBrk="1" latinLnBrk="0" hangingPunct="1">
+              <a:lnSpc>
+                <a:spcPct val="90000"/>
+              </a:lnSpc>
+              <a:spcBef>
+                <a:spcPts val="500"/>
+              </a:spcBef>
+              <a:buFont typeface="Arial" panose="020B0604020202020204" pitchFamily="34" charset="0"/>
+              <a:buChar char="•"/>
+              <a:defRPr sz="1600" b="0" i="0" kern="1200">
+                <a:solidFill>
+                  <a:schemeClr val="bg1"/>
+                </a:solidFill>
+                <a:latin typeface="+mn-lt"/>
+                <a:ea typeface="+mn-ea"/>
+                <a:cs typeface="+mn-cs"/>
+              </a:defRPr>
+            </a:lvl3pPr>
+            <a:lvl4pPr marL="1600200" indent="-228600" algn="l" defTabSz="914400" rtl="0" eaLnBrk="1" latinLnBrk="0" hangingPunct="1">
+              <a:lnSpc>
+                <a:spcPct val="90000"/>
+              </a:lnSpc>
+              <a:spcBef>
+                <a:spcPts val="500"/>
+              </a:spcBef>
+              <a:buFont typeface="Arial" panose="020B0604020202020204" pitchFamily="34" charset="0"/>
+              <a:buChar char="•"/>
+              <a:defRPr sz="1600" b="0" i="0" kern="1200">
+                <a:solidFill>
+                  <a:schemeClr val="bg1"/>
+                </a:solidFill>
+                <a:latin typeface="+mn-lt"/>
+                <a:ea typeface="+mn-ea"/>
+                <a:cs typeface="+mn-cs"/>
+              </a:defRPr>
+            </a:lvl4pPr>
+            <a:lvl5pPr marL="2057400" indent="-228600" algn="l" defTabSz="914400" rtl="0" eaLnBrk="1" latinLnBrk="0" hangingPunct="1">
+              <a:lnSpc>
+                <a:spcPct val="90000"/>
+              </a:lnSpc>
+              <a:spcBef>
+                <a:spcPts val="500"/>
+              </a:spcBef>
+              <a:buFont typeface="Arial" panose="020B0604020202020204" pitchFamily="34" charset="0"/>
+              <a:buChar char="•"/>
+              <a:defRPr sz="1600" b="0" i="0" kern="1200">
+                <a:solidFill>
+                  <a:schemeClr val="bg1"/>
+                </a:solidFill>
+                <a:latin typeface="+mn-lt"/>
+                <a:ea typeface="+mn-ea"/>
+                <a:cs typeface="+mn-cs"/>
+              </a:defRPr>
+            </a:lvl5pPr>
+            <a:lvl6pPr marL="2514600" indent="-228600" algn="l" defTabSz="914400" rtl="0" eaLnBrk="1" latinLnBrk="0" hangingPunct="1">
+              <a:lnSpc>
+                <a:spcPct val="90000"/>
+              </a:lnSpc>
+              <a:spcBef>
+                <a:spcPts val="500"/>
+              </a:spcBef>
+              <a:buFont typeface="Arial" panose="020B0604020202020204" pitchFamily="34" charset="0"/>
+              <a:buChar char="•"/>
+              <a:defRPr sz="1800" kern="1200">
+                <a:solidFill>
+                  <a:schemeClr val="tx1"/>
+                </a:solidFill>
+                <a:latin typeface="+mn-lt"/>
+                <a:ea typeface="+mn-ea"/>
+                <a:cs typeface="+mn-cs"/>
+              </a:defRPr>
+            </a:lvl6pPr>
+            <a:lvl7pPr marL="2971800" indent="-228600" algn="l" defTabSz="914400" rtl="0" eaLnBrk="1" latinLnBrk="0" hangingPunct="1">
+              <a:lnSpc>
+                <a:spcPct val="90000"/>
+              </a:lnSpc>
+              <a:spcBef>
+                <a:spcPts val="500"/>
+              </a:spcBef>
+              <a:buFont typeface="Arial" panose="020B0604020202020204" pitchFamily="34" charset="0"/>
+              <a:buChar char="•"/>
+              <a:defRPr sz="1800" kern="1200">
+                <a:solidFill>
+                  <a:schemeClr val="tx1"/>
+                </a:solidFill>
+                <a:latin typeface="+mn-lt"/>
+                <a:ea typeface="+mn-ea"/>
+                <a:cs typeface="+mn-cs"/>
+              </a:defRPr>
+            </a:lvl7pPr>
+            <a:lvl8pPr marL="3429000" indent="-228600" algn="l" defTabSz="914400" rtl="0" eaLnBrk="1" latinLnBrk="0" hangingPunct="1">
+              <a:lnSpc>
+                <a:spcPct val="90000"/>
+              </a:lnSpc>
+              <a:spcBef>
+                <a:spcPts val="500"/>
+              </a:spcBef>
+              <a:buFont typeface="Arial" panose="020B0604020202020204" pitchFamily="34" charset="0"/>
+              <a:buChar char="•"/>
+              <a:defRPr sz="1800" kern="1200">
+                <a:solidFill>
+                  <a:schemeClr val="tx1"/>
+                </a:solidFill>
+                <a:latin typeface="+mn-lt"/>
+                <a:ea typeface="+mn-ea"/>
+                <a:cs typeface="+mn-cs"/>
+              </a:defRPr>
+            </a:lvl8pPr>
+            <a:lvl9pPr marL="3886200" indent="-228600" algn="l" defTabSz="914400" rtl="0" eaLnBrk="1" latinLnBrk="0" hangingPunct="1">
+              <a:lnSpc>
+                <a:spcPct val="90000"/>
+              </a:lnSpc>
+              <a:spcBef>
+                <a:spcPts val="500"/>
+              </a:spcBef>
+              <a:buFont typeface="Arial" panose="020B0604020202020204" pitchFamily="34" charset="0"/>
+              <a:buChar char="•"/>
+              <a:defRPr sz="1800" kern="1200">
+                <a:solidFill>
+                  <a:schemeClr val="tx1"/>
+                </a:solidFill>
+                <a:latin typeface="+mn-lt"/>
+                <a:ea typeface="+mn-ea"/>
+                <a:cs typeface="+mn-cs"/>
+              </a:defRPr>
+            </a:lvl9pPr>
+          </a:lstStyle>
+          <a:p>
+            <a:pPr marL="0" indent="0">
+              <a:buFont typeface="Wingdings" pitchFamily="2" charset="2"/>
+              <a:buNone/>
+            </a:pPr>
+            <a:r>
+              <a:rPr lang="en-US" b="1" dirty="0"/>
+              <a:t>Acknowledgements</a:t>
+            </a:r>
+          </a:p>
+          <a:p>
+            <a:pPr marL="0" indent="0">
+              <a:buFont typeface="Wingdings" pitchFamily="2" charset="2"/>
+              <a:buNone/>
+            </a:pPr>
+            <a:r>
+              <a:rPr lang="en-US" dirty="0"/>
+              <a:t>The csv files noted above were downloaded from Kaggle.</a:t>
+            </a:r>
+          </a:p>
+        </p:txBody>
+      </p:sp>
+      <p:pic>
+        <p:nvPicPr>
+          <p:cNvPr id="16" name="Picture 15">
+            <a:extLst>
+              <a:ext uri="{FF2B5EF4-FFF2-40B4-BE49-F238E27FC236}">
+                <a16:creationId xmlns:a16="http://schemas.microsoft.com/office/drawing/2014/main" id="{700B25A2-35A3-598F-A433-83EFF98B2A9A}"/>
+              </a:ext>
+            </a:extLst>
+          </p:cNvPr>
+          <p:cNvPicPr>
+            <a:picLocks noChangeAspect="1"/>
+          </p:cNvPicPr>
+          <p:nvPr/>
+        </p:nvPicPr>
+        <p:blipFill>
+          <a:blip r:embed="rId2"/>
+          <a:stretch>
+            <a:fillRect/>
+          </a:stretch>
+        </p:blipFill>
+        <p:spPr>
+          <a:xfrm>
+            <a:off x="4591878" y="2143138"/>
+            <a:ext cx="1423710" cy="1423710"/>
+          </a:xfrm>
+          <a:prstGeom prst="rect">
+            <a:avLst/>
+          </a:prstGeom>
+        </p:spPr>
+      </p:pic>
+    </p:spTree>
+    <p:extLst>
+      <p:ext uri="{BB962C8B-B14F-4D97-AF65-F5344CB8AC3E}">
+        <p14:creationId xmlns:p14="http://schemas.microsoft.com/office/powerpoint/2010/main" val="2088594545"/>
       </p:ext>
     </p:extLst>
   </p:cSld>
@@ -23126,6 +22725,15 @@
 </file>
 
 <file path=customXml/item1.xml><?xml version="1.0" encoding="utf-8"?>
+<?mso-contentType ?>
+<FormTemplates xmlns="http://schemas.microsoft.com/sharepoint/v3/contenttype/forms">
+  <Display>DocumentLibraryForm</Display>
+  <Edit>DocumentLibraryForm</Edit>
+  <New>DocumentLibraryForm</New>
+</FormTemplates>
+</file>
+
+<file path=customXml/item2.xml><?xml version="1.0" encoding="utf-8"?>
 <ct:contentTypeSchema xmlns:ct="http://schemas.microsoft.com/office/2006/metadata/contentType" xmlns:ma="http://schemas.microsoft.com/office/2006/metadata/properties/metaAttributes" ct:_="" ma:_="" ma:contentTypeName="Document" ma:contentTypeID="0x01010079F111ED35F8CC479449609E8A0923A6" ma:contentTypeVersion="28" ma:contentTypeDescription="Create a new document." ma:contentTypeScope="" ma:versionID="60f5a4f2d2b0abadcf532d48ebf9cb71">
   <xsd:schema xmlns:xsd="http://www.w3.org/2001/XMLSchema" xmlns:xs="http://www.w3.org/2001/XMLSchema" xmlns:p="http://schemas.microsoft.com/office/2006/metadata/properties" xmlns:ns1="http://schemas.microsoft.com/sharepoint/v3" xmlns:ns2="71af3243-3dd4-4a8d-8c0d-dd76da1f02a5" xmlns:ns3="16c05727-aa75-4e4a-9b5f-8a80a1165891" xmlns:ns4="230e9df3-be65-4c73-a93b-d1236ebd677e" targetNamespace="http://schemas.microsoft.com/office/2006/metadata/properties" ma:root="true" ma:fieldsID="7dd78129e6a1811f84807ad11c651531" ns1:_="" ns2:_="" ns3:_="" ns4:_="">
     <xsd:import namespace="http://schemas.microsoft.com/sharepoint/v3"/>
@@ -23437,15 +23045,6 @@
 </ct:contentTypeSchema>
 </file>
 
-<file path=customXml/item2.xml><?xml version="1.0" encoding="utf-8"?>
-<?mso-contentType ?>
-<FormTemplates xmlns="http://schemas.microsoft.com/sharepoint/v3/contenttype/forms">
-  <Display>DocumentLibraryForm</Display>
-  <Edit>DocumentLibraryForm</Edit>
-  <New>DocumentLibraryForm</New>
-</FormTemplates>
-</file>
-
 <file path=customXml/item3.xml><?xml version="1.0" encoding="utf-8"?>
 <p:properties xmlns:p="http://schemas.microsoft.com/office/2006/metadata/properties" xmlns:xsi="http://www.w3.org/2001/XMLSchema-instance" xmlns:pc="http://schemas.microsoft.com/office/infopath/2007/PartnerControls">
   <documentManagement>
@@ -23467,6 +23066,14 @@
 </file>
 
 <file path=customXml/itemProps1.xml><?xml version="1.0" encoding="utf-8"?>
+<ds:datastoreItem xmlns:ds="http://schemas.openxmlformats.org/officeDocument/2006/customXml" ds:itemID="{F1446DA3-37A7-4516-A4F6-8B99D0D312BF}">
+  <ds:schemaRefs>
+    <ds:schemaRef ds:uri="http://schemas.microsoft.com/sharepoint/v3/contenttype/forms"/>
+  </ds:schemaRefs>
+</ds:datastoreItem>
+</file>
+
+<file path=customXml/itemProps2.xml><?xml version="1.0" encoding="utf-8"?>
 <ds:datastoreItem xmlns:ds="http://schemas.openxmlformats.org/officeDocument/2006/customXml" ds:itemID="{A6EBEE06-2B28-4E77-9CB6-A74873B39256}">
   <ds:schemaRefs>
     <ds:schemaRef ds:uri="http://schemas.microsoft.com/office/2006/metadata/contentType"/>
@@ -23487,14 +23094,6 @@
 </ds:datastoreItem>
 </file>
 
-<file path=customXml/itemProps2.xml><?xml version="1.0" encoding="utf-8"?>
-<ds:datastoreItem xmlns:ds="http://schemas.openxmlformats.org/officeDocument/2006/customXml" ds:itemID="{F1446DA3-37A7-4516-A4F6-8B99D0D312BF}">
-  <ds:schemaRefs>
-    <ds:schemaRef ds:uri="http://schemas.microsoft.com/sharepoint/v3/contenttype/forms"/>
-  </ds:schemaRefs>
-</ds:datastoreItem>
-</file>
-
 <file path=customXml/itemProps3.xml><?xml version="1.0" encoding="utf-8"?>
 <ds:datastoreItem xmlns:ds="http://schemas.openxmlformats.org/officeDocument/2006/customXml" ds:itemID="{6CC8E66C-AC30-44BA-8882-3290DF968F1F}">
   <ds:schemaRefs>

--- a/Credit Card Fraud Detection.pptx
+++ b/Credit Card Fraud Detection.pptx
@@ -5,10 +5,10 @@
     <p:sldMasterId id="2147483658" r:id="rId4"/>
   </p:sldMasterIdLst>
   <p:notesMasterIdLst>
-    <p:notesMasterId r:id="rId25"/>
+    <p:notesMasterId r:id="rId24"/>
   </p:notesMasterIdLst>
   <p:handoutMasterIdLst>
-    <p:handoutMasterId r:id="rId26"/>
+    <p:handoutMasterId r:id="rId25"/>
   </p:handoutMasterIdLst>
   <p:sldIdLst>
     <p:sldId id="350" r:id="rId5"/>
@@ -19,18 +19,17 @@
     <p:sldId id="368" r:id="rId10"/>
     <p:sldId id="402" r:id="rId11"/>
     <p:sldId id="375" r:id="rId12"/>
-    <p:sldId id="365" r:id="rId13"/>
-    <p:sldId id="373" r:id="rId14"/>
-    <p:sldId id="403" r:id="rId15"/>
-    <p:sldId id="369" r:id="rId16"/>
-    <p:sldId id="366" r:id="rId17"/>
-    <p:sldId id="384" r:id="rId18"/>
-    <p:sldId id="371" r:id="rId19"/>
-    <p:sldId id="377" r:id="rId20"/>
-    <p:sldId id="406" r:id="rId21"/>
-    <p:sldId id="404" r:id="rId22"/>
-    <p:sldId id="405" r:id="rId23"/>
-    <p:sldId id="343" r:id="rId24"/>
+    <p:sldId id="373" r:id="rId13"/>
+    <p:sldId id="403" r:id="rId14"/>
+    <p:sldId id="369" r:id="rId15"/>
+    <p:sldId id="366" r:id="rId16"/>
+    <p:sldId id="384" r:id="rId17"/>
+    <p:sldId id="371" r:id="rId18"/>
+    <p:sldId id="377" r:id="rId19"/>
+    <p:sldId id="406" r:id="rId20"/>
+    <p:sldId id="404" r:id="rId21"/>
+    <p:sldId id="405" r:id="rId22"/>
+    <p:sldId id="343" r:id="rId23"/>
   </p:sldIdLst>
   <p:sldSz cx="12192000" cy="6858000"/>
   <p:notesSz cx="6858000" cy="9144000"/>
@@ -875,7 +874,7 @@
           <a:p>
             <a:fld id="{A89C7E07-3C67-C64C-8DA0-0404F6303970}" type="slidenum">
               <a:rPr lang="en-US" smtClean="0"/>
-              <a:t>13</a:t>
+              <a:t>12</a:t>
             </a:fld>
             <a:endParaRPr lang="en-US" dirty="0"/>
           </a:p>
@@ -959,7 +958,7 @@
           <a:p>
             <a:fld id="{A89C7E07-3C67-C64C-8DA0-0404F6303970}" type="slidenum">
               <a:rPr lang="en-US" smtClean="0"/>
-              <a:t>20</a:t>
+              <a:t>19</a:t>
             </a:fld>
             <a:endParaRPr lang="en-US" dirty="0"/>
           </a:p>
@@ -13571,326 +13570,6 @@
   <p:cSld>
     <p:spTree>
       <p:nvGrpSpPr>
-        <p:cNvPr id="1" name=""/>
-        <p:cNvGrpSpPr/>
-        <p:nvPr/>
-      </p:nvGrpSpPr>
-      <p:grpSpPr>
-        <a:xfrm>
-          <a:off x="0" y="0"/>
-          <a:ext cx="0" cy="0"/>
-          <a:chOff x="0" y="0"/>
-          <a:chExt cx="0" cy="0"/>
-        </a:xfrm>
-      </p:grpSpPr>
-      <p:sp>
-        <p:nvSpPr>
-          <p:cNvPr id="2" name="Title 1">
-            <a:extLst>
-              <a:ext uri="{FF2B5EF4-FFF2-40B4-BE49-F238E27FC236}">
-                <a16:creationId xmlns:a16="http://schemas.microsoft.com/office/drawing/2014/main" id="{AF148163-B9FC-FE67-5E94-1715F5BDA699}"/>
-              </a:ext>
-            </a:extLst>
-          </p:cNvPr>
-          <p:cNvSpPr>
-            <a:spLocks noGrp="1"/>
-          </p:cNvSpPr>
-          <p:nvPr>
-            <p:ph type="title"/>
-          </p:nvPr>
-        </p:nvSpPr>
-        <p:spPr>
-          <a:xfrm>
-            <a:off x="880217" y="879063"/>
-            <a:ext cx="6537533" cy="610863"/>
-          </a:xfrm>
-        </p:spPr>
-        <p:txBody>
-          <a:bodyPr>
-            <a:normAutofit/>
-          </a:bodyPr>
-          <a:lstStyle/>
-          <a:p>
-            <a:r>
-              <a:rPr lang="en-US" dirty="0"/>
-              <a:t>Data Exploration Process</a:t>
-            </a:r>
-          </a:p>
-        </p:txBody>
-      </p:sp>
-      <p:sp>
-        <p:nvSpPr>
-          <p:cNvPr id="3" name="Text Placeholder 2">
-            <a:extLst>
-              <a:ext uri="{FF2B5EF4-FFF2-40B4-BE49-F238E27FC236}">
-                <a16:creationId xmlns:a16="http://schemas.microsoft.com/office/drawing/2014/main" id="{816D81E9-97B8-ACAB-7FE7-701AF2B9BA8F}"/>
-              </a:ext>
-            </a:extLst>
-          </p:cNvPr>
-          <p:cNvSpPr>
-            <a:spLocks noGrp="1"/>
-          </p:cNvSpPr>
-          <p:nvPr>
-            <p:ph type="body" sz="quarter" idx="10"/>
-          </p:nvPr>
-        </p:nvSpPr>
-        <p:spPr>
-          <a:xfrm>
-            <a:off x="952499" y="2560117"/>
-            <a:ext cx="9639301" cy="3139928"/>
-          </a:xfrm>
-        </p:spPr>
-        <p:txBody>
-          <a:bodyPr/>
-          <a:lstStyle/>
-          <a:p>
-            <a:pPr marL="342900" indent="-342900">
-              <a:buFont typeface="+mj-lt"/>
-              <a:buAutoNum type="arabicPeriod"/>
-            </a:pPr>
-            <a:r>
-              <a:rPr lang="en-US" dirty="0"/>
-              <a:t>The data was already anonymized</a:t>
-            </a:r>
-          </a:p>
-          <a:p>
-            <a:pPr marL="342900" indent="-342900">
-              <a:buFont typeface="+mj-lt"/>
-              <a:buAutoNum type="arabicPeriod"/>
-            </a:pPr>
-            <a:endParaRPr lang="en-US" dirty="0"/>
-          </a:p>
-          <a:p>
-            <a:pPr marL="342900" indent="-342900">
-              <a:buFont typeface="+mj-lt"/>
-              <a:buAutoNum type="arabicPeriod"/>
-            </a:pPr>
-            <a:endParaRPr lang="en-US" dirty="0"/>
-          </a:p>
-          <a:p>
-            <a:pPr marL="342900" indent="-342900">
-              <a:buFont typeface="+mj-lt"/>
-              <a:buAutoNum type="arabicPeriod"/>
-            </a:pPr>
-            <a:endParaRPr lang="en-US" dirty="0"/>
-          </a:p>
-          <a:p>
-            <a:pPr marL="342900" indent="-342900">
-              <a:buFont typeface="+mj-lt"/>
-              <a:buAutoNum type="arabicPeriod"/>
-            </a:pPr>
-            <a:endParaRPr lang="en-US" dirty="0"/>
-          </a:p>
-          <a:p>
-            <a:pPr marL="342900" indent="-342900">
-              <a:buFont typeface="+mj-lt"/>
-              <a:buAutoNum type="arabicPeriod"/>
-            </a:pPr>
-            <a:endParaRPr lang="en-US" dirty="0"/>
-          </a:p>
-          <a:p>
-            <a:pPr marL="342900" indent="-342900">
-              <a:buFont typeface="+mj-lt"/>
-              <a:buAutoNum type="arabicPeriod"/>
-            </a:pPr>
-            <a:r>
-              <a:rPr lang="en-US" dirty="0"/>
-              <a:t>The data had more valid transactions than fraud transactions</a:t>
-            </a:r>
-          </a:p>
-        </p:txBody>
-      </p:sp>
-      <p:sp>
-        <p:nvSpPr>
-          <p:cNvPr id="4" name="Text Placeholder 3">
-            <a:extLst>
-              <a:ext uri="{FF2B5EF4-FFF2-40B4-BE49-F238E27FC236}">
-                <a16:creationId xmlns:a16="http://schemas.microsoft.com/office/drawing/2014/main" id="{FE5CC6EE-8D38-4C23-E52B-7177AEED6521}"/>
-              </a:ext>
-            </a:extLst>
-          </p:cNvPr>
-          <p:cNvSpPr>
-            <a:spLocks noGrp="1"/>
-          </p:cNvSpPr>
-          <p:nvPr>
-            <p:ph type="body" sz="quarter" idx="12"/>
-          </p:nvPr>
-        </p:nvSpPr>
-        <p:spPr>
-          <a:xfrm>
-            <a:off x="952500" y="2095500"/>
-            <a:ext cx="4838700" cy="351931"/>
-          </a:xfrm>
-        </p:spPr>
-        <p:txBody>
-          <a:bodyPr/>
-          <a:lstStyle/>
-          <a:p>
-            <a:r>
-              <a:rPr lang="en-US" dirty="0"/>
-              <a:t>How did we explore the data?</a:t>
-            </a:r>
-          </a:p>
-        </p:txBody>
-      </p:sp>
-      <p:sp>
-        <p:nvSpPr>
-          <p:cNvPr id="13" name="Footer Placeholder 12">
-            <a:extLst>
-              <a:ext uri="{FF2B5EF4-FFF2-40B4-BE49-F238E27FC236}">
-                <a16:creationId xmlns:a16="http://schemas.microsoft.com/office/drawing/2014/main" id="{4E98E89E-A4FF-0291-4A3C-53D825E8A163}"/>
-              </a:ext>
-            </a:extLst>
-          </p:cNvPr>
-          <p:cNvSpPr>
-            <a:spLocks noGrp="1"/>
-          </p:cNvSpPr>
-          <p:nvPr>
-            <p:ph type="ftr" sz="quarter" idx="22"/>
-          </p:nvPr>
-        </p:nvSpPr>
-        <p:spPr>
-          <a:xfrm>
-            <a:off x="1494790" y="6332220"/>
-            <a:ext cx="1814940" cy="247651"/>
-          </a:xfrm>
-        </p:spPr>
-        <p:txBody>
-          <a:bodyPr/>
-          <a:lstStyle/>
-          <a:p>
-            <a:r>
-              <a:rPr lang="en-US" dirty="0"/>
-              <a:t>Credit Card Fraud Detection</a:t>
-            </a:r>
-          </a:p>
-          <a:p>
-            <a:endParaRPr lang="en-US" dirty="0"/>
-          </a:p>
-        </p:txBody>
-      </p:sp>
-      <p:sp>
-        <p:nvSpPr>
-          <p:cNvPr id="14" name="Slide Number Placeholder 13">
-            <a:extLst>
-              <a:ext uri="{FF2B5EF4-FFF2-40B4-BE49-F238E27FC236}">
-                <a16:creationId xmlns:a16="http://schemas.microsoft.com/office/drawing/2014/main" id="{1F14803E-D60F-33E7-3048-9D7042F9433B}"/>
-              </a:ext>
-            </a:extLst>
-          </p:cNvPr>
-          <p:cNvSpPr>
-            <a:spLocks noGrp="1"/>
-          </p:cNvSpPr>
-          <p:nvPr>
-            <p:ph type="sldNum" sz="quarter" idx="23"/>
-          </p:nvPr>
-        </p:nvSpPr>
-        <p:spPr/>
-        <p:txBody>
-          <a:bodyPr/>
-          <a:lstStyle/>
-          <a:p>
-            <a:fld id="{294A09A9-5501-47C1-A89A-A340965A2BE2}" type="slidenum">
-              <a:rPr lang="en-US" smtClean="0"/>
-              <a:pPr/>
-              <a:t>10</a:t>
-            </a:fld>
-            <a:endParaRPr lang="en-US" dirty="0">
-              <a:latin typeface="+mn-lt"/>
-            </a:endParaRPr>
-          </a:p>
-        </p:txBody>
-      </p:sp>
-      <p:pic>
-        <p:nvPicPr>
-          <p:cNvPr id="8" name="Picture 7">
-            <a:extLst>
-              <a:ext uri="{FF2B5EF4-FFF2-40B4-BE49-F238E27FC236}">
-                <a16:creationId xmlns:a16="http://schemas.microsoft.com/office/drawing/2014/main" id="{DC5207F9-64D0-D62C-44A5-D931BBA098A3}"/>
-              </a:ext>
-            </a:extLst>
-          </p:cNvPr>
-          <p:cNvPicPr>
-            <a:picLocks noChangeAspect="1"/>
-          </p:cNvPicPr>
-          <p:nvPr/>
-        </p:nvPicPr>
-        <p:blipFill>
-          <a:blip r:embed="rId2"/>
-          <a:stretch>
-            <a:fillRect/>
-          </a:stretch>
-        </p:blipFill>
-        <p:spPr>
-          <a:xfrm>
-            <a:off x="1424759" y="4986847"/>
-            <a:ext cx="3769942" cy="992090"/>
-          </a:xfrm>
-          <a:prstGeom prst="rect">
-            <a:avLst/>
-          </a:prstGeom>
-        </p:spPr>
-      </p:pic>
-      <p:pic>
-        <p:nvPicPr>
-          <p:cNvPr id="9" name="Picture 8">
-            <a:extLst>
-              <a:ext uri="{FF2B5EF4-FFF2-40B4-BE49-F238E27FC236}">
-                <a16:creationId xmlns:a16="http://schemas.microsoft.com/office/drawing/2014/main" id="{180BCE65-0465-F7C3-B91D-A8AF77A033C0}"/>
-              </a:ext>
-            </a:extLst>
-          </p:cNvPr>
-          <p:cNvPicPr>
-            <a:picLocks noChangeAspect="1"/>
-          </p:cNvPicPr>
-          <p:nvPr/>
-        </p:nvPicPr>
-        <p:blipFill>
-          <a:blip r:embed="rId3"/>
-          <a:stretch>
-            <a:fillRect/>
-          </a:stretch>
-        </p:blipFill>
-        <p:spPr>
-          <a:xfrm>
-            <a:off x="1418602" y="2845594"/>
-            <a:ext cx="7449084" cy="1284487"/>
-          </a:xfrm>
-          <a:prstGeom prst="rect">
-            <a:avLst/>
-          </a:prstGeom>
-        </p:spPr>
-      </p:pic>
-    </p:spTree>
-    <p:extLst>
-      <p:ext uri="{BB962C8B-B14F-4D97-AF65-F5344CB8AC3E}">
-        <p14:creationId xmlns:p14="http://schemas.microsoft.com/office/powerpoint/2010/main" val="3228222753"/>
-      </p:ext>
-    </p:extLst>
-  </p:cSld>
-  <p:clrMapOvr>
-    <a:masterClrMapping/>
-  </p:clrMapOvr>
-  <mc:AlternateContent xmlns:mc="http://schemas.openxmlformats.org/markup-compatibility/2006" xmlns:p14="http://schemas.microsoft.com/office/powerpoint/2010/main">
-    <mc:Choice Requires="p14">
-      <p:transition spd="slow" p14:dur="2000">
-        <p:fade/>
-      </p:transition>
-    </mc:Choice>
-    <mc:Fallback xmlns="">
-      <p:transition spd="slow">
-        <p:fade/>
-      </p:transition>
-    </mc:Fallback>
-  </mc:AlternateContent>
-</p:sld>
-</file>
-
-<file path=ppt/slides/slide11.xml><?xml version="1.0" encoding="utf-8"?>
-<p:sld xmlns:a="http://schemas.openxmlformats.org/drawingml/2006/main" xmlns:r="http://schemas.openxmlformats.org/officeDocument/2006/relationships" xmlns:p="http://schemas.openxmlformats.org/presentationml/2006/main">
-  <p:cSld>
-    <p:spTree>
-      <p:nvGrpSpPr>
         <p:cNvPr id="1" name="">
           <a:extLst>
             <a:ext uri="{FF2B5EF4-FFF2-40B4-BE49-F238E27FC236}">
@@ -13933,21 +13612,13 @@
         </p:spPr>
         <p:txBody>
           <a:bodyPr>
-            <a:normAutofit fontScale="90000"/>
+            <a:normAutofit/>
           </a:bodyPr>
           <a:lstStyle/>
           <a:p>
             <a:r>
-              <a:rPr lang="en-US" dirty="0"/>
-              <a:t>Data Exploration Process (</a:t>
-            </a:r>
-            <a:r>
-              <a:rPr lang="en-US" dirty="0" err="1"/>
-              <a:t>contnd</a:t>
-            </a:r>
-            <a:r>
-              <a:rPr lang="en-US" dirty="0"/>
-              <a:t>)</a:t>
+              <a:rPr lang="en-US" sz="3600" dirty="0"/>
+              <a:t>Data Exploration Process (continued)</a:t>
             </a:r>
           </a:p>
         </p:txBody>
@@ -14105,7 +13776,7 @@
             <a:fld id="{294A09A9-5501-47C1-A89A-A340965A2BE2}" type="slidenum">
               <a:rPr lang="en-US" smtClean="0"/>
               <a:pPr/>
-              <a:t>11</a:t>
+              <a:t>10</a:t>
             </a:fld>
             <a:endParaRPr lang="en-US" dirty="0">
               <a:latin typeface="+mn-lt"/>
@@ -14168,7 +13839,7 @@
 </p:sld>
 </file>
 
-<file path=ppt/slides/slide12.xml><?xml version="1.0" encoding="utf-8"?>
+<file path=ppt/slides/slide11.xml><?xml version="1.0" encoding="utf-8"?>
 <p:sld xmlns:a="http://schemas.openxmlformats.org/drawingml/2006/main" xmlns:r="http://schemas.openxmlformats.org/officeDocument/2006/relationships" xmlns:p="http://schemas.openxmlformats.org/presentationml/2006/main">
   <p:cSld>
     <p:spTree>
@@ -14264,7 +13935,7 @@
             </a:pPr>
             <a:r>
               <a:rPr lang="en-US" dirty="0"/>
-              <a:t>We scaled the data </a:t>
+              <a:t>We scaled the x data using </a:t>
             </a:r>
             <a:r>
               <a:rPr lang="en-US" dirty="0" err="1"/>
@@ -14278,8 +13949,20 @@
             </a:pPr>
             <a:r>
               <a:rPr lang="en-US" dirty="0"/>
-              <a:t>Used oversampled data on the training data</a:t>
-            </a:r>
+              <a:t>We oversampled the training data</a:t>
+            </a:r>
+          </a:p>
+          <a:p>
+            <a:pPr marL="342900" indent="-342900">
+              <a:buAutoNum type="arabicParenR"/>
+            </a:pPr>
+            <a:r>
+              <a:rPr lang="en-US" dirty="0"/>
+              <a:t>We undersampled the testing data</a:t>
+            </a:r>
+          </a:p>
+          <a:p>
+            <a:endParaRPr lang="en-US" dirty="0"/>
           </a:p>
           <a:p>
             <a:pPr marL="342900" indent="-342900">
@@ -14391,7 +14074,7 @@
             <a:fld id="{294A09A9-5501-47C1-A89A-A340965A2BE2}" type="slidenum">
               <a:rPr lang="en-US" smtClean="0"/>
               <a:pPr/>
-              <a:t>12</a:t>
+              <a:t>11</a:t>
             </a:fld>
             <a:endParaRPr lang="en-US" dirty="0">
               <a:latin typeface="+mn-lt"/>
@@ -14424,7 +14107,7 @@
 </p:sld>
 </file>
 
-<file path=ppt/slides/slide13.xml><?xml version="1.0" encoding="utf-8"?>
+<file path=ppt/slides/slide12.xml><?xml version="1.0" encoding="utf-8"?>
 <p:sld xmlns:a="http://schemas.openxmlformats.org/drawingml/2006/main" xmlns:r="http://schemas.openxmlformats.org/officeDocument/2006/relationships" xmlns:p="http://schemas.openxmlformats.org/presentationml/2006/main">
   <p:cSld>
     <p:bg>
@@ -14606,7 +14289,7 @@
 </p:sld>
 </file>
 
-<file path=ppt/slides/slide14.xml><?xml version="1.0" encoding="utf-8"?>
+<file path=ppt/slides/slide13.xml><?xml version="1.0" encoding="utf-8"?>
 <p:sld xmlns:a="http://schemas.openxmlformats.org/drawingml/2006/main" xmlns:r="http://schemas.openxmlformats.org/officeDocument/2006/relationships" xmlns:p="http://schemas.openxmlformats.org/presentationml/2006/main">
   <p:cSld>
     <p:spTree>
@@ -14715,7 +14398,7 @@
             <a:fld id="{294A09A9-5501-47C1-A89A-A340965A2BE2}" type="slidenum">
               <a:rPr lang="en-US" smtClean="0"/>
               <a:pPr/>
-              <a:t>14</a:t>
+              <a:t>13</a:t>
             </a:fld>
             <a:endParaRPr lang="en-US" dirty="0">
               <a:latin typeface="+mn-lt"/>
@@ -14738,7 +14421,7 @@
           <p:nvPr>
             <p:extLst>
               <p:ext uri="{D42A27DB-BD31-4B8C-83A1-F6EECF244321}">
-                <p14:modId xmlns:p14="http://schemas.microsoft.com/office/powerpoint/2010/main" val="787753645"/>
+                <p14:modId xmlns:p14="http://schemas.microsoft.com/office/powerpoint/2010/main" val="67868518"/>
               </p:ext>
             </p:extLst>
           </p:nvPr>
@@ -15113,6 +14796,18 @@
                     <a:bodyPr/>
                     <a:lstStyle/>
                     <a:p>
+                      <a:r>
+                        <a:rPr lang="en-US" sz="1400" b="0" i="0" kern="1200" dirty="0">
+                          <a:solidFill>
+                            <a:schemeClr val="dk1"/>
+                          </a:solidFill>
+                          <a:effectLst/>
+                          <a:latin typeface="+mn-lt"/>
+                          <a:ea typeface="+mn-ea"/>
+                          <a:cs typeface="+mn-cs"/>
+                        </a:rPr>
+                        <a:t>0.99954</a:t>
+                      </a:r>
                       <a:endParaRPr lang="en-US" sz="1400" dirty="0"/>
                     </a:p>
                   </a:txBody>
@@ -15123,7 +14818,19 @@
                     <a:bodyPr/>
                     <a:lstStyle/>
                     <a:p>
-                      <a:endParaRPr lang="en-US" sz="1400"/>
+                      <a:r>
+                        <a:rPr lang="en-US" sz="1400" b="0" i="0" kern="1200" dirty="0">
+                          <a:solidFill>
+                            <a:schemeClr val="dk1"/>
+                          </a:solidFill>
+                          <a:effectLst/>
+                          <a:latin typeface="+mn-lt"/>
+                          <a:ea typeface="+mn-ea"/>
+                          <a:cs typeface="+mn-cs"/>
+                        </a:rPr>
+                        <a:t>0.92857</a:t>
+                      </a:r>
+                      <a:endParaRPr lang="en-US" sz="1400" dirty="0"/>
                     </a:p>
                   </a:txBody>
                   <a:tcPr/>
@@ -15133,7 +14840,10 @@
                     <a:bodyPr/>
                     <a:lstStyle/>
                     <a:p>
-                      <a:endParaRPr lang="en-US" sz="1400"/>
+                      <a:r>
+                        <a:rPr lang="en-US" sz="1400" dirty="0"/>
+                        <a:t>0.86</a:t>
+                      </a:r>
                     </a:p>
                   </a:txBody>
                   <a:tcPr/>
@@ -15143,7 +14853,10 @@
                     <a:bodyPr/>
                     <a:lstStyle/>
                     <a:p>
-                      <a:endParaRPr lang="en-US" sz="1400"/>
+                      <a:r>
+                        <a:rPr lang="en-US" sz="1400" dirty="0"/>
+                        <a:t>0.93</a:t>
+                      </a:r>
                     </a:p>
                   </a:txBody>
                   <a:tcPr/>
@@ -15153,7 +14866,10 @@
                     <a:bodyPr/>
                     <a:lstStyle/>
                     <a:p>
-                      <a:endParaRPr lang="en-US" sz="1400"/>
+                      <a:r>
+                        <a:rPr lang="en-US" sz="1400" dirty="0"/>
+                        <a:t>0.93</a:t>
+                      </a:r>
                     </a:p>
                   </a:txBody>
                   <a:tcPr/>
@@ -15354,8 +15070,52 @@
                     <a:lstStyle/>
                     <a:p>
                       <a:r>
+                        <a:rPr lang="en-US" sz="1400" b="0" i="0" kern="1200" dirty="0">
+                          <a:solidFill>
+                            <a:schemeClr val="dk1"/>
+                          </a:solidFill>
+                          <a:effectLst/>
+                          <a:latin typeface="+mn-lt"/>
+                          <a:ea typeface="+mn-ea"/>
+                          <a:cs typeface="+mn-cs"/>
+                        </a:rPr>
+                        <a:t>0.97383</a:t>
+                      </a:r>
+                      <a:endParaRPr lang="en-US" sz="1400" dirty="0"/>
+                    </a:p>
+                  </a:txBody>
+                  <a:tcPr/>
+                </a:tc>
+                <a:tc>
+                  <a:txBody>
+                    <a:bodyPr/>
+                    <a:lstStyle/>
+                    <a:p>
+                      <a:r>
+                        <a:rPr lang="en-US" sz="1400" b="0" i="0" kern="1200" dirty="0">
+                          <a:solidFill>
+                            <a:schemeClr val="dk1"/>
+                          </a:solidFill>
+                          <a:effectLst/>
+                          <a:latin typeface="+mn-lt"/>
+                          <a:ea typeface="+mn-ea"/>
+                          <a:cs typeface="+mn-cs"/>
+                        </a:rPr>
+                        <a:t>0.95408</a:t>
+                      </a:r>
+                      <a:endParaRPr lang="en-US" sz="1400" dirty="0"/>
+                    </a:p>
+                  </a:txBody>
+                  <a:tcPr/>
+                </a:tc>
+                <a:tc>
+                  <a:txBody>
+                    <a:bodyPr/>
+                    <a:lstStyle/>
+                    <a:p>
+                      <a:r>
                         <a:rPr lang="en-US" sz="1400" dirty="0"/>
-                        <a:t>0.9993</a:t>
+                        <a:t>0.92</a:t>
                       </a:r>
                     </a:p>
                   </a:txBody>
@@ -15368,7 +15128,7 @@
                     <a:p>
                       <a:r>
                         <a:rPr lang="en-US" sz="1400" dirty="0"/>
-                        <a:t>0.9993</a:t>
+                        <a:t>0.96</a:t>
                       </a:r>
                     </a:p>
                   </a:txBody>
@@ -15381,33 +15141,7 @@
                     <a:p>
                       <a:r>
                         <a:rPr lang="en-US" sz="1400" dirty="0"/>
-                        <a:t>0.93</a:t>
-                      </a:r>
-                    </a:p>
-                  </a:txBody>
-                  <a:tcPr/>
-                </a:tc>
-                <a:tc>
-                  <a:txBody>
-                    <a:bodyPr/>
-                    <a:lstStyle/>
-                    <a:p>
-                      <a:r>
-                        <a:rPr lang="en-US" sz="1400" dirty="0"/>
-                        <a:t>0.98</a:t>
-                      </a:r>
-                    </a:p>
-                  </a:txBody>
-                  <a:tcPr/>
-                </a:tc>
-                <a:tc>
-                  <a:txBody>
-                    <a:bodyPr/>
-                    <a:lstStyle/>
-                    <a:p>
-                      <a:r>
-                        <a:rPr lang="en-US" sz="1400" dirty="0"/>
-                        <a:t>0.52</a:t>
+                        <a:t>0.95</a:t>
                       </a:r>
                     </a:p>
                   </a:txBody>
@@ -15542,7 +15276,7 @@
                           <a:ea typeface="+mn-ea"/>
                           <a:cs typeface="+mn-cs"/>
                         </a:rPr>
-                        <a:t>0.9992</a:t>
+                        <a:t>0.99524</a:t>
                       </a:r>
                       <a:endParaRPr lang="en-US" sz="1400" dirty="0"/>
                     </a:p>
@@ -15564,7 +15298,7 @@
                           <a:ea typeface="+mn-ea"/>
                           <a:cs typeface="+mn-cs"/>
                         </a:rPr>
-                        <a:t>0.9989</a:t>
+                        <a:t>0.95408</a:t>
                       </a:r>
                       <a:endParaRPr lang="en-US" sz="1400" dirty="0"/>
                     </a:p>
@@ -15578,7 +15312,7 @@
                     <a:p>
                       <a:r>
                         <a:rPr lang="en-US" sz="1400" dirty="0"/>
-                        <a:t>0.93</a:t>
+                        <a:t>0.92</a:t>
                       </a:r>
                     </a:p>
                   </a:txBody>
@@ -15591,7 +15325,7 @@
                     <a:p>
                       <a:r>
                         <a:rPr lang="en-US" sz="1400" dirty="0"/>
-                        <a:t>0.98</a:t>
+                        <a:t>0.96</a:t>
                       </a:r>
                     </a:p>
                   </a:txBody>
@@ -15604,7 +15338,7 @@
                     <a:p>
                       <a:r>
                         <a:rPr lang="en-US" sz="1400" dirty="0"/>
-                        <a:t>0.52</a:t>
+                        <a:t>0.95</a:t>
                       </a:r>
                     </a:p>
                   </a:txBody>
@@ -15624,6 +15358,454 @@
     <p:extLst>
       <p:ext uri="{BB962C8B-B14F-4D97-AF65-F5344CB8AC3E}">
         <p14:creationId xmlns:p14="http://schemas.microsoft.com/office/powerpoint/2010/main" val="638482939"/>
+      </p:ext>
+    </p:extLst>
+  </p:cSld>
+  <p:clrMapOvr>
+    <a:masterClrMapping/>
+  </p:clrMapOvr>
+  <mc:AlternateContent xmlns:mc="http://schemas.openxmlformats.org/markup-compatibility/2006" xmlns:p14="http://schemas.microsoft.com/office/powerpoint/2010/main">
+    <mc:Choice Requires="p14">
+      <p:transition spd="slow" p14:dur="2000">
+        <p:fade/>
+      </p:transition>
+    </mc:Choice>
+    <mc:Fallback xmlns="">
+      <p:transition spd="slow">
+        <p:fade/>
+      </p:transition>
+    </mc:Fallback>
+  </mc:AlternateContent>
+</p:sld>
+</file>
+
+<file path=ppt/slides/slide14.xml><?xml version="1.0" encoding="utf-8"?>
+<p:sld xmlns:a="http://schemas.openxmlformats.org/drawingml/2006/main" xmlns:r="http://schemas.openxmlformats.org/officeDocument/2006/relationships" xmlns:p="http://schemas.openxmlformats.org/presentationml/2006/main">
+  <p:cSld>
+    <p:spTree>
+      <p:nvGrpSpPr>
+        <p:cNvPr id="1" name=""/>
+        <p:cNvGrpSpPr/>
+        <p:nvPr/>
+      </p:nvGrpSpPr>
+      <p:grpSpPr>
+        <a:xfrm>
+          <a:off x="0" y="0"/>
+          <a:ext cx="0" cy="0"/>
+          <a:chOff x="0" y="0"/>
+          <a:chExt cx="0" cy="0"/>
+        </a:xfrm>
+      </p:grpSpPr>
+      <p:sp>
+        <p:nvSpPr>
+          <p:cNvPr id="2" name="Title 1">
+            <a:extLst>
+              <a:ext uri="{FF2B5EF4-FFF2-40B4-BE49-F238E27FC236}">
+                <a16:creationId xmlns:a16="http://schemas.microsoft.com/office/drawing/2014/main" id="{20FCF42A-64D1-F0E5-F032-521820A44CB3}"/>
+              </a:ext>
+            </a:extLst>
+          </p:cNvPr>
+          <p:cNvSpPr>
+            <a:spLocks noGrp="1"/>
+          </p:cNvSpPr>
+          <p:nvPr>
+            <p:ph type="title"/>
+          </p:nvPr>
+        </p:nvSpPr>
+        <p:spPr>
+          <a:xfrm>
+            <a:off x="964023" y="879063"/>
+            <a:ext cx="7789452" cy="610863"/>
+          </a:xfrm>
+        </p:spPr>
+        <p:txBody>
+          <a:bodyPr>
+            <a:normAutofit/>
+          </a:bodyPr>
+          <a:lstStyle/>
+          <a:p>
+            <a:r>
+              <a:rPr lang="en-US" dirty="0"/>
+              <a:t>Top Performing Models</a:t>
+            </a:r>
+          </a:p>
+        </p:txBody>
+      </p:sp>
+      <p:sp>
+        <p:nvSpPr>
+          <p:cNvPr id="13" name="Footer Placeholder 12">
+            <a:extLst>
+              <a:ext uri="{FF2B5EF4-FFF2-40B4-BE49-F238E27FC236}">
+                <a16:creationId xmlns:a16="http://schemas.microsoft.com/office/drawing/2014/main" id="{4BA780B4-2C9A-E2FB-3BD7-4FBB677DE26A}"/>
+              </a:ext>
+            </a:extLst>
+          </p:cNvPr>
+          <p:cNvSpPr>
+            <a:spLocks noGrp="1"/>
+          </p:cNvSpPr>
+          <p:nvPr>
+            <p:ph type="ftr" sz="quarter" idx="22"/>
+          </p:nvPr>
+        </p:nvSpPr>
+        <p:spPr>
+          <a:xfrm>
+            <a:off x="1494790" y="6332220"/>
+            <a:ext cx="1724660" cy="247651"/>
+          </a:xfrm>
+        </p:spPr>
+        <p:txBody>
+          <a:bodyPr/>
+          <a:lstStyle/>
+          <a:p>
+            <a:r>
+              <a:rPr lang="en-US" dirty="0"/>
+              <a:t>Credit Card Fraud Detection</a:t>
+            </a:r>
+          </a:p>
+        </p:txBody>
+      </p:sp>
+      <p:sp>
+        <p:nvSpPr>
+          <p:cNvPr id="14" name="Slide Number Placeholder 13">
+            <a:extLst>
+              <a:ext uri="{FF2B5EF4-FFF2-40B4-BE49-F238E27FC236}">
+                <a16:creationId xmlns:a16="http://schemas.microsoft.com/office/drawing/2014/main" id="{3EB5C040-B4AC-7F50-571C-874D810FA327}"/>
+              </a:ext>
+            </a:extLst>
+          </p:cNvPr>
+          <p:cNvSpPr>
+            <a:spLocks noGrp="1"/>
+          </p:cNvSpPr>
+          <p:nvPr>
+            <p:ph type="sldNum" sz="quarter" idx="23"/>
+          </p:nvPr>
+        </p:nvSpPr>
+        <p:spPr/>
+        <p:txBody>
+          <a:bodyPr/>
+          <a:lstStyle/>
+          <a:p>
+            <a:fld id="{294A09A9-5501-47C1-A89A-A340965A2BE2}" type="slidenum">
+              <a:rPr lang="en-US" smtClean="0"/>
+              <a:pPr/>
+              <a:t>14</a:t>
+            </a:fld>
+            <a:endParaRPr lang="en-US" dirty="0">
+              <a:latin typeface="+mn-lt"/>
+            </a:endParaRPr>
+          </a:p>
+        </p:txBody>
+      </p:sp>
+      <p:sp>
+        <p:nvSpPr>
+          <p:cNvPr id="16" name="Content Placeholder 7">
+            <a:extLst>
+              <a:ext uri="{FF2B5EF4-FFF2-40B4-BE49-F238E27FC236}">
+                <a16:creationId xmlns:a16="http://schemas.microsoft.com/office/drawing/2014/main" id="{EC1F556C-FF79-2071-B2D9-7F20F25FDAE4}"/>
+              </a:ext>
+            </a:extLst>
+          </p:cNvPr>
+          <p:cNvSpPr txBox="1">
+            <a:spLocks/>
+          </p:cNvSpPr>
+          <p:nvPr/>
+        </p:nvSpPr>
+        <p:spPr>
+          <a:xfrm>
+            <a:off x="971550" y="2298820"/>
+            <a:ext cx="10251945" cy="2760290"/>
+          </a:xfrm>
+          <a:prstGeom prst="rect">
+            <a:avLst/>
+          </a:prstGeom>
+        </p:spPr>
+        <p:txBody>
+          <a:bodyPr vert="horz" lIns="0" tIns="0" rIns="0" bIns="0" rtlCol="0" anchor="t" anchorCtr="0">
+            <a:normAutofit fontScale="92500" lnSpcReduction="20000"/>
+          </a:bodyPr>
+          <a:lstStyle>
+            <a:lvl1pPr marL="285750" indent="-285750" algn="l" defTabSz="914400" rtl="0" eaLnBrk="1" latinLnBrk="0" hangingPunct="1">
+              <a:lnSpc>
+                <a:spcPct val="100000"/>
+              </a:lnSpc>
+              <a:spcBef>
+                <a:spcPts val="1000"/>
+              </a:spcBef>
+              <a:buFont typeface="Wingdings" pitchFamily="2" charset="2"/>
+              <a:buChar char="§"/>
+              <a:defRPr sz="1600" b="0" i="0" kern="1200">
+                <a:solidFill>
+                  <a:schemeClr val="bg1"/>
+                </a:solidFill>
+                <a:latin typeface="+mn-lt"/>
+                <a:ea typeface="+mn-ea"/>
+                <a:cs typeface="+mn-cs"/>
+              </a:defRPr>
+            </a:lvl1pPr>
+            <a:lvl2pPr marL="685800" indent="-228600" algn="l" defTabSz="914400" rtl="0" eaLnBrk="1" latinLnBrk="0" hangingPunct="1">
+              <a:lnSpc>
+                <a:spcPct val="90000"/>
+              </a:lnSpc>
+              <a:spcBef>
+                <a:spcPts val="500"/>
+              </a:spcBef>
+              <a:buFont typeface="Arial" panose="020B0604020202020204" pitchFamily="34" charset="0"/>
+              <a:buChar char="•"/>
+              <a:defRPr sz="1600" b="0" i="0" kern="1200">
+                <a:solidFill>
+                  <a:schemeClr val="bg1"/>
+                </a:solidFill>
+                <a:latin typeface="+mn-lt"/>
+                <a:ea typeface="+mn-ea"/>
+                <a:cs typeface="+mn-cs"/>
+              </a:defRPr>
+            </a:lvl2pPr>
+            <a:lvl3pPr marL="1143000" indent="-228600" algn="l" defTabSz="914400" rtl="0" eaLnBrk="1" latinLnBrk="0" hangingPunct="1">
+              <a:lnSpc>
+                <a:spcPct val="90000"/>
+              </a:lnSpc>
+              <a:spcBef>
+                <a:spcPts val="500"/>
+              </a:spcBef>
+              <a:buFont typeface="Arial" panose="020B0604020202020204" pitchFamily="34" charset="0"/>
+              <a:buChar char="•"/>
+              <a:defRPr sz="1600" b="0" i="0" kern="1200">
+                <a:solidFill>
+                  <a:schemeClr val="bg1"/>
+                </a:solidFill>
+                <a:latin typeface="+mn-lt"/>
+                <a:ea typeface="+mn-ea"/>
+                <a:cs typeface="+mn-cs"/>
+              </a:defRPr>
+            </a:lvl3pPr>
+            <a:lvl4pPr marL="1600200" indent="-228600" algn="l" defTabSz="914400" rtl="0" eaLnBrk="1" latinLnBrk="0" hangingPunct="1">
+              <a:lnSpc>
+                <a:spcPct val="90000"/>
+              </a:lnSpc>
+              <a:spcBef>
+                <a:spcPts val="500"/>
+              </a:spcBef>
+              <a:buFont typeface="Arial" panose="020B0604020202020204" pitchFamily="34" charset="0"/>
+              <a:buChar char="•"/>
+              <a:defRPr sz="1600" b="0" i="0" kern="1200">
+                <a:solidFill>
+                  <a:schemeClr val="bg1"/>
+                </a:solidFill>
+                <a:latin typeface="+mn-lt"/>
+                <a:ea typeface="+mn-ea"/>
+                <a:cs typeface="+mn-cs"/>
+              </a:defRPr>
+            </a:lvl4pPr>
+            <a:lvl5pPr marL="2057400" indent="-228600" algn="l" defTabSz="914400" rtl="0" eaLnBrk="1" latinLnBrk="0" hangingPunct="1">
+              <a:lnSpc>
+                <a:spcPct val="90000"/>
+              </a:lnSpc>
+              <a:spcBef>
+                <a:spcPts val="500"/>
+              </a:spcBef>
+              <a:buFont typeface="Arial" panose="020B0604020202020204" pitchFamily="34" charset="0"/>
+              <a:buChar char="•"/>
+              <a:defRPr sz="1600" b="0" i="0" kern="1200">
+                <a:solidFill>
+                  <a:schemeClr val="bg1"/>
+                </a:solidFill>
+                <a:latin typeface="+mn-lt"/>
+                <a:ea typeface="+mn-ea"/>
+                <a:cs typeface="+mn-cs"/>
+              </a:defRPr>
+            </a:lvl5pPr>
+            <a:lvl6pPr marL="2514600" indent="-228600" algn="l" defTabSz="914400" rtl="0" eaLnBrk="1" latinLnBrk="0" hangingPunct="1">
+              <a:lnSpc>
+                <a:spcPct val="90000"/>
+              </a:lnSpc>
+              <a:spcBef>
+                <a:spcPts val="500"/>
+              </a:spcBef>
+              <a:buFont typeface="Arial" panose="020B0604020202020204" pitchFamily="34" charset="0"/>
+              <a:buChar char="•"/>
+              <a:defRPr sz="1800" kern="1200">
+                <a:solidFill>
+                  <a:schemeClr val="tx1"/>
+                </a:solidFill>
+                <a:latin typeface="+mn-lt"/>
+                <a:ea typeface="+mn-ea"/>
+                <a:cs typeface="+mn-cs"/>
+              </a:defRPr>
+            </a:lvl6pPr>
+            <a:lvl7pPr marL="2971800" indent="-228600" algn="l" defTabSz="914400" rtl="0" eaLnBrk="1" latinLnBrk="0" hangingPunct="1">
+              <a:lnSpc>
+                <a:spcPct val="90000"/>
+              </a:lnSpc>
+              <a:spcBef>
+                <a:spcPts val="500"/>
+              </a:spcBef>
+              <a:buFont typeface="Arial" panose="020B0604020202020204" pitchFamily="34" charset="0"/>
+              <a:buChar char="•"/>
+              <a:defRPr sz="1800" kern="1200">
+                <a:solidFill>
+                  <a:schemeClr val="tx1"/>
+                </a:solidFill>
+                <a:latin typeface="+mn-lt"/>
+                <a:ea typeface="+mn-ea"/>
+                <a:cs typeface="+mn-cs"/>
+              </a:defRPr>
+            </a:lvl7pPr>
+            <a:lvl8pPr marL="3429000" indent="-228600" algn="l" defTabSz="914400" rtl="0" eaLnBrk="1" latinLnBrk="0" hangingPunct="1">
+              <a:lnSpc>
+                <a:spcPct val="90000"/>
+              </a:lnSpc>
+              <a:spcBef>
+                <a:spcPts val="500"/>
+              </a:spcBef>
+              <a:buFont typeface="Arial" panose="020B0604020202020204" pitchFamily="34" charset="0"/>
+              <a:buChar char="•"/>
+              <a:defRPr sz="1800" kern="1200">
+                <a:solidFill>
+                  <a:schemeClr val="tx1"/>
+                </a:solidFill>
+                <a:latin typeface="+mn-lt"/>
+                <a:ea typeface="+mn-ea"/>
+                <a:cs typeface="+mn-cs"/>
+              </a:defRPr>
+            </a:lvl8pPr>
+            <a:lvl9pPr marL="3886200" indent="-228600" algn="l" defTabSz="914400" rtl="0" eaLnBrk="1" latinLnBrk="0" hangingPunct="1">
+              <a:lnSpc>
+                <a:spcPct val="90000"/>
+              </a:lnSpc>
+              <a:spcBef>
+                <a:spcPts val="500"/>
+              </a:spcBef>
+              <a:buFont typeface="Arial" panose="020B0604020202020204" pitchFamily="34" charset="0"/>
+              <a:buChar char="•"/>
+              <a:defRPr sz="1800" kern="1200">
+                <a:solidFill>
+                  <a:schemeClr val="tx1"/>
+                </a:solidFill>
+                <a:latin typeface="+mn-lt"/>
+                <a:ea typeface="+mn-ea"/>
+                <a:cs typeface="+mn-cs"/>
+              </a:defRPr>
+            </a:lvl9pPr>
+          </a:lstStyle>
+          <a:p>
+            <a:pPr marL="0" indent="0">
+              <a:buNone/>
+            </a:pPr>
+            <a:r>
+              <a:rPr lang="en-US" dirty="0"/>
+              <a:t>Based on our analysis, we determined that the top 3 models are</a:t>
+            </a:r>
+          </a:p>
+          <a:p>
+            <a:pPr marL="342900" indent="-342900">
+              <a:buFont typeface="Wingdings" pitchFamily="2" charset="2"/>
+              <a:buAutoNum type="arabicPeriod"/>
+            </a:pPr>
+            <a:r>
+              <a:rPr lang="en-US" dirty="0"/>
+              <a:t>Support Vector Classifier</a:t>
+            </a:r>
+          </a:p>
+          <a:p>
+            <a:pPr marL="342900" indent="-342900">
+              <a:buFont typeface="Wingdings" pitchFamily="2" charset="2"/>
+              <a:buAutoNum type="arabicPeriod"/>
+            </a:pPr>
+            <a:r>
+              <a:rPr lang="en-US" dirty="0"/>
+              <a:t>ADA Boost Classifier</a:t>
+            </a:r>
+          </a:p>
+          <a:p>
+            <a:pPr marL="342900" indent="-342900">
+              <a:buFont typeface="Wingdings" pitchFamily="2" charset="2"/>
+              <a:buAutoNum type="arabicPeriod"/>
+            </a:pPr>
+            <a:r>
+              <a:rPr lang="en-US" dirty="0"/>
+              <a:t>Gradient Boosting Classifier</a:t>
+            </a:r>
+          </a:p>
+          <a:p>
+            <a:pPr marL="342900" indent="-342900">
+              <a:buFont typeface="Wingdings" pitchFamily="2" charset="2"/>
+              <a:buAutoNum type="arabicPeriod"/>
+            </a:pPr>
+            <a:endParaRPr lang="en-US" dirty="0"/>
+          </a:p>
+          <a:p>
+            <a:pPr marL="0" indent="0">
+              <a:buNone/>
+            </a:pPr>
+            <a:r>
+              <a:rPr lang="en-US" dirty="0"/>
+              <a:t>The primary determining factors were</a:t>
+            </a:r>
+          </a:p>
+          <a:p>
+            <a:pPr marL="342900" indent="-342900">
+              <a:buAutoNum type="arabicParenR"/>
+            </a:pPr>
+            <a:r>
+              <a:rPr lang="en-US" dirty="0"/>
+              <a:t>High Recall i.e. the ability for the model to detect fraud</a:t>
+            </a:r>
+          </a:p>
+          <a:p>
+            <a:pPr marL="342900" indent="-342900">
+              <a:buAutoNum type="arabicParenR"/>
+            </a:pPr>
+            <a:r>
+              <a:rPr lang="en-US" dirty="0"/>
+              <a:t>There was a low difference between training and test data scores.</a:t>
+            </a:r>
+          </a:p>
+          <a:p>
+            <a:pPr marL="342900" indent="-342900">
+              <a:buAutoNum type="arabicParenR"/>
+            </a:pPr>
+            <a:r>
+              <a:rPr lang="en-US" dirty="0"/>
+              <a:t>The High F1 scores show that there balance between fraud detection and reducing false positives</a:t>
+            </a:r>
+          </a:p>
+          <a:p>
+            <a:pPr marL="0" indent="0">
+              <a:buNone/>
+            </a:pPr>
+            <a:endParaRPr lang="en-US" dirty="0"/>
+          </a:p>
+          <a:p>
+            <a:pPr marL="342900" indent="-342900">
+              <a:buAutoNum type="arabicParenR"/>
+            </a:pPr>
+            <a:endParaRPr lang="en-US" dirty="0"/>
+          </a:p>
+          <a:p>
+            <a:pPr marL="342900" indent="-342900">
+              <a:buAutoNum type="arabicParenR"/>
+            </a:pPr>
+            <a:endParaRPr lang="en-US" dirty="0"/>
+          </a:p>
+          <a:p>
+            <a:pPr marL="0" indent="0">
+              <a:buNone/>
+            </a:pPr>
+            <a:endParaRPr lang="en-US" dirty="0"/>
+          </a:p>
+          <a:p>
+            <a:pPr marL="342900" indent="-342900">
+              <a:buFont typeface="Wingdings" pitchFamily="2" charset="2"/>
+              <a:buAutoNum type="arabicPeriod"/>
+            </a:pPr>
+            <a:endParaRPr lang="en-US" dirty="0"/>
+          </a:p>
+        </p:txBody>
+      </p:sp>
+    </p:spTree>
+    <p:extLst>
+      <p:ext uri="{BB962C8B-B14F-4D97-AF65-F5344CB8AC3E}">
+        <p14:creationId xmlns:p14="http://schemas.microsoft.com/office/powerpoint/2010/main" val="1410090644"/>
       </p:ext>
     </p:extLst>
   </p:cSld>
@@ -15680,454 +15862,6 @@
         </p:nvSpPr>
         <p:spPr>
           <a:xfrm>
-            <a:off x="964023" y="879063"/>
-            <a:ext cx="7789452" cy="610863"/>
-          </a:xfrm>
-        </p:spPr>
-        <p:txBody>
-          <a:bodyPr>
-            <a:normAutofit/>
-          </a:bodyPr>
-          <a:lstStyle/>
-          <a:p>
-            <a:r>
-              <a:rPr lang="en-US" dirty="0"/>
-              <a:t>Top Performing Models</a:t>
-            </a:r>
-          </a:p>
-        </p:txBody>
-      </p:sp>
-      <p:sp>
-        <p:nvSpPr>
-          <p:cNvPr id="13" name="Footer Placeholder 12">
-            <a:extLst>
-              <a:ext uri="{FF2B5EF4-FFF2-40B4-BE49-F238E27FC236}">
-                <a16:creationId xmlns:a16="http://schemas.microsoft.com/office/drawing/2014/main" id="{4BA780B4-2C9A-E2FB-3BD7-4FBB677DE26A}"/>
-              </a:ext>
-            </a:extLst>
-          </p:cNvPr>
-          <p:cNvSpPr>
-            <a:spLocks noGrp="1"/>
-          </p:cNvSpPr>
-          <p:nvPr>
-            <p:ph type="ftr" sz="quarter" idx="22"/>
-          </p:nvPr>
-        </p:nvSpPr>
-        <p:spPr>
-          <a:xfrm>
-            <a:off x="1494790" y="6332220"/>
-            <a:ext cx="1724660" cy="247651"/>
-          </a:xfrm>
-        </p:spPr>
-        <p:txBody>
-          <a:bodyPr/>
-          <a:lstStyle/>
-          <a:p>
-            <a:r>
-              <a:rPr lang="en-US" dirty="0"/>
-              <a:t>Credit Card Fraud Detection</a:t>
-            </a:r>
-          </a:p>
-        </p:txBody>
-      </p:sp>
-      <p:sp>
-        <p:nvSpPr>
-          <p:cNvPr id="14" name="Slide Number Placeholder 13">
-            <a:extLst>
-              <a:ext uri="{FF2B5EF4-FFF2-40B4-BE49-F238E27FC236}">
-                <a16:creationId xmlns:a16="http://schemas.microsoft.com/office/drawing/2014/main" id="{3EB5C040-B4AC-7F50-571C-874D810FA327}"/>
-              </a:ext>
-            </a:extLst>
-          </p:cNvPr>
-          <p:cNvSpPr>
-            <a:spLocks noGrp="1"/>
-          </p:cNvSpPr>
-          <p:nvPr>
-            <p:ph type="sldNum" sz="quarter" idx="23"/>
-          </p:nvPr>
-        </p:nvSpPr>
-        <p:spPr/>
-        <p:txBody>
-          <a:bodyPr/>
-          <a:lstStyle/>
-          <a:p>
-            <a:fld id="{294A09A9-5501-47C1-A89A-A340965A2BE2}" type="slidenum">
-              <a:rPr lang="en-US" smtClean="0"/>
-              <a:pPr/>
-              <a:t>15</a:t>
-            </a:fld>
-            <a:endParaRPr lang="en-US" dirty="0">
-              <a:latin typeface="+mn-lt"/>
-            </a:endParaRPr>
-          </a:p>
-        </p:txBody>
-      </p:sp>
-      <p:sp>
-        <p:nvSpPr>
-          <p:cNvPr id="16" name="Content Placeholder 7">
-            <a:extLst>
-              <a:ext uri="{FF2B5EF4-FFF2-40B4-BE49-F238E27FC236}">
-                <a16:creationId xmlns:a16="http://schemas.microsoft.com/office/drawing/2014/main" id="{EC1F556C-FF79-2071-B2D9-7F20F25FDAE4}"/>
-              </a:ext>
-            </a:extLst>
-          </p:cNvPr>
-          <p:cNvSpPr txBox="1">
-            <a:spLocks/>
-          </p:cNvSpPr>
-          <p:nvPr/>
-        </p:nvSpPr>
-        <p:spPr>
-          <a:xfrm>
-            <a:off x="971550" y="2298820"/>
-            <a:ext cx="10251945" cy="2760290"/>
-          </a:xfrm>
-          <a:prstGeom prst="rect">
-            <a:avLst/>
-          </a:prstGeom>
-        </p:spPr>
-        <p:txBody>
-          <a:bodyPr vert="horz" lIns="0" tIns="0" rIns="0" bIns="0" rtlCol="0" anchor="t" anchorCtr="0">
-            <a:normAutofit fontScale="92500" lnSpcReduction="20000"/>
-          </a:bodyPr>
-          <a:lstStyle>
-            <a:lvl1pPr marL="285750" indent="-285750" algn="l" defTabSz="914400" rtl="0" eaLnBrk="1" latinLnBrk="0" hangingPunct="1">
-              <a:lnSpc>
-                <a:spcPct val="100000"/>
-              </a:lnSpc>
-              <a:spcBef>
-                <a:spcPts val="1000"/>
-              </a:spcBef>
-              <a:buFont typeface="Wingdings" pitchFamily="2" charset="2"/>
-              <a:buChar char="§"/>
-              <a:defRPr sz="1600" b="0" i="0" kern="1200">
-                <a:solidFill>
-                  <a:schemeClr val="bg1"/>
-                </a:solidFill>
-                <a:latin typeface="+mn-lt"/>
-                <a:ea typeface="+mn-ea"/>
-                <a:cs typeface="+mn-cs"/>
-              </a:defRPr>
-            </a:lvl1pPr>
-            <a:lvl2pPr marL="685800" indent="-228600" algn="l" defTabSz="914400" rtl="0" eaLnBrk="1" latinLnBrk="0" hangingPunct="1">
-              <a:lnSpc>
-                <a:spcPct val="90000"/>
-              </a:lnSpc>
-              <a:spcBef>
-                <a:spcPts val="500"/>
-              </a:spcBef>
-              <a:buFont typeface="Arial" panose="020B0604020202020204" pitchFamily="34" charset="0"/>
-              <a:buChar char="•"/>
-              <a:defRPr sz="1600" b="0" i="0" kern="1200">
-                <a:solidFill>
-                  <a:schemeClr val="bg1"/>
-                </a:solidFill>
-                <a:latin typeface="+mn-lt"/>
-                <a:ea typeface="+mn-ea"/>
-                <a:cs typeface="+mn-cs"/>
-              </a:defRPr>
-            </a:lvl2pPr>
-            <a:lvl3pPr marL="1143000" indent="-228600" algn="l" defTabSz="914400" rtl="0" eaLnBrk="1" latinLnBrk="0" hangingPunct="1">
-              <a:lnSpc>
-                <a:spcPct val="90000"/>
-              </a:lnSpc>
-              <a:spcBef>
-                <a:spcPts val="500"/>
-              </a:spcBef>
-              <a:buFont typeface="Arial" panose="020B0604020202020204" pitchFamily="34" charset="0"/>
-              <a:buChar char="•"/>
-              <a:defRPr sz="1600" b="0" i="0" kern="1200">
-                <a:solidFill>
-                  <a:schemeClr val="bg1"/>
-                </a:solidFill>
-                <a:latin typeface="+mn-lt"/>
-                <a:ea typeface="+mn-ea"/>
-                <a:cs typeface="+mn-cs"/>
-              </a:defRPr>
-            </a:lvl3pPr>
-            <a:lvl4pPr marL="1600200" indent="-228600" algn="l" defTabSz="914400" rtl="0" eaLnBrk="1" latinLnBrk="0" hangingPunct="1">
-              <a:lnSpc>
-                <a:spcPct val="90000"/>
-              </a:lnSpc>
-              <a:spcBef>
-                <a:spcPts val="500"/>
-              </a:spcBef>
-              <a:buFont typeface="Arial" panose="020B0604020202020204" pitchFamily="34" charset="0"/>
-              <a:buChar char="•"/>
-              <a:defRPr sz="1600" b="0" i="0" kern="1200">
-                <a:solidFill>
-                  <a:schemeClr val="bg1"/>
-                </a:solidFill>
-                <a:latin typeface="+mn-lt"/>
-                <a:ea typeface="+mn-ea"/>
-                <a:cs typeface="+mn-cs"/>
-              </a:defRPr>
-            </a:lvl4pPr>
-            <a:lvl5pPr marL="2057400" indent="-228600" algn="l" defTabSz="914400" rtl="0" eaLnBrk="1" latinLnBrk="0" hangingPunct="1">
-              <a:lnSpc>
-                <a:spcPct val="90000"/>
-              </a:lnSpc>
-              <a:spcBef>
-                <a:spcPts val="500"/>
-              </a:spcBef>
-              <a:buFont typeface="Arial" panose="020B0604020202020204" pitchFamily="34" charset="0"/>
-              <a:buChar char="•"/>
-              <a:defRPr sz="1600" b="0" i="0" kern="1200">
-                <a:solidFill>
-                  <a:schemeClr val="bg1"/>
-                </a:solidFill>
-                <a:latin typeface="+mn-lt"/>
-                <a:ea typeface="+mn-ea"/>
-                <a:cs typeface="+mn-cs"/>
-              </a:defRPr>
-            </a:lvl5pPr>
-            <a:lvl6pPr marL="2514600" indent="-228600" algn="l" defTabSz="914400" rtl="0" eaLnBrk="1" latinLnBrk="0" hangingPunct="1">
-              <a:lnSpc>
-                <a:spcPct val="90000"/>
-              </a:lnSpc>
-              <a:spcBef>
-                <a:spcPts val="500"/>
-              </a:spcBef>
-              <a:buFont typeface="Arial" panose="020B0604020202020204" pitchFamily="34" charset="0"/>
-              <a:buChar char="•"/>
-              <a:defRPr sz="1800" kern="1200">
-                <a:solidFill>
-                  <a:schemeClr val="tx1"/>
-                </a:solidFill>
-                <a:latin typeface="+mn-lt"/>
-                <a:ea typeface="+mn-ea"/>
-                <a:cs typeface="+mn-cs"/>
-              </a:defRPr>
-            </a:lvl6pPr>
-            <a:lvl7pPr marL="2971800" indent="-228600" algn="l" defTabSz="914400" rtl="0" eaLnBrk="1" latinLnBrk="0" hangingPunct="1">
-              <a:lnSpc>
-                <a:spcPct val="90000"/>
-              </a:lnSpc>
-              <a:spcBef>
-                <a:spcPts val="500"/>
-              </a:spcBef>
-              <a:buFont typeface="Arial" panose="020B0604020202020204" pitchFamily="34" charset="0"/>
-              <a:buChar char="•"/>
-              <a:defRPr sz="1800" kern="1200">
-                <a:solidFill>
-                  <a:schemeClr val="tx1"/>
-                </a:solidFill>
-                <a:latin typeface="+mn-lt"/>
-                <a:ea typeface="+mn-ea"/>
-                <a:cs typeface="+mn-cs"/>
-              </a:defRPr>
-            </a:lvl7pPr>
-            <a:lvl8pPr marL="3429000" indent="-228600" algn="l" defTabSz="914400" rtl="0" eaLnBrk="1" latinLnBrk="0" hangingPunct="1">
-              <a:lnSpc>
-                <a:spcPct val="90000"/>
-              </a:lnSpc>
-              <a:spcBef>
-                <a:spcPts val="500"/>
-              </a:spcBef>
-              <a:buFont typeface="Arial" panose="020B0604020202020204" pitchFamily="34" charset="0"/>
-              <a:buChar char="•"/>
-              <a:defRPr sz="1800" kern="1200">
-                <a:solidFill>
-                  <a:schemeClr val="tx1"/>
-                </a:solidFill>
-                <a:latin typeface="+mn-lt"/>
-                <a:ea typeface="+mn-ea"/>
-                <a:cs typeface="+mn-cs"/>
-              </a:defRPr>
-            </a:lvl8pPr>
-            <a:lvl9pPr marL="3886200" indent="-228600" algn="l" defTabSz="914400" rtl="0" eaLnBrk="1" latinLnBrk="0" hangingPunct="1">
-              <a:lnSpc>
-                <a:spcPct val="90000"/>
-              </a:lnSpc>
-              <a:spcBef>
-                <a:spcPts val="500"/>
-              </a:spcBef>
-              <a:buFont typeface="Arial" panose="020B0604020202020204" pitchFamily="34" charset="0"/>
-              <a:buChar char="•"/>
-              <a:defRPr sz="1800" kern="1200">
-                <a:solidFill>
-                  <a:schemeClr val="tx1"/>
-                </a:solidFill>
-                <a:latin typeface="+mn-lt"/>
-                <a:ea typeface="+mn-ea"/>
-                <a:cs typeface="+mn-cs"/>
-              </a:defRPr>
-            </a:lvl9pPr>
-          </a:lstStyle>
-          <a:p>
-            <a:pPr marL="0" indent="0">
-              <a:buNone/>
-            </a:pPr>
-            <a:r>
-              <a:rPr lang="en-US" dirty="0"/>
-              <a:t>Based on our analysis, we determined that the top 3 models are</a:t>
-            </a:r>
-          </a:p>
-          <a:p>
-            <a:pPr marL="342900" indent="-342900">
-              <a:buFont typeface="Wingdings" pitchFamily="2" charset="2"/>
-              <a:buAutoNum type="arabicPeriod"/>
-            </a:pPr>
-            <a:r>
-              <a:rPr lang="en-US" dirty="0"/>
-              <a:t>Support Vector Classifier</a:t>
-            </a:r>
-          </a:p>
-          <a:p>
-            <a:pPr marL="342900" indent="-342900">
-              <a:buFont typeface="Wingdings" pitchFamily="2" charset="2"/>
-              <a:buAutoNum type="arabicPeriod"/>
-            </a:pPr>
-            <a:r>
-              <a:rPr lang="en-US" dirty="0"/>
-              <a:t>ADA Boost Classifier</a:t>
-            </a:r>
-          </a:p>
-          <a:p>
-            <a:pPr marL="342900" indent="-342900">
-              <a:buFont typeface="Wingdings" pitchFamily="2" charset="2"/>
-              <a:buAutoNum type="arabicPeriod"/>
-            </a:pPr>
-            <a:r>
-              <a:rPr lang="en-US" dirty="0"/>
-              <a:t>Gradient Boosting Classifier</a:t>
-            </a:r>
-          </a:p>
-          <a:p>
-            <a:pPr marL="342900" indent="-342900">
-              <a:buFont typeface="Wingdings" pitchFamily="2" charset="2"/>
-              <a:buAutoNum type="arabicPeriod"/>
-            </a:pPr>
-            <a:endParaRPr lang="en-US" dirty="0"/>
-          </a:p>
-          <a:p>
-            <a:pPr marL="0" indent="0">
-              <a:buNone/>
-            </a:pPr>
-            <a:r>
-              <a:rPr lang="en-US" dirty="0"/>
-              <a:t>The primary determining factors were</a:t>
-            </a:r>
-          </a:p>
-          <a:p>
-            <a:pPr marL="342900" indent="-342900">
-              <a:buAutoNum type="arabicParenR"/>
-            </a:pPr>
-            <a:r>
-              <a:rPr lang="en-US" dirty="0"/>
-              <a:t>High Recall i.e. the ability for the model to detect fraud</a:t>
-            </a:r>
-          </a:p>
-          <a:p>
-            <a:pPr marL="342900" indent="-342900">
-              <a:buAutoNum type="arabicParenR"/>
-            </a:pPr>
-            <a:r>
-              <a:rPr lang="en-US" dirty="0"/>
-              <a:t>There was a low difference between training and test data scores.</a:t>
-            </a:r>
-          </a:p>
-          <a:p>
-            <a:pPr marL="342900" indent="-342900">
-              <a:buAutoNum type="arabicParenR"/>
-            </a:pPr>
-            <a:r>
-              <a:rPr lang="en-US" dirty="0"/>
-              <a:t>The High F1 scores show that there balance between fraud detection and reducing false positives</a:t>
-            </a:r>
-          </a:p>
-          <a:p>
-            <a:pPr marL="0" indent="0">
-              <a:buNone/>
-            </a:pPr>
-            <a:endParaRPr lang="en-US" dirty="0"/>
-          </a:p>
-          <a:p>
-            <a:pPr marL="342900" indent="-342900">
-              <a:buAutoNum type="arabicParenR"/>
-            </a:pPr>
-            <a:endParaRPr lang="en-US" dirty="0"/>
-          </a:p>
-          <a:p>
-            <a:pPr marL="342900" indent="-342900">
-              <a:buAutoNum type="arabicParenR"/>
-            </a:pPr>
-            <a:endParaRPr lang="en-US" dirty="0"/>
-          </a:p>
-          <a:p>
-            <a:pPr marL="0" indent="0">
-              <a:buNone/>
-            </a:pPr>
-            <a:endParaRPr lang="en-US" dirty="0"/>
-          </a:p>
-          <a:p>
-            <a:pPr marL="342900" indent="-342900">
-              <a:buFont typeface="Wingdings" pitchFamily="2" charset="2"/>
-              <a:buAutoNum type="arabicPeriod"/>
-            </a:pPr>
-            <a:endParaRPr lang="en-US" dirty="0"/>
-          </a:p>
-        </p:txBody>
-      </p:sp>
-    </p:spTree>
-    <p:extLst>
-      <p:ext uri="{BB962C8B-B14F-4D97-AF65-F5344CB8AC3E}">
-        <p14:creationId xmlns:p14="http://schemas.microsoft.com/office/powerpoint/2010/main" val="1410090644"/>
-      </p:ext>
-    </p:extLst>
-  </p:cSld>
-  <p:clrMapOvr>
-    <a:masterClrMapping/>
-  </p:clrMapOvr>
-  <mc:AlternateContent xmlns:mc="http://schemas.openxmlformats.org/markup-compatibility/2006" xmlns:p14="http://schemas.microsoft.com/office/powerpoint/2010/main">
-    <mc:Choice Requires="p14">
-      <p:transition spd="slow" p14:dur="2000">
-        <p:fade/>
-      </p:transition>
-    </mc:Choice>
-    <mc:Fallback xmlns="">
-      <p:transition spd="slow">
-        <p:fade/>
-      </p:transition>
-    </mc:Fallback>
-  </mc:AlternateContent>
-</p:sld>
-</file>
-
-<file path=ppt/slides/slide16.xml><?xml version="1.0" encoding="utf-8"?>
-<p:sld xmlns:a="http://schemas.openxmlformats.org/drawingml/2006/main" xmlns:r="http://schemas.openxmlformats.org/officeDocument/2006/relationships" xmlns:p="http://schemas.openxmlformats.org/presentationml/2006/main">
-  <p:cSld>
-    <p:spTree>
-      <p:nvGrpSpPr>
-        <p:cNvPr id="1" name=""/>
-        <p:cNvGrpSpPr/>
-        <p:nvPr/>
-      </p:nvGrpSpPr>
-      <p:grpSpPr>
-        <a:xfrm>
-          <a:off x="0" y="0"/>
-          <a:ext cx="0" cy="0"/>
-          <a:chOff x="0" y="0"/>
-          <a:chExt cx="0" cy="0"/>
-        </a:xfrm>
-      </p:grpSpPr>
-      <p:sp>
-        <p:nvSpPr>
-          <p:cNvPr id="2" name="Title 1">
-            <a:extLst>
-              <a:ext uri="{FF2B5EF4-FFF2-40B4-BE49-F238E27FC236}">
-                <a16:creationId xmlns:a16="http://schemas.microsoft.com/office/drawing/2014/main" id="{20FCF42A-64D1-F0E5-F032-521820A44CB3}"/>
-              </a:ext>
-            </a:extLst>
-          </p:cNvPr>
-          <p:cNvSpPr>
-            <a:spLocks noGrp="1"/>
-          </p:cNvSpPr>
-          <p:nvPr>
-            <p:ph type="title"/>
-          </p:nvPr>
-        </p:nvSpPr>
-        <p:spPr>
-          <a:xfrm>
             <a:off x="964023" y="1170774"/>
             <a:ext cx="7789452" cy="427289"/>
           </a:xfrm>
@@ -16202,7 +15936,7 @@
             <a:fld id="{294A09A9-5501-47C1-A89A-A340965A2BE2}" type="slidenum">
               <a:rPr lang="en-US" smtClean="0"/>
               <a:pPr/>
-              <a:t>16</a:t>
+              <a:t>15</a:t>
             </a:fld>
             <a:endParaRPr lang="en-US" dirty="0">
               <a:latin typeface="+mn-lt"/>
@@ -16225,7 +15959,7 @@
         <p:spPr>
           <a:xfrm>
             <a:off x="834889" y="2315335"/>
-            <a:ext cx="3082562" cy="2554545"/>
+            <a:ext cx="3082562" cy="2800767"/>
           </a:xfrm>
           <a:prstGeom prst="rect">
             <a:avLst/>
@@ -16239,7 +15973,7 @@
           <a:lstStyle/>
           <a:p>
             <a:r>
-              <a:rPr lang="en-US" sz="1600" dirty="0">
+              <a:rPr lang="en-US" sz="1600" b="1" u="sng" dirty="0">
                 <a:solidFill>
                   <a:schemeClr val="bg1"/>
                 </a:solidFill>
@@ -16268,7 +16002,7 @@
                   <a:schemeClr val="bg1"/>
                 </a:solidFill>
               </a:rPr>
-              <a:t>Low risk of overfitting</a:t>
+              <a:t>Low risk of overfitting.</a:t>
             </a:r>
           </a:p>
           <a:p>
@@ -16282,7 +16016,7 @@
                   <a:schemeClr val="bg1"/>
                 </a:solidFill>
               </a:rPr>
-              <a:t>Effective recall</a:t>
+              <a:t>Effective recall.</a:t>
             </a:r>
           </a:p>
           <a:p>
@@ -16313,7 +16047,7 @@
                   <a:schemeClr val="bg1"/>
                 </a:solidFill>
               </a:rPr>
-              <a:t>Hard to interpret model’s logic</a:t>
+              <a:t>Hard to interpret model’s logic.</a:t>
             </a:r>
           </a:p>
           <a:p>
@@ -16327,7 +16061,7 @@
                   <a:schemeClr val="bg1"/>
                 </a:solidFill>
               </a:rPr>
-              <a:t>Retraining model takes a long time</a:t>
+              <a:t>Retraining model takes a long time.</a:t>
             </a:r>
           </a:p>
           <a:p>
@@ -16354,7 +16088,7 @@
         <p:spPr>
           <a:xfrm>
             <a:off x="7332291" y="2315335"/>
-            <a:ext cx="3573959" cy="1354217"/>
+            <a:ext cx="3573959" cy="3816429"/>
           </a:xfrm>
           <a:prstGeom prst="rect">
             <a:avLst/>
@@ -16368,7 +16102,7 @@
           <a:lstStyle/>
           <a:p>
             <a:r>
-              <a:rPr lang="en-US" sz="1600" dirty="0">
+              <a:rPr lang="en-US" sz="1600" b="1" u="sng" dirty="0">
                 <a:solidFill>
                   <a:schemeClr val="bg1"/>
                 </a:solidFill>
@@ -16378,7 +16112,7 @@
           </a:p>
           <a:p>
             <a:r>
-              <a:rPr lang="en-US" sz="1600" dirty="0">
+              <a:rPr lang="en-US" sz="1600" b="1" dirty="0">
                 <a:solidFill>
                   <a:schemeClr val="bg1"/>
                 </a:solidFill>
@@ -16387,6 +16121,38 @@
             </a:r>
           </a:p>
           <a:p>
+            <a:pPr marL="285750" indent="-285750">
+              <a:buFont typeface="Arial" panose="020B0604020202020204" pitchFamily="34" charset="0"/>
+              <a:buChar char="•"/>
+            </a:pPr>
+            <a:r>
+              <a:rPr lang="en-US" sz="1600" dirty="0">
+                <a:solidFill>
+                  <a:schemeClr val="bg1"/>
+                </a:solidFill>
+              </a:rPr>
+              <a:t>High accuracy and strong performance in identifying non-fraudulent transactions.</a:t>
+            </a:r>
+          </a:p>
+          <a:p>
+            <a:pPr marL="285750" indent="-285750">
+              <a:buFont typeface="Arial" panose="020B0604020202020204" pitchFamily="34" charset="0"/>
+              <a:buChar char="•"/>
+            </a:pPr>
+            <a:r>
+              <a:rPr lang="en-US" sz="1600" dirty="0">
+                <a:solidFill>
+                  <a:schemeClr val="bg1"/>
+                </a:solidFill>
+              </a:rPr>
+              <a:t>Good recall for fraud, indicating robustness in detecting fraudulent activities.</a:t>
+            </a:r>
+          </a:p>
+          <a:p>
+            <a:pPr marL="285750" indent="-285750">
+              <a:buFont typeface="Arial" panose="020B0604020202020204" pitchFamily="34" charset="0"/>
+              <a:buChar char="•"/>
+            </a:pPr>
             <a:endParaRPr lang="en-US" sz="1600" dirty="0">
               <a:solidFill>
                 <a:schemeClr val="bg1"/>
@@ -16395,12 +16161,42 @@
           </a:p>
           <a:p>
             <a:r>
-              <a:rPr lang="en-US" sz="1600" dirty="0">
+              <a:rPr lang="en-US" sz="1600" b="1" dirty="0">
                 <a:solidFill>
                   <a:schemeClr val="bg1"/>
                 </a:solidFill>
               </a:rPr>
               <a:t>Cons</a:t>
+            </a:r>
+          </a:p>
+          <a:p>
+            <a:pPr marL="285750" indent="-285750">
+              <a:buFont typeface="Arial" panose="020B0604020202020204" pitchFamily="34" charset="0"/>
+              <a:buChar char="•"/>
+            </a:pPr>
+            <a:r>
+              <a:rPr lang="en-US" sz="1600" dirty="0">
+                <a:solidFill>
+                  <a:schemeClr val="bg1"/>
+                </a:solidFill>
+              </a:rPr>
+              <a:t>Have a higher differences between the training and testing score accuracy.</a:t>
+            </a:r>
+          </a:p>
+          <a:p>
+            <a:pPr marL="285750" indent="-285750">
+              <a:buFont typeface="Arial" panose="020B0604020202020204" pitchFamily="34" charset="0"/>
+              <a:buChar char="•"/>
+            </a:pPr>
+            <a:r>
+              <a:rPr lang="en-US" sz="1600" b="0" i="0" dirty="0">
+                <a:solidFill>
+                  <a:srgbClr val="1D1C1D"/>
+                </a:solidFill>
+                <a:effectLst/>
+                <a:latin typeface="Slack-Lato"/>
+              </a:rPr>
+              <a:t>Can be prone to overfitting.</a:t>
             </a:r>
             <a:br>
               <a:rPr lang="en-US" sz="1600" dirty="0">
@@ -16431,8 +16227,8 @@
         </p:nvSpPr>
         <p:spPr>
           <a:xfrm>
-            <a:off x="3917451" y="2315335"/>
-            <a:ext cx="2842272" cy="3785652"/>
+            <a:off x="3917450" y="2315335"/>
+            <a:ext cx="3414841" cy="4278094"/>
           </a:xfrm>
           <a:prstGeom prst="rect">
             <a:avLst/>
@@ -16446,7 +16242,7 @@
           <a:lstStyle/>
           <a:p>
             <a:r>
-              <a:rPr lang="en-US" sz="1600" dirty="0">
+              <a:rPr lang="en-US" sz="1600" b="1" u="sng" dirty="0">
                 <a:solidFill>
                   <a:schemeClr val="bg1"/>
                 </a:solidFill>
@@ -16456,7 +16252,7 @@
           </a:p>
           <a:p>
             <a:r>
-              <a:rPr lang="en-US" sz="1600" dirty="0">
+              <a:rPr lang="en-US" sz="1600" b="1" dirty="0">
                 <a:solidFill>
                   <a:schemeClr val="bg1"/>
                 </a:solidFill>
@@ -16477,7 +16273,7 @@
                 <a:effectLst/>
                 <a:latin typeface="Slack-Lato"/>
               </a:rPr>
-              <a:t>Exhibits strong performance metrics with high precision and recall, particularly important for detecting fraudulent transactions</a:t>
+              <a:t>Exhibits strong performance metrics with high precision and recall, particularly important for detecting fraudulent transactions.</a:t>
             </a:r>
           </a:p>
           <a:p>
@@ -16495,32 +16291,49 @@
             </a:r>
           </a:p>
           <a:p>
+            <a:r>
+              <a:rPr lang="en-US" sz="1600" b="1" dirty="0">
+                <a:solidFill>
+                  <a:schemeClr val="bg1"/>
+                </a:solidFill>
+              </a:rPr>
+              <a:t>Cons</a:t>
+            </a:r>
+          </a:p>
+          <a:p>
             <a:pPr marL="285750" indent="-285750">
               <a:buFont typeface="Arial" panose="020B0604020202020204" pitchFamily="34" charset="0"/>
               <a:buChar char="•"/>
             </a:pPr>
+            <a:r>
+              <a:rPr lang="en-US" sz="1600" dirty="0">
+                <a:solidFill>
+                  <a:schemeClr val="bg1"/>
+                </a:solidFill>
+              </a:rPr>
+              <a:t>Have a higher differences between the training and testing score accuracy.</a:t>
+            </a:r>
+          </a:p>
+          <a:p>
+            <a:pPr marL="285750" indent="-285750">
+              <a:buFont typeface="Arial" panose="020B0604020202020204" pitchFamily="34" charset="0"/>
+              <a:buChar char="•"/>
+            </a:pPr>
+            <a:r>
+              <a:rPr lang="en-US" sz="1600" dirty="0">
+                <a:solidFill>
+                  <a:schemeClr val="bg1"/>
+                </a:solidFill>
+              </a:rPr>
+              <a:t>Sensitive to noisy data and outliers.</a:t>
+            </a:r>
+          </a:p>
+          <a:p>
             <a:endParaRPr lang="en-US" sz="1600" dirty="0">
               <a:solidFill>
                 <a:schemeClr val="bg1"/>
               </a:solidFill>
             </a:endParaRPr>
-          </a:p>
-          <a:p>
-            <a:endParaRPr lang="en-US" sz="1600" dirty="0">
-              <a:solidFill>
-                <a:schemeClr val="bg1"/>
-              </a:solidFill>
-            </a:endParaRPr>
-          </a:p>
-          <a:p>
-            <a:r>
-              <a:rPr lang="en-US" sz="1600" dirty="0">
-                <a:solidFill>
-                  <a:schemeClr val="bg1"/>
-                </a:solidFill>
-              </a:rPr>
-              <a:t>Cons</a:t>
-            </a:r>
           </a:p>
           <a:p>
             <a:endParaRPr lang="en-US" sz="1600" dirty="0">
@@ -16556,7 +16369,7 @@
 </p:sld>
 </file>
 
-<file path=ppt/slides/slide17.xml><?xml version="1.0" encoding="utf-8"?>
+<file path=ppt/slides/slide16.xml><?xml version="1.0" encoding="utf-8"?>
 <p:sld xmlns:a="http://schemas.openxmlformats.org/drawingml/2006/main" xmlns:r="http://schemas.openxmlformats.org/officeDocument/2006/relationships" xmlns:p="http://schemas.openxmlformats.org/presentationml/2006/main">
   <p:cSld>
     <p:spTree>
@@ -16671,7 +16484,7 @@
             <a:fld id="{294A09A9-5501-47C1-A89A-A340965A2BE2}" type="slidenum">
               <a:rPr lang="en-US" smtClean="0"/>
               <a:pPr/>
-              <a:t>17</a:t>
+              <a:t>16</a:t>
             </a:fld>
             <a:endParaRPr lang="en-US" dirty="0">
               <a:latin typeface="+mn-lt"/>
@@ -16708,7 +16521,7 @@
           <a:lstStyle/>
           <a:p>
             <a:r>
-              <a:rPr lang="en-US" sz="1600" dirty="0">
+              <a:rPr lang="en-US" sz="1600" b="1" u="sng" dirty="0">
                 <a:solidFill>
                   <a:schemeClr val="bg1"/>
                 </a:solidFill>
@@ -16837,7 +16650,7 @@
           <a:lstStyle/>
           <a:p>
             <a:r>
-              <a:rPr lang="en-US" sz="1600" dirty="0">
+              <a:rPr lang="en-US" sz="1600" b="1" u="sng" dirty="0">
                 <a:solidFill>
                   <a:schemeClr val="bg1"/>
                 </a:solidFill>
@@ -16984,7 +16797,7 @@
           <a:lstStyle/>
           <a:p>
             <a:r>
-              <a:rPr lang="en-US" sz="1600" dirty="0">
+              <a:rPr lang="en-US" sz="1600" b="1" u="sng" dirty="0">
                 <a:solidFill>
                   <a:schemeClr val="bg1"/>
                 </a:solidFill>
@@ -17109,6 +16922,852 @@
     <p:extLst>
       <p:ext uri="{BB962C8B-B14F-4D97-AF65-F5344CB8AC3E}">
         <p14:creationId xmlns:p14="http://schemas.microsoft.com/office/powerpoint/2010/main" val="1013820825"/>
+      </p:ext>
+    </p:extLst>
+  </p:cSld>
+  <p:clrMapOvr>
+    <a:masterClrMapping/>
+  </p:clrMapOvr>
+  <mc:AlternateContent xmlns:mc="http://schemas.openxmlformats.org/markup-compatibility/2006">
+    <mc:Choice xmlns:p14="http://schemas.microsoft.com/office/powerpoint/2010/main" Requires="p14">
+      <p:transition spd="slow" p14:dur="2000">
+        <p:fade/>
+      </p:transition>
+    </mc:Choice>
+    <mc:Fallback>
+      <p:transition spd="slow">
+        <p:fade/>
+      </p:transition>
+    </mc:Fallback>
+  </mc:AlternateContent>
+</p:sld>
+</file>
+
+<file path=ppt/slides/slide17.xml><?xml version="1.0" encoding="utf-8"?>
+<p:sld xmlns:a="http://schemas.openxmlformats.org/drawingml/2006/main" xmlns:r="http://schemas.openxmlformats.org/officeDocument/2006/relationships" xmlns:p="http://schemas.openxmlformats.org/presentationml/2006/main">
+  <p:cSld>
+    <p:spTree>
+      <p:nvGrpSpPr>
+        <p:cNvPr id="1" name="">
+          <a:extLst>
+            <a:ext uri="{FF2B5EF4-FFF2-40B4-BE49-F238E27FC236}">
+              <a16:creationId xmlns:a16="http://schemas.microsoft.com/office/drawing/2014/main" id="{02997953-C6B4-E607-E956-ABE9F61A201A}"/>
+            </a:ext>
+          </a:extLst>
+        </p:cNvPr>
+        <p:cNvGrpSpPr/>
+        <p:nvPr/>
+      </p:nvGrpSpPr>
+      <p:grpSpPr>
+        <a:xfrm>
+          <a:off x="0" y="0"/>
+          <a:ext cx="0" cy="0"/>
+          <a:chOff x="0" y="0"/>
+          <a:chExt cx="0" cy="0"/>
+        </a:xfrm>
+      </p:grpSpPr>
+      <p:sp>
+        <p:nvSpPr>
+          <p:cNvPr id="2" name="Title 1">
+            <a:extLst>
+              <a:ext uri="{FF2B5EF4-FFF2-40B4-BE49-F238E27FC236}">
+                <a16:creationId xmlns:a16="http://schemas.microsoft.com/office/drawing/2014/main" id="{FA739577-BB00-A5EE-3463-6AD798F606EF}"/>
+              </a:ext>
+            </a:extLst>
+          </p:cNvPr>
+          <p:cNvSpPr>
+            <a:spLocks noGrp="1"/>
+          </p:cNvSpPr>
+          <p:nvPr>
+            <p:ph type="title"/>
+          </p:nvPr>
+        </p:nvSpPr>
+        <p:spPr>
+          <a:xfrm>
+            <a:off x="964023" y="1170774"/>
+            <a:ext cx="7789452" cy="427289"/>
+          </a:xfrm>
+        </p:spPr>
+        <p:txBody>
+          <a:bodyPr>
+            <a:normAutofit fontScale="90000"/>
+          </a:bodyPr>
+          <a:lstStyle/>
+          <a:p>
+            <a:r>
+              <a:rPr lang="en-US" sz="3200" dirty="0"/>
+              <a:t>Recommendations</a:t>
+            </a:r>
+          </a:p>
+        </p:txBody>
+      </p:sp>
+      <p:sp>
+        <p:nvSpPr>
+          <p:cNvPr id="13" name="Footer Placeholder 12">
+            <a:extLst>
+              <a:ext uri="{FF2B5EF4-FFF2-40B4-BE49-F238E27FC236}">
+                <a16:creationId xmlns:a16="http://schemas.microsoft.com/office/drawing/2014/main" id="{374A753D-00CF-336E-2D9C-2DD49C2903A3}"/>
+              </a:ext>
+            </a:extLst>
+          </p:cNvPr>
+          <p:cNvSpPr>
+            <a:spLocks noGrp="1"/>
+          </p:cNvSpPr>
+          <p:nvPr>
+            <p:ph type="ftr" sz="quarter" idx="22"/>
+          </p:nvPr>
+        </p:nvSpPr>
+        <p:spPr>
+          <a:xfrm>
+            <a:off x="1494790" y="6332220"/>
+            <a:ext cx="1762760" cy="247651"/>
+          </a:xfrm>
+        </p:spPr>
+        <p:txBody>
+          <a:bodyPr/>
+          <a:lstStyle/>
+          <a:p>
+            <a:r>
+              <a:rPr lang="en-US" dirty="0"/>
+              <a:t>Credit Card Fraud Detection</a:t>
+            </a:r>
+          </a:p>
+        </p:txBody>
+      </p:sp>
+      <p:sp>
+        <p:nvSpPr>
+          <p:cNvPr id="14" name="Slide Number Placeholder 13">
+            <a:extLst>
+              <a:ext uri="{FF2B5EF4-FFF2-40B4-BE49-F238E27FC236}">
+                <a16:creationId xmlns:a16="http://schemas.microsoft.com/office/drawing/2014/main" id="{A14AF3FC-1222-6FBB-0044-D9D04741BC97}"/>
+              </a:ext>
+            </a:extLst>
+          </p:cNvPr>
+          <p:cNvSpPr>
+            <a:spLocks noGrp="1"/>
+          </p:cNvSpPr>
+          <p:nvPr>
+            <p:ph type="sldNum" sz="quarter" idx="23"/>
+          </p:nvPr>
+        </p:nvSpPr>
+        <p:spPr/>
+        <p:txBody>
+          <a:bodyPr/>
+          <a:lstStyle/>
+          <a:p>
+            <a:fld id="{294A09A9-5501-47C1-A89A-A340965A2BE2}" type="slidenum">
+              <a:rPr lang="en-US" smtClean="0"/>
+              <a:pPr/>
+              <a:t>17</a:t>
+            </a:fld>
+            <a:endParaRPr lang="en-US" dirty="0">
+              <a:latin typeface="+mn-lt"/>
+            </a:endParaRPr>
+          </a:p>
+        </p:txBody>
+      </p:sp>
+      <p:sp>
+        <p:nvSpPr>
+          <p:cNvPr id="5" name="Content Placeholder 7">
+            <a:extLst>
+              <a:ext uri="{FF2B5EF4-FFF2-40B4-BE49-F238E27FC236}">
+                <a16:creationId xmlns:a16="http://schemas.microsoft.com/office/drawing/2014/main" id="{4D0E6B27-EE15-819D-A027-D682FB6E7C56}"/>
+              </a:ext>
+            </a:extLst>
+          </p:cNvPr>
+          <p:cNvSpPr txBox="1">
+            <a:spLocks/>
+          </p:cNvSpPr>
+          <p:nvPr/>
+        </p:nvSpPr>
+        <p:spPr>
+          <a:xfrm rot="10800000" flipV="1">
+            <a:off x="1494789" y="3250096"/>
+            <a:ext cx="8434400" cy="3108721"/>
+          </a:xfrm>
+          <a:prstGeom prst="rect">
+            <a:avLst/>
+          </a:prstGeom>
+        </p:spPr>
+        <p:txBody>
+          <a:bodyPr vert="horz" lIns="0" tIns="0" rIns="0" bIns="0" rtlCol="0" anchor="t" anchorCtr="0">
+            <a:normAutofit/>
+          </a:bodyPr>
+          <a:lstStyle>
+            <a:lvl1pPr marL="285750" indent="-285750" algn="l" defTabSz="914400" rtl="0" eaLnBrk="1" latinLnBrk="0" hangingPunct="1">
+              <a:lnSpc>
+                <a:spcPct val="100000"/>
+              </a:lnSpc>
+              <a:spcBef>
+                <a:spcPts val="1000"/>
+              </a:spcBef>
+              <a:buFont typeface="Wingdings" pitchFamily="2" charset="2"/>
+              <a:buChar char="§"/>
+              <a:defRPr sz="1600" b="0" i="0" kern="1200">
+                <a:solidFill>
+                  <a:schemeClr val="bg1"/>
+                </a:solidFill>
+                <a:latin typeface="+mn-lt"/>
+                <a:ea typeface="+mn-ea"/>
+                <a:cs typeface="+mn-cs"/>
+              </a:defRPr>
+            </a:lvl1pPr>
+            <a:lvl2pPr marL="685800" indent="-228600" algn="l" defTabSz="914400" rtl="0" eaLnBrk="1" latinLnBrk="0" hangingPunct="1">
+              <a:lnSpc>
+                <a:spcPct val="90000"/>
+              </a:lnSpc>
+              <a:spcBef>
+                <a:spcPts val="500"/>
+              </a:spcBef>
+              <a:buFont typeface="Arial" panose="020B0604020202020204" pitchFamily="34" charset="0"/>
+              <a:buChar char="•"/>
+              <a:defRPr sz="1600" b="0" i="0" kern="1200">
+                <a:solidFill>
+                  <a:schemeClr val="bg1"/>
+                </a:solidFill>
+                <a:latin typeface="+mn-lt"/>
+                <a:ea typeface="+mn-ea"/>
+                <a:cs typeface="+mn-cs"/>
+              </a:defRPr>
+            </a:lvl2pPr>
+            <a:lvl3pPr marL="1143000" indent="-228600" algn="l" defTabSz="914400" rtl="0" eaLnBrk="1" latinLnBrk="0" hangingPunct="1">
+              <a:lnSpc>
+                <a:spcPct val="90000"/>
+              </a:lnSpc>
+              <a:spcBef>
+                <a:spcPts val="500"/>
+              </a:spcBef>
+              <a:buFont typeface="Arial" panose="020B0604020202020204" pitchFamily="34" charset="0"/>
+              <a:buChar char="•"/>
+              <a:defRPr sz="1600" b="0" i="0" kern="1200">
+                <a:solidFill>
+                  <a:schemeClr val="bg1"/>
+                </a:solidFill>
+                <a:latin typeface="+mn-lt"/>
+                <a:ea typeface="+mn-ea"/>
+                <a:cs typeface="+mn-cs"/>
+              </a:defRPr>
+            </a:lvl3pPr>
+            <a:lvl4pPr marL="1600200" indent="-228600" algn="l" defTabSz="914400" rtl="0" eaLnBrk="1" latinLnBrk="0" hangingPunct="1">
+              <a:lnSpc>
+                <a:spcPct val="90000"/>
+              </a:lnSpc>
+              <a:spcBef>
+                <a:spcPts val="500"/>
+              </a:spcBef>
+              <a:buFont typeface="Arial" panose="020B0604020202020204" pitchFamily="34" charset="0"/>
+              <a:buChar char="•"/>
+              <a:defRPr sz="1600" b="0" i="0" kern="1200">
+                <a:solidFill>
+                  <a:schemeClr val="bg1"/>
+                </a:solidFill>
+                <a:latin typeface="+mn-lt"/>
+                <a:ea typeface="+mn-ea"/>
+                <a:cs typeface="+mn-cs"/>
+              </a:defRPr>
+            </a:lvl4pPr>
+            <a:lvl5pPr marL="2057400" indent="-228600" algn="l" defTabSz="914400" rtl="0" eaLnBrk="1" latinLnBrk="0" hangingPunct="1">
+              <a:lnSpc>
+                <a:spcPct val="90000"/>
+              </a:lnSpc>
+              <a:spcBef>
+                <a:spcPts val="500"/>
+              </a:spcBef>
+              <a:buFont typeface="Arial" panose="020B0604020202020204" pitchFamily="34" charset="0"/>
+              <a:buChar char="•"/>
+              <a:defRPr sz="1600" b="0" i="0" kern="1200">
+                <a:solidFill>
+                  <a:schemeClr val="bg1"/>
+                </a:solidFill>
+                <a:latin typeface="+mn-lt"/>
+                <a:ea typeface="+mn-ea"/>
+                <a:cs typeface="+mn-cs"/>
+              </a:defRPr>
+            </a:lvl5pPr>
+            <a:lvl6pPr marL="2514600" indent="-228600" algn="l" defTabSz="914400" rtl="0" eaLnBrk="1" latinLnBrk="0" hangingPunct="1">
+              <a:lnSpc>
+                <a:spcPct val="90000"/>
+              </a:lnSpc>
+              <a:spcBef>
+                <a:spcPts val="500"/>
+              </a:spcBef>
+              <a:buFont typeface="Arial" panose="020B0604020202020204" pitchFamily="34" charset="0"/>
+              <a:buChar char="•"/>
+              <a:defRPr sz="1800" kern="1200">
+                <a:solidFill>
+                  <a:schemeClr val="tx1"/>
+                </a:solidFill>
+                <a:latin typeface="+mn-lt"/>
+                <a:ea typeface="+mn-ea"/>
+                <a:cs typeface="+mn-cs"/>
+              </a:defRPr>
+            </a:lvl6pPr>
+            <a:lvl7pPr marL="2971800" indent="-228600" algn="l" defTabSz="914400" rtl="0" eaLnBrk="1" latinLnBrk="0" hangingPunct="1">
+              <a:lnSpc>
+                <a:spcPct val="90000"/>
+              </a:lnSpc>
+              <a:spcBef>
+                <a:spcPts val="500"/>
+              </a:spcBef>
+              <a:buFont typeface="Arial" panose="020B0604020202020204" pitchFamily="34" charset="0"/>
+              <a:buChar char="•"/>
+              <a:defRPr sz="1800" kern="1200">
+                <a:solidFill>
+                  <a:schemeClr val="tx1"/>
+                </a:solidFill>
+                <a:latin typeface="+mn-lt"/>
+                <a:ea typeface="+mn-ea"/>
+                <a:cs typeface="+mn-cs"/>
+              </a:defRPr>
+            </a:lvl7pPr>
+            <a:lvl8pPr marL="3429000" indent="-228600" algn="l" defTabSz="914400" rtl="0" eaLnBrk="1" latinLnBrk="0" hangingPunct="1">
+              <a:lnSpc>
+                <a:spcPct val="90000"/>
+              </a:lnSpc>
+              <a:spcBef>
+                <a:spcPts val="500"/>
+              </a:spcBef>
+              <a:buFont typeface="Arial" panose="020B0604020202020204" pitchFamily="34" charset="0"/>
+              <a:buChar char="•"/>
+              <a:defRPr sz="1800" kern="1200">
+                <a:solidFill>
+                  <a:schemeClr val="tx1"/>
+                </a:solidFill>
+                <a:latin typeface="+mn-lt"/>
+                <a:ea typeface="+mn-ea"/>
+                <a:cs typeface="+mn-cs"/>
+              </a:defRPr>
+            </a:lvl8pPr>
+            <a:lvl9pPr marL="3886200" indent="-228600" algn="l" defTabSz="914400" rtl="0" eaLnBrk="1" latinLnBrk="0" hangingPunct="1">
+              <a:lnSpc>
+                <a:spcPct val="90000"/>
+              </a:lnSpc>
+              <a:spcBef>
+                <a:spcPts val="500"/>
+              </a:spcBef>
+              <a:buFont typeface="Arial" panose="020B0604020202020204" pitchFamily="34" charset="0"/>
+              <a:buChar char="•"/>
+              <a:defRPr sz="1800" kern="1200">
+                <a:solidFill>
+                  <a:schemeClr val="tx1"/>
+                </a:solidFill>
+                <a:latin typeface="+mn-lt"/>
+                <a:ea typeface="+mn-ea"/>
+                <a:cs typeface="+mn-cs"/>
+              </a:defRPr>
+            </a:lvl9pPr>
+          </a:lstStyle>
+          <a:p>
+            <a:pPr marL="0" indent="0" algn="ctr">
+              <a:buFont typeface="Wingdings" pitchFamily="2" charset="2"/>
+              <a:buNone/>
+            </a:pPr>
+            <a:endParaRPr lang="en-US" dirty="0"/>
+          </a:p>
+        </p:txBody>
+      </p:sp>
+      <p:sp>
+        <p:nvSpPr>
+          <p:cNvPr id="3" name="Text Placeholder 44">
+            <a:extLst>
+              <a:ext uri="{FF2B5EF4-FFF2-40B4-BE49-F238E27FC236}">
+                <a16:creationId xmlns:a16="http://schemas.microsoft.com/office/drawing/2014/main" id="{BF73F554-4D08-E426-EC4B-3D49AD497324}"/>
+              </a:ext>
+            </a:extLst>
+          </p:cNvPr>
+          <p:cNvSpPr txBox="1">
+            <a:spLocks/>
+          </p:cNvSpPr>
+          <p:nvPr/>
+        </p:nvSpPr>
+        <p:spPr>
+          <a:xfrm>
+            <a:off x="636103" y="2306016"/>
+            <a:ext cx="9293085" cy="462956"/>
+          </a:xfrm>
+          <a:prstGeom prst="rect">
+            <a:avLst/>
+          </a:prstGeom>
+        </p:spPr>
+        <p:txBody>
+          <a:bodyPr vert="horz" lIns="91440" tIns="45720" rIns="91440" bIns="45720" rtlCol="0">
+            <a:noAutofit/>
+          </a:bodyPr>
+          <a:lstStyle>
+            <a:lvl1pPr marL="228600" indent="-228600" algn="l" defTabSz="914400" rtl="0" eaLnBrk="1" latinLnBrk="0" hangingPunct="1">
+              <a:lnSpc>
+                <a:spcPct val="90000"/>
+              </a:lnSpc>
+              <a:spcBef>
+                <a:spcPts val="1000"/>
+              </a:spcBef>
+              <a:buFont typeface="Arial" panose="020B0604020202020204" pitchFamily="34" charset="0"/>
+              <a:buNone/>
+              <a:defRPr sz="1800" b="0" i="0" kern="1200" spc="0" baseline="0">
+                <a:solidFill>
+                  <a:schemeClr val="tx2"/>
+                </a:solidFill>
+                <a:latin typeface="+mj-lt"/>
+                <a:ea typeface="+mn-ea"/>
+                <a:cs typeface="+mn-cs"/>
+              </a:defRPr>
+            </a:lvl1pPr>
+            <a:lvl2pPr marL="685800" indent="-228600" algn="l" defTabSz="914400" rtl="0" eaLnBrk="1" latinLnBrk="0" hangingPunct="1">
+              <a:lnSpc>
+                <a:spcPct val="90000"/>
+              </a:lnSpc>
+              <a:spcBef>
+                <a:spcPts val="500"/>
+              </a:spcBef>
+              <a:buFont typeface="Arial" panose="020B0604020202020204" pitchFamily="34" charset="0"/>
+              <a:buNone/>
+              <a:defRPr sz="2400" b="0" i="0" kern="1200">
+                <a:solidFill>
+                  <a:schemeClr val="bg1"/>
+                </a:solidFill>
+                <a:latin typeface="+mn-lt"/>
+                <a:ea typeface="+mn-ea"/>
+                <a:cs typeface="+mn-cs"/>
+              </a:defRPr>
+            </a:lvl2pPr>
+            <a:lvl3pPr marL="1143000" indent="-228600" algn="l" defTabSz="914400" rtl="0" eaLnBrk="1" latinLnBrk="0" hangingPunct="1">
+              <a:lnSpc>
+                <a:spcPct val="90000"/>
+              </a:lnSpc>
+              <a:spcBef>
+                <a:spcPts val="500"/>
+              </a:spcBef>
+              <a:buFont typeface="Arial" panose="020B0604020202020204" pitchFamily="34" charset="0"/>
+              <a:buNone/>
+              <a:defRPr sz="2000" b="0" i="0" kern="1200">
+                <a:solidFill>
+                  <a:schemeClr val="bg1"/>
+                </a:solidFill>
+                <a:latin typeface="+mn-lt"/>
+                <a:ea typeface="+mn-ea"/>
+                <a:cs typeface="+mn-cs"/>
+              </a:defRPr>
+            </a:lvl3pPr>
+            <a:lvl4pPr marL="1600200" indent="-228600" algn="l" defTabSz="914400" rtl="0" eaLnBrk="1" latinLnBrk="0" hangingPunct="1">
+              <a:lnSpc>
+                <a:spcPct val="90000"/>
+              </a:lnSpc>
+              <a:spcBef>
+                <a:spcPts val="500"/>
+              </a:spcBef>
+              <a:buFont typeface="Arial" panose="020B0604020202020204" pitchFamily="34" charset="0"/>
+              <a:buNone/>
+              <a:defRPr sz="1800" b="0" i="0" kern="1200">
+                <a:solidFill>
+                  <a:schemeClr val="bg1"/>
+                </a:solidFill>
+                <a:latin typeface="+mn-lt"/>
+                <a:ea typeface="+mn-ea"/>
+                <a:cs typeface="+mn-cs"/>
+              </a:defRPr>
+            </a:lvl4pPr>
+            <a:lvl5pPr marL="2057400" indent="-228600" algn="l" defTabSz="914400" rtl="0" eaLnBrk="1" latinLnBrk="0" hangingPunct="1">
+              <a:lnSpc>
+                <a:spcPct val="90000"/>
+              </a:lnSpc>
+              <a:spcBef>
+                <a:spcPts val="500"/>
+              </a:spcBef>
+              <a:buFont typeface="Arial" panose="020B0604020202020204" pitchFamily="34" charset="0"/>
+              <a:buNone/>
+              <a:defRPr sz="1800" b="0" i="0" kern="1200">
+                <a:solidFill>
+                  <a:schemeClr val="bg1"/>
+                </a:solidFill>
+                <a:latin typeface="+mn-lt"/>
+                <a:ea typeface="+mn-ea"/>
+                <a:cs typeface="+mn-cs"/>
+              </a:defRPr>
+            </a:lvl5pPr>
+            <a:lvl6pPr marL="2514600" indent="-228600" algn="l" defTabSz="914400" rtl="0" eaLnBrk="1" latinLnBrk="0" hangingPunct="1">
+              <a:lnSpc>
+                <a:spcPct val="90000"/>
+              </a:lnSpc>
+              <a:spcBef>
+                <a:spcPts val="500"/>
+              </a:spcBef>
+              <a:buFont typeface="Arial" panose="020B0604020202020204" pitchFamily="34" charset="0"/>
+              <a:buChar char="•"/>
+              <a:defRPr sz="1800" kern="1200">
+                <a:solidFill>
+                  <a:schemeClr val="tx1"/>
+                </a:solidFill>
+                <a:latin typeface="+mn-lt"/>
+                <a:ea typeface="+mn-ea"/>
+                <a:cs typeface="+mn-cs"/>
+              </a:defRPr>
+            </a:lvl6pPr>
+            <a:lvl7pPr marL="2971800" indent="-228600" algn="l" defTabSz="914400" rtl="0" eaLnBrk="1" latinLnBrk="0" hangingPunct="1">
+              <a:lnSpc>
+                <a:spcPct val="90000"/>
+              </a:lnSpc>
+              <a:spcBef>
+                <a:spcPts val="500"/>
+              </a:spcBef>
+              <a:buFont typeface="Arial" panose="020B0604020202020204" pitchFamily="34" charset="0"/>
+              <a:buChar char="•"/>
+              <a:defRPr sz="1800" kern="1200">
+                <a:solidFill>
+                  <a:schemeClr val="tx1"/>
+                </a:solidFill>
+                <a:latin typeface="+mn-lt"/>
+                <a:ea typeface="+mn-ea"/>
+                <a:cs typeface="+mn-cs"/>
+              </a:defRPr>
+            </a:lvl7pPr>
+            <a:lvl8pPr marL="3429000" indent="-228600" algn="l" defTabSz="914400" rtl="0" eaLnBrk="1" latinLnBrk="0" hangingPunct="1">
+              <a:lnSpc>
+                <a:spcPct val="90000"/>
+              </a:lnSpc>
+              <a:spcBef>
+                <a:spcPts val="500"/>
+              </a:spcBef>
+              <a:buFont typeface="Arial" panose="020B0604020202020204" pitchFamily="34" charset="0"/>
+              <a:buChar char="•"/>
+              <a:defRPr sz="1800" kern="1200">
+                <a:solidFill>
+                  <a:schemeClr val="tx1"/>
+                </a:solidFill>
+                <a:latin typeface="+mn-lt"/>
+                <a:ea typeface="+mn-ea"/>
+                <a:cs typeface="+mn-cs"/>
+              </a:defRPr>
+            </a:lvl8pPr>
+            <a:lvl9pPr marL="3886200" indent="-228600" algn="l" defTabSz="914400" rtl="0" eaLnBrk="1" latinLnBrk="0" hangingPunct="1">
+              <a:lnSpc>
+                <a:spcPct val="90000"/>
+              </a:lnSpc>
+              <a:spcBef>
+                <a:spcPts val="500"/>
+              </a:spcBef>
+              <a:buFont typeface="Arial" panose="020B0604020202020204" pitchFamily="34" charset="0"/>
+              <a:buChar char="•"/>
+              <a:defRPr sz="1800" kern="1200">
+                <a:solidFill>
+                  <a:schemeClr val="tx1"/>
+                </a:solidFill>
+                <a:latin typeface="+mn-lt"/>
+                <a:ea typeface="+mn-ea"/>
+                <a:cs typeface="+mn-cs"/>
+              </a:defRPr>
+            </a:lvl9pPr>
+          </a:lstStyle>
+          <a:p>
+            <a:r>
+              <a:rPr lang="en-US" dirty="0"/>
+              <a:t>    We recommend Support Vector Classifier Model for Credit Card fraud detection.</a:t>
+            </a:r>
+          </a:p>
+        </p:txBody>
+      </p:sp>
+      <p:sp>
+        <p:nvSpPr>
+          <p:cNvPr id="4" name="TextBox 3">
+            <a:extLst>
+              <a:ext uri="{FF2B5EF4-FFF2-40B4-BE49-F238E27FC236}">
+                <a16:creationId xmlns:a16="http://schemas.microsoft.com/office/drawing/2014/main" id="{028A6A52-6B96-A391-7F65-3A15C50DEF8A}"/>
+              </a:ext>
+            </a:extLst>
+          </p:cNvPr>
+          <p:cNvSpPr txBox="1"/>
+          <p:nvPr/>
+        </p:nvSpPr>
+        <p:spPr>
+          <a:xfrm>
+            <a:off x="834887" y="2990024"/>
+            <a:ext cx="10173913" cy="1569660"/>
+          </a:xfrm>
+          <a:prstGeom prst="rect">
+            <a:avLst/>
+          </a:prstGeom>
+          <a:noFill/>
+        </p:spPr>
+        <p:txBody>
+          <a:bodyPr wrap="square">
+            <a:spAutoFit/>
+          </a:bodyPr>
+          <a:lstStyle/>
+          <a:p>
+            <a:pPr marL="285750" indent="-285750">
+              <a:buFont typeface="Arial" panose="020B0604020202020204" pitchFamily="34" charset="0"/>
+              <a:buChar char="•"/>
+            </a:pPr>
+            <a:r>
+              <a:rPr lang="en-US" sz="1600" dirty="0">
+                <a:solidFill>
+                  <a:schemeClr val="bg1"/>
+                </a:solidFill>
+              </a:rPr>
+              <a:t>It averages 94-95% accuracy predicting fraud. </a:t>
+            </a:r>
+          </a:p>
+          <a:p>
+            <a:pPr marL="285750" indent="-285750">
+              <a:buFont typeface="Arial" panose="020B0604020202020204" pitchFamily="34" charset="0"/>
+              <a:buChar char="•"/>
+            </a:pPr>
+            <a:r>
+              <a:rPr lang="en-US" sz="1600" dirty="0">
+                <a:solidFill>
+                  <a:schemeClr val="bg1"/>
+                </a:solidFill>
+              </a:rPr>
+              <a:t>Has a relatively high recall when identifying fraudulent charges.</a:t>
+            </a:r>
+          </a:p>
+          <a:p>
+            <a:pPr marL="285750" indent="-285750">
+              <a:buFont typeface="Arial" panose="020B0604020202020204" pitchFamily="34" charset="0"/>
+              <a:buChar char="•"/>
+            </a:pPr>
+            <a:r>
+              <a:rPr lang="en-US" sz="1600" dirty="0">
+                <a:solidFill>
+                  <a:schemeClr val="bg1"/>
+                </a:solidFill>
+              </a:rPr>
+              <a:t>Very memory efficient because it uses a subset of training points.</a:t>
+            </a:r>
+          </a:p>
+          <a:p>
+            <a:pPr marL="285750" indent="-285750">
+              <a:buFont typeface="Arial" panose="020B0604020202020204" pitchFamily="34" charset="0"/>
+              <a:buChar char="•"/>
+            </a:pPr>
+            <a:endParaRPr lang="en-US" sz="1600" dirty="0">
+              <a:solidFill>
+                <a:schemeClr val="bg1"/>
+              </a:solidFill>
+            </a:endParaRPr>
+          </a:p>
+          <a:p>
+            <a:endParaRPr lang="en-US" sz="1600" dirty="0">
+              <a:solidFill>
+                <a:schemeClr val="bg1"/>
+              </a:solidFill>
+            </a:endParaRPr>
+          </a:p>
+          <a:p>
+            <a:pPr marL="285750" indent="-285750">
+              <a:buFont typeface="Arial" panose="020B0604020202020204" pitchFamily="34" charset="0"/>
+              <a:buChar char="•"/>
+            </a:pPr>
+            <a:endParaRPr lang="en-US" sz="1600" dirty="0">
+              <a:solidFill>
+                <a:schemeClr val="bg1"/>
+              </a:solidFill>
+            </a:endParaRPr>
+          </a:p>
+        </p:txBody>
+      </p:sp>
+      <p:sp>
+        <p:nvSpPr>
+          <p:cNvPr id="6" name="Text Placeholder 44">
+            <a:extLst>
+              <a:ext uri="{FF2B5EF4-FFF2-40B4-BE49-F238E27FC236}">
+                <a16:creationId xmlns:a16="http://schemas.microsoft.com/office/drawing/2014/main" id="{815B36C9-98E5-5286-1E61-4A2398B075CF}"/>
+              </a:ext>
+            </a:extLst>
+          </p:cNvPr>
+          <p:cNvSpPr txBox="1">
+            <a:spLocks/>
+          </p:cNvSpPr>
+          <p:nvPr/>
+        </p:nvSpPr>
+        <p:spPr>
+          <a:xfrm>
+            <a:off x="834887" y="2676614"/>
+            <a:ext cx="9366358" cy="462956"/>
+          </a:xfrm>
+          <a:prstGeom prst="rect">
+            <a:avLst/>
+          </a:prstGeom>
+        </p:spPr>
+        <p:txBody>
+          <a:bodyPr vert="horz" lIns="91440" tIns="45720" rIns="91440" bIns="45720" rtlCol="0">
+            <a:noAutofit/>
+          </a:bodyPr>
+          <a:lstStyle>
+            <a:lvl1pPr marL="228600" indent="-228600" algn="l" defTabSz="914400" rtl="0" eaLnBrk="1" latinLnBrk="0" hangingPunct="1">
+              <a:lnSpc>
+                <a:spcPct val="90000"/>
+              </a:lnSpc>
+              <a:spcBef>
+                <a:spcPts val="1000"/>
+              </a:spcBef>
+              <a:buFont typeface="Arial" panose="020B0604020202020204" pitchFamily="34" charset="0"/>
+              <a:buNone/>
+              <a:defRPr sz="1800" b="0" i="0" kern="1200" spc="0" baseline="0">
+                <a:solidFill>
+                  <a:schemeClr val="tx2"/>
+                </a:solidFill>
+                <a:latin typeface="+mj-lt"/>
+                <a:ea typeface="+mn-ea"/>
+                <a:cs typeface="+mn-cs"/>
+              </a:defRPr>
+            </a:lvl1pPr>
+            <a:lvl2pPr marL="685800" indent="-228600" algn="l" defTabSz="914400" rtl="0" eaLnBrk="1" latinLnBrk="0" hangingPunct="1">
+              <a:lnSpc>
+                <a:spcPct val="90000"/>
+              </a:lnSpc>
+              <a:spcBef>
+                <a:spcPts val="500"/>
+              </a:spcBef>
+              <a:buFont typeface="Arial" panose="020B0604020202020204" pitchFamily="34" charset="0"/>
+              <a:buNone/>
+              <a:defRPr sz="2400" b="0" i="0" kern="1200">
+                <a:solidFill>
+                  <a:schemeClr val="bg1"/>
+                </a:solidFill>
+                <a:latin typeface="+mn-lt"/>
+                <a:ea typeface="+mn-ea"/>
+                <a:cs typeface="+mn-cs"/>
+              </a:defRPr>
+            </a:lvl2pPr>
+            <a:lvl3pPr marL="1143000" indent="-228600" algn="l" defTabSz="914400" rtl="0" eaLnBrk="1" latinLnBrk="0" hangingPunct="1">
+              <a:lnSpc>
+                <a:spcPct val="90000"/>
+              </a:lnSpc>
+              <a:spcBef>
+                <a:spcPts val="500"/>
+              </a:spcBef>
+              <a:buFont typeface="Arial" panose="020B0604020202020204" pitchFamily="34" charset="0"/>
+              <a:buNone/>
+              <a:defRPr sz="2000" b="0" i="0" kern="1200">
+                <a:solidFill>
+                  <a:schemeClr val="bg1"/>
+                </a:solidFill>
+                <a:latin typeface="+mn-lt"/>
+                <a:ea typeface="+mn-ea"/>
+                <a:cs typeface="+mn-cs"/>
+              </a:defRPr>
+            </a:lvl3pPr>
+            <a:lvl4pPr marL="1600200" indent="-228600" algn="l" defTabSz="914400" rtl="0" eaLnBrk="1" latinLnBrk="0" hangingPunct="1">
+              <a:lnSpc>
+                <a:spcPct val="90000"/>
+              </a:lnSpc>
+              <a:spcBef>
+                <a:spcPts val="500"/>
+              </a:spcBef>
+              <a:buFont typeface="Arial" panose="020B0604020202020204" pitchFamily="34" charset="0"/>
+              <a:buNone/>
+              <a:defRPr sz="1800" b="0" i="0" kern="1200">
+                <a:solidFill>
+                  <a:schemeClr val="bg1"/>
+                </a:solidFill>
+                <a:latin typeface="+mn-lt"/>
+                <a:ea typeface="+mn-ea"/>
+                <a:cs typeface="+mn-cs"/>
+              </a:defRPr>
+            </a:lvl4pPr>
+            <a:lvl5pPr marL="2057400" indent="-228600" algn="l" defTabSz="914400" rtl="0" eaLnBrk="1" latinLnBrk="0" hangingPunct="1">
+              <a:lnSpc>
+                <a:spcPct val="90000"/>
+              </a:lnSpc>
+              <a:spcBef>
+                <a:spcPts val="500"/>
+              </a:spcBef>
+              <a:buFont typeface="Arial" panose="020B0604020202020204" pitchFamily="34" charset="0"/>
+              <a:buNone/>
+              <a:defRPr sz="1800" b="0" i="0" kern="1200">
+                <a:solidFill>
+                  <a:schemeClr val="bg1"/>
+                </a:solidFill>
+                <a:latin typeface="+mn-lt"/>
+                <a:ea typeface="+mn-ea"/>
+                <a:cs typeface="+mn-cs"/>
+              </a:defRPr>
+            </a:lvl5pPr>
+            <a:lvl6pPr marL="2514600" indent="-228600" algn="l" defTabSz="914400" rtl="0" eaLnBrk="1" latinLnBrk="0" hangingPunct="1">
+              <a:lnSpc>
+                <a:spcPct val="90000"/>
+              </a:lnSpc>
+              <a:spcBef>
+                <a:spcPts val="500"/>
+              </a:spcBef>
+              <a:buFont typeface="Arial" panose="020B0604020202020204" pitchFamily="34" charset="0"/>
+              <a:buChar char="•"/>
+              <a:defRPr sz="1800" kern="1200">
+                <a:solidFill>
+                  <a:schemeClr val="tx1"/>
+                </a:solidFill>
+                <a:latin typeface="+mn-lt"/>
+                <a:ea typeface="+mn-ea"/>
+                <a:cs typeface="+mn-cs"/>
+              </a:defRPr>
+            </a:lvl6pPr>
+            <a:lvl7pPr marL="2971800" indent="-228600" algn="l" defTabSz="914400" rtl="0" eaLnBrk="1" latinLnBrk="0" hangingPunct="1">
+              <a:lnSpc>
+                <a:spcPct val="90000"/>
+              </a:lnSpc>
+              <a:spcBef>
+                <a:spcPts val="500"/>
+              </a:spcBef>
+              <a:buFont typeface="Arial" panose="020B0604020202020204" pitchFamily="34" charset="0"/>
+              <a:buChar char="•"/>
+              <a:defRPr sz="1800" kern="1200">
+                <a:solidFill>
+                  <a:schemeClr val="tx1"/>
+                </a:solidFill>
+                <a:latin typeface="+mn-lt"/>
+                <a:ea typeface="+mn-ea"/>
+                <a:cs typeface="+mn-cs"/>
+              </a:defRPr>
+            </a:lvl7pPr>
+            <a:lvl8pPr marL="3429000" indent="-228600" algn="l" defTabSz="914400" rtl="0" eaLnBrk="1" latinLnBrk="0" hangingPunct="1">
+              <a:lnSpc>
+                <a:spcPct val="90000"/>
+              </a:lnSpc>
+              <a:spcBef>
+                <a:spcPts val="500"/>
+              </a:spcBef>
+              <a:buFont typeface="Arial" panose="020B0604020202020204" pitchFamily="34" charset="0"/>
+              <a:buChar char="•"/>
+              <a:defRPr sz="1800" kern="1200">
+                <a:solidFill>
+                  <a:schemeClr val="tx1"/>
+                </a:solidFill>
+                <a:latin typeface="+mn-lt"/>
+                <a:ea typeface="+mn-ea"/>
+                <a:cs typeface="+mn-cs"/>
+              </a:defRPr>
+            </a:lvl8pPr>
+            <a:lvl9pPr marL="3886200" indent="-228600" algn="l" defTabSz="914400" rtl="0" eaLnBrk="1" latinLnBrk="0" hangingPunct="1">
+              <a:lnSpc>
+                <a:spcPct val="90000"/>
+              </a:lnSpc>
+              <a:spcBef>
+                <a:spcPts val="500"/>
+              </a:spcBef>
+              <a:buFont typeface="Arial" panose="020B0604020202020204" pitchFamily="34" charset="0"/>
+              <a:buChar char="•"/>
+              <a:defRPr sz="1800" kern="1200">
+                <a:solidFill>
+                  <a:schemeClr val="tx1"/>
+                </a:solidFill>
+                <a:latin typeface="+mn-lt"/>
+                <a:ea typeface="+mn-ea"/>
+                <a:cs typeface="+mn-cs"/>
+              </a:defRPr>
+            </a:lvl9pPr>
+          </a:lstStyle>
+          <a:p>
+            <a:r>
+              <a:rPr lang="en-US" dirty="0"/>
+              <a:t>Why?</a:t>
+            </a:r>
+          </a:p>
+        </p:txBody>
+      </p:sp>
+    </p:spTree>
+    <p:extLst>
+      <p:ext uri="{BB962C8B-B14F-4D97-AF65-F5344CB8AC3E}">
+        <p14:creationId xmlns:p14="http://schemas.microsoft.com/office/powerpoint/2010/main" val="35804373"/>
       </p:ext>
     </p:extLst>
   </p:cSld>
@@ -17138,7 +17797,7 @@
         <p:cNvPr id="1" name="">
           <a:extLst>
             <a:ext uri="{FF2B5EF4-FFF2-40B4-BE49-F238E27FC236}">
-              <a16:creationId xmlns:a16="http://schemas.microsoft.com/office/drawing/2014/main" id="{02997953-C6B4-E607-E956-ABE9F61A201A}"/>
+              <a16:creationId xmlns:a16="http://schemas.microsoft.com/office/drawing/2014/main" id="{4C485F61-6CF6-0C01-D329-B5607F0E3ADD}"/>
             </a:ext>
           </a:extLst>
         </p:cNvPr>
@@ -17158,7 +17817,7 @@
           <p:cNvPr id="2" name="Title 1">
             <a:extLst>
               <a:ext uri="{FF2B5EF4-FFF2-40B4-BE49-F238E27FC236}">
-                <a16:creationId xmlns:a16="http://schemas.microsoft.com/office/drawing/2014/main" id="{FA739577-BB00-A5EE-3463-6AD798F606EF}"/>
+                <a16:creationId xmlns:a16="http://schemas.microsoft.com/office/drawing/2014/main" id="{3DE298B3-564A-B57A-7183-D4965DB76F76}"/>
               </a:ext>
             </a:extLst>
           </p:cNvPr>
@@ -17183,7 +17842,7 @@
           <a:p>
             <a:r>
               <a:rPr lang="en-US" sz="3200" dirty="0"/>
-              <a:t>Recommendations</a:t>
+              <a:t>References</a:t>
             </a:r>
           </a:p>
         </p:txBody>
@@ -17193,7 +17852,7 @@
           <p:cNvPr id="13" name="Footer Placeholder 12">
             <a:extLst>
               <a:ext uri="{FF2B5EF4-FFF2-40B4-BE49-F238E27FC236}">
-                <a16:creationId xmlns:a16="http://schemas.microsoft.com/office/drawing/2014/main" id="{374A753D-00CF-336E-2D9C-2DD49C2903A3}"/>
+                <a16:creationId xmlns:a16="http://schemas.microsoft.com/office/drawing/2014/main" id="{0375FF70-449D-8F4F-DB9B-38B545DC0AED}"/>
               </a:ext>
             </a:extLst>
           </p:cNvPr>
@@ -17226,7 +17885,7 @@
           <p:cNvPr id="14" name="Slide Number Placeholder 13">
             <a:extLst>
               <a:ext uri="{FF2B5EF4-FFF2-40B4-BE49-F238E27FC236}">
-                <a16:creationId xmlns:a16="http://schemas.microsoft.com/office/drawing/2014/main" id="{A14AF3FC-1222-6FBB-0044-D9D04741BC97}"/>
+                <a16:creationId xmlns:a16="http://schemas.microsoft.com/office/drawing/2014/main" id="{2F411953-77F6-B646-9D30-440363FB687B}"/>
               </a:ext>
             </a:extLst>
           </p:cNvPr>
@@ -17255,210 +17914,10 @@
       </p:sp>
       <p:sp>
         <p:nvSpPr>
-          <p:cNvPr id="5" name="Content Placeholder 7">
-            <a:extLst>
-              <a:ext uri="{FF2B5EF4-FFF2-40B4-BE49-F238E27FC236}">
-                <a16:creationId xmlns:a16="http://schemas.microsoft.com/office/drawing/2014/main" id="{4D0E6B27-EE15-819D-A027-D682FB6E7C56}"/>
-              </a:ext>
-            </a:extLst>
-          </p:cNvPr>
-          <p:cNvSpPr txBox="1">
-            <a:spLocks/>
-          </p:cNvSpPr>
-          <p:nvPr/>
-        </p:nvSpPr>
-        <p:spPr>
-          <a:xfrm rot="10800000" flipV="1">
-            <a:off x="1494789" y="3250096"/>
-            <a:ext cx="8434400" cy="3108721"/>
-          </a:xfrm>
-          <a:prstGeom prst="rect">
-            <a:avLst/>
-          </a:prstGeom>
-        </p:spPr>
-        <p:txBody>
-          <a:bodyPr vert="horz" lIns="0" tIns="0" rIns="0" bIns="0" rtlCol="0" anchor="t" anchorCtr="0">
-            <a:normAutofit/>
-          </a:bodyPr>
-          <a:lstStyle>
-            <a:lvl1pPr marL="285750" indent="-285750" algn="l" defTabSz="914400" rtl="0" eaLnBrk="1" latinLnBrk="0" hangingPunct="1">
-              <a:lnSpc>
-                <a:spcPct val="100000"/>
-              </a:lnSpc>
-              <a:spcBef>
-                <a:spcPts val="1000"/>
-              </a:spcBef>
-              <a:buFont typeface="Wingdings" pitchFamily="2" charset="2"/>
-              <a:buChar char="§"/>
-              <a:defRPr sz="1600" b="0" i="0" kern="1200">
-                <a:solidFill>
-                  <a:schemeClr val="bg1"/>
-                </a:solidFill>
-                <a:latin typeface="+mn-lt"/>
-                <a:ea typeface="+mn-ea"/>
-                <a:cs typeface="+mn-cs"/>
-              </a:defRPr>
-            </a:lvl1pPr>
-            <a:lvl2pPr marL="685800" indent="-228600" algn="l" defTabSz="914400" rtl="0" eaLnBrk="1" latinLnBrk="0" hangingPunct="1">
-              <a:lnSpc>
-                <a:spcPct val="90000"/>
-              </a:lnSpc>
-              <a:spcBef>
-                <a:spcPts val="500"/>
-              </a:spcBef>
-              <a:buFont typeface="Arial" panose="020B0604020202020204" pitchFamily="34" charset="0"/>
-              <a:buChar char="•"/>
-              <a:defRPr sz="1600" b="0" i="0" kern="1200">
-                <a:solidFill>
-                  <a:schemeClr val="bg1"/>
-                </a:solidFill>
-                <a:latin typeface="+mn-lt"/>
-                <a:ea typeface="+mn-ea"/>
-                <a:cs typeface="+mn-cs"/>
-              </a:defRPr>
-            </a:lvl2pPr>
-            <a:lvl3pPr marL="1143000" indent="-228600" algn="l" defTabSz="914400" rtl="0" eaLnBrk="1" latinLnBrk="0" hangingPunct="1">
-              <a:lnSpc>
-                <a:spcPct val="90000"/>
-              </a:lnSpc>
-              <a:spcBef>
-                <a:spcPts val="500"/>
-              </a:spcBef>
-              <a:buFont typeface="Arial" panose="020B0604020202020204" pitchFamily="34" charset="0"/>
-              <a:buChar char="•"/>
-              <a:defRPr sz="1600" b="0" i="0" kern="1200">
-                <a:solidFill>
-                  <a:schemeClr val="bg1"/>
-                </a:solidFill>
-                <a:latin typeface="+mn-lt"/>
-                <a:ea typeface="+mn-ea"/>
-                <a:cs typeface="+mn-cs"/>
-              </a:defRPr>
-            </a:lvl3pPr>
-            <a:lvl4pPr marL="1600200" indent="-228600" algn="l" defTabSz="914400" rtl="0" eaLnBrk="1" latinLnBrk="0" hangingPunct="1">
-              <a:lnSpc>
-                <a:spcPct val="90000"/>
-              </a:lnSpc>
-              <a:spcBef>
-                <a:spcPts val="500"/>
-              </a:spcBef>
-              <a:buFont typeface="Arial" panose="020B0604020202020204" pitchFamily="34" charset="0"/>
-              <a:buChar char="•"/>
-              <a:defRPr sz="1600" b="0" i="0" kern="1200">
-                <a:solidFill>
-                  <a:schemeClr val="bg1"/>
-                </a:solidFill>
-                <a:latin typeface="+mn-lt"/>
-                <a:ea typeface="+mn-ea"/>
-                <a:cs typeface="+mn-cs"/>
-              </a:defRPr>
-            </a:lvl4pPr>
-            <a:lvl5pPr marL="2057400" indent="-228600" algn="l" defTabSz="914400" rtl="0" eaLnBrk="1" latinLnBrk="0" hangingPunct="1">
-              <a:lnSpc>
-                <a:spcPct val="90000"/>
-              </a:lnSpc>
-              <a:spcBef>
-                <a:spcPts val="500"/>
-              </a:spcBef>
-              <a:buFont typeface="Arial" panose="020B0604020202020204" pitchFamily="34" charset="0"/>
-              <a:buChar char="•"/>
-              <a:defRPr sz="1600" b="0" i="0" kern="1200">
-                <a:solidFill>
-                  <a:schemeClr val="bg1"/>
-                </a:solidFill>
-                <a:latin typeface="+mn-lt"/>
-                <a:ea typeface="+mn-ea"/>
-                <a:cs typeface="+mn-cs"/>
-              </a:defRPr>
-            </a:lvl5pPr>
-            <a:lvl6pPr marL="2514600" indent="-228600" algn="l" defTabSz="914400" rtl="0" eaLnBrk="1" latinLnBrk="0" hangingPunct="1">
-              <a:lnSpc>
-                <a:spcPct val="90000"/>
-              </a:lnSpc>
-              <a:spcBef>
-                <a:spcPts val="500"/>
-              </a:spcBef>
-              <a:buFont typeface="Arial" panose="020B0604020202020204" pitchFamily="34" charset="0"/>
-              <a:buChar char="•"/>
-              <a:defRPr sz="1800" kern="1200">
-                <a:solidFill>
-                  <a:schemeClr val="tx1"/>
-                </a:solidFill>
-                <a:latin typeface="+mn-lt"/>
-                <a:ea typeface="+mn-ea"/>
-                <a:cs typeface="+mn-cs"/>
-              </a:defRPr>
-            </a:lvl6pPr>
-            <a:lvl7pPr marL="2971800" indent="-228600" algn="l" defTabSz="914400" rtl="0" eaLnBrk="1" latinLnBrk="0" hangingPunct="1">
-              <a:lnSpc>
-                <a:spcPct val="90000"/>
-              </a:lnSpc>
-              <a:spcBef>
-                <a:spcPts val="500"/>
-              </a:spcBef>
-              <a:buFont typeface="Arial" panose="020B0604020202020204" pitchFamily="34" charset="0"/>
-              <a:buChar char="•"/>
-              <a:defRPr sz="1800" kern="1200">
-                <a:solidFill>
-                  <a:schemeClr val="tx1"/>
-                </a:solidFill>
-                <a:latin typeface="+mn-lt"/>
-                <a:ea typeface="+mn-ea"/>
-                <a:cs typeface="+mn-cs"/>
-              </a:defRPr>
-            </a:lvl7pPr>
-            <a:lvl8pPr marL="3429000" indent="-228600" algn="l" defTabSz="914400" rtl="0" eaLnBrk="1" latinLnBrk="0" hangingPunct="1">
-              <a:lnSpc>
-                <a:spcPct val="90000"/>
-              </a:lnSpc>
-              <a:spcBef>
-                <a:spcPts val="500"/>
-              </a:spcBef>
-              <a:buFont typeface="Arial" panose="020B0604020202020204" pitchFamily="34" charset="0"/>
-              <a:buChar char="•"/>
-              <a:defRPr sz="1800" kern="1200">
-                <a:solidFill>
-                  <a:schemeClr val="tx1"/>
-                </a:solidFill>
-                <a:latin typeface="+mn-lt"/>
-                <a:ea typeface="+mn-ea"/>
-                <a:cs typeface="+mn-cs"/>
-              </a:defRPr>
-            </a:lvl8pPr>
-            <a:lvl9pPr marL="3886200" indent="-228600" algn="l" defTabSz="914400" rtl="0" eaLnBrk="1" latinLnBrk="0" hangingPunct="1">
-              <a:lnSpc>
-                <a:spcPct val="90000"/>
-              </a:lnSpc>
-              <a:spcBef>
-                <a:spcPts val="500"/>
-              </a:spcBef>
-              <a:buFont typeface="Arial" panose="020B0604020202020204" pitchFamily="34" charset="0"/>
-              <a:buChar char="•"/>
-              <a:defRPr sz="1800" kern="1200">
-                <a:solidFill>
-                  <a:schemeClr val="tx1"/>
-                </a:solidFill>
-                <a:latin typeface="+mn-lt"/>
-                <a:ea typeface="+mn-ea"/>
-                <a:cs typeface="+mn-cs"/>
-              </a:defRPr>
-            </a:lvl9pPr>
-          </a:lstStyle>
-          <a:p>
-            <a:pPr marL="0" indent="0" algn="ctr">
-              <a:buFont typeface="Wingdings" pitchFamily="2" charset="2"/>
-              <a:buNone/>
-            </a:pPr>
-            <a:endParaRPr lang="en-US" dirty="0"/>
-          </a:p>
-        </p:txBody>
-      </p:sp>
-      <p:sp>
-        <p:nvSpPr>
           <p:cNvPr id="3" name="Text Placeholder 44">
             <a:extLst>
               <a:ext uri="{FF2B5EF4-FFF2-40B4-BE49-F238E27FC236}">
-                <a16:creationId xmlns:a16="http://schemas.microsoft.com/office/drawing/2014/main" id="{BF73F554-4D08-E426-EC4B-3D49AD497324}"/>
+                <a16:creationId xmlns:a16="http://schemas.microsoft.com/office/drawing/2014/main" id="{3EE495F0-FC72-F0AA-D579-BE62A6FFE3AD}"/>
               </a:ext>
             </a:extLst>
           </p:cNvPr>
@@ -17645,10 +18104,7 @@
             </a:lvl9pPr>
           </a:lstStyle>
           <a:p>
-            <a:r>
-              <a:rPr lang="en-US" dirty="0"/>
-              <a:t>    We recommend TBD Model.</a:t>
-            </a:r>
+            <a:endParaRPr lang="en-US" dirty="0"/>
           </a:p>
         </p:txBody>
       </p:sp>
@@ -17657,7 +18113,7 @@
           <p:cNvPr id="4" name="TextBox 3">
             <a:extLst>
               <a:ext uri="{FF2B5EF4-FFF2-40B4-BE49-F238E27FC236}">
-                <a16:creationId xmlns:a16="http://schemas.microsoft.com/office/drawing/2014/main" id="{028A6A52-6B96-A391-7F65-3A15C50DEF8A}"/>
+                <a16:creationId xmlns:a16="http://schemas.microsoft.com/office/drawing/2014/main" id="{70B5F7C2-81AC-849F-0444-BDFA700979E4}"/>
               </a:ext>
             </a:extLst>
           </p:cNvPr>
@@ -17667,7 +18123,7 @@
         <p:spPr>
           <a:xfrm>
             <a:off x="834887" y="2532824"/>
-            <a:ext cx="10173913" cy="338554"/>
+            <a:ext cx="10173913" cy="923330"/>
           </a:xfrm>
           <a:prstGeom prst="rect">
             <a:avLst/>
@@ -17680,13 +18136,17 @@
           </a:bodyPr>
           <a:lstStyle/>
           <a:p>
-            <a:r>
-              <a:rPr lang="en-US" sz="1600" dirty="0">
+            <a:pPr marL="342900" indent="-342900">
+              <a:buAutoNum type="arabicPeriod"/>
+            </a:pPr>
+            <a:r>
+              <a:rPr lang="en-US" dirty="0">
                 <a:solidFill>
                   <a:schemeClr val="bg1"/>
                 </a:solidFill>
+                <a:hlinkClick r:id="rId2"/>
               </a:rPr>
-              <a:t>TBD</a:t>
+              <a:t>https://statinfer.com/204-6-8-svm-advantages-disadvantages-applications/</a:t>
             </a:r>
             <a:endParaRPr lang="en-US" dirty="0">
               <a:solidFill>
@@ -17694,12 +18154,41 @@
               </a:solidFill>
             </a:endParaRPr>
           </a:p>
+          <a:p>
+            <a:pPr marL="342900" indent="-342900">
+              <a:buAutoNum type="arabicPeriod"/>
+            </a:pPr>
+            <a:r>
+              <a:rPr lang="en-US" dirty="0">
+                <a:solidFill>
+                  <a:schemeClr val="bg1"/>
+                </a:solidFill>
+                <a:hlinkClick r:id="rId3"/>
+              </a:rPr>
+              <a:t>https://www.kaggle.com/datasets/mlg-ulb/creditcardfraud?resource=download</a:t>
+            </a:r>
+            <a:endParaRPr lang="en-US" dirty="0">
+              <a:solidFill>
+                <a:schemeClr val="bg1"/>
+              </a:solidFill>
+            </a:endParaRPr>
+          </a:p>
+          <a:p>
+            <a:pPr marL="342900" indent="-342900">
+              <a:buAutoNum type="arabicPeriod"/>
+            </a:pPr>
+            <a:endParaRPr lang="en-US" dirty="0">
+              <a:solidFill>
+                <a:schemeClr val="bg1"/>
+              </a:solidFill>
+            </a:endParaRPr>
+          </a:p>
         </p:txBody>
       </p:sp>
     </p:spTree>
     <p:extLst>
       <p:ext uri="{BB962C8B-B14F-4D97-AF65-F5344CB8AC3E}">
-        <p14:creationId xmlns:p14="http://schemas.microsoft.com/office/powerpoint/2010/main" val="35804373"/>
+        <p14:creationId xmlns:p14="http://schemas.microsoft.com/office/powerpoint/2010/main" val="2595183344"/>
       </p:ext>
     </p:extLst>
   </p:cSld>
@@ -17726,13 +18215,7 @@
   <p:cSld>
     <p:spTree>
       <p:nvGrpSpPr>
-        <p:cNvPr id="1" name="">
-          <a:extLst>
-            <a:ext uri="{FF2B5EF4-FFF2-40B4-BE49-F238E27FC236}">
-              <a16:creationId xmlns:a16="http://schemas.microsoft.com/office/drawing/2014/main" id="{4C485F61-6CF6-0C01-D329-B5607F0E3ADD}"/>
-            </a:ext>
-          </a:extLst>
-        </p:cNvPr>
+        <p:cNvPr id="1" name=""/>
         <p:cNvGrpSpPr/>
         <p:nvPr/>
       </p:nvGrpSpPr>
@@ -17749,7 +18232,7 @@
           <p:cNvPr id="2" name="Title 1">
             <a:extLst>
               <a:ext uri="{FF2B5EF4-FFF2-40B4-BE49-F238E27FC236}">
-                <a16:creationId xmlns:a16="http://schemas.microsoft.com/office/drawing/2014/main" id="{3DE298B3-564A-B57A-7183-D4965DB76F76}"/>
+                <a16:creationId xmlns:a16="http://schemas.microsoft.com/office/drawing/2014/main" id="{51DF3D98-3C30-4CFC-8643-C81E829C8C25}"/>
               </a:ext>
             </a:extLst>
           </p:cNvPr>
@@ -17762,43 +18245,8 @@
         </p:nvSpPr>
         <p:spPr>
           <a:xfrm>
-            <a:off x="964023" y="1170774"/>
-            <a:ext cx="7789452" cy="427289"/>
-          </a:xfrm>
-        </p:spPr>
-        <p:txBody>
-          <a:bodyPr>
-            <a:normAutofit fontScale="90000"/>
-          </a:bodyPr>
-          <a:lstStyle/>
-          <a:p>
-            <a:r>
-              <a:rPr lang="en-US" sz="3200" dirty="0"/>
-              <a:t>References</a:t>
-            </a:r>
-          </a:p>
-        </p:txBody>
-      </p:sp>
-      <p:sp>
-        <p:nvSpPr>
-          <p:cNvPr id="13" name="Footer Placeholder 12">
-            <a:extLst>
-              <a:ext uri="{FF2B5EF4-FFF2-40B4-BE49-F238E27FC236}">
-                <a16:creationId xmlns:a16="http://schemas.microsoft.com/office/drawing/2014/main" id="{0375FF70-449D-8F4F-DB9B-38B545DC0AED}"/>
-              </a:ext>
-            </a:extLst>
-          </p:cNvPr>
-          <p:cNvSpPr>
-            <a:spLocks noGrp="1"/>
-          </p:cNvSpPr>
-          <p:nvPr>
-            <p:ph type="ftr" sz="quarter" idx="22"/>
-          </p:nvPr>
-        </p:nvSpPr>
-        <p:spPr>
-          <a:xfrm>
-            <a:off x="1494790" y="6332220"/>
-            <a:ext cx="1762760" cy="247651"/>
+            <a:off x="6803473" y="2173658"/>
+            <a:ext cx="5007528" cy="610863"/>
           </a:xfrm>
         </p:spPr>
         <p:txBody>
@@ -17807,333 +18255,62 @@
           <a:p>
             <a:r>
               <a:rPr lang="en-US" dirty="0"/>
-              <a:t>Credit Card Fraud Detection</a:t>
+              <a:t>Thank you</a:t>
             </a:r>
           </a:p>
         </p:txBody>
       </p:sp>
-      <p:sp>
-        <p:nvSpPr>
-          <p:cNvPr id="14" name="Slide Number Placeholder 13">
-            <a:extLst>
-              <a:ext uri="{FF2B5EF4-FFF2-40B4-BE49-F238E27FC236}">
-                <a16:creationId xmlns:a16="http://schemas.microsoft.com/office/drawing/2014/main" id="{2F411953-77F6-B646-9D30-440363FB687B}"/>
-              </a:ext>
-            </a:extLst>
-          </p:cNvPr>
-          <p:cNvSpPr>
-            <a:spLocks noGrp="1"/>
-          </p:cNvSpPr>
+      <p:pic>
+        <p:nvPicPr>
+          <p:cNvPr id="13" name="Picture Placeholder 12" descr="Person running up stairs">
+            <a:extLst>
+              <a:ext uri="{FF2B5EF4-FFF2-40B4-BE49-F238E27FC236}">
+                <a16:creationId xmlns:a16="http://schemas.microsoft.com/office/drawing/2014/main" id="{EC944911-7CDD-41CC-A7F0-5B0CF85D545C}"/>
+              </a:ext>
+              <a:ext uri="{C183D7F6-B498-43B3-948B-1728B52AA6E4}">
+                <adec:decorative xmlns:adec="http://schemas.microsoft.com/office/drawing/2017/decorative" val="0"/>
+              </a:ext>
+            </a:extLst>
+          </p:cNvPr>
+          <p:cNvPicPr>
+            <a:picLocks noGrp="1" noChangeAspect="1"/>
+          </p:cNvPicPr>
           <p:nvPr>
-            <p:ph type="sldNum" sz="quarter" idx="23"/>
+            <p:ph type="pic" sz="quarter" idx="13"/>
           </p:nvPr>
-        </p:nvSpPr>
+        </p:nvPicPr>
+        <p:blipFill>
+          <a:blip r:embed="rId3">
+            <a:extLst>
+              <a:ext uri="{28A0092B-C50C-407E-A947-70E740481C1C}">
+                <a14:useLocalDpi xmlns:a14="http://schemas.microsoft.com/office/drawing/2010/main" val="0"/>
+              </a:ext>
+            </a:extLst>
+          </a:blip>
+          <a:srcRect/>
+          <a:stretch>
+            <a:fillRect/>
+          </a:stretch>
+        </p:blipFill>
         <p:spPr/>
-        <p:txBody>
-          <a:bodyPr/>
-          <a:lstStyle/>
-          <a:p>
-            <a:fld id="{294A09A9-5501-47C1-A89A-A340965A2BE2}" type="slidenum">
-              <a:rPr lang="en-US" smtClean="0"/>
-              <a:pPr/>
-              <a:t>19</a:t>
-            </a:fld>
-            <a:endParaRPr lang="en-US" dirty="0">
-              <a:latin typeface="+mn-lt"/>
-            </a:endParaRPr>
-          </a:p>
-        </p:txBody>
-      </p:sp>
-      <p:sp>
-        <p:nvSpPr>
-          <p:cNvPr id="3" name="Text Placeholder 44">
-            <a:extLst>
-              <a:ext uri="{FF2B5EF4-FFF2-40B4-BE49-F238E27FC236}">
-                <a16:creationId xmlns:a16="http://schemas.microsoft.com/office/drawing/2014/main" id="{3EE495F0-FC72-F0AA-D579-BE62A6FFE3AD}"/>
-              </a:ext>
-            </a:extLst>
-          </p:cNvPr>
-          <p:cNvSpPr txBox="1">
-            <a:spLocks/>
-          </p:cNvSpPr>
-          <p:nvPr/>
-        </p:nvSpPr>
-        <p:spPr>
-          <a:xfrm>
-            <a:off x="562831" y="2306015"/>
-            <a:ext cx="5741503" cy="415761"/>
-          </a:xfrm>
-          <a:prstGeom prst="rect">
-            <a:avLst/>
-          </a:prstGeom>
-        </p:spPr>
-        <p:txBody>
-          <a:bodyPr vert="horz" lIns="91440" tIns="45720" rIns="91440" bIns="45720" rtlCol="0">
-            <a:noAutofit/>
-          </a:bodyPr>
-          <a:lstStyle>
-            <a:lvl1pPr marL="228600" indent="-228600" algn="l" defTabSz="914400" rtl="0" eaLnBrk="1" latinLnBrk="0" hangingPunct="1">
-              <a:lnSpc>
-                <a:spcPct val="90000"/>
-              </a:lnSpc>
-              <a:spcBef>
-                <a:spcPts val="1000"/>
-              </a:spcBef>
-              <a:buFont typeface="Arial" panose="020B0604020202020204" pitchFamily="34" charset="0"/>
-              <a:buNone/>
-              <a:defRPr sz="1800" b="0" i="0" kern="1200" spc="0" baseline="0">
-                <a:solidFill>
-                  <a:schemeClr val="tx2"/>
-                </a:solidFill>
-                <a:latin typeface="+mj-lt"/>
-                <a:ea typeface="+mn-ea"/>
-                <a:cs typeface="+mn-cs"/>
-              </a:defRPr>
-            </a:lvl1pPr>
-            <a:lvl2pPr marL="685800" indent="-228600" algn="l" defTabSz="914400" rtl="0" eaLnBrk="1" latinLnBrk="0" hangingPunct="1">
-              <a:lnSpc>
-                <a:spcPct val="90000"/>
-              </a:lnSpc>
-              <a:spcBef>
-                <a:spcPts val="500"/>
-              </a:spcBef>
-              <a:buFont typeface="Arial" panose="020B0604020202020204" pitchFamily="34" charset="0"/>
-              <a:buNone/>
-              <a:defRPr sz="2400" b="0" i="0" kern="1200">
-                <a:solidFill>
-                  <a:schemeClr val="bg1"/>
-                </a:solidFill>
-                <a:latin typeface="+mn-lt"/>
-                <a:ea typeface="+mn-ea"/>
-                <a:cs typeface="+mn-cs"/>
-              </a:defRPr>
-            </a:lvl2pPr>
-            <a:lvl3pPr marL="1143000" indent="-228600" algn="l" defTabSz="914400" rtl="0" eaLnBrk="1" latinLnBrk="0" hangingPunct="1">
-              <a:lnSpc>
-                <a:spcPct val="90000"/>
-              </a:lnSpc>
-              <a:spcBef>
-                <a:spcPts val="500"/>
-              </a:spcBef>
-              <a:buFont typeface="Arial" panose="020B0604020202020204" pitchFamily="34" charset="0"/>
-              <a:buNone/>
-              <a:defRPr sz="2000" b="0" i="0" kern="1200">
-                <a:solidFill>
-                  <a:schemeClr val="bg1"/>
-                </a:solidFill>
-                <a:latin typeface="+mn-lt"/>
-                <a:ea typeface="+mn-ea"/>
-                <a:cs typeface="+mn-cs"/>
-              </a:defRPr>
-            </a:lvl3pPr>
-            <a:lvl4pPr marL="1600200" indent="-228600" algn="l" defTabSz="914400" rtl="0" eaLnBrk="1" latinLnBrk="0" hangingPunct="1">
-              <a:lnSpc>
-                <a:spcPct val="90000"/>
-              </a:lnSpc>
-              <a:spcBef>
-                <a:spcPts val="500"/>
-              </a:spcBef>
-              <a:buFont typeface="Arial" panose="020B0604020202020204" pitchFamily="34" charset="0"/>
-              <a:buNone/>
-              <a:defRPr sz="1800" b="0" i="0" kern="1200">
-                <a:solidFill>
-                  <a:schemeClr val="bg1"/>
-                </a:solidFill>
-                <a:latin typeface="+mn-lt"/>
-                <a:ea typeface="+mn-ea"/>
-                <a:cs typeface="+mn-cs"/>
-              </a:defRPr>
-            </a:lvl4pPr>
-            <a:lvl5pPr marL="2057400" indent="-228600" algn="l" defTabSz="914400" rtl="0" eaLnBrk="1" latinLnBrk="0" hangingPunct="1">
-              <a:lnSpc>
-                <a:spcPct val="90000"/>
-              </a:lnSpc>
-              <a:spcBef>
-                <a:spcPts val="500"/>
-              </a:spcBef>
-              <a:buFont typeface="Arial" panose="020B0604020202020204" pitchFamily="34" charset="0"/>
-              <a:buNone/>
-              <a:defRPr sz="1800" b="0" i="0" kern="1200">
-                <a:solidFill>
-                  <a:schemeClr val="bg1"/>
-                </a:solidFill>
-                <a:latin typeface="+mn-lt"/>
-                <a:ea typeface="+mn-ea"/>
-                <a:cs typeface="+mn-cs"/>
-              </a:defRPr>
-            </a:lvl5pPr>
-            <a:lvl6pPr marL="2514600" indent="-228600" algn="l" defTabSz="914400" rtl="0" eaLnBrk="1" latinLnBrk="0" hangingPunct="1">
-              <a:lnSpc>
-                <a:spcPct val="90000"/>
-              </a:lnSpc>
-              <a:spcBef>
-                <a:spcPts val="500"/>
-              </a:spcBef>
-              <a:buFont typeface="Arial" panose="020B0604020202020204" pitchFamily="34" charset="0"/>
-              <a:buChar char="•"/>
-              <a:defRPr sz="1800" kern="1200">
-                <a:solidFill>
-                  <a:schemeClr val="tx1"/>
-                </a:solidFill>
-                <a:latin typeface="+mn-lt"/>
-                <a:ea typeface="+mn-ea"/>
-                <a:cs typeface="+mn-cs"/>
-              </a:defRPr>
-            </a:lvl6pPr>
-            <a:lvl7pPr marL="2971800" indent="-228600" algn="l" defTabSz="914400" rtl="0" eaLnBrk="1" latinLnBrk="0" hangingPunct="1">
-              <a:lnSpc>
-                <a:spcPct val="90000"/>
-              </a:lnSpc>
-              <a:spcBef>
-                <a:spcPts val="500"/>
-              </a:spcBef>
-              <a:buFont typeface="Arial" panose="020B0604020202020204" pitchFamily="34" charset="0"/>
-              <a:buChar char="•"/>
-              <a:defRPr sz="1800" kern="1200">
-                <a:solidFill>
-                  <a:schemeClr val="tx1"/>
-                </a:solidFill>
-                <a:latin typeface="+mn-lt"/>
-                <a:ea typeface="+mn-ea"/>
-                <a:cs typeface="+mn-cs"/>
-              </a:defRPr>
-            </a:lvl7pPr>
-            <a:lvl8pPr marL="3429000" indent="-228600" algn="l" defTabSz="914400" rtl="0" eaLnBrk="1" latinLnBrk="0" hangingPunct="1">
-              <a:lnSpc>
-                <a:spcPct val="90000"/>
-              </a:lnSpc>
-              <a:spcBef>
-                <a:spcPts val="500"/>
-              </a:spcBef>
-              <a:buFont typeface="Arial" panose="020B0604020202020204" pitchFamily="34" charset="0"/>
-              <a:buChar char="•"/>
-              <a:defRPr sz="1800" kern="1200">
-                <a:solidFill>
-                  <a:schemeClr val="tx1"/>
-                </a:solidFill>
-                <a:latin typeface="+mn-lt"/>
-                <a:ea typeface="+mn-ea"/>
-                <a:cs typeface="+mn-cs"/>
-              </a:defRPr>
-            </a:lvl8pPr>
-            <a:lvl9pPr marL="3886200" indent="-228600" algn="l" defTabSz="914400" rtl="0" eaLnBrk="1" latinLnBrk="0" hangingPunct="1">
-              <a:lnSpc>
-                <a:spcPct val="90000"/>
-              </a:lnSpc>
-              <a:spcBef>
-                <a:spcPts val="500"/>
-              </a:spcBef>
-              <a:buFont typeface="Arial" panose="020B0604020202020204" pitchFamily="34" charset="0"/>
-              <a:buChar char="•"/>
-              <a:defRPr sz="1800" kern="1200">
-                <a:solidFill>
-                  <a:schemeClr val="tx1"/>
-                </a:solidFill>
-                <a:latin typeface="+mn-lt"/>
-                <a:ea typeface="+mn-ea"/>
-                <a:cs typeface="+mn-cs"/>
-              </a:defRPr>
-            </a:lvl9pPr>
-          </a:lstStyle>
-          <a:p>
-            <a:endParaRPr lang="en-US" dirty="0"/>
-          </a:p>
-        </p:txBody>
-      </p:sp>
-      <p:sp>
-        <p:nvSpPr>
-          <p:cNvPr id="4" name="TextBox 3">
-            <a:extLst>
-              <a:ext uri="{FF2B5EF4-FFF2-40B4-BE49-F238E27FC236}">
-                <a16:creationId xmlns:a16="http://schemas.microsoft.com/office/drawing/2014/main" id="{70B5F7C2-81AC-849F-0444-BDFA700979E4}"/>
-              </a:ext>
-            </a:extLst>
-          </p:cNvPr>
-          <p:cNvSpPr txBox="1"/>
-          <p:nvPr/>
-        </p:nvSpPr>
-        <p:spPr>
-          <a:xfrm>
-            <a:off x="834887" y="2532824"/>
-            <a:ext cx="10173913" cy="892552"/>
-          </a:xfrm>
-          <a:prstGeom prst="rect">
-            <a:avLst/>
-          </a:prstGeom>
-          <a:noFill/>
-        </p:spPr>
-        <p:txBody>
-          <a:bodyPr wrap="square">
-            <a:spAutoFit/>
-          </a:bodyPr>
-          <a:lstStyle/>
-          <a:p>
-            <a:pPr marL="342900" indent="-342900">
-              <a:buAutoNum type="arabicPeriod"/>
-            </a:pPr>
-            <a:r>
-              <a:rPr lang="en-US" sz="1600" dirty="0">
-                <a:solidFill>
-                  <a:schemeClr val="bg1"/>
-                </a:solidFill>
-                <a:hlinkClick r:id="rId2"/>
-              </a:rPr>
-              <a:t>https://statinfer.com/204-6-8-svm-advantages-disadvantages-applications/</a:t>
-            </a:r>
-            <a:endParaRPr lang="en-US" sz="1600" dirty="0">
-              <a:solidFill>
-                <a:schemeClr val="bg1"/>
-              </a:solidFill>
-            </a:endParaRPr>
-          </a:p>
-          <a:p>
-            <a:pPr marL="342900" indent="-342900">
-              <a:buAutoNum type="arabicPeriod"/>
-            </a:pPr>
-            <a:r>
-              <a:rPr lang="en-US" dirty="0">
-                <a:solidFill>
-                  <a:schemeClr val="bg1"/>
-                </a:solidFill>
-                <a:hlinkClick r:id="rId3"/>
-              </a:rPr>
-              <a:t>https://www.kaggle.com/datasets/mlg-ulb/creditcardfraud?resource=download</a:t>
-            </a:r>
-            <a:endParaRPr lang="en-US" dirty="0">
-              <a:solidFill>
-                <a:schemeClr val="bg1"/>
-              </a:solidFill>
-            </a:endParaRPr>
-          </a:p>
-          <a:p>
-            <a:pPr marL="342900" indent="-342900">
-              <a:buAutoNum type="arabicPeriod"/>
-            </a:pPr>
-            <a:endParaRPr lang="en-US" dirty="0">
-              <a:solidFill>
-                <a:schemeClr val="bg1"/>
-              </a:solidFill>
-            </a:endParaRPr>
-          </a:p>
-        </p:txBody>
-      </p:sp>
+      </p:pic>
     </p:spTree>
     <p:extLst>
       <p:ext uri="{BB962C8B-B14F-4D97-AF65-F5344CB8AC3E}">
-        <p14:creationId xmlns:p14="http://schemas.microsoft.com/office/powerpoint/2010/main" val="2595183344"/>
+        <p14:creationId xmlns:p14="http://schemas.microsoft.com/office/powerpoint/2010/main" val="2336677316"/>
       </p:ext>
     </p:extLst>
   </p:cSld>
   <p:clrMapOvr>
     <a:masterClrMapping/>
   </p:clrMapOvr>
-  <mc:AlternateContent xmlns:mc="http://schemas.openxmlformats.org/markup-compatibility/2006">
-    <mc:Choice xmlns:p14="http://schemas.microsoft.com/office/powerpoint/2010/main" Requires="p14">
+  <mc:AlternateContent xmlns:mc="http://schemas.openxmlformats.org/markup-compatibility/2006" xmlns:p14="http://schemas.microsoft.com/office/powerpoint/2010/main">
+    <mc:Choice Requires="p14">
       <p:transition spd="slow" p14:dur="2000">
         <p:fade/>
       </p:transition>
     </mc:Choice>
-    <mc:Fallback>
+    <mc:Fallback xmlns="">
       <p:transition spd="slow">
         <p:fade/>
       </p:transition>
@@ -19183,115 +19360,6 @@
     <p:extLst>
       <p:ext uri="{BB962C8B-B14F-4D97-AF65-F5344CB8AC3E}">
         <p14:creationId xmlns:p14="http://schemas.microsoft.com/office/powerpoint/2010/main" val="289860937"/>
-      </p:ext>
-    </p:extLst>
-  </p:cSld>
-  <p:clrMapOvr>
-    <a:masterClrMapping/>
-  </p:clrMapOvr>
-  <mc:AlternateContent xmlns:mc="http://schemas.openxmlformats.org/markup-compatibility/2006" xmlns:p14="http://schemas.microsoft.com/office/powerpoint/2010/main">
-    <mc:Choice Requires="p14">
-      <p:transition spd="slow" p14:dur="2000">
-        <p:fade/>
-      </p:transition>
-    </mc:Choice>
-    <mc:Fallback xmlns="">
-      <p:transition spd="slow">
-        <p:fade/>
-      </p:transition>
-    </mc:Fallback>
-  </mc:AlternateContent>
-</p:sld>
-</file>
-
-<file path=ppt/slides/slide20.xml><?xml version="1.0" encoding="utf-8"?>
-<p:sld xmlns:a="http://schemas.openxmlformats.org/drawingml/2006/main" xmlns:r="http://schemas.openxmlformats.org/officeDocument/2006/relationships" xmlns:p="http://schemas.openxmlformats.org/presentationml/2006/main">
-  <p:cSld>
-    <p:spTree>
-      <p:nvGrpSpPr>
-        <p:cNvPr id="1" name=""/>
-        <p:cNvGrpSpPr/>
-        <p:nvPr/>
-      </p:nvGrpSpPr>
-      <p:grpSpPr>
-        <a:xfrm>
-          <a:off x="0" y="0"/>
-          <a:ext cx="0" cy="0"/>
-          <a:chOff x="0" y="0"/>
-          <a:chExt cx="0" cy="0"/>
-        </a:xfrm>
-      </p:grpSpPr>
-      <p:sp>
-        <p:nvSpPr>
-          <p:cNvPr id="2" name="Title 1">
-            <a:extLst>
-              <a:ext uri="{FF2B5EF4-FFF2-40B4-BE49-F238E27FC236}">
-                <a16:creationId xmlns:a16="http://schemas.microsoft.com/office/drawing/2014/main" id="{51DF3D98-3C30-4CFC-8643-C81E829C8C25}"/>
-              </a:ext>
-            </a:extLst>
-          </p:cNvPr>
-          <p:cNvSpPr>
-            <a:spLocks noGrp="1"/>
-          </p:cNvSpPr>
-          <p:nvPr>
-            <p:ph type="title"/>
-          </p:nvPr>
-        </p:nvSpPr>
-        <p:spPr>
-          <a:xfrm>
-            <a:off x="6803473" y="2173658"/>
-            <a:ext cx="5007528" cy="610863"/>
-          </a:xfrm>
-        </p:spPr>
-        <p:txBody>
-          <a:bodyPr/>
-          <a:lstStyle/>
-          <a:p>
-            <a:r>
-              <a:rPr lang="en-US" dirty="0"/>
-              <a:t>Thank you</a:t>
-            </a:r>
-          </a:p>
-        </p:txBody>
-      </p:sp>
-      <p:pic>
-        <p:nvPicPr>
-          <p:cNvPr id="13" name="Picture Placeholder 12" descr="Person running up stairs">
-            <a:extLst>
-              <a:ext uri="{FF2B5EF4-FFF2-40B4-BE49-F238E27FC236}">
-                <a16:creationId xmlns:a16="http://schemas.microsoft.com/office/drawing/2014/main" id="{EC944911-7CDD-41CC-A7F0-5B0CF85D545C}"/>
-              </a:ext>
-              <a:ext uri="{C183D7F6-B498-43B3-948B-1728B52AA6E4}">
-                <adec:decorative xmlns:adec="http://schemas.microsoft.com/office/drawing/2017/decorative" val="0"/>
-              </a:ext>
-            </a:extLst>
-          </p:cNvPr>
-          <p:cNvPicPr>
-            <a:picLocks noGrp="1" noChangeAspect="1"/>
-          </p:cNvPicPr>
-          <p:nvPr>
-            <p:ph type="pic" sz="quarter" idx="13"/>
-          </p:nvPr>
-        </p:nvPicPr>
-        <p:blipFill>
-          <a:blip r:embed="rId3">
-            <a:extLst>
-              <a:ext uri="{28A0092B-C50C-407E-A947-70E740481C1C}">
-                <a14:useLocalDpi xmlns:a14="http://schemas.microsoft.com/office/drawing/2010/main" val="0"/>
-              </a:ext>
-            </a:extLst>
-          </a:blip>
-          <a:srcRect/>
-          <a:stretch>
-            <a:fillRect/>
-          </a:stretch>
-        </p:blipFill>
-        <p:spPr/>
-      </p:pic>
-    </p:spTree>
-    <p:extLst>
-      <p:ext uri="{BB962C8B-B14F-4D97-AF65-F5344CB8AC3E}">
-        <p14:creationId xmlns:p14="http://schemas.microsoft.com/office/powerpoint/2010/main" val="2336677316"/>
       </p:ext>
     </p:extLst>
   </p:cSld>
@@ -20425,8 +20493,8 @@
         </p:nvSpPr>
         <p:spPr>
           <a:xfrm>
-            <a:off x="893406" y="2437276"/>
-            <a:ext cx="9740328" cy="2750950"/>
+            <a:off x="893406" y="2236304"/>
+            <a:ext cx="9740328" cy="2951922"/>
           </a:xfrm>
           <a:prstGeom prst="rect">
             <a:avLst/>
@@ -20603,7 +20671,7 @@
           <a:p>
             <a:r>
               <a:rPr lang="en-US" sz="1800" dirty="0"/>
-              <a:t>The challenge is to recognize fraudulent credit card transactions so that the customers of credit card companies are not charged for items that they did not purchase. Main challenges involved in credit card fraud detection are:</a:t>
+              <a:t>In the complex landscape of financial transactions, the paramount challenge for banks is the identification and prevention of credit card fraud. The issues that complicate credit card fraud detection include:</a:t>
             </a:r>
           </a:p>
           <a:p>
@@ -20613,7 +20681,7 @@
             </a:pPr>
             <a:r>
               <a:rPr lang="en-US" sz="1800" dirty="0"/>
-              <a:t>Enormous Data is processed every day and the model build must be fast enough to respond to the scam in time.</a:t>
+              <a:t>Extensive Data Analysis: Our banking systems process an overwhelming amount of transactions daily, necessitating a fraud detection model that is both efficient and effective.</a:t>
             </a:r>
           </a:p>
           <a:p>
@@ -20623,7 +20691,7 @@
             </a:pPr>
             <a:r>
               <a:rPr lang="en-US" sz="1800" dirty="0"/>
-              <a:t>Imbalanced Data i.e. most of the transactions (99.8%) are not fraudulent which makes it really hard for detecting the fraudulent ones</a:t>
+              <a:t>Prevalence of Non-Fraudulent Transactions: With the vast majority (99.8%) of transactions being legitimate, distinguishing the fraudulent ones becomes a substantial task.</a:t>
             </a:r>
           </a:p>
           <a:p>
@@ -20633,7 +20701,7 @@
             </a:pPr>
             <a:r>
               <a:rPr lang="en-US" sz="1800" dirty="0"/>
-              <a:t>Data availability as the data is mostly private.</a:t>
+              <a:t>Privacy-Protected Data: Access to transaction data is restricted due to privacy concerns, which can hinder fraud detection efforts.</a:t>
             </a:r>
           </a:p>
           <a:p>
@@ -20643,12 +20711,9 @@
             </a:pPr>
             <a:r>
               <a:rPr lang="en-US" sz="1800" dirty="0"/>
-              <a:t>Misclassified Data can be another major issue, as not every fraudulent transaction is caught and reported</a:t>
-            </a:r>
-            <a:r>
-              <a:rPr lang="en-US" dirty="0"/>
-              <a:t>.</a:t>
-            </a:r>
+              <a:t>Risk of Misclassification: The potential for fraudulent transactions to go undetected or be wrongly classified poses a significant threat.</a:t>
+            </a:r>
+            <a:endParaRPr lang="en-US" dirty="0"/>
           </a:p>
         </p:txBody>
       </p:sp>
@@ -20816,8 +20881,8 @@
         </p:nvSpPr>
         <p:spPr>
           <a:xfrm>
-            <a:off x="893406" y="2266122"/>
-            <a:ext cx="9740328" cy="2852809"/>
+            <a:off x="824948" y="2037522"/>
+            <a:ext cx="10267122" cy="3081409"/>
           </a:xfrm>
           <a:prstGeom prst="rect">
             <a:avLst/>
@@ -20992,74 +21057,83 @@
             </a:lvl9pPr>
           </a:lstStyle>
           <a:p>
-            <a:pPr algn="l" fontAlgn="base">
+            <a:pPr algn="l" fontAlgn="base"/>
+            <a:r>
+              <a:rPr lang="en-US" sz="1800" dirty="0">
+                <a:solidFill>
+                  <a:srgbClr val="273239"/>
+                </a:solidFill>
+                <a:latin typeface="Nunito" pitchFamily="2" charset="0"/>
+              </a:rPr>
+              <a:t>Data Insight presents a specialized solution to these challenges with a strategic focus on effective fraud detection:</a:t>
+            </a:r>
+          </a:p>
+          <a:p>
+            <a:pPr marL="342900" indent="-342900" algn="l" fontAlgn="base">
               <a:buFont typeface="+mj-lt"/>
               <a:buAutoNum type="arabicPeriod"/>
             </a:pPr>
             <a:r>
-              <a:rPr lang="en-US" sz="2000" dirty="0">
+              <a:rPr lang="en-US" sz="1800" dirty="0">
                 <a:solidFill>
                   <a:srgbClr val="273239"/>
                 </a:solidFill>
                 <a:latin typeface="Nunito" pitchFamily="2" charset="0"/>
               </a:rPr>
-              <a:t> Data Insight’s solution has created simple </a:t>
-            </a:r>
-            <a:r>
-              <a:rPr lang="en-US" sz="2000" i="0" dirty="0">
-                <a:solidFill>
-                  <a:srgbClr val="273239"/>
-                </a:solidFill>
-                <a:effectLst/>
-                <a:latin typeface="Nunito" pitchFamily="2" charset="0"/>
-              </a:rPr>
-              <a:t>and fast enough model to detect the anomaly and classify it as a fraudulent transaction as quickly as possible.</a:t>
-            </a:r>
-          </a:p>
-          <a:p>
-            <a:pPr algn="l" fontAlgn="base">
+              <a:t>Advanced Analytics for Large-Scale Data: Our model is meticulously designed to thoroughly analyze vast datasets, ensuring comprehensive fraud detection without compromising on quality.</a:t>
+            </a:r>
+          </a:p>
+          <a:p>
+            <a:pPr marL="342900" indent="-342900" algn="l" fontAlgn="base">
               <a:buFont typeface="+mj-lt"/>
               <a:buAutoNum type="arabicPeriod"/>
             </a:pPr>
             <a:r>
-              <a:rPr lang="en-US" sz="2000" b="0" i="0" dirty="0">
+              <a:rPr lang="en-US" sz="1800" dirty="0">
                 <a:solidFill>
                   <a:srgbClr val="273239"/>
                 </a:solidFill>
-                <a:effectLst/>
                 <a:latin typeface="Nunito" pitchFamily="2" charset="0"/>
               </a:rPr>
-              <a:t>Imbalance is dealt with by properly using appropriate methods.</a:t>
-            </a:r>
-          </a:p>
-          <a:p>
-            <a:pPr algn="l" fontAlgn="base">
+              <a:t>Innovative Techniques for Imbalanced Data: We employ sophisticated methods to address data imbalance, thereby enhancing the detection of fraudulent transactions amidst a sea of legitimate activity.</a:t>
+            </a:r>
+          </a:p>
+          <a:p>
+            <a:pPr marL="342900" indent="-342900" algn="l" fontAlgn="base">
               <a:buFont typeface="+mj-lt"/>
               <a:buAutoNum type="arabicPeriod"/>
             </a:pPr>
             <a:r>
-              <a:rPr lang="en-US" sz="2000" b="0" i="0" dirty="0">
+              <a:rPr lang="en-US" sz="1800" dirty="0">
                 <a:solidFill>
                   <a:srgbClr val="273239"/>
                 </a:solidFill>
-                <a:effectLst/>
                 <a:latin typeface="Nunito" pitchFamily="2" charset="0"/>
               </a:rPr>
-              <a:t>For protecting the privacy of the user the dimensionality is reduced.</a:t>
-            </a:r>
-          </a:p>
-          <a:p>
-            <a:pPr algn="l" fontAlgn="base"/>
-            <a:r>
-              <a:rPr lang="en-US" sz="2000" b="0" i="0" dirty="0">
+              <a:t>Adaptable Model: The strength of our model lies in its simplicity. It is built to adapt seamlessly to the changing patterns of fraudulent behavior, allowing for quick updates and redeployment of the detection system as needed.</a:t>
+            </a:r>
+          </a:p>
+          <a:p>
+            <a:pPr marL="342900" indent="-342900" algn="l" fontAlgn="base">
+              <a:buFont typeface="+mj-lt"/>
+              <a:buAutoNum type="arabicPeriod"/>
+            </a:pPr>
+            <a:r>
+              <a:rPr lang="en-US" sz="1800" dirty="0">
                 <a:solidFill>
                   <a:srgbClr val="273239"/>
                 </a:solidFill>
-                <a:effectLst/>
                 <a:latin typeface="Nunito" pitchFamily="2" charset="0"/>
               </a:rPr>
-              <a:t>4. The model is simple and interpretable so that when the scammer adapts to it with just some tweaks we can have a new model up and running to deploy.</a:t>
-            </a:r>
+              <a:t>Entrust your bank's fraud detection to Data Insight, where we prioritize effective, precise, and privacy-conscious solutions to protect your customers and maintain the highest standard of financial security.</a:t>
+            </a:r>
+            <a:endParaRPr lang="en-US" sz="1800" b="0" i="0" dirty="0">
+              <a:solidFill>
+                <a:srgbClr val="273239"/>
+              </a:solidFill>
+              <a:effectLst/>
+              <a:latin typeface="Nunito" pitchFamily="2" charset="0"/>
+            </a:endParaRPr>
           </a:p>
         </p:txBody>
       </p:sp>
@@ -21497,7 +21571,7 @@
           <p:cNvPr id="2" name="Title 1">
             <a:extLst>
               <a:ext uri="{FF2B5EF4-FFF2-40B4-BE49-F238E27FC236}">
-                <a16:creationId xmlns:a16="http://schemas.microsoft.com/office/drawing/2014/main" id="{2C36F487-13F1-8119-F498-DAEAA004A956}"/>
+                <a16:creationId xmlns:a16="http://schemas.microsoft.com/office/drawing/2014/main" id="{AF148163-B9FC-FE67-5E94-1715F5BDA699}"/>
               </a:ext>
             </a:extLst>
           </p:cNvPr>
@@ -21508,7 +21582,12 @@
             <p:ph type="title"/>
           </p:nvPr>
         </p:nvSpPr>
-        <p:spPr/>
+        <p:spPr>
+          <a:xfrm>
+            <a:off x="880217" y="879063"/>
+            <a:ext cx="6537533" cy="610863"/>
+          </a:xfrm>
+        </p:spPr>
         <p:txBody>
           <a:bodyPr>
             <a:normAutofit/>
@@ -21517,7 +21596,7 @@
           <a:p>
             <a:r>
               <a:rPr lang="en-US" dirty="0"/>
-              <a:t>Source Files</a:t>
+              <a:t>Data Exploration Process</a:t>
             </a:r>
           </a:p>
         </p:txBody>
@@ -21527,7 +21606,7 @@
           <p:cNvPr id="3" name="Text Placeholder 2">
             <a:extLst>
               <a:ext uri="{FF2B5EF4-FFF2-40B4-BE49-F238E27FC236}">
-                <a16:creationId xmlns:a16="http://schemas.microsoft.com/office/drawing/2014/main" id="{21DF8BDC-B9C4-CF18-F030-B814661A4FC4}"/>
+                <a16:creationId xmlns:a16="http://schemas.microsoft.com/office/drawing/2014/main" id="{816D81E9-97B8-ACAB-7FE7-701AF2B9BA8F}"/>
               </a:ext>
             </a:extLst>
           </p:cNvPr>
@@ -21535,110 +21614,81 @@
             <a:spLocks noGrp="1"/>
           </p:cNvSpPr>
           <p:nvPr>
-            <p:ph type="body" idx="1"/>
-          </p:nvPr>
-        </p:nvSpPr>
-        <p:spPr/>
-        <p:txBody>
-          <a:bodyPr/>
-          <a:lstStyle/>
-          <a:p>
-            <a:r>
-              <a:rPr lang="en-US" b="1" i="0" dirty="0">
-                <a:effectLst/>
-                <a:latin typeface="Inter"/>
-              </a:rPr>
-              <a:t>1. </a:t>
-            </a:r>
-            <a:r>
-              <a:rPr lang="en-US" b="1" dirty="0">
-                <a:latin typeface="Inter"/>
-              </a:rPr>
-              <a:t>creditcard</a:t>
-            </a:r>
-            <a:r>
-              <a:rPr lang="en-US" b="1" i="0" dirty="0">
-                <a:effectLst/>
-                <a:latin typeface="Inter"/>
-              </a:rPr>
-              <a:t>.csv</a:t>
-            </a:r>
-          </a:p>
-          <a:p>
-            <a:endParaRPr lang="en-US" dirty="0"/>
-          </a:p>
-        </p:txBody>
-      </p:sp>
-      <p:sp>
-        <p:nvSpPr>
-          <p:cNvPr id="4" name="Content Placeholder 3">
-            <a:extLst>
-              <a:ext uri="{FF2B5EF4-FFF2-40B4-BE49-F238E27FC236}">
-                <a16:creationId xmlns:a16="http://schemas.microsoft.com/office/drawing/2014/main" id="{46E58F60-72F4-41F3-C3C0-7F00B878154E}"/>
-              </a:ext>
-            </a:extLst>
-          </p:cNvPr>
-          <p:cNvSpPr>
-            <a:spLocks noGrp="1"/>
-          </p:cNvSpPr>
-          <p:nvPr>
-            <p:ph sz="half" idx="2"/>
-          </p:nvPr>
-        </p:nvSpPr>
-        <p:spPr/>
-        <p:txBody>
-          <a:bodyPr/>
-          <a:lstStyle/>
-          <a:p>
-            <a:pPr marL="0" indent="0">
-              <a:buNone/>
-            </a:pPr>
-            <a:r>
-              <a:rPr lang="en-US" dirty="0"/>
-              <a:t>Credit Card data</a:t>
-            </a:r>
-          </a:p>
-        </p:txBody>
-      </p:sp>
-      <p:sp>
-        <p:nvSpPr>
-          <p:cNvPr id="9" name="Footer Placeholder 8">
-            <a:extLst>
-              <a:ext uri="{FF2B5EF4-FFF2-40B4-BE49-F238E27FC236}">
-                <a16:creationId xmlns:a16="http://schemas.microsoft.com/office/drawing/2014/main" id="{CBF39BA9-3616-30F0-EEBD-641E4804904B}"/>
-              </a:ext>
-            </a:extLst>
-          </p:cNvPr>
-          <p:cNvSpPr>
-            <a:spLocks noGrp="1"/>
-          </p:cNvSpPr>
-          <p:nvPr>
-            <p:ph type="ftr" sz="quarter" idx="15"/>
+            <p:ph type="body" sz="quarter" idx="10"/>
           </p:nvPr>
         </p:nvSpPr>
         <p:spPr>
           <a:xfrm>
-            <a:off x="2701254" y="6332221"/>
-            <a:ext cx="1770077" cy="247650"/>
+            <a:off x="952499" y="2560117"/>
+            <a:ext cx="9639301" cy="3139928"/>
           </a:xfrm>
         </p:spPr>
         <p:txBody>
           <a:bodyPr/>
           <a:lstStyle/>
           <a:p>
+            <a:pPr marL="342900" indent="-342900">
+              <a:buFont typeface="+mj-lt"/>
+              <a:buAutoNum type="arabicPeriod"/>
+            </a:pPr>
             <a:r>
               <a:rPr lang="en-US" dirty="0"/>
-              <a:t>Credit Card Fraud Detection</a:t>
+              <a:t>The data was already anonymized</a:t>
+            </a:r>
+          </a:p>
+          <a:p>
+            <a:pPr marL="342900" indent="-342900">
+              <a:buFont typeface="+mj-lt"/>
+              <a:buAutoNum type="arabicPeriod"/>
+            </a:pPr>
+            <a:endParaRPr lang="en-US" dirty="0"/>
+          </a:p>
+          <a:p>
+            <a:pPr marL="342900" indent="-342900">
+              <a:buFont typeface="+mj-lt"/>
+              <a:buAutoNum type="arabicPeriod"/>
+            </a:pPr>
+            <a:endParaRPr lang="en-US" dirty="0"/>
+          </a:p>
+          <a:p>
+            <a:pPr marL="342900" indent="-342900">
+              <a:buFont typeface="+mj-lt"/>
+              <a:buAutoNum type="arabicPeriod"/>
+            </a:pPr>
+            <a:endParaRPr lang="en-US" dirty="0"/>
+          </a:p>
+          <a:p>
+            <a:pPr marL="342900" indent="-342900">
+              <a:buFont typeface="+mj-lt"/>
+              <a:buAutoNum type="arabicPeriod"/>
+            </a:pPr>
+            <a:endParaRPr lang="en-US" dirty="0"/>
+          </a:p>
+          <a:p>
+            <a:pPr marL="342900" indent="-342900">
+              <a:buFont typeface="+mj-lt"/>
+              <a:buAutoNum type="arabicPeriod"/>
+            </a:pPr>
+            <a:endParaRPr lang="en-US" dirty="0"/>
+          </a:p>
+          <a:p>
+            <a:pPr marL="342900" indent="-342900">
+              <a:buFont typeface="+mj-lt"/>
+              <a:buAutoNum type="arabicPeriod"/>
+            </a:pPr>
+            <a:r>
+              <a:rPr lang="en-US" dirty="0"/>
+              <a:t>The data had more valid transactions than fraud transactions</a:t>
             </a:r>
           </a:p>
         </p:txBody>
       </p:sp>
       <p:sp>
         <p:nvSpPr>
-          <p:cNvPr id="10" name="Slide Number Placeholder 9">
-            <a:extLst>
-              <a:ext uri="{FF2B5EF4-FFF2-40B4-BE49-F238E27FC236}">
-                <a16:creationId xmlns:a16="http://schemas.microsoft.com/office/drawing/2014/main" id="{BAA070BE-7B2A-58E3-FD72-E5E1B980BAF1}"/>
+          <p:cNvPr id="4" name="Text Placeholder 3">
+            <a:extLst>
+              <a:ext uri="{FF2B5EF4-FFF2-40B4-BE49-F238E27FC236}">
+                <a16:creationId xmlns:a16="http://schemas.microsoft.com/office/drawing/2014/main" id="{FE5CC6EE-8D38-4C23-E52B-7177AEED6521}"/>
               </a:ext>
             </a:extLst>
           </p:cNvPr>
@@ -21646,7 +21696,76 @@
             <a:spLocks noGrp="1"/>
           </p:cNvSpPr>
           <p:nvPr>
-            <p:ph type="sldNum" sz="quarter" idx="16"/>
+            <p:ph type="body" sz="quarter" idx="12"/>
+          </p:nvPr>
+        </p:nvSpPr>
+        <p:spPr>
+          <a:xfrm>
+            <a:off x="952500" y="2095500"/>
+            <a:ext cx="4838700" cy="351931"/>
+          </a:xfrm>
+        </p:spPr>
+        <p:txBody>
+          <a:bodyPr/>
+          <a:lstStyle/>
+          <a:p>
+            <a:r>
+              <a:rPr lang="en-US" dirty="0"/>
+              <a:t>How did we explore the data?</a:t>
+            </a:r>
+          </a:p>
+        </p:txBody>
+      </p:sp>
+      <p:sp>
+        <p:nvSpPr>
+          <p:cNvPr id="13" name="Footer Placeholder 12">
+            <a:extLst>
+              <a:ext uri="{FF2B5EF4-FFF2-40B4-BE49-F238E27FC236}">
+                <a16:creationId xmlns:a16="http://schemas.microsoft.com/office/drawing/2014/main" id="{4E98E89E-A4FF-0291-4A3C-53D825E8A163}"/>
+              </a:ext>
+            </a:extLst>
+          </p:cNvPr>
+          <p:cNvSpPr>
+            <a:spLocks noGrp="1"/>
+          </p:cNvSpPr>
+          <p:nvPr>
+            <p:ph type="ftr" sz="quarter" idx="22"/>
+          </p:nvPr>
+        </p:nvSpPr>
+        <p:spPr>
+          <a:xfrm>
+            <a:off x="1494790" y="6332220"/>
+            <a:ext cx="1814940" cy="247651"/>
+          </a:xfrm>
+        </p:spPr>
+        <p:txBody>
+          <a:bodyPr/>
+          <a:lstStyle/>
+          <a:p>
+            <a:r>
+              <a:rPr lang="en-US" dirty="0"/>
+              <a:t>Credit Card Fraud Detection</a:t>
+            </a:r>
+          </a:p>
+          <a:p>
+            <a:endParaRPr lang="en-US" dirty="0"/>
+          </a:p>
+        </p:txBody>
+      </p:sp>
+      <p:sp>
+        <p:nvSpPr>
+          <p:cNvPr id="14" name="Slide Number Placeholder 13">
+            <a:extLst>
+              <a:ext uri="{FF2B5EF4-FFF2-40B4-BE49-F238E27FC236}">
+                <a16:creationId xmlns:a16="http://schemas.microsoft.com/office/drawing/2014/main" id="{1F14803E-D60F-33E7-3048-9D7042F9433B}"/>
+              </a:ext>
+            </a:extLst>
+          </p:cNvPr>
+          <p:cNvSpPr>
+            <a:spLocks noGrp="1"/>
+          </p:cNvSpPr>
+          <p:nvPr>
+            <p:ph type="sldNum" sz="quarter" idx="23"/>
           </p:nvPr>
         </p:nvSpPr>
         <p:spPr/>
@@ -21665,225 +21784,12 @@
           </a:p>
         </p:txBody>
       </p:sp>
-      <p:sp>
-        <p:nvSpPr>
-          <p:cNvPr id="15" name="Content Placeholder 7">
-            <a:extLst>
-              <a:ext uri="{FF2B5EF4-FFF2-40B4-BE49-F238E27FC236}">
-                <a16:creationId xmlns:a16="http://schemas.microsoft.com/office/drawing/2014/main" id="{35B29721-5C5F-B11A-F9BB-118E3EA1593A}"/>
-              </a:ext>
-            </a:extLst>
-          </p:cNvPr>
-          <p:cNvSpPr txBox="1">
-            <a:spLocks/>
-          </p:cNvSpPr>
-          <p:nvPr/>
-        </p:nvSpPr>
-        <p:spPr>
-          <a:xfrm>
-            <a:off x="6096000" y="3816945"/>
-            <a:ext cx="5716278" cy="924339"/>
-          </a:xfrm>
-          <a:prstGeom prst="rect">
-            <a:avLst/>
-          </a:prstGeom>
-        </p:spPr>
-        <p:txBody>
-          <a:bodyPr vert="horz" lIns="0" tIns="0" rIns="0" bIns="0" rtlCol="0" anchor="t" anchorCtr="0">
-            <a:normAutofit/>
-          </a:bodyPr>
-          <a:lstStyle>
-            <a:lvl1pPr marL="285750" indent="-285750" algn="l" defTabSz="914400" rtl="0" eaLnBrk="1" latinLnBrk="0" hangingPunct="1">
-              <a:lnSpc>
-                <a:spcPct val="100000"/>
-              </a:lnSpc>
-              <a:spcBef>
-                <a:spcPts val="1000"/>
-              </a:spcBef>
-              <a:buFont typeface="Wingdings" pitchFamily="2" charset="2"/>
-              <a:buChar char="§"/>
-              <a:defRPr sz="1600" b="0" i="0" kern="1200">
-                <a:solidFill>
-                  <a:schemeClr val="bg1"/>
-                </a:solidFill>
-                <a:latin typeface="+mn-lt"/>
-                <a:ea typeface="+mn-ea"/>
-                <a:cs typeface="+mn-cs"/>
-              </a:defRPr>
-            </a:lvl1pPr>
-            <a:lvl2pPr marL="685800" indent="-228600" algn="l" defTabSz="914400" rtl="0" eaLnBrk="1" latinLnBrk="0" hangingPunct="1">
-              <a:lnSpc>
-                <a:spcPct val="90000"/>
-              </a:lnSpc>
-              <a:spcBef>
-                <a:spcPts val="500"/>
-              </a:spcBef>
-              <a:buFont typeface="Arial" panose="020B0604020202020204" pitchFamily="34" charset="0"/>
-              <a:buChar char="•"/>
-              <a:defRPr sz="1600" b="0" i="0" kern="1200">
-                <a:solidFill>
-                  <a:schemeClr val="bg1"/>
-                </a:solidFill>
-                <a:latin typeface="+mn-lt"/>
-                <a:ea typeface="+mn-ea"/>
-                <a:cs typeface="+mn-cs"/>
-              </a:defRPr>
-            </a:lvl2pPr>
-            <a:lvl3pPr marL="1143000" indent="-228600" algn="l" defTabSz="914400" rtl="0" eaLnBrk="1" latinLnBrk="0" hangingPunct="1">
-              <a:lnSpc>
-                <a:spcPct val="90000"/>
-              </a:lnSpc>
-              <a:spcBef>
-                <a:spcPts val="500"/>
-              </a:spcBef>
-              <a:buFont typeface="Arial" panose="020B0604020202020204" pitchFamily="34" charset="0"/>
-              <a:buChar char="•"/>
-              <a:defRPr sz="1600" b="0" i="0" kern="1200">
-                <a:solidFill>
-                  <a:schemeClr val="bg1"/>
-                </a:solidFill>
-                <a:latin typeface="+mn-lt"/>
-                <a:ea typeface="+mn-ea"/>
-                <a:cs typeface="+mn-cs"/>
-              </a:defRPr>
-            </a:lvl3pPr>
-            <a:lvl4pPr marL="1600200" indent="-228600" algn="l" defTabSz="914400" rtl="0" eaLnBrk="1" latinLnBrk="0" hangingPunct="1">
-              <a:lnSpc>
-                <a:spcPct val="90000"/>
-              </a:lnSpc>
-              <a:spcBef>
-                <a:spcPts val="500"/>
-              </a:spcBef>
-              <a:buFont typeface="Arial" panose="020B0604020202020204" pitchFamily="34" charset="0"/>
-              <a:buChar char="•"/>
-              <a:defRPr sz="1600" b="0" i="0" kern="1200">
-                <a:solidFill>
-                  <a:schemeClr val="bg1"/>
-                </a:solidFill>
-                <a:latin typeface="+mn-lt"/>
-                <a:ea typeface="+mn-ea"/>
-                <a:cs typeface="+mn-cs"/>
-              </a:defRPr>
-            </a:lvl4pPr>
-            <a:lvl5pPr marL="2057400" indent="-228600" algn="l" defTabSz="914400" rtl="0" eaLnBrk="1" latinLnBrk="0" hangingPunct="1">
-              <a:lnSpc>
-                <a:spcPct val="90000"/>
-              </a:lnSpc>
-              <a:spcBef>
-                <a:spcPts val="500"/>
-              </a:spcBef>
-              <a:buFont typeface="Arial" panose="020B0604020202020204" pitchFamily="34" charset="0"/>
-              <a:buChar char="•"/>
-              <a:defRPr sz="1600" b="0" i="0" kern="1200">
-                <a:solidFill>
-                  <a:schemeClr val="bg1"/>
-                </a:solidFill>
-                <a:latin typeface="+mn-lt"/>
-                <a:ea typeface="+mn-ea"/>
-                <a:cs typeface="+mn-cs"/>
-              </a:defRPr>
-            </a:lvl5pPr>
-            <a:lvl6pPr marL="2514600" indent="-228600" algn="l" defTabSz="914400" rtl="0" eaLnBrk="1" latinLnBrk="0" hangingPunct="1">
-              <a:lnSpc>
-                <a:spcPct val="90000"/>
-              </a:lnSpc>
-              <a:spcBef>
-                <a:spcPts val="500"/>
-              </a:spcBef>
-              <a:buFont typeface="Arial" panose="020B0604020202020204" pitchFamily="34" charset="0"/>
-              <a:buChar char="•"/>
-              <a:defRPr sz="1800" kern="1200">
-                <a:solidFill>
-                  <a:schemeClr val="tx1"/>
-                </a:solidFill>
-                <a:latin typeface="+mn-lt"/>
-                <a:ea typeface="+mn-ea"/>
-                <a:cs typeface="+mn-cs"/>
-              </a:defRPr>
-            </a:lvl6pPr>
-            <a:lvl7pPr marL="2971800" indent="-228600" algn="l" defTabSz="914400" rtl="0" eaLnBrk="1" latinLnBrk="0" hangingPunct="1">
-              <a:lnSpc>
-                <a:spcPct val="90000"/>
-              </a:lnSpc>
-              <a:spcBef>
-                <a:spcPts val="500"/>
-              </a:spcBef>
-              <a:buFont typeface="Arial" panose="020B0604020202020204" pitchFamily="34" charset="0"/>
-              <a:buChar char="•"/>
-              <a:defRPr sz="1800" kern="1200">
-                <a:solidFill>
-                  <a:schemeClr val="tx1"/>
-                </a:solidFill>
-                <a:latin typeface="+mn-lt"/>
-                <a:ea typeface="+mn-ea"/>
-                <a:cs typeface="+mn-cs"/>
-              </a:defRPr>
-            </a:lvl7pPr>
-            <a:lvl8pPr marL="3429000" indent="-228600" algn="l" defTabSz="914400" rtl="0" eaLnBrk="1" latinLnBrk="0" hangingPunct="1">
-              <a:lnSpc>
-                <a:spcPct val="90000"/>
-              </a:lnSpc>
-              <a:spcBef>
-                <a:spcPts val="500"/>
-              </a:spcBef>
-              <a:buFont typeface="Arial" panose="020B0604020202020204" pitchFamily="34" charset="0"/>
-              <a:buChar char="•"/>
-              <a:defRPr sz="1800" kern="1200">
-                <a:solidFill>
-                  <a:schemeClr val="tx1"/>
-                </a:solidFill>
-                <a:latin typeface="+mn-lt"/>
-                <a:ea typeface="+mn-ea"/>
-                <a:cs typeface="+mn-cs"/>
-              </a:defRPr>
-            </a:lvl8pPr>
-            <a:lvl9pPr marL="3886200" indent="-228600" algn="l" defTabSz="914400" rtl="0" eaLnBrk="1" latinLnBrk="0" hangingPunct="1">
-              <a:lnSpc>
-                <a:spcPct val="90000"/>
-              </a:lnSpc>
-              <a:spcBef>
-                <a:spcPts val="500"/>
-              </a:spcBef>
-              <a:buFont typeface="Arial" panose="020B0604020202020204" pitchFamily="34" charset="0"/>
-              <a:buChar char="•"/>
-              <a:defRPr sz="1800" kern="1200">
-                <a:solidFill>
-                  <a:schemeClr val="tx1"/>
-                </a:solidFill>
-                <a:latin typeface="+mn-lt"/>
-                <a:ea typeface="+mn-ea"/>
-                <a:cs typeface="+mn-cs"/>
-              </a:defRPr>
-            </a:lvl9pPr>
-          </a:lstStyle>
-          <a:p>
-            <a:pPr marL="0" indent="0">
-              <a:buFont typeface="Wingdings" pitchFamily="2" charset="2"/>
-              <a:buNone/>
-            </a:pPr>
-            <a:r>
-              <a:rPr lang="en-US" b="1" dirty="0"/>
-              <a:t>Acknowledgements</a:t>
-            </a:r>
-          </a:p>
-          <a:p>
-            <a:pPr marL="0" indent="0">
-              <a:buFont typeface="Wingdings" pitchFamily="2" charset="2"/>
-              <a:buNone/>
-            </a:pPr>
-            <a:r>
-              <a:rPr lang="en-US" dirty="0"/>
-              <a:t>The csv files noted above were downloaded from Kaggle.</a:t>
-            </a:r>
-          </a:p>
-        </p:txBody>
-      </p:sp>
       <p:pic>
         <p:nvPicPr>
-          <p:cNvPr id="16" name="Picture 15">
-            <a:extLst>
-              <a:ext uri="{FF2B5EF4-FFF2-40B4-BE49-F238E27FC236}">
-                <a16:creationId xmlns:a16="http://schemas.microsoft.com/office/drawing/2014/main" id="{700B25A2-35A3-598F-A433-83EFF98B2A9A}"/>
+          <p:cNvPr id="8" name="Picture 7">
+            <a:extLst>
+              <a:ext uri="{FF2B5EF4-FFF2-40B4-BE49-F238E27FC236}">
+                <a16:creationId xmlns:a16="http://schemas.microsoft.com/office/drawing/2014/main" id="{DC5207F9-64D0-D62C-44A5-D931BBA098A3}"/>
               </a:ext>
             </a:extLst>
           </p:cNvPr>
@@ -21900,8 +21806,38 @@
         </p:blipFill>
         <p:spPr>
           <a:xfrm>
-            <a:off x="4591878" y="2143138"/>
-            <a:ext cx="1423710" cy="1423710"/>
+            <a:off x="1424759" y="4986847"/>
+            <a:ext cx="3769942" cy="992090"/>
+          </a:xfrm>
+          <a:prstGeom prst="rect">
+            <a:avLst/>
+          </a:prstGeom>
+        </p:spPr>
+      </p:pic>
+      <p:pic>
+        <p:nvPicPr>
+          <p:cNvPr id="9" name="Picture 8">
+            <a:extLst>
+              <a:ext uri="{FF2B5EF4-FFF2-40B4-BE49-F238E27FC236}">
+                <a16:creationId xmlns:a16="http://schemas.microsoft.com/office/drawing/2014/main" id="{180BCE65-0465-F7C3-B91D-A8AF77A033C0}"/>
+              </a:ext>
+            </a:extLst>
+          </p:cNvPr>
+          <p:cNvPicPr>
+            <a:picLocks noChangeAspect="1"/>
+          </p:cNvPicPr>
+          <p:nvPr/>
+        </p:nvPicPr>
+        <p:blipFill>
+          <a:blip r:embed="rId3"/>
+          <a:stretch>
+            <a:fillRect/>
+          </a:stretch>
+        </p:blipFill>
+        <p:spPr>
+          <a:xfrm>
+            <a:off x="1418602" y="2845594"/>
+            <a:ext cx="7449084" cy="1284487"/>
           </a:xfrm>
           <a:prstGeom prst="rect">
             <a:avLst/>
@@ -21911,7 +21847,7 @@
     </p:spTree>
     <p:extLst>
       <p:ext uri="{BB962C8B-B14F-4D97-AF65-F5344CB8AC3E}">
-        <p14:creationId xmlns:p14="http://schemas.microsoft.com/office/powerpoint/2010/main" val="2088594545"/>
+        <p14:creationId xmlns:p14="http://schemas.microsoft.com/office/powerpoint/2010/main" val="3228222753"/>
       </p:ext>
     </p:extLst>
   </p:cSld>

--- a/Credit Card Fraud Detection.pptx
+++ b/Credit Card Fraud Detection.pptx
@@ -374,7 +374,7 @@
           <a:p>
             <a:fld id="{6EE7A52F-9D89-7442-A8E9-48D1527B5F6B}" type="datetimeFigureOut">
               <a:rPr lang="en-US" smtClean="0"/>
-              <a:t>2/29/2024</a:t>
+              <a:t>3/3/2024</a:t>
             </a:fld>
             <a:endParaRPr lang="en-US" dirty="0"/>
           </a:p>
@@ -12796,7 +12796,7 @@
             <a:fld id="{6FCA8E82-58CD-E045-8B98-B7A85B79B752}" type="datetime4">
               <a:rPr lang="en-US" smtClean="0"/>
               <a:pPr/>
-              <a:t>February 29, 2024</a:t>
+              <a:t>March 3, 2024</a:t>
             </a:fld>
             <a:endParaRPr lang="en-US" dirty="0">
               <a:latin typeface="+mn-lt"/>
@@ -16928,13 +16928,13 @@
   <p:clrMapOvr>
     <a:masterClrMapping/>
   </p:clrMapOvr>
-  <mc:AlternateContent xmlns:mc="http://schemas.openxmlformats.org/markup-compatibility/2006">
-    <mc:Choice xmlns:p14="http://schemas.microsoft.com/office/powerpoint/2010/main" Requires="p14">
+  <mc:AlternateContent xmlns:mc="http://schemas.openxmlformats.org/markup-compatibility/2006" xmlns:p14="http://schemas.microsoft.com/office/powerpoint/2010/main">
+    <mc:Choice Requires="p14">
       <p:transition spd="slow" p14:dur="2000">
         <p:fade/>
       </p:transition>
     </mc:Choice>
-    <mc:Fallback>
+    <mc:Fallback xmlns="">
       <p:transition spd="slow">
         <p:fade/>
       </p:transition>
@@ -17774,13 +17774,13 @@
   <p:clrMapOvr>
     <a:masterClrMapping/>
   </p:clrMapOvr>
-  <mc:AlternateContent xmlns:mc="http://schemas.openxmlformats.org/markup-compatibility/2006">
-    <mc:Choice xmlns:p14="http://schemas.microsoft.com/office/powerpoint/2010/main" Requires="p14">
+  <mc:AlternateContent xmlns:mc="http://schemas.openxmlformats.org/markup-compatibility/2006" xmlns:p14="http://schemas.microsoft.com/office/powerpoint/2010/main">
+    <mc:Choice Requires="p14">
       <p:transition spd="slow" p14:dur="2000">
         <p:fade/>
       </p:transition>
     </mc:Choice>
-    <mc:Fallback>
+    <mc:Fallback xmlns="">
       <p:transition spd="slow">
         <p:fade/>
       </p:transition>
@@ -18195,13 +18195,13 @@
   <p:clrMapOvr>
     <a:masterClrMapping/>
   </p:clrMapOvr>
-  <mc:AlternateContent xmlns:mc="http://schemas.openxmlformats.org/markup-compatibility/2006">
-    <mc:Choice xmlns:p14="http://schemas.microsoft.com/office/powerpoint/2010/main" Requires="p14">
+  <mc:AlternateContent xmlns:mc="http://schemas.openxmlformats.org/markup-compatibility/2006" xmlns:p14="http://schemas.microsoft.com/office/powerpoint/2010/main">
+    <mc:Choice Requires="p14">
       <p:transition spd="slow" p14:dur="2000">
         <p:fade/>
       </p:transition>
     </mc:Choice>
-    <mc:Fallback>
+    <mc:Fallback xmlns="">
       <p:transition spd="slow">
         <p:fade/>
       </p:transition>
@@ -18387,8 +18387,8 @@
         </p:nvSpPr>
         <p:spPr>
           <a:xfrm>
-            <a:off x="952500" y="2505075"/>
-            <a:ext cx="2133600" cy="682553"/>
+            <a:off x="952500" y="2415979"/>
+            <a:ext cx="2133600" cy="771650"/>
           </a:xfrm>
         </p:spPr>
         <p:txBody>
@@ -18400,7 +18400,7 @@
                 <a:latin typeface="Arial" panose="020B0604020202020204" pitchFamily="34" charset="0"/>
                 <a:cs typeface="Arial" panose="020B0604020202020204" pitchFamily="34" charset="0"/>
               </a:rPr>
-              <a:t>Provide an overview of our company</a:t>
+              <a:t>Provides an overview of our company</a:t>
             </a:r>
           </a:p>
         </p:txBody>
@@ -18469,7 +18469,7 @@
                 <a:latin typeface="Arial" panose="020B0604020202020204" pitchFamily="34" charset="0"/>
                 <a:cs typeface="Arial" panose="020B0604020202020204" pitchFamily="34" charset="0"/>
               </a:rPr>
-              <a:t>Discuss the solutions that we provide</a:t>
+              <a:t>Shows a snapshot of some our clients</a:t>
             </a:r>
           </a:p>
         </p:txBody>
@@ -18525,8 +18525,8 @@
         </p:nvSpPr>
         <p:spPr>
           <a:xfrm>
-            <a:off x="874643" y="5131299"/>
-            <a:ext cx="2211457" cy="932516"/>
+            <a:off x="874643" y="4750904"/>
+            <a:ext cx="2211457" cy="1312911"/>
           </a:xfrm>
         </p:spPr>
         <p:txBody>
@@ -18539,7 +18539,7 @@
                 <a:latin typeface="Arial" panose="020B0604020202020204" pitchFamily="34" charset="0"/>
                 <a:cs typeface="Arial" panose="020B0604020202020204" pitchFamily="34" charset="0"/>
               </a:rPr>
-              <a:t>TBD</a:t>
+              <a:t>Definition of the problem that our company is trying to solve</a:t>
             </a:r>
           </a:p>
         </p:txBody>
@@ -18573,7 +18573,7 @@
             <a:pPr algn="ctr"/>
             <a:r>
               <a:rPr lang="en-US" dirty="0"/>
-              <a:t>03. Our Solutions</a:t>
+              <a:t>03. The Problem</a:t>
             </a:r>
           </a:p>
         </p:txBody>
@@ -18596,8 +18596,8 @@
         </p:nvSpPr>
         <p:spPr>
           <a:xfrm>
-            <a:off x="3579742" y="5169398"/>
-            <a:ext cx="2211457" cy="698001"/>
+            <a:off x="3579742" y="4740494"/>
+            <a:ext cx="2211457" cy="1126905"/>
           </a:xfrm>
         </p:spPr>
         <p:txBody>
@@ -18610,7 +18610,7 @@
                 <a:latin typeface="Arial" panose="020B0604020202020204" pitchFamily="34" charset="0"/>
                 <a:cs typeface="Arial" panose="020B0604020202020204" pitchFamily="34" charset="0"/>
               </a:rPr>
-              <a:t>TBD</a:t>
+              <a:t>Describes Data Insight’s Solution</a:t>
             </a:r>
           </a:p>
           <a:p>
@@ -18649,7 +18649,7 @@
           <a:p>
             <a:r>
               <a:rPr lang="en-US" dirty="0"/>
-              <a:t>04. Model Demo</a:t>
+              <a:t>04. Our Solution</a:t>
             </a:r>
           </a:p>
         </p:txBody>
@@ -18672,8 +18672,8 @@
         </p:nvSpPr>
         <p:spPr>
           <a:xfrm>
-            <a:off x="6284842" y="5131299"/>
-            <a:ext cx="2211458" cy="325284"/>
+            <a:off x="6284841" y="4750904"/>
+            <a:ext cx="2342323" cy="705679"/>
           </a:xfrm>
         </p:spPr>
         <p:txBody>
@@ -18686,7 +18686,7 @@
                 <a:latin typeface="Arial" panose="020B0604020202020204" pitchFamily="34" charset="0"/>
                 <a:cs typeface="Arial" panose="020B0604020202020204" pitchFamily="34" charset="0"/>
               </a:rPr>
-              <a:t>TBD</a:t>
+              <a:t>Defines the performance of our models</a:t>
             </a:r>
           </a:p>
         </p:txBody>
@@ -18710,7 +18710,7 @@
         <p:spPr>
           <a:xfrm>
             <a:off x="6188152" y="4386067"/>
-            <a:ext cx="2129245" cy="205837"/>
+            <a:ext cx="2568222" cy="205837"/>
           </a:xfrm>
         </p:spPr>
         <p:txBody>
@@ -18720,7 +18720,7 @@
             <a:pPr algn="ctr"/>
             <a:r>
               <a:rPr lang="en-US" dirty="0"/>
-              <a:t>05. Data Analysis</a:t>
+              <a:t>05. Model Performance</a:t>
             </a:r>
           </a:p>
         </p:txBody>
@@ -18917,212 +18917,9 @@
             <a:fld id="{6FCA8E82-58CD-E045-8B98-B7A85B79B752}" type="datetime4">
               <a:rPr lang="en-US" smtClean="0"/>
               <a:pPr/>
-              <a:t>February 29, 2024</a:t>
+              <a:t>March 3, 2024</a:t>
             </a:fld>
             <a:endParaRPr lang="en-US" dirty="0"/>
-          </a:p>
-        </p:txBody>
-      </p:sp>
-      <p:sp>
-        <p:nvSpPr>
-          <p:cNvPr id="16" name="Text Placeholder 10">
-            <a:extLst>
-              <a:ext uri="{FF2B5EF4-FFF2-40B4-BE49-F238E27FC236}">
-                <a16:creationId xmlns:a16="http://schemas.microsoft.com/office/drawing/2014/main" id="{CCE18201-995F-3A1D-BB66-B36F6F325FFD}"/>
-              </a:ext>
-            </a:extLst>
-          </p:cNvPr>
-          <p:cNvSpPr txBox="1">
-            <a:spLocks/>
-          </p:cNvSpPr>
-          <p:nvPr/>
-        </p:nvSpPr>
-        <p:spPr>
-          <a:xfrm>
-            <a:off x="9091613" y="5121596"/>
-            <a:ext cx="2009774" cy="396802"/>
-          </a:xfrm>
-          <a:prstGeom prst="rect">
-            <a:avLst/>
-          </a:prstGeom>
-        </p:spPr>
-        <p:txBody>
-          <a:bodyPr vert="horz" lIns="0" tIns="0" rIns="0" bIns="0" rtlCol="0">
-            <a:noAutofit/>
-          </a:bodyPr>
-          <a:lstStyle>
-            <a:lvl1pPr marL="0" indent="0" algn="l" defTabSz="914400" rtl="0" eaLnBrk="1" latinLnBrk="0" hangingPunct="1">
-              <a:lnSpc>
-                <a:spcPct val="100000"/>
-              </a:lnSpc>
-              <a:spcBef>
-                <a:spcPts val="1000"/>
-              </a:spcBef>
-              <a:buFont typeface="Arial" panose="020B0604020202020204" pitchFamily="34" charset="0"/>
-              <a:buNone/>
-              <a:defRPr sz="1400" b="0" i="0" kern="1200">
-                <a:solidFill>
-                  <a:schemeClr val="bg1"/>
-                </a:solidFill>
-                <a:latin typeface="+mn-lt"/>
-                <a:ea typeface="+mn-ea"/>
-                <a:cs typeface="+mn-cs"/>
-              </a:defRPr>
-            </a:lvl1pPr>
-            <a:lvl2pPr marL="685800" indent="-228600" algn="l" defTabSz="914400" rtl="0" eaLnBrk="1" latinLnBrk="0" hangingPunct="1">
-              <a:lnSpc>
-                <a:spcPct val="90000"/>
-              </a:lnSpc>
-              <a:spcBef>
-                <a:spcPts val="500"/>
-              </a:spcBef>
-              <a:buFont typeface="Arial" panose="020B0604020202020204" pitchFamily="34" charset="0"/>
-              <a:buChar char="•"/>
-              <a:defRPr sz="4000" b="0" i="0" kern="1200">
-                <a:solidFill>
-                  <a:schemeClr val="bg1"/>
-                </a:solidFill>
-                <a:latin typeface="+mn-lt"/>
-                <a:ea typeface="+mn-ea"/>
-                <a:cs typeface="+mn-cs"/>
-              </a:defRPr>
-            </a:lvl2pPr>
-            <a:lvl3pPr marL="1143000" indent="-228600" algn="l" defTabSz="914400" rtl="0" eaLnBrk="1" latinLnBrk="0" hangingPunct="1">
-              <a:lnSpc>
-                <a:spcPct val="90000"/>
-              </a:lnSpc>
-              <a:spcBef>
-                <a:spcPts val="500"/>
-              </a:spcBef>
-              <a:buFont typeface="Arial" panose="020B0604020202020204" pitchFamily="34" charset="0"/>
-              <a:buChar char="•"/>
-              <a:defRPr sz="4000" b="0" i="0" kern="1200">
-                <a:solidFill>
-                  <a:schemeClr val="bg1"/>
-                </a:solidFill>
-                <a:latin typeface="+mn-lt"/>
-                <a:ea typeface="+mn-ea"/>
-                <a:cs typeface="+mn-cs"/>
-              </a:defRPr>
-            </a:lvl3pPr>
-            <a:lvl4pPr marL="1600200" indent="-228600" algn="l" defTabSz="914400" rtl="0" eaLnBrk="1" latinLnBrk="0" hangingPunct="1">
-              <a:lnSpc>
-                <a:spcPct val="90000"/>
-              </a:lnSpc>
-              <a:spcBef>
-                <a:spcPts val="500"/>
-              </a:spcBef>
-              <a:buFont typeface="Arial" panose="020B0604020202020204" pitchFamily="34" charset="0"/>
-              <a:buChar char="•"/>
-              <a:defRPr sz="4000" b="0" i="0" kern="1200">
-                <a:solidFill>
-                  <a:schemeClr val="bg1"/>
-                </a:solidFill>
-                <a:latin typeface="+mn-lt"/>
-                <a:ea typeface="+mn-ea"/>
-                <a:cs typeface="+mn-cs"/>
-              </a:defRPr>
-            </a:lvl4pPr>
-            <a:lvl5pPr marL="2057400" indent="-228600" algn="l" defTabSz="914400" rtl="0" eaLnBrk="1" latinLnBrk="0" hangingPunct="1">
-              <a:lnSpc>
-                <a:spcPct val="90000"/>
-              </a:lnSpc>
-              <a:spcBef>
-                <a:spcPts val="500"/>
-              </a:spcBef>
-              <a:buFont typeface="Arial" panose="020B0604020202020204" pitchFamily="34" charset="0"/>
-              <a:buChar char="•"/>
-              <a:defRPr sz="4000" b="0" i="0" kern="1200">
-                <a:solidFill>
-                  <a:schemeClr val="bg1"/>
-                </a:solidFill>
-                <a:latin typeface="+mn-lt"/>
-                <a:ea typeface="+mn-ea"/>
-                <a:cs typeface="+mn-cs"/>
-              </a:defRPr>
-            </a:lvl5pPr>
-            <a:lvl6pPr marL="2514600" indent="-228600" algn="l" defTabSz="914400" rtl="0" eaLnBrk="1" latinLnBrk="0" hangingPunct="1">
-              <a:lnSpc>
-                <a:spcPct val="90000"/>
-              </a:lnSpc>
-              <a:spcBef>
-                <a:spcPts val="500"/>
-              </a:spcBef>
-              <a:buFont typeface="Arial" panose="020B0604020202020204" pitchFamily="34" charset="0"/>
-              <a:buChar char="•"/>
-              <a:defRPr sz="1800" kern="1200">
-                <a:solidFill>
-                  <a:schemeClr val="tx1"/>
-                </a:solidFill>
-                <a:latin typeface="+mn-lt"/>
-                <a:ea typeface="+mn-ea"/>
-                <a:cs typeface="+mn-cs"/>
-              </a:defRPr>
-            </a:lvl6pPr>
-            <a:lvl7pPr marL="2971800" indent="-228600" algn="l" defTabSz="914400" rtl="0" eaLnBrk="1" latinLnBrk="0" hangingPunct="1">
-              <a:lnSpc>
-                <a:spcPct val="90000"/>
-              </a:lnSpc>
-              <a:spcBef>
-                <a:spcPts val="500"/>
-              </a:spcBef>
-              <a:buFont typeface="Arial" panose="020B0604020202020204" pitchFamily="34" charset="0"/>
-              <a:buChar char="•"/>
-              <a:defRPr sz="1800" kern="1200">
-                <a:solidFill>
-                  <a:schemeClr val="tx1"/>
-                </a:solidFill>
-                <a:latin typeface="+mn-lt"/>
-                <a:ea typeface="+mn-ea"/>
-                <a:cs typeface="+mn-cs"/>
-              </a:defRPr>
-            </a:lvl7pPr>
-            <a:lvl8pPr marL="3429000" indent="-228600" algn="l" defTabSz="914400" rtl="0" eaLnBrk="1" latinLnBrk="0" hangingPunct="1">
-              <a:lnSpc>
-                <a:spcPct val="90000"/>
-              </a:lnSpc>
-              <a:spcBef>
-                <a:spcPts val="500"/>
-              </a:spcBef>
-              <a:buFont typeface="Arial" panose="020B0604020202020204" pitchFamily="34" charset="0"/>
-              <a:buChar char="•"/>
-              <a:defRPr sz="1800" kern="1200">
-                <a:solidFill>
-                  <a:schemeClr val="tx1"/>
-                </a:solidFill>
-                <a:latin typeface="+mn-lt"/>
-                <a:ea typeface="+mn-ea"/>
-                <a:cs typeface="+mn-cs"/>
-              </a:defRPr>
-            </a:lvl8pPr>
-            <a:lvl9pPr marL="3886200" indent="-228600" algn="l" defTabSz="914400" rtl="0" eaLnBrk="1" latinLnBrk="0" hangingPunct="1">
-              <a:lnSpc>
-                <a:spcPct val="90000"/>
-              </a:lnSpc>
-              <a:spcBef>
-                <a:spcPts val="500"/>
-              </a:spcBef>
-              <a:buFont typeface="Arial" panose="020B0604020202020204" pitchFamily="34" charset="0"/>
-              <a:buChar char="•"/>
-              <a:defRPr sz="1800" kern="1200">
-                <a:solidFill>
-                  <a:schemeClr val="tx1"/>
-                </a:solidFill>
-                <a:latin typeface="+mn-lt"/>
-                <a:ea typeface="+mn-ea"/>
-                <a:cs typeface="+mn-cs"/>
-              </a:defRPr>
-            </a:lvl9pPr>
-          </a:lstStyle>
-          <a:p>
-            <a:pPr algn="ctr"/>
-            <a:r>
-              <a:rPr lang="en-US" sz="1600" dirty="0">
-                <a:latin typeface="Arial" panose="020B0604020202020204" pitchFamily="34" charset="0"/>
-                <a:cs typeface="Arial" panose="020B0604020202020204" pitchFamily="34" charset="0"/>
-              </a:rPr>
-              <a:t>TBD</a:t>
-            </a:r>
           </a:p>
         </p:txBody>
       </p:sp>
@@ -19447,7 +19244,7 @@
         <p:spPr>
           <a:xfrm>
             <a:off x="971549" y="2105025"/>
-            <a:ext cx="9872041" cy="3987662"/>
+            <a:ext cx="9872041" cy="2874479"/>
           </a:xfrm>
         </p:spPr>
         <p:txBody>
@@ -19455,59 +19252,63 @@
           <a:lstStyle/>
           <a:p>
             <a:r>
-              <a:rPr lang="en-US" sz="1800" dirty="0" err="1">
-                <a:latin typeface="Arial" panose="020B0604020202020204" pitchFamily="34" charset="0"/>
-                <a:cs typeface="Arial" panose="020B0604020202020204" pitchFamily="34" charset="0"/>
-              </a:rPr>
-              <a:t>DataInsight</a:t>
-            </a:r>
-            <a:r>
               <a:rPr lang="en-US" sz="1800" dirty="0">
                 <a:latin typeface="Arial" panose="020B0604020202020204" pitchFamily="34" charset="0"/>
                 <a:cs typeface="Arial" panose="020B0604020202020204" pitchFamily="34" charset="0"/>
               </a:rPr>
-              <a:t> Solutions is a dynamic startup at the forefront of harnessing the power of data science to drive innovation and informed decision-making. </a:t>
-            </a:r>
-          </a:p>
-          <a:p>
+              <a:t>Data Insight Solutions is a </a:t>
+            </a:r>
+          </a:p>
+          <a:p>
+            <a:pPr marL="285750" indent="-285750">
+              <a:buFont typeface="Arial" panose="020B0604020202020204" pitchFamily="34" charset="0"/>
+              <a:buChar char="•"/>
+            </a:pPr>
             <a:r>
               <a:rPr lang="en-US" sz="1800" dirty="0">
                 <a:latin typeface="Arial" panose="020B0604020202020204" pitchFamily="34" charset="0"/>
                 <a:cs typeface="Arial" panose="020B0604020202020204" pitchFamily="34" charset="0"/>
               </a:rPr>
-              <a:t>Founded by a team of experienced data scientists and industry experts, we offer cutting-edge solutions to unlock the full potential of data for businesses across various sectors. </a:t>
-            </a:r>
-          </a:p>
-          <a:p>
+              <a:t>Dynamic startup at the forefront of harnessing the power of data science to drive innovation and informed decision-making. </a:t>
+            </a:r>
+          </a:p>
+          <a:p>
+            <a:pPr marL="285750" indent="-285750">
+              <a:buFont typeface="Arial" panose="020B0604020202020204" pitchFamily="34" charset="0"/>
+              <a:buChar char="•"/>
+            </a:pPr>
             <a:r>
               <a:rPr lang="en-US" sz="1800" dirty="0">
                 <a:latin typeface="Arial" panose="020B0604020202020204" pitchFamily="34" charset="0"/>
                 <a:cs typeface="Arial" panose="020B0604020202020204" pitchFamily="34" charset="0"/>
               </a:rPr>
-              <a:t>From predictive analytics to machine learning and AI-driven insights, we empower our clients to extract actionable intelligence from their data, enabling them to stay ahead in today's rapidly evolving digital landscape. </a:t>
-            </a:r>
-          </a:p>
-          <a:p>
+              <a:t>Founded by a team of experienced data scientists and industry experts, </a:t>
+            </a:r>
+          </a:p>
+          <a:p>
+            <a:pPr marL="285750" indent="-285750">
+              <a:buFont typeface="Arial" panose="020B0604020202020204" pitchFamily="34" charset="0"/>
+              <a:buChar char="•"/>
+            </a:pPr>
             <a:r>
               <a:rPr lang="en-US" sz="1800" dirty="0">
                 <a:latin typeface="Arial" panose="020B0604020202020204" pitchFamily="34" charset="0"/>
                 <a:cs typeface="Arial" panose="020B0604020202020204" pitchFamily="34" charset="0"/>
               </a:rPr>
-              <a:t>Our commitment to excellence, coupled with a passion for solving complex challenges, sets us apart as the trusted partner for organizations seeking to leverage data as a strategic asset. At </a:t>
-            </a:r>
-            <a:r>
-              <a:rPr lang="en-US" sz="1800" dirty="0" err="1">
-                <a:latin typeface="Arial" panose="020B0604020202020204" pitchFamily="34" charset="0"/>
-                <a:cs typeface="Arial" panose="020B0604020202020204" pitchFamily="34" charset="0"/>
-              </a:rPr>
-              <a:t>DataInsight</a:t>
-            </a:r>
+              <a:t>Offers cutting-edge solutions to unlock the full potential of data for businesses across various sectors. </a:t>
+            </a:r>
+          </a:p>
+          <a:p>
+            <a:pPr marL="285750" indent="-285750">
+              <a:buFont typeface="Arial" panose="020B0604020202020204" pitchFamily="34" charset="0"/>
+              <a:buChar char="•"/>
+            </a:pPr>
             <a:r>
               <a:rPr lang="en-US" sz="1800" dirty="0">
                 <a:latin typeface="Arial" panose="020B0604020202020204" pitchFamily="34" charset="0"/>
                 <a:cs typeface="Arial" panose="020B0604020202020204" pitchFamily="34" charset="0"/>
               </a:rPr>
-              <a:t> Solutions, we turn data into value, transforming businesses and shaping the future of industries.</a:t>
+              <a:t>We have a passion for solving complex challenges for organizations seeking to leverage data as a strategic asset. </a:t>
             </a:r>
             <a:endParaRPr lang="en-US" dirty="0"/>
           </a:p>
@@ -19708,7 +19509,7 @@
             <a:fld id="{6FCA8E82-58CD-E045-8B98-B7A85B79B752}" type="datetime4">
               <a:rPr lang="en-US" smtClean="0"/>
               <a:pPr/>
-              <a:t>February 29, 2024</a:t>
+              <a:t>March 3, 2024</a:t>
             </a:fld>
             <a:endParaRPr lang="en-US" dirty="0"/>
           </a:p>
@@ -19984,7 +19785,7 @@
             <a:fld id="{6FCA8E82-58CD-E045-8B98-B7A85B79B752}" type="datetime4">
               <a:rPr lang="en-US" smtClean="0"/>
               <a:pPr/>
-              <a:t>February 29, 2024</a:t>
+              <a:t>March 3, 2024</a:t>
             </a:fld>
             <a:endParaRPr lang="en-US" dirty="0"/>
           </a:p>
@@ -22661,15 +22462,6 @@
 </file>
 
 <file path=customXml/item1.xml><?xml version="1.0" encoding="utf-8"?>
-<?mso-contentType ?>
-<FormTemplates xmlns="http://schemas.microsoft.com/sharepoint/v3/contenttype/forms">
-  <Display>DocumentLibraryForm</Display>
-  <Edit>DocumentLibraryForm</Edit>
-  <New>DocumentLibraryForm</New>
-</FormTemplates>
-</file>
-
-<file path=customXml/item2.xml><?xml version="1.0" encoding="utf-8"?>
 <ct:contentTypeSchema xmlns:ct="http://schemas.microsoft.com/office/2006/metadata/contentType" xmlns:ma="http://schemas.microsoft.com/office/2006/metadata/properties/metaAttributes" ct:_="" ma:_="" ma:contentTypeName="Document" ma:contentTypeID="0x01010079F111ED35F8CC479449609E8A0923A6" ma:contentTypeVersion="28" ma:contentTypeDescription="Create a new document." ma:contentTypeScope="" ma:versionID="60f5a4f2d2b0abadcf532d48ebf9cb71">
   <xsd:schema xmlns:xsd="http://www.w3.org/2001/XMLSchema" xmlns:xs="http://www.w3.org/2001/XMLSchema" xmlns:p="http://schemas.microsoft.com/office/2006/metadata/properties" xmlns:ns1="http://schemas.microsoft.com/sharepoint/v3" xmlns:ns2="71af3243-3dd4-4a8d-8c0d-dd76da1f02a5" xmlns:ns3="16c05727-aa75-4e4a-9b5f-8a80a1165891" xmlns:ns4="230e9df3-be65-4c73-a93b-d1236ebd677e" targetNamespace="http://schemas.microsoft.com/office/2006/metadata/properties" ma:root="true" ma:fieldsID="7dd78129e6a1811f84807ad11c651531" ns1:_="" ns2:_="" ns3:_="" ns4:_="">
     <xsd:import namespace="http://schemas.microsoft.com/sharepoint/v3"/>
@@ -22981,6 +22773,15 @@
 </ct:contentTypeSchema>
 </file>
 
+<file path=customXml/item2.xml><?xml version="1.0" encoding="utf-8"?>
+<?mso-contentType ?>
+<FormTemplates xmlns="http://schemas.microsoft.com/sharepoint/v3/contenttype/forms">
+  <Display>DocumentLibraryForm</Display>
+  <Edit>DocumentLibraryForm</Edit>
+  <New>DocumentLibraryForm</New>
+</FormTemplates>
+</file>
+
 <file path=customXml/item3.xml><?xml version="1.0" encoding="utf-8"?>
 <p:properties xmlns:p="http://schemas.microsoft.com/office/2006/metadata/properties" xmlns:xsi="http://www.w3.org/2001/XMLSchema-instance" xmlns:pc="http://schemas.microsoft.com/office/infopath/2007/PartnerControls">
   <documentManagement>
@@ -23002,14 +22803,6 @@
 </file>
 
 <file path=customXml/itemProps1.xml><?xml version="1.0" encoding="utf-8"?>
-<ds:datastoreItem xmlns:ds="http://schemas.openxmlformats.org/officeDocument/2006/customXml" ds:itemID="{F1446DA3-37A7-4516-A4F6-8B99D0D312BF}">
-  <ds:schemaRefs>
-    <ds:schemaRef ds:uri="http://schemas.microsoft.com/sharepoint/v3/contenttype/forms"/>
-  </ds:schemaRefs>
-</ds:datastoreItem>
-</file>
-
-<file path=customXml/itemProps2.xml><?xml version="1.0" encoding="utf-8"?>
 <ds:datastoreItem xmlns:ds="http://schemas.openxmlformats.org/officeDocument/2006/customXml" ds:itemID="{A6EBEE06-2B28-4E77-9CB6-A74873B39256}">
   <ds:schemaRefs>
     <ds:schemaRef ds:uri="http://schemas.microsoft.com/office/2006/metadata/contentType"/>
@@ -23030,6 +22823,14 @@
 </ds:datastoreItem>
 </file>
 
+<file path=customXml/itemProps2.xml><?xml version="1.0" encoding="utf-8"?>
+<ds:datastoreItem xmlns:ds="http://schemas.openxmlformats.org/officeDocument/2006/customXml" ds:itemID="{F1446DA3-37A7-4516-A4F6-8B99D0D312BF}">
+  <ds:schemaRefs>
+    <ds:schemaRef ds:uri="http://schemas.microsoft.com/sharepoint/v3/contenttype/forms"/>
+  </ds:schemaRefs>
+</ds:datastoreItem>
+</file>
+
 <file path=customXml/itemProps3.xml><?xml version="1.0" encoding="utf-8"?>
 <ds:datastoreItem xmlns:ds="http://schemas.openxmlformats.org/officeDocument/2006/customXml" ds:itemID="{6CC8E66C-AC30-44BA-8882-3290DF968F1F}">
   <ds:schemaRefs>

--- a/Credit Card Fraud Detection.pptx
+++ b/Credit Card Fraud Detection.pptx
@@ -13400,8 +13400,8 @@
         </p:nvSpPr>
         <p:spPr>
           <a:xfrm>
-            <a:off x="3273040" y="2116182"/>
-            <a:ext cx="8455550" cy="1514019"/>
+            <a:off x="1239140" y="2116182"/>
+            <a:ext cx="10489450" cy="1514019"/>
           </a:xfrm>
         </p:spPr>
         <p:txBody>
@@ -13410,8 +13410,22 @@
           <a:p>
             <a:pPr algn="ctr"/>
             <a:r>
-              <a:rPr lang="en-US" dirty="0"/>
-              <a:t>Minimize Risk in Credit Card Transactions </a:t>
+              <a:rPr lang="en-US" sz="4400" dirty="0"/>
+              <a:t>Credit Card Fraud Detection Model</a:t>
+            </a:r>
+            <a:br>
+              <a:rPr lang="en-US" sz="4400" dirty="0"/>
+            </a:br>
+            <a:r>
+              <a:rPr lang="en-US" sz="4400" i="1" dirty="0"/>
+              <a:t>presented to</a:t>
+            </a:r>
+            <a:br>
+              <a:rPr lang="en-US" sz="4400" dirty="0"/>
+            </a:br>
+            <a:r>
+              <a:rPr lang="en-US" sz="4400" dirty="0"/>
+              <a:t>Capital One Bank</a:t>
             </a:r>
           </a:p>
         </p:txBody>
@@ -14184,8 +14198,8 @@
         </p:nvSpPr>
         <p:spPr>
           <a:xfrm>
-            <a:off x="5221481" y="3045437"/>
-            <a:ext cx="6913940" cy="610863"/>
+            <a:off x="4572000" y="3045437"/>
+            <a:ext cx="7563421" cy="610863"/>
           </a:xfrm>
         </p:spPr>
         <p:txBody>
@@ -14200,7 +14214,7 @@
                   <a:schemeClr val="bg1"/>
                 </a:solidFill>
               </a:rPr>
-              <a:t>Model </a:t>
+              <a:t>5. Model </a:t>
             </a:r>
             <a:r>
               <a:rPr lang="en-US" sz="6000" dirty="0" err="1">
@@ -14237,8 +14251,8 @@
         </p:nvCxnSpPr>
         <p:spPr>
           <a:xfrm>
-            <a:off x="5324030" y="4003877"/>
-            <a:ext cx="6392254" cy="0"/>
+            <a:off x="4572000" y="4003877"/>
+            <a:ext cx="7144284" cy="0"/>
           </a:xfrm>
           <a:prstGeom prst="line">
             <a:avLst/>
@@ -14421,7 +14435,7 @@
           <p:nvPr>
             <p:extLst>
               <p:ext uri="{D42A27DB-BD31-4B8C-83A1-F6EECF244321}">
-                <p14:modId xmlns:p14="http://schemas.microsoft.com/office/powerpoint/2010/main" val="67868518"/>
+                <p14:modId xmlns:p14="http://schemas.microsoft.com/office/powerpoint/2010/main" val="3329488353"/>
               </p:ext>
             </p:extLst>
           </p:nvPr>
@@ -14628,7 +14642,7 @@
                     <a:p>
                       <a:r>
                         <a:rPr lang="en-US" sz="1400" dirty="0"/>
-                        <a:t>1.0</a:t>
+                        <a:t>0.93</a:t>
                       </a:r>
                     </a:p>
                   </a:txBody>
@@ -14654,7 +14668,7 @@
                     <a:p>
                       <a:r>
                         <a:rPr lang="en-US" sz="1400" dirty="0"/>
-                        <a:t>0.76</a:t>
+                        <a:t>0.85</a:t>
                       </a:r>
                     </a:p>
                   </a:txBody>
@@ -14667,7 +14681,7 @@
                     <a:p>
                       <a:r>
                         <a:rPr lang="en-US" sz="1400" dirty="0"/>
-                        <a:t>1.00</a:t>
+                        <a:t>0.69</a:t>
                       </a:r>
                     </a:p>
                   </a:txBody>
@@ -14680,7 +14694,7 @@
                     <a:p>
                       <a:r>
                         <a:rPr lang="en-US" sz="1400" dirty="0"/>
-                        <a:t>0.87</a:t>
+                        <a:t>1.0</a:t>
                       </a:r>
                     </a:p>
                   </a:txBody>
@@ -14999,7 +15013,7 @@
                     <a:p>
                       <a:r>
                         <a:rPr lang="en-US" sz="1400" dirty="0"/>
-                        <a:t>0.99950</a:t>
+                        <a:t>0.87833</a:t>
                       </a:r>
                     </a:p>
                   </a:txBody>
@@ -15012,7 +15026,7 @@
                     <a:p>
                       <a:r>
                         <a:rPr lang="en-US" sz="1400" dirty="0"/>
-                        <a:t>0.78</a:t>
+                        <a:t>0.76</a:t>
                       </a:r>
                     </a:p>
                   </a:txBody>
@@ -15038,7 +15052,7 @@
                     <a:p>
                       <a:r>
                         <a:rPr lang="en-US" sz="1400" dirty="0"/>
-                        <a:t>0.91</a:t>
+                        <a:t>0.92</a:t>
                       </a:r>
                     </a:p>
                   </a:txBody>
@@ -16984,8 +16998,8 @@
         </p:nvSpPr>
         <p:spPr>
           <a:xfrm>
-            <a:off x="964023" y="1170774"/>
-            <a:ext cx="7789452" cy="427289"/>
+            <a:off x="760576" y="1170774"/>
+            <a:ext cx="7992899" cy="427289"/>
           </a:xfrm>
         </p:spPr>
         <p:txBody>
@@ -16996,7 +17010,7 @@
           <a:p>
             <a:r>
               <a:rPr lang="en-US" sz="3200" dirty="0"/>
-              <a:t>Recommendations</a:t>
+              <a:t>6.0 Conclusion and Recommendation</a:t>
             </a:r>
           </a:p>
         </p:txBody>
@@ -17282,8 +17296,8 @@
         </p:nvSpPr>
         <p:spPr>
           <a:xfrm>
-            <a:off x="636103" y="2306016"/>
-            <a:ext cx="9293085" cy="462956"/>
+            <a:off x="562831" y="2306016"/>
+            <a:ext cx="9366358" cy="462956"/>
           </a:xfrm>
           <a:prstGeom prst="rect">
             <a:avLst/>
@@ -19269,7 +19283,7 @@
                 <a:latin typeface="Arial" panose="020B0604020202020204" pitchFamily="34" charset="0"/>
                 <a:cs typeface="Arial" panose="020B0604020202020204" pitchFamily="34" charset="0"/>
               </a:rPr>
-              <a:t>Dynamic startup at the forefront of harnessing the power of data science to drive innovation and informed decision-making. </a:t>
+              <a:t>Dynamic startup that is at the forefront of harnessing the power of data science in order to drive innovation and informed decision-making. </a:t>
             </a:r>
           </a:p>
           <a:p>
@@ -19661,136 +19675,6 @@
           </a:p>
         </p:txBody>
       </p:sp>
-      <p:sp>
-        <p:nvSpPr>
-          <p:cNvPr id="8" name="Date Placeholder 3">
-            <a:extLst>
-              <a:ext uri="{FF2B5EF4-FFF2-40B4-BE49-F238E27FC236}">
-                <a16:creationId xmlns:a16="http://schemas.microsoft.com/office/drawing/2014/main" id="{6CE6A19B-EB4A-E978-623B-9C3909377A64}"/>
-              </a:ext>
-            </a:extLst>
-          </p:cNvPr>
-          <p:cNvSpPr txBox="1">
-            <a:spLocks/>
-          </p:cNvSpPr>
-          <p:nvPr/>
-        </p:nvSpPr>
-        <p:spPr>
-          <a:xfrm>
-            <a:off x="2992120" y="6332220"/>
-            <a:ext cx="1313180" cy="247651"/>
-          </a:xfrm>
-          <a:prstGeom prst="rect">
-            <a:avLst/>
-          </a:prstGeom>
-        </p:spPr>
-        <p:txBody>
-          <a:bodyPr vert="horz" lIns="0" tIns="0" rIns="0" bIns="0" rtlCol="0" anchor="t" anchorCtr="0"/>
-          <a:lstStyle>
-            <a:defPPr>
-              <a:defRPr lang="en-US"/>
-            </a:defPPr>
-            <a:lvl1pPr marL="0" algn="l" defTabSz="914400" rtl="0" eaLnBrk="1" latinLnBrk="0" hangingPunct="1">
-              <a:defRPr sz="1100" b="0" i="0" kern="1200">
-                <a:solidFill>
-                  <a:schemeClr val="bg1"/>
-                </a:solidFill>
-                <a:latin typeface="+mn-lt"/>
-                <a:ea typeface="+mn-ea"/>
-                <a:cs typeface="+mn-cs"/>
-              </a:defRPr>
-            </a:lvl1pPr>
-            <a:lvl2pPr marL="457200" algn="l" defTabSz="914400" rtl="0" eaLnBrk="1" latinLnBrk="0" hangingPunct="1">
-              <a:defRPr sz="1800" kern="1200">
-                <a:solidFill>
-                  <a:schemeClr val="tx1"/>
-                </a:solidFill>
-                <a:latin typeface="+mn-lt"/>
-                <a:ea typeface="+mn-ea"/>
-                <a:cs typeface="+mn-cs"/>
-              </a:defRPr>
-            </a:lvl2pPr>
-            <a:lvl3pPr marL="914400" algn="l" defTabSz="914400" rtl="0" eaLnBrk="1" latinLnBrk="0" hangingPunct="1">
-              <a:defRPr sz="1800" kern="1200">
-                <a:solidFill>
-                  <a:schemeClr val="tx1"/>
-                </a:solidFill>
-                <a:latin typeface="+mn-lt"/>
-                <a:ea typeface="+mn-ea"/>
-                <a:cs typeface="+mn-cs"/>
-              </a:defRPr>
-            </a:lvl3pPr>
-            <a:lvl4pPr marL="1371600" algn="l" defTabSz="914400" rtl="0" eaLnBrk="1" latinLnBrk="0" hangingPunct="1">
-              <a:defRPr sz="1800" kern="1200">
-                <a:solidFill>
-                  <a:schemeClr val="tx1"/>
-                </a:solidFill>
-                <a:latin typeface="+mn-lt"/>
-                <a:ea typeface="+mn-ea"/>
-                <a:cs typeface="+mn-cs"/>
-              </a:defRPr>
-            </a:lvl4pPr>
-            <a:lvl5pPr marL="1828800" algn="l" defTabSz="914400" rtl="0" eaLnBrk="1" latinLnBrk="0" hangingPunct="1">
-              <a:defRPr sz="1800" kern="1200">
-                <a:solidFill>
-                  <a:schemeClr val="tx1"/>
-                </a:solidFill>
-                <a:latin typeface="+mn-lt"/>
-                <a:ea typeface="+mn-ea"/>
-                <a:cs typeface="+mn-cs"/>
-              </a:defRPr>
-            </a:lvl5pPr>
-            <a:lvl6pPr marL="2286000" algn="l" defTabSz="914400" rtl="0" eaLnBrk="1" latinLnBrk="0" hangingPunct="1">
-              <a:defRPr sz="1800" kern="1200">
-                <a:solidFill>
-                  <a:schemeClr val="tx1"/>
-                </a:solidFill>
-                <a:latin typeface="+mn-lt"/>
-                <a:ea typeface="+mn-ea"/>
-                <a:cs typeface="+mn-cs"/>
-              </a:defRPr>
-            </a:lvl6pPr>
-            <a:lvl7pPr marL="2743200" algn="l" defTabSz="914400" rtl="0" eaLnBrk="1" latinLnBrk="0" hangingPunct="1">
-              <a:defRPr sz="1800" kern="1200">
-                <a:solidFill>
-                  <a:schemeClr val="tx1"/>
-                </a:solidFill>
-                <a:latin typeface="+mn-lt"/>
-                <a:ea typeface="+mn-ea"/>
-                <a:cs typeface="+mn-cs"/>
-              </a:defRPr>
-            </a:lvl7pPr>
-            <a:lvl8pPr marL="3200400" algn="l" defTabSz="914400" rtl="0" eaLnBrk="1" latinLnBrk="0" hangingPunct="1">
-              <a:defRPr sz="1800" kern="1200">
-                <a:solidFill>
-                  <a:schemeClr val="tx1"/>
-                </a:solidFill>
-                <a:latin typeface="+mn-lt"/>
-                <a:ea typeface="+mn-ea"/>
-                <a:cs typeface="+mn-cs"/>
-              </a:defRPr>
-            </a:lvl8pPr>
-            <a:lvl9pPr marL="3657600" algn="l" defTabSz="914400" rtl="0" eaLnBrk="1" latinLnBrk="0" hangingPunct="1">
-              <a:defRPr sz="1800" kern="1200">
-                <a:solidFill>
-                  <a:schemeClr val="tx1"/>
-                </a:solidFill>
-                <a:latin typeface="+mn-lt"/>
-                <a:ea typeface="+mn-ea"/>
-                <a:cs typeface="+mn-cs"/>
-              </a:defRPr>
-            </a:lvl9pPr>
-          </a:lstStyle>
-          <a:p>
-            <a:fld id="{6FCA8E82-58CD-E045-8B98-B7A85B79B752}" type="datetime4">
-              <a:rPr lang="en-US" smtClean="0"/>
-              <a:pPr/>
-              <a:t>March 3, 2024</a:t>
-            </a:fld>
-            <a:endParaRPr lang="en-US" dirty="0"/>
-          </a:p>
-        </p:txBody>
-      </p:sp>
       <p:pic>
         <p:nvPicPr>
           <p:cNvPr id="12" name="Picture 11">
@@ -20055,7 +19939,7 @@
           <a:p>
             <a:r>
               <a:rPr lang="en-US" sz="6000" dirty="0"/>
-              <a:t>2. The Problem</a:t>
+              <a:t>3. The Problem</a:t>
             </a:r>
           </a:p>
         </p:txBody>
@@ -20471,7 +20355,10 @@
           </a:lstStyle>
           <a:p>
             <a:r>
-              <a:rPr lang="en-US" sz="1800" dirty="0"/>
+              <a:rPr lang="en-US" sz="1800" dirty="0">
+                <a:latin typeface="Arial" panose="020B0604020202020204" pitchFamily="34" charset="0"/>
+                <a:cs typeface="Arial" panose="020B0604020202020204" pitchFamily="34" charset="0"/>
+              </a:rPr>
               <a:t>In the complex landscape of financial transactions, the paramount challenge for banks is the identification and prevention of credit card fraud. The issues that complicate credit card fraud detection include:</a:t>
             </a:r>
           </a:p>
@@ -20481,7 +20368,10 @@
               <a:buAutoNum type="arabicPeriod"/>
             </a:pPr>
             <a:r>
-              <a:rPr lang="en-US" sz="1800" dirty="0"/>
+              <a:rPr lang="en-US" sz="1800" dirty="0">
+                <a:latin typeface="Arial" panose="020B0604020202020204" pitchFamily="34" charset="0"/>
+                <a:cs typeface="Arial" panose="020B0604020202020204" pitchFamily="34" charset="0"/>
+              </a:rPr>
               <a:t>Extensive Data Analysis: Our banking systems process an overwhelming amount of transactions daily, necessitating a fraud detection model that is both efficient and effective.</a:t>
             </a:r>
           </a:p>
@@ -20491,7 +20381,10 @@
               <a:buAutoNum type="arabicPeriod"/>
             </a:pPr>
             <a:r>
-              <a:rPr lang="en-US" sz="1800" dirty="0"/>
+              <a:rPr lang="en-US" sz="1800" dirty="0">
+                <a:latin typeface="Arial" panose="020B0604020202020204" pitchFamily="34" charset="0"/>
+                <a:cs typeface="Arial" panose="020B0604020202020204" pitchFamily="34" charset="0"/>
+              </a:rPr>
               <a:t>Prevalence of Non-Fraudulent Transactions: With the vast majority (99.8%) of transactions being legitimate, distinguishing the fraudulent ones becomes a substantial task.</a:t>
             </a:r>
           </a:p>
@@ -20501,7 +20394,10 @@
               <a:buAutoNum type="arabicPeriod"/>
             </a:pPr>
             <a:r>
-              <a:rPr lang="en-US" sz="1800" dirty="0"/>
+              <a:rPr lang="en-US" sz="1800" dirty="0">
+                <a:latin typeface="Arial" panose="020B0604020202020204" pitchFamily="34" charset="0"/>
+                <a:cs typeface="Arial" panose="020B0604020202020204" pitchFamily="34" charset="0"/>
+              </a:rPr>
               <a:t>Privacy-Protected Data: Access to transaction data is restricted due to privacy concerns, which can hinder fraud detection efforts.</a:t>
             </a:r>
           </a:p>
@@ -20511,10 +20407,16 @@
               <a:buAutoNum type="arabicPeriod"/>
             </a:pPr>
             <a:r>
-              <a:rPr lang="en-US" sz="1800" dirty="0"/>
+              <a:rPr lang="en-US" sz="1800" dirty="0">
+                <a:latin typeface="Arial" panose="020B0604020202020204" pitchFamily="34" charset="0"/>
+                <a:cs typeface="Arial" panose="020B0604020202020204" pitchFamily="34" charset="0"/>
+              </a:rPr>
               <a:t>Risk of Misclassification: The potential for fraudulent transactions to go undetected or be wrongly classified poses a significant threat.</a:t>
             </a:r>
-            <a:endParaRPr lang="en-US" dirty="0"/>
+            <a:endParaRPr lang="en-US" dirty="0">
+              <a:latin typeface="Arial" panose="020B0604020202020204" pitchFamily="34" charset="0"/>
+              <a:cs typeface="Arial" panose="020B0604020202020204" pitchFamily="34" charset="0"/>
+            </a:endParaRPr>
           </a:p>
         </p:txBody>
       </p:sp>
@@ -21052,7 +20954,7 @@
           <a:p>
             <a:r>
               <a:rPr lang="en-US" sz="6000" dirty="0"/>
-              <a:t>3. DataInsight’s Solution</a:t>
+              <a:t>4. DataInsight’s Solution</a:t>
             </a:r>
           </a:p>
         </p:txBody>
